--- a/CRTP.pptx
+++ b/CRTP.pptx
@@ -5,7 +5,7 @@
     <p:sldMasterId id="2147483804" r:id="rId1"/>
   </p:sldMasterIdLst>
   <p:notesMasterIdLst>
-    <p:notesMasterId r:id="rId14"/>
+    <p:notesMasterId r:id="rId16"/>
   </p:notesMasterIdLst>
   <p:sldIdLst>
     <p:sldId id="256" r:id="rId2"/>
@@ -19,7 +19,9 @@
     <p:sldId id="264" r:id="rId10"/>
     <p:sldId id="265" r:id="rId11"/>
     <p:sldId id="270" r:id="rId12"/>
-    <p:sldId id="271" r:id="rId13"/>
+    <p:sldId id="275" r:id="rId13"/>
+    <p:sldId id="276" r:id="rId14"/>
+    <p:sldId id="271" r:id="rId15"/>
   </p:sldIdLst>
   <p:sldSz cx="12192000" cy="6858000"/>
   <p:notesSz cx="6858000" cy="9144000"/>
@@ -602,112 +604,6 @@
           <a:lstStyle/>
           <a:p>
             <a:pPr rtl="0"/>
-            <a:r>
-              <a:rPr lang="en-US" sz="1200" b="0" i="0" u="none" strike="noStrike" kern="1200" dirty="0">
-                <a:solidFill>
-                  <a:schemeClr val="tx1"/>
-                </a:solidFill>
-                <a:effectLst/>
-                <a:latin typeface="+mn-lt"/>
-                <a:ea typeface="+mn-ea"/>
-                <a:cs typeface="+mn-cs"/>
-              </a:rPr>
-              <a:t>Example pulled from “C++ Template Metaprogramming: Concepts, Tools, and Techniques from Boost and Beyond” chapter 9, section 8</a:t>
-            </a:r>
-            <a:endParaRPr lang="en-US" dirty="0">
-              <a:effectLst/>
-            </a:endParaRPr>
-          </a:p>
-          <a:p>
-            <a:pPr rtl="0"/>
-            <a:r>
-              <a:rPr lang="en-US" sz="1200" b="0" i="0" u="sng" strike="noStrike" kern="1200" dirty="0">
-                <a:solidFill>
-                  <a:schemeClr val="tx1"/>
-                </a:solidFill>
-                <a:effectLst/>
-                <a:latin typeface="+mn-lt"/>
-                <a:ea typeface="+mn-ea"/>
-                <a:cs typeface="+mn-cs"/>
-                <a:hlinkClick r:id="rId3"/>
-              </a:rPr>
-              <a:t>Aleksey </a:t>
-            </a:r>
-            <a:r>
-              <a:rPr lang="en-US" sz="1200" b="0" i="0" u="sng" strike="noStrike" kern="1200" dirty="0" err="1">
-                <a:solidFill>
-                  <a:schemeClr val="tx1"/>
-                </a:solidFill>
-                <a:effectLst/>
-                <a:latin typeface="+mn-lt"/>
-                <a:ea typeface="+mn-ea"/>
-                <a:cs typeface="+mn-cs"/>
-                <a:hlinkClick r:id="rId3"/>
-              </a:rPr>
-              <a:t>Gurtovoy</a:t>
-            </a:r>
-            <a:r>
-              <a:rPr lang="en-US" sz="1200" b="0" i="0" u="none" strike="noStrike" kern="1200" dirty="0">
-                <a:solidFill>
-                  <a:schemeClr val="tx1"/>
-                </a:solidFill>
-                <a:effectLst/>
-                <a:latin typeface="+mn-lt"/>
-                <a:ea typeface="+mn-ea"/>
-                <a:cs typeface="+mn-cs"/>
-              </a:rPr>
-              <a:t>,</a:t>
-            </a:r>
-            <a:r>
-              <a:rPr lang="en-US" sz="1200" b="0" i="0" u="none" strike="noStrike" kern="1200" dirty="0">
-                <a:solidFill>
-                  <a:schemeClr val="tx1"/>
-                </a:solidFill>
-                <a:effectLst/>
-                <a:latin typeface="+mn-lt"/>
-                <a:ea typeface="+mn-ea"/>
-                <a:cs typeface="+mn-cs"/>
-                <a:hlinkClick r:id="rId4"/>
-              </a:rPr>
-              <a:t> </a:t>
-            </a:r>
-            <a:r>
-              <a:rPr lang="en-US" sz="1200" b="0" i="0" u="sng" strike="noStrike" kern="1200" dirty="0">
-                <a:solidFill>
-                  <a:schemeClr val="tx1"/>
-                </a:solidFill>
-                <a:effectLst/>
-                <a:latin typeface="+mn-lt"/>
-                <a:ea typeface="+mn-ea"/>
-                <a:cs typeface="+mn-cs"/>
-                <a:hlinkClick r:id="rId4"/>
-              </a:rPr>
-              <a:t>David Abrahams</a:t>
-            </a:r>
-            <a:br>
-              <a:rPr lang="en-US" sz="1200" b="0" i="0" u="none" strike="noStrike" kern="1200" dirty="0">
-                <a:solidFill>
-                  <a:schemeClr val="tx1"/>
-                </a:solidFill>
-                <a:effectLst/>
-                <a:latin typeface="+mn-lt"/>
-                <a:ea typeface="+mn-ea"/>
-                <a:cs typeface="+mn-cs"/>
-                <a:hlinkClick r:id="rId4"/>
-              </a:rPr>
-            </a:br>
-            <a:r>
-              <a:rPr lang="en-US" sz="1200" b="0" i="0" u="none" strike="noStrike" kern="1200" dirty="0">
-                <a:solidFill>
-                  <a:schemeClr val="tx1"/>
-                </a:solidFill>
-                <a:effectLst/>
-                <a:latin typeface="+mn-lt"/>
-                <a:ea typeface="+mn-ea"/>
-                <a:cs typeface="+mn-cs"/>
-              </a:rPr>
-              <a:t>https://www.safaribooksonline.com/library/view/c-template-metaprogramming/0321227255/</a:t>
-            </a:r>
             <a:endParaRPr lang="en-US" dirty="0">
               <a:effectLst/>
             </a:endParaRPr>
@@ -794,117 +690,219 @@
           <a:bodyPr/>
           <a:lstStyle/>
           <a:p>
+            <a:pPr marL="0" marR="0" lvl="0" indent="0" algn="l" defTabSz="914400" rtl="0" eaLnBrk="1" fontAlgn="auto" latinLnBrk="0" hangingPunct="1">
+              <a:lnSpc>
+                <a:spcPct val="100000"/>
+              </a:lnSpc>
+              <a:spcBef>
+                <a:spcPts val="0"/>
+              </a:spcBef>
+              <a:spcAft>
+                <a:spcPts val="0"/>
+              </a:spcAft>
+              <a:buClrTx/>
+              <a:buSzTx/>
+              <a:buFontTx/>
+              <a:buNone/>
+              <a:tabLst/>
+              <a:defRPr/>
+            </a:pPr>
+            <a:r>
+              <a:rPr lang="en-US" dirty="0"/>
+              <a:t>With base&lt;derived&gt;::bar() being called, it gets compiled, but the compiler still chooses not to compile base&lt;derived&gt;::foo(), since it is not called in the program</a:t>
+            </a:r>
+          </a:p>
+        </p:txBody>
+      </p:sp>
+      <p:sp>
+        <p:nvSpPr>
+          <p:cNvPr id="4" name="Slide Number Placeholder 3"/>
+          <p:cNvSpPr>
+            <a:spLocks noGrp="1"/>
+          </p:cNvSpPr>
+          <p:nvPr>
+            <p:ph type="sldNum" sz="quarter" idx="10"/>
+          </p:nvPr>
+        </p:nvSpPr>
+        <p:spPr/>
+        <p:txBody>
+          <a:bodyPr/>
+          <a:lstStyle/>
+          <a:p>
+            <a:fld id="{07CFD0BC-341E-4884-8712-9D9DE84DAC90}" type="slidenum">
+              <a:rPr lang="en-US" smtClean="0"/>
+              <a:t>12</a:t>
+            </a:fld>
+            <a:endParaRPr lang="en-US"/>
+          </a:p>
+        </p:txBody>
+      </p:sp>
+    </p:spTree>
+    <p:extLst>
+      <p:ext uri="{BB962C8B-B14F-4D97-AF65-F5344CB8AC3E}">
+        <p14:creationId xmlns:p14="http://schemas.microsoft.com/office/powerpoint/2010/main" val="3926860994"/>
+      </p:ext>
+    </p:extLst>
+  </p:cSld>
+  <p:clrMapOvr>
+    <a:masterClrMapping/>
+  </p:clrMapOvr>
+</p:notes>
+</file>
+
+<file path=ppt/notesSlides/notesSlide12.xml><?xml version="1.0" encoding="utf-8"?>
+<p:notes xmlns:a="http://schemas.openxmlformats.org/drawingml/2006/main" xmlns:r="http://schemas.openxmlformats.org/officeDocument/2006/relationships" xmlns:p="http://schemas.openxmlformats.org/presentationml/2006/main">
+  <p:cSld>
+    <p:spTree>
+      <p:nvGrpSpPr>
+        <p:cNvPr id="1" name=""/>
+        <p:cNvGrpSpPr/>
+        <p:nvPr/>
+      </p:nvGrpSpPr>
+      <p:grpSpPr>
+        <a:xfrm>
+          <a:off x="0" y="0"/>
+          <a:ext cx="0" cy="0"/>
+          <a:chOff x="0" y="0"/>
+          <a:chExt cx="0" cy="0"/>
+        </a:xfrm>
+      </p:grpSpPr>
+      <p:sp>
+        <p:nvSpPr>
+          <p:cNvPr id="2" name="Slide Image Placeholder 1"/>
+          <p:cNvSpPr>
+            <a:spLocks noGrp="1" noRot="1" noChangeAspect="1"/>
+          </p:cNvSpPr>
+          <p:nvPr>
+            <p:ph type="sldImg"/>
+          </p:nvPr>
+        </p:nvSpPr>
+        <p:spPr/>
+      </p:sp>
+      <p:sp>
+        <p:nvSpPr>
+          <p:cNvPr id="3" name="Notes Placeholder 2"/>
+          <p:cNvSpPr>
+            <a:spLocks noGrp="1"/>
+          </p:cNvSpPr>
+          <p:nvPr>
+            <p:ph type="body" idx="1"/>
+          </p:nvPr>
+        </p:nvSpPr>
+        <p:spPr/>
+        <p:txBody>
+          <a:bodyPr/>
+          <a:lstStyle/>
+          <a:p>
+            <a:pPr marL="0" marR="0" lvl="0" indent="0" algn="l" defTabSz="914400" rtl="0" eaLnBrk="1" fontAlgn="auto" latinLnBrk="0" hangingPunct="1">
+              <a:lnSpc>
+                <a:spcPct val="100000"/>
+              </a:lnSpc>
+              <a:spcBef>
+                <a:spcPts val="0"/>
+              </a:spcBef>
+              <a:spcAft>
+                <a:spcPts val="0"/>
+              </a:spcAft>
+              <a:buClrTx/>
+              <a:buSzTx/>
+              <a:buFontTx/>
+              <a:buNone/>
+              <a:tabLst/>
+              <a:defRPr/>
+            </a:pPr>
+            <a:r>
+              <a:rPr lang="en-US" dirty="0"/>
+              <a:t>With base&lt;derived&gt;::bar() being called, it gets compiled, but the compiler still chooses not to compile base&lt;derived&gt;::foo(), since it is not called in the program</a:t>
+            </a:r>
+          </a:p>
+        </p:txBody>
+      </p:sp>
+      <p:sp>
+        <p:nvSpPr>
+          <p:cNvPr id="4" name="Slide Number Placeholder 3"/>
+          <p:cNvSpPr>
+            <a:spLocks noGrp="1"/>
+          </p:cNvSpPr>
+          <p:nvPr>
+            <p:ph type="sldNum" sz="quarter" idx="10"/>
+          </p:nvPr>
+        </p:nvSpPr>
+        <p:spPr/>
+        <p:txBody>
+          <a:bodyPr/>
+          <a:lstStyle/>
+          <a:p>
+            <a:fld id="{07CFD0BC-341E-4884-8712-9D9DE84DAC90}" type="slidenum">
+              <a:rPr lang="en-US" smtClean="0"/>
+              <a:t>13</a:t>
+            </a:fld>
+            <a:endParaRPr lang="en-US"/>
+          </a:p>
+        </p:txBody>
+      </p:sp>
+    </p:spTree>
+    <p:extLst>
+      <p:ext uri="{BB962C8B-B14F-4D97-AF65-F5344CB8AC3E}">
+        <p14:creationId xmlns:p14="http://schemas.microsoft.com/office/powerpoint/2010/main" val="1399110548"/>
+      </p:ext>
+    </p:extLst>
+  </p:cSld>
+  <p:clrMapOvr>
+    <a:masterClrMapping/>
+  </p:clrMapOvr>
+</p:notes>
+</file>
+
+<file path=ppt/notesSlides/notesSlide13.xml><?xml version="1.0" encoding="utf-8"?>
+<p:notes xmlns:a="http://schemas.openxmlformats.org/drawingml/2006/main" xmlns:r="http://schemas.openxmlformats.org/officeDocument/2006/relationships" xmlns:p="http://schemas.openxmlformats.org/presentationml/2006/main">
+  <p:cSld>
+    <p:spTree>
+      <p:nvGrpSpPr>
+        <p:cNvPr id="1" name=""/>
+        <p:cNvGrpSpPr/>
+        <p:nvPr/>
+      </p:nvGrpSpPr>
+      <p:grpSpPr>
+        <a:xfrm>
+          <a:off x="0" y="0"/>
+          <a:ext cx="0" cy="0"/>
+          <a:chOff x="0" y="0"/>
+          <a:chExt cx="0" cy="0"/>
+        </a:xfrm>
+      </p:grpSpPr>
+      <p:sp>
+        <p:nvSpPr>
+          <p:cNvPr id="2" name="Slide Image Placeholder 1"/>
+          <p:cNvSpPr>
+            <a:spLocks noGrp="1" noRot="1" noChangeAspect="1"/>
+          </p:cNvSpPr>
+          <p:nvPr>
+            <p:ph type="sldImg"/>
+          </p:nvPr>
+        </p:nvSpPr>
+        <p:spPr/>
+      </p:sp>
+      <p:sp>
+        <p:nvSpPr>
+          <p:cNvPr id="3" name="Notes Placeholder 2"/>
+          <p:cNvSpPr>
+            <a:spLocks noGrp="1"/>
+          </p:cNvSpPr>
+          <p:nvPr>
+            <p:ph type="body" idx="1"/>
+          </p:nvPr>
+        </p:nvSpPr>
+        <p:spPr/>
+        <p:txBody>
+          <a:bodyPr/>
+          <a:lstStyle/>
+          <a:p>
             <a:pPr rtl="0"/>
-            <a:r>
-              <a:rPr lang="en-US" sz="1200" b="0" i="0" u="none" strike="noStrike" kern="1200" dirty="0">
-                <a:solidFill>
-                  <a:schemeClr val="tx1"/>
-                </a:solidFill>
-                <a:effectLst/>
-                <a:latin typeface="+mn-lt"/>
-                <a:ea typeface="+mn-ea"/>
-                <a:cs typeface="+mn-cs"/>
-              </a:rPr>
-              <a:t>Example pulled from “C++ Template Metaprogramming: Concepts, Tools, and Techniques from Boost and Beyond” chapter 9, section 8</a:t>
-            </a:r>
             <a:endParaRPr lang="en-US" dirty="0">
               <a:effectLst/>
             </a:endParaRPr>
           </a:p>
-          <a:p>
-            <a:pPr rtl="0"/>
-            <a:r>
-              <a:rPr lang="en-US" sz="1200" b="0" i="0" u="sng" strike="noStrike" kern="1200" dirty="0">
-                <a:solidFill>
-                  <a:schemeClr val="tx1"/>
-                </a:solidFill>
-                <a:effectLst/>
-                <a:latin typeface="+mn-lt"/>
-                <a:ea typeface="+mn-ea"/>
-                <a:cs typeface="+mn-cs"/>
-                <a:hlinkClick r:id="rId3"/>
-              </a:rPr>
-              <a:t>Aleksey </a:t>
-            </a:r>
-            <a:r>
-              <a:rPr lang="en-US" sz="1200" b="0" i="0" u="sng" strike="noStrike" kern="1200" dirty="0" err="1">
-                <a:solidFill>
-                  <a:schemeClr val="tx1"/>
-                </a:solidFill>
-                <a:effectLst/>
-                <a:latin typeface="+mn-lt"/>
-                <a:ea typeface="+mn-ea"/>
-                <a:cs typeface="+mn-cs"/>
-                <a:hlinkClick r:id="rId3"/>
-              </a:rPr>
-              <a:t>Gurtovoy</a:t>
-            </a:r>
-            <a:r>
-              <a:rPr lang="en-US" sz="1200" b="0" i="0" u="none" strike="noStrike" kern="1200" dirty="0">
-                <a:solidFill>
-                  <a:schemeClr val="tx1"/>
-                </a:solidFill>
-                <a:effectLst/>
-                <a:latin typeface="+mn-lt"/>
-                <a:ea typeface="+mn-ea"/>
-                <a:cs typeface="+mn-cs"/>
-              </a:rPr>
-              <a:t>,</a:t>
-            </a:r>
-            <a:r>
-              <a:rPr lang="en-US" sz="1200" b="0" i="0" u="none" strike="noStrike" kern="1200" dirty="0">
-                <a:solidFill>
-                  <a:schemeClr val="tx1"/>
-                </a:solidFill>
-                <a:effectLst/>
-                <a:latin typeface="+mn-lt"/>
-                <a:ea typeface="+mn-ea"/>
-                <a:cs typeface="+mn-cs"/>
-                <a:hlinkClick r:id="rId4"/>
-              </a:rPr>
-              <a:t> </a:t>
-            </a:r>
-            <a:r>
-              <a:rPr lang="en-US" sz="1200" b="0" i="0" u="sng" strike="noStrike" kern="1200" dirty="0">
-                <a:solidFill>
-                  <a:schemeClr val="tx1"/>
-                </a:solidFill>
-                <a:effectLst/>
-                <a:latin typeface="+mn-lt"/>
-                <a:ea typeface="+mn-ea"/>
-                <a:cs typeface="+mn-cs"/>
-                <a:hlinkClick r:id="rId4"/>
-              </a:rPr>
-              <a:t>David Abrahams</a:t>
-            </a:r>
-            <a:br>
-              <a:rPr lang="en-US" sz="1200" b="0" i="0" u="none" strike="noStrike" kern="1200" dirty="0">
-                <a:solidFill>
-                  <a:schemeClr val="tx1"/>
-                </a:solidFill>
-                <a:effectLst/>
-                <a:latin typeface="+mn-lt"/>
-                <a:ea typeface="+mn-ea"/>
-                <a:cs typeface="+mn-cs"/>
-                <a:hlinkClick r:id="rId4"/>
-              </a:rPr>
-            </a:br>
-            <a:r>
-              <a:rPr lang="en-US" sz="1200" b="0" i="0" u="none" strike="noStrike" kern="1200" dirty="0">
-                <a:solidFill>
-                  <a:schemeClr val="tx1"/>
-                </a:solidFill>
-                <a:effectLst/>
-                <a:latin typeface="+mn-lt"/>
-                <a:ea typeface="+mn-ea"/>
-                <a:cs typeface="+mn-cs"/>
-              </a:rPr>
-              <a:t>https://www.safaribooksonline.com/library/view/c-template-metaprogramming/0321227255/</a:t>
-            </a:r>
-            <a:endParaRPr lang="en-US" dirty="0">
-              <a:effectLst/>
-            </a:endParaRPr>
-          </a:p>
         </p:txBody>
       </p:sp>
       <p:sp>
@@ -924,7 +922,7 @@
           <a:p>
             <a:fld id="{07CFD0BC-341E-4884-8712-9D9DE84DAC90}" type="slidenum">
               <a:rPr lang="en-US" smtClean="0"/>
-              <a:t>12</a:t>
+              <a:t>14</a:t>
             </a:fld>
             <a:endParaRPr lang="en-US"/>
           </a:p>
@@ -1181,112 +1179,6 @@
           <a:lstStyle/>
           <a:p>
             <a:pPr rtl="0"/>
-            <a:r>
-              <a:rPr lang="en-US" sz="1200" b="0" i="0" u="none" strike="noStrike" kern="1200" dirty="0">
-                <a:solidFill>
-                  <a:schemeClr val="tx1"/>
-                </a:solidFill>
-                <a:effectLst/>
-                <a:latin typeface="+mn-lt"/>
-                <a:ea typeface="+mn-ea"/>
-                <a:cs typeface="+mn-cs"/>
-              </a:rPr>
-              <a:t>Example pulled from “C++ Template Metaprogramming: Concepts, Tools, and Techniques from Boost and Beyond” chapter 9, section 8</a:t>
-            </a:r>
-            <a:endParaRPr lang="en-US" dirty="0">
-              <a:effectLst/>
-            </a:endParaRPr>
-          </a:p>
-          <a:p>
-            <a:pPr rtl="0"/>
-            <a:r>
-              <a:rPr lang="en-US" sz="1200" b="0" i="0" u="sng" strike="noStrike" kern="1200" dirty="0">
-                <a:solidFill>
-                  <a:schemeClr val="tx1"/>
-                </a:solidFill>
-                <a:effectLst/>
-                <a:latin typeface="+mn-lt"/>
-                <a:ea typeface="+mn-ea"/>
-                <a:cs typeface="+mn-cs"/>
-                <a:hlinkClick r:id="rId3"/>
-              </a:rPr>
-              <a:t>Aleksey </a:t>
-            </a:r>
-            <a:r>
-              <a:rPr lang="en-US" sz="1200" b="0" i="0" u="sng" strike="noStrike" kern="1200" dirty="0" err="1">
-                <a:solidFill>
-                  <a:schemeClr val="tx1"/>
-                </a:solidFill>
-                <a:effectLst/>
-                <a:latin typeface="+mn-lt"/>
-                <a:ea typeface="+mn-ea"/>
-                <a:cs typeface="+mn-cs"/>
-                <a:hlinkClick r:id="rId3"/>
-              </a:rPr>
-              <a:t>Gurtovoy</a:t>
-            </a:r>
-            <a:r>
-              <a:rPr lang="en-US" sz="1200" b="0" i="0" u="none" strike="noStrike" kern="1200" dirty="0">
-                <a:solidFill>
-                  <a:schemeClr val="tx1"/>
-                </a:solidFill>
-                <a:effectLst/>
-                <a:latin typeface="+mn-lt"/>
-                <a:ea typeface="+mn-ea"/>
-                <a:cs typeface="+mn-cs"/>
-              </a:rPr>
-              <a:t>,</a:t>
-            </a:r>
-            <a:r>
-              <a:rPr lang="en-US" sz="1200" b="0" i="0" u="none" strike="noStrike" kern="1200" dirty="0">
-                <a:solidFill>
-                  <a:schemeClr val="tx1"/>
-                </a:solidFill>
-                <a:effectLst/>
-                <a:latin typeface="+mn-lt"/>
-                <a:ea typeface="+mn-ea"/>
-                <a:cs typeface="+mn-cs"/>
-                <a:hlinkClick r:id="rId4"/>
-              </a:rPr>
-              <a:t> </a:t>
-            </a:r>
-            <a:r>
-              <a:rPr lang="en-US" sz="1200" b="0" i="0" u="sng" strike="noStrike" kern="1200" dirty="0">
-                <a:solidFill>
-                  <a:schemeClr val="tx1"/>
-                </a:solidFill>
-                <a:effectLst/>
-                <a:latin typeface="+mn-lt"/>
-                <a:ea typeface="+mn-ea"/>
-                <a:cs typeface="+mn-cs"/>
-                <a:hlinkClick r:id="rId4"/>
-              </a:rPr>
-              <a:t>David Abrahams</a:t>
-            </a:r>
-            <a:br>
-              <a:rPr lang="en-US" sz="1200" b="0" i="0" u="none" strike="noStrike" kern="1200" dirty="0">
-                <a:solidFill>
-                  <a:schemeClr val="tx1"/>
-                </a:solidFill>
-                <a:effectLst/>
-                <a:latin typeface="+mn-lt"/>
-                <a:ea typeface="+mn-ea"/>
-                <a:cs typeface="+mn-cs"/>
-                <a:hlinkClick r:id="rId4"/>
-              </a:rPr>
-            </a:br>
-            <a:r>
-              <a:rPr lang="en-US" sz="1200" b="0" i="0" u="none" strike="noStrike" kern="1200" dirty="0">
-                <a:solidFill>
-                  <a:schemeClr val="tx1"/>
-                </a:solidFill>
-                <a:effectLst/>
-                <a:latin typeface="+mn-lt"/>
-                <a:ea typeface="+mn-ea"/>
-                <a:cs typeface="+mn-cs"/>
-              </a:rPr>
-              <a:t>https://www.safaribooksonline.com/library/view/c-template-metaprogramming/0321227255/</a:t>
-            </a:r>
             <a:endParaRPr lang="en-US" dirty="0">
               <a:effectLst/>
             </a:endParaRPr>
@@ -8199,7 +8091,7 @@
             </a:r>
             <a:r>
               <a:rPr lang="en-US" dirty="0"/>
-              <a:t> /*</a:t>
+              <a:t> []/*</a:t>
             </a:r>
             <a:r>
               <a:rPr lang="en-US" dirty="0" err="1"/>
@@ -8495,7 +8387,7 @@
             </a:pPr>
             <a:r>
               <a:rPr lang="en-US" dirty="0"/>
-              <a:t>To enforce concepts?</a:t>
+              <a:t>To enforce concepts</a:t>
             </a:r>
             <a:br>
               <a:rPr lang="en-US" dirty="0"/>
@@ -8531,13 +8423,8 @@
             </a:pPr>
             <a:r>
               <a:rPr lang="en-US" dirty="0"/>
-              <a:t>Performance improvement over virtual </a:t>
-            </a:r>
-            <a:r>
-              <a:rPr lang="en-US" dirty="0" err="1"/>
-              <a:t>methodss</a:t>
-            </a:r>
-            <a:endParaRPr lang="en-US" dirty="0"/>
+              <a:t>Performance improvement over virtual methods</a:t>
+            </a:r>
           </a:p>
         </p:txBody>
       </p:sp>
@@ -8590,6 +8477,593 @@
         <p:spPr/>
         <p:txBody>
           <a:bodyPr>
+            <a:normAutofit fontScale="90000"/>
+          </a:bodyPr>
+          <a:lstStyle/>
+          <a:p>
+            <a:r>
+              <a:rPr lang="en-US" dirty="0">
+                <a:effectLst/>
+              </a:rPr>
+              <a:t>CRTP – Why use it?</a:t>
+            </a:r>
+            <a:br>
+              <a:rPr lang="en-US" dirty="0">
+                <a:effectLst/>
+              </a:rPr>
+            </a:br>
+            <a:r>
+              <a:rPr lang="en-US" dirty="0">
+                <a:effectLst/>
+              </a:rPr>
+              <a:t>To enforce concepts</a:t>
+            </a:r>
+            <a:endParaRPr lang="en-US" dirty="0"/>
+          </a:p>
+        </p:txBody>
+      </p:sp>
+      <p:sp>
+        <p:nvSpPr>
+          <p:cNvPr id="3" name="Content Placeholder 2">
+            <a:extLst>
+              <a:ext uri="{FF2B5EF4-FFF2-40B4-BE49-F238E27FC236}">
+                <a16:creationId xmlns:a16="http://schemas.microsoft.com/office/drawing/2014/main" id="{5D065A81-9E6D-4C15-9E6B-62E02CCAC109}"/>
+              </a:ext>
+            </a:extLst>
+          </p:cNvPr>
+          <p:cNvSpPr>
+            <a:spLocks noGrp="1"/>
+          </p:cNvSpPr>
+          <p:nvPr>
+            <p:ph idx="1"/>
+          </p:nvPr>
+        </p:nvSpPr>
+        <p:spPr>
+          <a:xfrm>
+            <a:off x="385011" y="1732449"/>
+            <a:ext cx="11466094" cy="4800698"/>
+          </a:xfrm>
+        </p:spPr>
+        <p:txBody>
+          <a:bodyPr>
+            <a:normAutofit/>
+          </a:bodyPr>
+          <a:lstStyle/>
+          <a:p>
+            <a:pPr marL="0" indent="0">
+              <a:spcBef>
+                <a:spcPts val="0"/>
+              </a:spcBef>
+              <a:spcAft>
+                <a:spcPts val="0"/>
+              </a:spcAft>
+              <a:buNone/>
+            </a:pPr>
+            <a:r>
+              <a:rPr lang="en-US" dirty="0"/>
+              <a:t>//vehicle-</a:t>
+            </a:r>
+            <a:r>
+              <a:rPr lang="en-US" dirty="0" err="1"/>
+              <a:t>utilities.h</a:t>
+            </a:r>
+            <a:endParaRPr lang="en-US"/>
+          </a:p>
+          <a:p>
+            <a:pPr marL="0" indent="0">
+              <a:spcBef>
+                <a:spcPts val="0"/>
+              </a:spcBef>
+              <a:spcAft>
+                <a:spcPts val="0"/>
+              </a:spcAft>
+              <a:buNone/>
+            </a:pPr>
+            <a:r>
+              <a:rPr lang="en-US"/>
+              <a:t>namespace </a:t>
+            </a:r>
+            <a:r>
+              <a:rPr lang="en-US" dirty="0" err="1"/>
+              <a:t>our_stuff</a:t>
+            </a:r>
+            <a:r>
+              <a:rPr lang="en-US" dirty="0"/>
+              <a:t> {</a:t>
+            </a:r>
+          </a:p>
+          <a:p>
+            <a:pPr marL="0" indent="0">
+              <a:spcBef>
+                <a:spcPts val="0"/>
+              </a:spcBef>
+              <a:spcAft>
+                <a:spcPts val="0"/>
+              </a:spcAft>
+              <a:buNone/>
+            </a:pPr>
+            <a:r>
+              <a:rPr lang="en-US" dirty="0"/>
+              <a:t>template &lt;class Vehicle&gt;</a:t>
+            </a:r>
+          </a:p>
+          <a:p>
+            <a:pPr marL="0" indent="0">
+              <a:spcBef>
+                <a:spcPts val="0"/>
+              </a:spcBef>
+              <a:spcAft>
+                <a:spcPts val="0"/>
+              </a:spcAft>
+              <a:buNone/>
+            </a:pPr>
+            <a:r>
+              <a:rPr lang="en-US" dirty="0"/>
+              <a:t>void drive(Vehicle </a:t>
+            </a:r>
+            <a:r>
+              <a:rPr lang="en-US" dirty="0" err="1"/>
+              <a:t>const</a:t>
+            </a:r>
+            <a:r>
+              <a:rPr lang="en-US" dirty="0"/>
+              <a:t>&amp; v)</a:t>
+            </a:r>
+          </a:p>
+          <a:p>
+            <a:pPr marL="0" indent="0">
+              <a:spcBef>
+                <a:spcPts val="0"/>
+              </a:spcBef>
+              <a:spcAft>
+                <a:spcPts val="0"/>
+              </a:spcAft>
+              <a:buNone/>
+            </a:pPr>
+            <a:r>
+              <a:rPr lang="en-US" dirty="0"/>
+              <a:t>{ ... }</a:t>
+            </a:r>
+          </a:p>
+          <a:p>
+            <a:pPr marL="0" indent="0">
+              <a:spcBef>
+                <a:spcPts val="0"/>
+              </a:spcBef>
+              <a:spcAft>
+                <a:spcPts val="0"/>
+              </a:spcAft>
+              <a:buNone/>
+            </a:pPr>
+            <a:r>
+              <a:rPr lang="en-US" dirty="0"/>
+              <a:t>}/*end namespace </a:t>
+            </a:r>
+            <a:r>
+              <a:rPr lang="en-US" dirty="0" err="1"/>
+              <a:t>our_stuff</a:t>
+            </a:r>
+            <a:r>
+              <a:rPr lang="en-US" dirty="0"/>
+              <a:t>*/</a:t>
+            </a:r>
+          </a:p>
+        </p:txBody>
+      </p:sp>
+    </p:spTree>
+    <p:extLst>
+      <p:ext uri="{BB962C8B-B14F-4D97-AF65-F5344CB8AC3E}">
+        <p14:creationId xmlns:p14="http://schemas.microsoft.com/office/powerpoint/2010/main" val="185252416"/>
+      </p:ext>
+    </p:extLst>
+  </p:cSld>
+  <p:clrMapOvr>
+    <a:masterClrMapping/>
+  </p:clrMapOvr>
+</p:sld>
+</file>
+
+<file path=ppt/slides/slide13.xml><?xml version="1.0" encoding="utf-8"?>
+<p:sld xmlns:a="http://schemas.openxmlformats.org/drawingml/2006/main" xmlns:r="http://schemas.openxmlformats.org/officeDocument/2006/relationships" xmlns:p="http://schemas.openxmlformats.org/presentationml/2006/main">
+  <p:cSld>
+    <p:spTree>
+      <p:nvGrpSpPr>
+        <p:cNvPr id="1" name=""/>
+        <p:cNvGrpSpPr/>
+        <p:nvPr/>
+      </p:nvGrpSpPr>
+      <p:grpSpPr>
+        <a:xfrm>
+          <a:off x="0" y="0"/>
+          <a:ext cx="0" cy="0"/>
+          <a:chOff x="0" y="0"/>
+          <a:chExt cx="0" cy="0"/>
+        </a:xfrm>
+      </p:grpSpPr>
+      <p:sp>
+        <p:nvSpPr>
+          <p:cNvPr id="2" name="Title 1">
+            <a:extLst>
+              <a:ext uri="{FF2B5EF4-FFF2-40B4-BE49-F238E27FC236}">
+                <a16:creationId xmlns:a16="http://schemas.microsoft.com/office/drawing/2014/main" id="{560C5AC7-325E-4C6C-832B-6E869089B727}"/>
+              </a:ext>
+            </a:extLst>
+          </p:cNvPr>
+          <p:cNvSpPr>
+            <a:spLocks noGrp="1"/>
+          </p:cNvSpPr>
+          <p:nvPr>
+            <p:ph type="title"/>
+          </p:nvPr>
+        </p:nvSpPr>
+        <p:spPr/>
+        <p:txBody>
+          <a:bodyPr>
+            <a:normAutofit fontScale="90000"/>
+          </a:bodyPr>
+          <a:lstStyle/>
+          <a:p>
+            <a:r>
+              <a:rPr lang="en-US" dirty="0">
+                <a:effectLst/>
+              </a:rPr>
+              <a:t>CRTP – Why use it?</a:t>
+            </a:r>
+            <a:br>
+              <a:rPr lang="en-US" dirty="0">
+                <a:effectLst/>
+              </a:rPr>
+            </a:br>
+            <a:r>
+              <a:rPr lang="en-US" dirty="0">
+                <a:effectLst/>
+              </a:rPr>
+              <a:t>To enforce concepts</a:t>
+            </a:r>
+            <a:endParaRPr lang="en-US" dirty="0"/>
+          </a:p>
+        </p:txBody>
+      </p:sp>
+      <p:sp>
+        <p:nvSpPr>
+          <p:cNvPr id="3" name="Content Placeholder 2">
+            <a:extLst>
+              <a:ext uri="{FF2B5EF4-FFF2-40B4-BE49-F238E27FC236}">
+                <a16:creationId xmlns:a16="http://schemas.microsoft.com/office/drawing/2014/main" id="{5D065A81-9E6D-4C15-9E6B-62E02CCAC109}"/>
+              </a:ext>
+            </a:extLst>
+          </p:cNvPr>
+          <p:cNvSpPr>
+            <a:spLocks noGrp="1"/>
+          </p:cNvSpPr>
+          <p:nvPr>
+            <p:ph idx="1"/>
+          </p:nvPr>
+        </p:nvSpPr>
+        <p:spPr>
+          <a:xfrm>
+            <a:off x="385011" y="1732449"/>
+            <a:ext cx="11466094" cy="4800698"/>
+          </a:xfrm>
+        </p:spPr>
+        <p:txBody>
+          <a:bodyPr>
+            <a:normAutofit/>
+          </a:bodyPr>
+          <a:lstStyle/>
+          <a:p>
+            <a:pPr marL="0" indent="0">
+              <a:spcBef>
+                <a:spcPts val="0"/>
+              </a:spcBef>
+              <a:spcAft>
+                <a:spcPts val="0"/>
+              </a:spcAft>
+              <a:buNone/>
+            </a:pPr>
+            <a:r>
+              <a:rPr lang="en-US" dirty="0"/>
+              <a:t>//vehicle-</a:t>
+            </a:r>
+            <a:r>
+              <a:rPr lang="en-US" dirty="0" err="1"/>
+              <a:t>utilities.h</a:t>
+            </a:r>
+            <a:endParaRPr lang="en-US" dirty="0"/>
+          </a:p>
+          <a:p>
+            <a:pPr marL="0" indent="0">
+              <a:spcBef>
+                <a:spcPts val="0"/>
+              </a:spcBef>
+              <a:spcAft>
+                <a:spcPts val="0"/>
+              </a:spcAft>
+              <a:buNone/>
+            </a:pPr>
+            <a:r>
+              <a:rPr lang="en-US" dirty="0"/>
+              <a:t>namespace </a:t>
+            </a:r>
+            <a:r>
+              <a:rPr lang="en-US" dirty="0" err="1"/>
+              <a:t>our_stuff</a:t>
+            </a:r>
+            <a:r>
+              <a:rPr lang="en-US" dirty="0"/>
+              <a:t> {</a:t>
+            </a:r>
+          </a:p>
+          <a:p>
+            <a:pPr marL="0" indent="0">
+              <a:spcBef>
+                <a:spcPts val="0"/>
+              </a:spcBef>
+              <a:spcAft>
+                <a:spcPts val="0"/>
+              </a:spcAft>
+              <a:buNone/>
+            </a:pPr>
+            <a:r>
+              <a:rPr lang="en-US" dirty="0"/>
+              <a:t>template &lt;class Vehicle&gt;</a:t>
+            </a:r>
+          </a:p>
+          <a:p>
+            <a:pPr marL="0" indent="0">
+              <a:spcBef>
+                <a:spcPts val="0"/>
+              </a:spcBef>
+              <a:spcAft>
+                <a:spcPts val="0"/>
+              </a:spcAft>
+              <a:buNone/>
+            </a:pPr>
+            <a:r>
+              <a:rPr lang="en-US" dirty="0"/>
+              <a:t>void drive(Vehicle </a:t>
+            </a:r>
+            <a:r>
+              <a:rPr lang="en-US" dirty="0" err="1"/>
+              <a:t>const</a:t>
+            </a:r>
+            <a:r>
+              <a:rPr lang="en-US" dirty="0"/>
+              <a:t>&amp; v)</a:t>
+            </a:r>
+          </a:p>
+          <a:p>
+            <a:pPr marL="0" indent="0">
+              <a:spcBef>
+                <a:spcPts val="0"/>
+              </a:spcBef>
+              <a:spcAft>
+                <a:spcPts val="0"/>
+              </a:spcAft>
+              <a:buNone/>
+            </a:pPr>
+            <a:r>
+              <a:rPr lang="en-US" dirty="0"/>
+              <a:t>{ ... }</a:t>
+            </a:r>
+          </a:p>
+          <a:p>
+            <a:pPr marL="0" indent="0">
+              <a:spcBef>
+                <a:spcPts val="0"/>
+              </a:spcBef>
+              <a:spcAft>
+                <a:spcPts val="0"/>
+              </a:spcAft>
+              <a:buNone/>
+            </a:pPr>
+            <a:r>
+              <a:rPr lang="en-US" dirty="0"/>
+              <a:t>}/*end namespace </a:t>
+            </a:r>
+            <a:r>
+              <a:rPr lang="en-US" dirty="0" err="1"/>
+              <a:t>our_stuff</a:t>
+            </a:r>
+            <a:r>
+              <a:rPr lang="en-US" dirty="0"/>
+              <a:t>*/</a:t>
+            </a:r>
+          </a:p>
+          <a:p>
+            <a:pPr marL="0" indent="0">
+              <a:spcBef>
+                <a:spcPts val="0"/>
+              </a:spcBef>
+              <a:spcAft>
+                <a:spcPts val="0"/>
+              </a:spcAft>
+              <a:buNone/>
+            </a:pPr>
+            <a:endParaRPr lang="en-US" dirty="0"/>
+          </a:p>
+          <a:p>
+            <a:pPr marL="0" indent="0">
+              <a:spcBef>
+                <a:spcPts val="0"/>
+              </a:spcBef>
+              <a:spcAft>
+                <a:spcPts val="0"/>
+              </a:spcAft>
+              <a:buNone/>
+            </a:pPr>
+            <a:endParaRPr lang="en-US" dirty="0"/>
+          </a:p>
+          <a:p>
+            <a:pPr marL="0" indent="0">
+              <a:spcBef>
+                <a:spcPts val="0"/>
+              </a:spcBef>
+              <a:spcAft>
+                <a:spcPts val="0"/>
+              </a:spcAft>
+              <a:buNone/>
+            </a:pPr>
+            <a:r>
+              <a:rPr lang="en-US" dirty="0"/>
+              <a:t>//screw-</a:t>
+            </a:r>
+            <a:r>
+              <a:rPr lang="en-US" dirty="0" err="1"/>
+              <a:t>utilities.h</a:t>
+            </a:r>
+            <a:endParaRPr lang="en-US" dirty="0"/>
+          </a:p>
+          <a:p>
+            <a:pPr marL="0" indent="0">
+              <a:spcBef>
+                <a:spcPts val="0"/>
+              </a:spcBef>
+              <a:spcAft>
+                <a:spcPts val="0"/>
+              </a:spcAft>
+              <a:buNone/>
+            </a:pPr>
+            <a:r>
+              <a:rPr lang="en-US" dirty="0"/>
+              <a:t>namespace </a:t>
+            </a:r>
+            <a:r>
+              <a:rPr lang="en-US" dirty="0" err="1"/>
+              <a:t>our_stuff</a:t>
+            </a:r>
+            <a:r>
+              <a:rPr lang="en-US" dirty="0"/>
+              <a:t> {</a:t>
+            </a:r>
+          </a:p>
+          <a:p>
+            <a:pPr marL="0" indent="0">
+              <a:spcBef>
+                <a:spcPts val="0"/>
+              </a:spcBef>
+              <a:spcAft>
+                <a:spcPts val="0"/>
+              </a:spcAft>
+              <a:buNone/>
+            </a:pPr>
+            <a:r>
+              <a:rPr lang="en-US" dirty="0"/>
+              <a:t>template &lt;class Screw&gt;</a:t>
+            </a:r>
+          </a:p>
+          <a:p>
+            <a:pPr marL="0" indent="0">
+              <a:spcBef>
+                <a:spcPts val="0"/>
+              </a:spcBef>
+              <a:spcAft>
+                <a:spcPts val="0"/>
+              </a:spcAft>
+              <a:buNone/>
+            </a:pPr>
+            <a:r>
+              <a:rPr lang="en-US" dirty="0"/>
+              <a:t>void drive(Screw </a:t>
+            </a:r>
+            <a:r>
+              <a:rPr lang="en-US" dirty="0" err="1"/>
+              <a:t>const</a:t>
+            </a:r>
+            <a:r>
+              <a:rPr lang="en-US" dirty="0"/>
+              <a:t>&amp; s)</a:t>
+            </a:r>
+          </a:p>
+          <a:p>
+            <a:pPr marL="0" indent="0">
+              <a:spcBef>
+                <a:spcPts val="0"/>
+              </a:spcBef>
+              <a:spcAft>
+                <a:spcPts val="0"/>
+              </a:spcAft>
+              <a:buNone/>
+            </a:pPr>
+            <a:r>
+              <a:rPr lang="en-US" dirty="0"/>
+              <a:t>{ ... }</a:t>
+            </a:r>
+          </a:p>
+          <a:p>
+            <a:pPr marL="0" indent="0">
+              <a:spcBef>
+                <a:spcPts val="0"/>
+              </a:spcBef>
+              <a:spcAft>
+                <a:spcPts val="0"/>
+              </a:spcAft>
+              <a:buNone/>
+            </a:pPr>
+            <a:r>
+              <a:rPr lang="en-US" dirty="0"/>
+              <a:t>}/*end namespace </a:t>
+            </a:r>
+            <a:r>
+              <a:rPr lang="en-US" dirty="0" err="1"/>
+              <a:t>our_stuff</a:t>
+            </a:r>
+            <a:r>
+              <a:rPr lang="en-US" dirty="0"/>
+              <a:t>*/</a:t>
+            </a:r>
+          </a:p>
+        </p:txBody>
+      </p:sp>
+    </p:spTree>
+    <p:extLst>
+      <p:ext uri="{BB962C8B-B14F-4D97-AF65-F5344CB8AC3E}">
+        <p14:creationId xmlns:p14="http://schemas.microsoft.com/office/powerpoint/2010/main" val="1995730996"/>
+      </p:ext>
+    </p:extLst>
+  </p:cSld>
+  <p:clrMapOvr>
+    <a:masterClrMapping/>
+  </p:clrMapOvr>
+</p:sld>
+</file>
+
+<file path=ppt/slides/slide14.xml><?xml version="1.0" encoding="utf-8"?>
+<p:sld xmlns:a="http://schemas.openxmlformats.org/drawingml/2006/main" xmlns:r="http://schemas.openxmlformats.org/officeDocument/2006/relationships" xmlns:p="http://schemas.openxmlformats.org/presentationml/2006/main">
+  <p:cSld>
+    <p:spTree>
+      <p:nvGrpSpPr>
+        <p:cNvPr id="1" name=""/>
+        <p:cNvGrpSpPr/>
+        <p:nvPr/>
+      </p:nvGrpSpPr>
+      <p:grpSpPr>
+        <a:xfrm>
+          <a:off x="0" y="0"/>
+          <a:ext cx="0" cy="0"/>
+          <a:chOff x="0" y="0"/>
+          <a:chExt cx="0" cy="0"/>
+        </a:xfrm>
+      </p:grpSpPr>
+      <p:sp>
+        <p:nvSpPr>
+          <p:cNvPr id="2" name="Title 1">
+            <a:extLst>
+              <a:ext uri="{FF2B5EF4-FFF2-40B4-BE49-F238E27FC236}">
+                <a16:creationId xmlns:a16="http://schemas.microsoft.com/office/drawing/2014/main" id="{560C5AC7-325E-4C6C-832B-6E869089B727}"/>
+              </a:ext>
+            </a:extLst>
+          </p:cNvPr>
+          <p:cNvSpPr>
+            <a:spLocks noGrp="1"/>
+          </p:cNvSpPr>
+          <p:nvPr>
+            <p:ph type="title"/>
+          </p:nvPr>
+        </p:nvSpPr>
+        <p:spPr/>
+        <p:txBody>
+          <a:bodyPr>
             <a:normAutofit/>
           </a:bodyPr>
           <a:lstStyle/>
@@ -9966,7 +10440,7 @@
             </a:r>
             <a:r>
               <a:rPr lang="en-US" dirty="0"/>
-              <a:t> /*</a:t>
+              <a:t> []/*</a:t>
             </a:r>
             <a:r>
               <a:rPr lang="en-US" dirty="0" err="1"/>

--- a/CRTP.pptx
+++ b/CRTP.pptx
@@ -5,7 +5,7 @@
     <p:sldMasterId id="2147483804" r:id="rId1"/>
   </p:sldMasterIdLst>
   <p:notesMasterIdLst>
-    <p:notesMasterId r:id="rId16"/>
+    <p:notesMasterId r:id="rId18"/>
   </p:notesMasterIdLst>
   <p:sldIdLst>
     <p:sldId id="256" r:id="rId2"/>
@@ -19,9 +19,11 @@
     <p:sldId id="264" r:id="rId10"/>
     <p:sldId id="265" r:id="rId11"/>
     <p:sldId id="270" r:id="rId12"/>
-    <p:sldId id="275" r:id="rId13"/>
-    <p:sldId id="276" r:id="rId14"/>
-    <p:sldId id="271" r:id="rId15"/>
+    <p:sldId id="277" r:id="rId13"/>
+    <p:sldId id="279" r:id="rId14"/>
+    <p:sldId id="280" r:id="rId15"/>
+    <p:sldId id="271" r:id="rId16"/>
+    <p:sldId id="278" r:id="rId17"/>
   </p:sldIdLst>
   <p:sldSz cx="12192000" cy="6858000"/>
   <p:notesSz cx="6858000" cy="9144000"/>
@@ -120,7 +122,16 @@
       </a:defRPr>
     </a:lvl9pPr>
   </p:defaultTextStyle>
+  <p:extLst>
+    <p:ext uri="{EFAFB233-063F-42B5-8137-9DF3F51BA10A}">
+      <p15:sldGuideLst xmlns:p15="http://schemas.microsoft.com/office/powerpoint/2012/main"/>
+    </p:ext>
+  </p:extLst>
 </p:presentation>
+</file>
+
+<file path=ppt/revisionInfo.xml><?xml version="1.0" encoding="utf-8"?>
+<p1510:revInfo xmlns:a="http://schemas.openxmlformats.org/drawingml/2006/main" xmlns:r="http://schemas.openxmlformats.org/officeDocument/2006/relationships" xmlns:p1510="http://schemas.microsoft.com/office/powerpoint/2015/10/main"/>
 </file>
 
 <file path=ppt/notesMasters/notesMaster1.xml><?xml version="1.0" encoding="utf-8"?>
@@ -205,7 +216,7 @@
           <a:p>
             <a:fld id="{5E733C93-8CDC-454D-A790-63A3E7E87290}" type="datetimeFigureOut">
               <a:rPr lang="en-US" smtClean="0"/>
-              <a:t>2017-12-25</a:t>
+              <a:t>2018-01-03</a:t>
             </a:fld>
             <a:endParaRPr lang="en-US"/>
           </a:p>
@@ -690,26 +701,9 @@
           <a:bodyPr/>
           <a:lstStyle/>
           <a:p>
-            <a:pPr marL="0" marR="0" lvl="0" indent="0" algn="l" defTabSz="914400" rtl="0" eaLnBrk="1" fontAlgn="auto" latinLnBrk="0" hangingPunct="1">
-              <a:lnSpc>
-                <a:spcPct val="100000"/>
-              </a:lnSpc>
-              <a:spcBef>
-                <a:spcPts val="0"/>
-              </a:spcBef>
-              <a:spcAft>
-                <a:spcPts val="0"/>
-              </a:spcAft>
-              <a:buClrTx/>
-              <a:buSzTx/>
-              <a:buFontTx/>
-              <a:buNone/>
-              <a:tabLst/>
-              <a:defRPr/>
-            </a:pPr>
-            <a:r>
-              <a:rPr lang="en-US" dirty="0"/>
-              <a:t>With base&lt;derived&gt;::bar() being called, it gets compiled, but the compiler still chooses not to compile base&lt;derived&gt;::foo(), since it is not called in the program</a:t>
+            <a:r>
+              <a:rPr lang="en-US" dirty="0"/>
+              <a:t>This code is a very poor attempt at using the concepts “Vehicle” and “Screw.” However, the author hasn’t told the compiler about the concepts, and for all it knows, these two methods have the same name and signature, and are part of the same namespace</a:t>
             </a:r>
           </a:p>
         </p:txBody>
@@ -740,7 +734,7 @@
     </p:spTree>
     <p:extLst>
       <p:ext uri="{BB962C8B-B14F-4D97-AF65-F5344CB8AC3E}">
-        <p14:creationId xmlns:p14="http://schemas.microsoft.com/office/powerpoint/2010/main" val="3926860994"/>
+        <p14:creationId xmlns:p14="http://schemas.microsoft.com/office/powerpoint/2010/main" val="3859432164"/>
       </p:ext>
     </p:extLst>
   </p:cSld>
@@ -794,26 +788,9 @@
           <a:bodyPr/>
           <a:lstStyle/>
           <a:p>
-            <a:pPr marL="0" marR="0" lvl="0" indent="0" algn="l" defTabSz="914400" rtl="0" eaLnBrk="1" fontAlgn="auto" latinLnBrk="0" hangingPunct="1">
-              <a:lnSpc>
-                <a:spcPct val="100000"/>
-              </a:lnSpc>
-              <a:spcBef>
-                <a:spcPts val="0"/>
-              </a:spcBef>
-              <a:spcAft>
-                <a:spcPts val="0"/>
-              </a:spcAft>
-              <a:buClrTx/>
-              <a:buSzTx/>
-              <a:buFontTx/>
-              <a:buNone/>
-              <a:tabLst/>
-              <a:defRPr/>
-            </a:pPr>
-            <a:r>
-              <a:rPr lang="en-US" dirty="0"/>
-              <a:t>With base&lt;derived&gt;::bar() being called, it gets compiled, but the compiler still chooses not to compile base&lt;derived&gt;::foo(), since it is not called in the program</a:t>
+            <a:r>
+              <a:rPr lang="en-US" dirty="0"/>
+              <a:t>We can use CRTP to differentiate our function signatures without actually tying our child classes to a particular interface—as long as they satisfy the concept the method expects</a:t>
             </a:r>
           </a:p>
         </p:txBody>
@@ -844,7 +821,7 @@
     </p:spTree>
     <p:extLst>
       <p:ext uri="{BB962C8B-B14F-4D97-AF65-F5344CB8AC3E}">
-        <p14:creationId xmlns:p14="http://schemas.microsoft.com/office/powerpoint/2010/main" val="1399110548"/>
+        <p14:creationId xmlns:p14="http://schemas.microsoft.com/office/powerpoint/2010/main" val="3160985280"/>
       </p:ext>
     </p:extLst>
   </p:cSld>
@@ -898,10 +875,17 @@
           <a:bodyPr/>
           <a:lstStyle/>
           <a:p>
-            <a:pPr rtl="0"/>
-            <a:endParaRPr lang="en-US" dirty="0">
-              <a:effectLst/>
-            </a:endParaRPr>
+            <a:r>
+              <a:rPr lang="en-US" dirty="0"/>
+              <a:t>This disables value semantics; worse, it *forces* us to use reference semantics. Attempting to use value semantics here would lead to object slicing </a:t>
+            </a:r>
+            <a:r>
+              <a:rPr lang="en-US" dirty="0">
+                <a:sym typeface="Wingdings" panose="05000000000000000000" pitchFamily="2" charset="2"/>
+              </a:rPr>
+              <a:t></a:t>
+            </a:r>
+            <a:endParaRPr lang="en-US" dirty="0"/>
           </a:p>
         </p:txBody>
       </p:sp>
@@ -931,7 +915,181 @@
     </p:spTree>
     <p:extLst>
       <p:ext uri="{BB962C8B-B14F-4D97-AF65-F5344CB8AC3E}">
+        <p14:creationId xmlns:p14="http://schemas.microsoft.com/office/powerpoint/2010/main" val="1937080178"/>
+      </p:ext>
+    </p:extLst>
+  </p:cSld>
+  <p:clrMapOvr>
+    <a:masterClrMapping/>
+  </p:clrMapOvr>
+</p:notes>
+</file>
+
+<file path=ppt/notesSlides/notesSlide14.xml><?xml version="1.0" encoding="utf-8"?>
+<p:notes xmlns:a="http://schemas.openxmlformats.org/drawingml/2006/main" xmlns:r="http://schemas.openxmlformats.org/officeDocument/2006/relationships" xmlns:p="http://schemas.openxmlformats.org/presentationml/2006/main">
+  <p:cSld>
+    <p:spTree>
+      <p:nvGrpSpPr>
+        <p:cNvPr id="1" name=""/>
+        <p:cNvGrpSpPr/>
+        <p:nvPr/>
+      </p:nvGrpSpPr>
+      <p:grpSpPr>
+        <a:xfrm>
+          <a:off x="0" y="0"/>
+          <a:ext cx="0" cy="0"/>
+          <a:chOff x="0" y="0"/>
+          <a:chExt cx="0" cy="0"/>
+        </a:xfrm>
+      </p:grpSpPr>
+      <p:sp>
+        <p:nvSpPr>
+          <p:cNvPr id="2" name="Slide Image Placeholder 1"/>
+          <p:cNvSpPr>
+            <a:spLocks noGrp="1" noRot="1" noChangeAspect="1"/>
+          </p:cNvSpPr>
+          <p:nvPr>
+            <p:ph type="sldImg"/>
+          </p:nvPr>
+        </p:nvSpPr>
+        <p:spPr/>
+      </p:sp>
+      <p:sp>
+        <p:nvSpPr>
+          <p:cNvPr id="3" name="Notes Placeholder 2"/>
+          <p:cNvSpPr>
+            <a:spLocks noGrp="1"/>
+          </p:cNvSpPr>
+          <p:nvPr>
+            <p:ph type="body" idx="1"/>
+          </p:nvPr>
+        </p:nvSpPr>
+        <p:spPr/>
+        <p:txBody>
+          <a:bodyPr/>
+          <a:lstStyle/>
+          <a:p>
+            <a:pPr rtl="0"/>
+            <a:endParaRPr lang="en-US" dirty="0">
+              <a:effectLst/>
+            </a:endParaRPr>
+          </a:p>
+        </p:txBody>
+      </p:sp>
+      <p:sp>
+        <p:nvSpPr>
+          <p:cNvPr id="4" name="Slide Number Placeholder 3"/>
+          <p:cNvSpPr>
+            <a:spLocks noGrp="1"/>
+          </p:cNvSpPr>
+          <p:nvPr>
+            <p:ph type="sldNum" sz="quarter" idx="10"/>
+          </p:nvPr>
+        </p:nvSpPr>
+        <p:spPr/>
+        <p:txBody>
+          <a:bodyPr/>
+          <a:lstStyle/>
+          <a:p>
+            <a:fld id="{07CFD0BC-341E-4884-8712-9D9DE84DAC90}" type="slidenum">
+              <a:rPr lang="en-US" smtClean="0"/>
+              <a:t>15</a:t>
+            </a:fld>
+            <a:endParaRPr lang="en-US"/>
+          </a:p>
+        </p:txBody>
+      </p:sp>
+    </p:spTree>
+    <p:extLst>
+      <p:ext uri="{BB962C8B-B14F-4D97-AF65-F5344CB8AC3E}">
         <p14:creationId xmlns:p14="http://schemas.microsoft.com/office/powerpoint/2010/main" val="1252173256"/>
+      </p:ext>
+    </p:extLst>
+  </p:cSld>
+  <p:clrMapOvr>
+    <a:masterClrMapping/>
+  </p:clrMapOvr>
+</p:notes>
+</file>
+
+<file path=ppt/notesSlides/notesSlide15.xml><?xml version="1.0" encoding="utf-8"?>
+<p:notes xmlns:a="http://schemas.openxmlformats.org/drawingml/2006/main" xmlns:r="http://schemas.openxmlformats.org/officeDocument/2006/relationships" xmlns:p="http://schemas.openxmlformats.org/presentationml/2006/main">
+  <p:cSld>
+    <p:spTree>
+      <p:nvGrpSpPr>
+        <p:cNvPr id="1" name=""/>
+        <p:cNvGrpSpPr/>
+        <p:nvPr/>
+      </p:nvGrpSpPr>
+      <p:grpSpPr>
+        <a:xfrm>
+          <a:off x="0" y="0"/>
+          <a:ext cx="0" cy="0"/>
+          <a:chOff x="0" y="0"/>
+          <a:chExt cx="0" cy="0"/>
+        </a:xfrm>
+      </p:grpSpPr>
+      <p:sp>
+        <p:nvSpPr>
+          <p:cNvPr id="2" name="Slide Image Placeholder 1"/>
+          <p:cNvSpPr>
+            <a:spLocks noGrp="1" noRot="1" noChangeAspect="1"/>
+          </p:cNvSpPr>
+          <p:nvPr>
+            <p:ph type="sldImg"/>
+          </p:nvPr>
+        </p:nvSpPr>
+        <p:spPr/>
+      </p:sp>
+      <p:sp>
+        <p:nvSpPr>
+          <p:cNvPr id="3" name="Notes Placeholder 2"/>
+          <p:cNvSpPr>
+            <a:spLocks noGrp="1"/>
+          </p:cNvSpPr>
+          <p:nvPr>
+            <p:ph type="body" idx="1"/>
+          </p:nvPr>
+        </p:nvSpPr>
+        <p:spPr/>
+        <p:txBody>
+          <a:bodyPr/>
+          <a:lstStyle/>
+          <a:p>
+            <a:pPr rtl="0"/>
+            <a:endParaRPr lang="en-US" dirty="0">
+              <a:effectLst/>
+            </a:endParaRPr>
+          </a:p>
+        </p:txBody>
+      </p:sp>
+      <p:sp>
+        <p:nvSpPr>
+          <p:cNvPr id="4" name="Slide Number Placeholder 3"/>
+          <p:cNvSpPr>
+            <a:spLocks noGrp="1"/>
+          </p:cNvSpPr>
+          <p:nvPr>
+            <p:ph type="sldNum" sz="quarter" idx="10"/>
+          </p:nvPr>
+        </p:nvSpPr>
+        <p:spPr/>
+        <p:txBody>
+          <a:bodyPr/>
+          <a:lstStyle/>
+          <a:p>
+            <a:fld id="{07CFD0BC-341E-4884-8712-9D9DE84DAC90}" type="slidenum">
+              <a:rPr lang="en-US" smtClean="0"/>
+              <a:t>16</a:t>
+            </a:fld>
+            <a:endParaRPr lang="en-US"/>
+          </a:p>
+        </p:txBody>
+      </p:sp>
+    </p:spTree>
+    <p:extLst>
+      <p:ext uri="{BB962C8B-B14F-4D97-AF65-F5344CB8AC3E}">
+        <p14:creationId xmlns:p14="http://schemas.microsoft.com/office/powerpoint/2010/main" val="3764199272"/>
       </p:ext>
     </p:extLst>
   </p:cSld>
@@ -2097,7 +2255,7 @@
           <a:p>
             <a:fld id="{0A755B34-6B92-4141-8D57-72949004145A}" type="datetimeFigureOut">
               <a:rPr lang="en-US" smtClean="0"/>
-              <a:t>2017-12-25</a:t>
+              <a:t>2018-01-03</a:t>
             </a:fld>
             <a:endParaRPr lang="en-US"/>
           </a:p>
@@ -2395,7 +2553,7 @@
           <a:p>
             <a:fld id="{0A755B34-6B92-4141-8D57-72949004145A}" type="datetimeFigureOut">
               <a:rPr lang="en-US" smtClean="0"/>
-              <a:t>2017-12-25</a:t>
+              <a:t>2018-01-03</a:t>
             </a:fld>
             <a:endParaRPr lang="en-US"/>
           </a:p>
@@ -2587,7 +2745,7 @@
           <a:p>
             <a:fld id="{0A755B34-6B92-4141-8D57-72949004145A}" type="datetimeFigureOut">
               <a:rPr lang="en-US" smtClean="0"/>
-              <a:t>2017-12-25</a:t>
+              <a:t>2018-01-03</a:t>
             </a:fld>
             <a:endParaRPr lang="en-US"/>
           </a:p>
@@ -2848,7 +3006,7 @@
           <a:p>
             <a:fld id="{0A755B34-6B92-4141-8D57-72949004145A}" type="datetimeFigureOut">
               <a:rPr lang="en-US" smtClean="0"/>
-              <a:t>2017-12-25</a:t>
+              <a:t>2018-01-03</a:t>
             </a:fld>
             <a:endParaRPr lang="en-US"/>
           </a:p>
@@ -3272,7 +3430,7 @@
           <a:p>
             <a:fld id="{0A755B34-6B92-4141-8D57-72949004145A}" type="datetimeFigureOut">
               <a:rPr lang="en-US" smtClean="0"/>
-              <a:t>2017-12-25</a:t>
+              <a:t>2018-01-03</a:t>
             </a:fld>
             <a:endParaRPr lang="en-US"/>
           </a:p>
@@ -3809,7 +3967,7 @@
           <a:p>
             <a:fld id="{0A755B34-6B92-4141-8D57-72949004145A}" type="datetimeFigureOut">
               <a:rPr lang="en-US" smtClean="0"/>
-              <a:t>2017-12-25</a:t>
+              <a:t>2018-01-03</a:t>
             </a:fld>
             <a:endParaRPr lang="en-US"/>
           </a:p>
@@ -4673,7 +4831,7 @@
           <a:p>
             <a:fld id="{0A755B34-6B92-4141-8D57-72949004145A}" type="datetimeFigureOut">
               <a:rPr lang="en-US" smtClean="0"/>
-              <a:t>2017-12-25</a:t>
+              <a:t>2018-01-03</a:t>
             </a:fld>
             <a:endParaRPr lang="en-US"/>
           </a:p>
@@ -4843,7 +5001,7 @@
           <a:p>
             <a:fld id="{0A755B34-6B92-4141-8D57-72949004145A}" type="datetimeFigureOut">
               <a:rPr lang="en-US" smtClean="0"/>
-              <a:t>2017-12-25</a:t>
+              <a:t>2018-01-03</a:t>
             </a:fld>
             <a:endParaRPr lang="en-US"/>
           </a:p>
@@ -5027,7 +5185,7 @@
           <a:p>
             <a:fld id="{0A755B34-6B92-4141-8D57-72949004145A}" type="datetimeFigureOut">
               <a:rPr lang="en-US" smtClean="0"/>
-              <a:t>2017-12-25</a:t>
+              <a:t>2018-01-03</a:t>
             </a:fld>
             <a:endParaRPr lang="en-US"/>
           </a:p>
@@ -5197,7 +5355,7 @@
           <a:p>
             <a:fld id="{0A755B34-6B92-4141-8D57-72949004145A}" type="datetimeFigureOut">
               <a:rPr lang="en-US" smtClean="0"/>
-              <a:t>2017-12-25</a:t>
+              <a:t>2018-01-03</a:t>
             </a:fld>
             <a:endParaRPr lang="en-US"/>
           </a:p>
@@ -5441,7 +5599,7 @@
           <a:p>
             <a:fld id="{0A755B34-6B92-4141-8D57-72949004145A}" type="datetimeFigureOut">
               <a:rPr lang="en-US" smtClean="0"/>
-              <a:t>2017-12-25</a:t>
+              <a:t>2018-01-03</a:t>
             </a:fld>
             <a:endParaRPr lang="en-US"/>
           </a:p>
@@ -5677,7 +5835,7 @@
           <a:p>
             <a:fld id="{0A755B34-6B92-4141-8D57-72949004145A}" type="datetimeFigureOut">
               <a:rPr lang="en-US" smtClean="0"/>
-              <a:t>2017-12-25</a:t>
+              <a:t>2018-01-03</a:t>
             </a:fld>
             <a:endParaRPr lang="en-US"/>
           </a:p>
@@ -6143,7 +6301,7 @@
           <a:p>
             <a:fld id="{0A755B34-6B92-4141-8D57-72949004145A}" type="datetimeFigureOut">
               <a:rPr lang="en-US" smtClean="0"/>
-              <a:t>2017-12-25</a:t>
+              <a:t>2018-01-03</a:t>
             </a:fld>
             <a:endParaRPr lang="en-US"/>
           </a:p>
@@ -6261,7 +6419,7 @@
           <a:p>
             <a:fld id="{0A755B34-6B92-4141-8D57-72949004145A}" type="datetimeFigureOut">
               <a:rPr lang="en-US" smtClean="0"/>
-              <a:t>2017-12-25</a:t>
+              <a:t>2018-01-03</a:t>
             </a:fld>
             <a:endParaRPr lang="en-US"/>
           </a:p>
@@ -6356,7 +6514,7 @@
           <a:p>
             <a:fld id="{0A755B34-6B92-4141-8D57-72949004145A}" type="datetimeFigureOut">
               <a:rPr lang="en-US" smtClean="0"/>
-              <a:t>2017-12-25</a:t>
+              <a:t>2018-01-03</a:t>
             </a:fld>
             <a:endParaRPr lang="en-US"/>
           </a:p>
@@ -6611,7 +6769,7 @@
           <a:p>
             <a:fld id="{0A755B34-6B92-4141-8D57-72949004145A}" type="datetimeFigureOut">
               <a:rPr lang="en-US" smtClean="0"/>
-              <a:t>2017-12-25</a:t>
+              <a:t>2018-01-03</a:t>
             </a:fld>
             <a:endParaRPr lang="en-US"/>
           </a:p>
@@ -6911,7 +7069,7 @@
           <a:p>
             <a:fld id="{0A755B34-6B92-4141-8D57-72949004145A}" type="datetimeFigureOut">
               <a:rPr lang="en-US" smtClean="0"/>
-              <a:t>2017-12-25</a:t>
+              <a:t>2018-01-03</a:t>
             </a:fld>
             <a:endParaRPr lang="en-US"/>
           </a:p>
@@ -7145,7 +7303,7 @@
           <a:p>
             <a:fld id="{0A755B34-6B92-4141-8D57-72949004145A}" type="datetimeFigureOut">
               <a:rPr lang="en-US" smtClean="0"/>
-              <a:t>2017-12-25</a:t>
+              <a:t>2018-01-03</a:t>
             </a:fld>
             <a:endParaRPr lang="en-US"/>
           </a:p>
@@ -7878,6 +8036,17 @@
               <a:t>(the Curiously Recurring Template pattern)</a:t>
             </a:r>
           </a:p>
+          <a:p>
+            <a:r>
+              <a:rPr lang="en-US" dirty="0">
+                <a:ln>
+                  <a:noFill/>
+                </a:ln>
+                <a:effectLst/>
+              </a:rPr>
+              <a:t>github.com/capsocrates/crtp-meetup-talk</a:t>
+            </a:r>
+          </a:p>
         </p:txBody>
       </p:sp>
     </p:spTree>
@@ -8463,7 +8632,7 @@
           <p:cNvPr id="2" name="Title 1">
             <a:extLst>
               <a:ext uri="{FF2B5EF4-FFF2-40B4-BE49-F238E27FC236}">
-                <a16:creationId xmlns:a16="http://schemas.microsoft.com/office/drawing/2014/main" id="{560C5AC7-325E-4C6C-832B-6E869089B727}"/>
+                <a16:creationId xmlns:a16="http://schemas.microsoft.com/office/drawing/2014/main" id="{F37A83E0-F7FA-4650-91A3-DDC3CCA6176C}"/>
               </a:ext>
             </a:extLst>
           </p:cNvPr>
@@ -8507,7 +8676,7 @@
           <p:cNvPr id="3" name="Content Placeholder 2">
             <a:extLst>
               <a:ext uri="{FF2B5EF4-FFF2-40B4-BE49-F238E27FC236}">
-                <a16:creationId xmlns:a16="http://schemas.microsoft.com/office/drawing/2014/main" id="{5D065A81-9E6D-4C15-9E6B-62E02CCAC109}"/>
+                <a16:creationId xmlns:a16="http://schemas.microsoft.com/office/drawing/2014/main" id="{1624EFAE-829F-416A-AA35-7FDD946477BD}"/>
               </a:ext>
             </a:extLst>
           </p:cNvPr>
@@ -8515,21 +8684,805 @@
             <a:spLocks noGrp="1"/>
           </p:cNvSpPr>
           <p:nvPr>
-            <p:ph idx="1"/>
+            <p:ph sz="half" idx="1"/>
           </p:nvPr>
         </p:nvSpPr>
         <p:spPr>
           <a:xfrm>
-            <a:off x="385011" y="1732449"/>
-            <a:ext cx="11466094" cy="4800698"/>
+            <a:off x="381001" y="1732449"/>
+            <a:ext cx="5593292" cy="4786884"/>
           </a:xfrm>
         </p:spPr>
         <p:txBody>
-          <a:bodyPr>
-            <a:normAutofit/>
-          </a:bodyPr>
+          <a:bodyPr/>
           <a:lstStyle/>
           <a:p>
+            <a:pPr marL="0" lvl="0" indent="0">
+              <a:spcBef>
+                <a:spcPts val="0"/>
+              </a:spcBef>
+              <a:spcAft>
+                <a:spcPts val="0"/>
+              </a:spcAft>
+              <a:buClr>
+                <a:srgbClr val="E3DED1"/>
+              </a:buClr>
+              <a:buNone/>
+            </a:pPr>
+            <a:r>
+              <a:rPr lang="en-US" dirty="0">
+                <a:ln>
+                  <a:solidFill>
+                    <a:prstClr val="black">
+                      <a:lumMod val="75000"/>
+                      <a:lumOff val="25000"/>
+                      <a:alpha val="10000"/>
+                    </a:prstClr>
+                  </a:solidFill>
+                </a:ln>
+                <a:solidFill>
+                  <a:srgbClr val="E3DED1"/>
+                </a:solidFill>
+                <a:effectLst>
+                  <a:outerShdw blurRad="9525" dist="25400" dir="14640000" algn="tl" rotWithShape="0">
+                    <a:prstClr val="black">
+                      <a:alpha val="30000"/>
+                    </a:prstClr>
+                  </a:outerShdw>
+                </a:effectLst>
+              </a:rPr>
+              <a:t>//vehicle-</a:t>
+            </a:r>
+            <a:r>
+              <a:rPr lang="en-US" dirty="0" err="1">
+                <a:ln>
+                  <a:solidFill>
+                    <a:prstClr val="black">
+                      <a:lumMod val="75000"/>
+                      <a:lumOff val="25000"/>
+                      <a:alpha val="10000"/>
+                    </a:prstClr>
+                  </a:solidFill>
+                </a:ln>
+                <a:solidFill>
+                  <a:srgbClr val="E3DED1"/>
+                </a:solidFill>
+                <a:effectLst>
+                  <a:outerShdw blurRad="9525" dist="25400" dir="14640000" algn="tl" rotWithShape="0">
+                    <a:prstClr val="black">
+                      <a:alpha val="30000"/>
+                    </a:prstClr>
+                  </a:outerShdw>
+                </a:effectLst>
+              </a:rPr>
+              <a:t>utilities.h</a:t>
+            </a:r>
+            <a:endParaRPr lang="en-US" dirty="0">
+              <a:ln>
+                <a:solidFill>
+                  <a:prstClr val="black">
+                    <a:lumMod val="75000"/>
+                    <a:lumOff val="25000"/>
+                    <a:alpha val="10000"/>
+                  </a:prstClr>
+                </a:solidFill>
+              </a:ln>
+              <a:solidFill>
+                <a:srgbClr val="E3DED1"/>
+              </a:solidFill>
+              <a:effectLst>
+                <a:outerShdw blurRad="9525" dist="25400" dir="14640000" algn="tl" rotWithShape="0">
+                  <a:prstClr val="black">
+                    <a:alpha val="30000"/>
+                  </a:prstClr>
+                </a:outerShdw>
+              </a:effectLst>
+            </a:endParaRPr>
+          </a:p>
+          <a:p>
+            <a:pPr marL="0" lvl="0" indent="0">
+              <a:spcBef>
+                <a:spcPts val="0"/>
+              </a:spcBef>
+              <a:spcAft>
+                <a:spcPts val="0"/>
+              </a:spcAft>
+              <a:buClr>
+                <a:srgbClr val="E3DED1"/>
+              </a:buClr>
+              <a:buNone/>
+            </a:pPr>
+            <a:r>
+              <a:rPr lang="en-US" dirty="0">
+                <a:ln>
+                  <a:solidFill>
+                    <a:prstClr val="black">
+                      <a:lumMod val="75000"/>
+                      <a:lumOff val="25000"/>
+                      <a:alpha val="10000"/>
+                    </a:prstClr>
+                  </a:solidFill>
+                </a:ln>
+                <a:solidFill>
+                  <a:srgbClr val="E3DED1"/>
+                </a:solidFill>
+                <a:effectLst>
+                  <a:outerShdw blurRad="9525" dist="25400" dir="14640000" algn="tl" rotWithShape="0">
+                    <a:prstClr val="black">
+                      <a:alpha val="30000"/>
+                    </a:prstClr>
+                  </a:outerShdw>
+                </a:effectLst>
+              </a:rPr>
+              <a:t>namespace </a:t>
+            </a:r>
+            <a:r>
+              <a:rPr lang="en-US" dirty="0" err="1">
+                <a:ln>
+                  <a:solidFill>
+                    <a:prstClr val="black">
+                      <a:lumMod val="75000"/>
+                      <a:lumOff val="25000"/>
+                      <a:alpha val="10000"/>
+                    </a:prstClr>
+                  </a:solidFill>
+                </a:ln>
+                <a:solidFill>
+                  <a:srgbClr val="E3DED1"/>
+                </a:solidFill>
+                <a:effectLst>
+                  <a:outerShdw blurRad="9525" dist="25400" dir="14640000" algn="tl" rotWithShape="0">
+                    <a:prstClr val="black">
+                      <a:alpha val="30000"/>
+                    </a:prstClr>
+                  </a:outerShdw>
+                </a:effectLst>
+              </a:rPr>
+              <a:t>our_stuff</a:t>
+            </a:r>
+            <a:r>
+              <a:rPr lang="en-US" dirty="0">
+                <a:ln>
+                  <a:solidFill>
+                    <a:prstClr val="black">
+                      <a:lumMod val="75000"/>
+                      <a:lumOff val="25000"/>
+                      <a:alpha val="10000"/>
+                    </a:prstClr>
+                  </a:solidFill>
+                </a:ln>
+                <a:solidFill>
+                  <a:srgbClr val="E3DED1"/>
+                </a:solidFill>
+                <a:effectLst>
+                  <a:outerShdw blurRad="9525" dist="25400" dir="14640000" algn="tl" rotWithShape="0">
+                    <a:prstClr val="black">
+                      <a:alpha val="30000"/>
+                    </a:prstClr>
+                  </a:outerShdw>
+                </a:effectLst>
+              </a:rPr>
+              <a:t> {</a:t>
+            </a:r>
+          </a:p>
+          <a:p>
+            <a:pPr marL="0" lvl="0" indent="0">
+              <a:spcBef>
+                <a:spcPts val="0"/>
+              </a:spcBef>
+              <a:spcAft>
+                <a:spcPts val="0"/>
+              </a:spcAft>
+              <a:buClr>
+                <a:srgbClr val="E3DED1"/>
+              </a:buClr>
+              <a:buNone/>
+            </a:pPr>
+            <a:r>
+              <a:rPr lang="en-US" dirty="0">
+                <a:ln>
+                  <a:solidFill>
+                    <a:prstClr val="black">
+                      <a:lumMod val="75000"/>
+                      <a:lumOff val="25000"/>
+                      <a:alpha val="10000"/>
+                    </a:prstClr>
+                  </a:solidFill>
+                </a:ln>
+                <a:solidFill>
+                  <a:srgbClr val="E3DED1"/>
+                </a:solidFill>
+                <a:effectLst>
+                  <a:outerShdw blurRad="9525" dist="25400" dir="14640000" algn="tl" rotWithShape="0">
+                    <a:prstClr val="black">
+                      <a:alpha val="30000"/>
+                    </a:prstClr>
+                  </a:outerShdw>
+                </a:effectLst>
+              </a:rPr>
+              <a:t>template &lt;class Vehicle&gt;</a:t>
+            </a:r>
+          </a:p>
+          <a:p>
+            <a:pPr marL="0" lvl="0" indent="0">
+              <a:spcBef>
+                <a:spcPts val="0"/>
+              </a:spcBef>
+              <a:spcAft>
+                <a:spcPts val="0"/>
+              </a:spcAft>
+              <a:buClr>
+                <a:srgbClr val="E3DED1"/>
+              </a:buClr>
+              <a:buNone/>
+            </a:pPr>
+            <a:r>
+              <a:rPr lang="en-US" b="1" dirty="0">
+                <a:ln>
+                  <a:solidFill>
+                    <a:prstClr val="black">
+                      <a:lumMod val="75000"/>
+                      <a:lumOff val="25000"/>
+                      <a:alpha val="10000"/>
+                    </a:prstClr>
+                  </a:solidFill>
+                </a:ln>
+                <a:solidFill>
+                  <a:srgbClr val="E3DED1"/>
+                </a:solidFill>
+                <a:effectLst>
+                  <a:outerShdw blurRad="9525" dist="25400" dir="14640000" algn="tl" rotWithShape="0">
+                    <a:prstClr val="black">
+                      <a:alpha val="30000"/>
+                    </a:prstClr>
+                  </a:outerShdw>
+                </a:effectLst>
+              </a:rPr>
+              <a:t>void drive(Vehicle </a:t>
+            </a:r>
+            <a:r>
+              <a:rPr lang="en-US" b="1" dirty="0" err="1">
+                <a:ln>
+                  <a:solidFill>
+                    <a:prstClr val="black">
+                      <a:lumMod val="75000"/>
+                      <a:lumOff val="25000"/>
+                      <a:alpha val="10000"/>
+                    </a:prstClr>
+                  </a:solidFill>
+                </a:ln>
+                <a:solidFill>
+                  <a:srgbClr val="E3DED1"/>
+                </a:solidFill>
+                <a:effectLst>
+                  <a:outerShdw blurRad="9525" dist="25400" dir="14640000" algn="tl" rotWithShape="0">
+                    <a:prstClr val="black">
+                      <a:alpha val="30000"/>
+                    </a:prstClr>
+                  </a:outerShdw>
+                </a:effectLst>
+              </a:rPr>
+              <a:t>const</a:t>
+            </a:r>
+            <a:r>
+              <a:rPr lang="en-US" b="1" dirty="0">
+                <a:ln>
+                  <a:solidFill>
+                    <a:prstClr val="black">
+                      <a:lumMod val="75000"/>
+                      <a:lumOff val="25000"/>
+                      <a:alpha val="10000"/>
+                    </a:prstClr>
+                  </a:solidFill>
+                </a:ln>
+                <a:solidFill>
+                  <a:srgbClr val="E3DED1"/>
+                </a:solidFill>
+                <a:effectLst>
+                  <a:outerShdw blurRad="9525" dist="25400" dir="14640000" algn="tl" rotWithShape="0">
+                    <a:prstClr val="black">
+                      <a:alpha val="30000"/>
+                    </a:prstClr>
+                  </a:outerShdw>
+                </a:effectLst>
+              </a:rPr>
+              <a:t>&amp;</a:t>
+            </a:r>
+            <a:r>
+              <a:rPr lang="en-US" dirty="0">
+                <a:ln>
+                  <a:solidFill>
+                    <a:prstClr val="black">
+                      <a:lumMod val="75000"/>
+                      <a:lumOff val="25000"/>
+                      <a:alpha val="10000"/>
+                    </a:prstClr>
+                  </a:solidFill>
+                </a:ln>
+                <a:solidFill>
+                  <a:srgbClr val="E3DED1"/>
+                </a:solidFill>
+                <a:effectLst>
+                  <a:outerShdw blurRad="9525" dist="25400" dir="14640000" algn="tl" rotWithShape="0">
+                    <a:prstClr val="black">
+                      <a:alpha val="30000"/>
+                    </a:prstClr>
+                  </a:outerShdw>
+                </a:effectLst>
+              </a:rPr>
+              <a:t> v)</a:t>
+            </a:r>
+          </a:p>
+          <a:p>
+            <a:pPr marL="0" lvl="0" indent="0">
+              <a:spcBef>
+                <a:spcPts val="0"/>
+              </a:spcBef>
+              <a:spcAft>
+                <a:spcPts val="0"/>
+              </a:spcAft>
+              <a:buClr>
+                <a:srgbClr val="E3DED1"/>
+              </a:buClr>
+              <a:buNone/>
+            </a:pPr>
+            <a:r>
+              <a:rPr lang="en-US" dirty="0">
+                <a:ln>
+                  <a:solidFill>
+                    <a:prstClr val="black">
+                      <a:lumMod val="75000"/>
+                      <a:lumOff val="25000"/>
+                      <a:alpha val="10000"/>
+                    </a:prstClr>
+                  </a:solidFill>
+                </a:ln>
+                <a:solidFill>
+                  <a:srgbClr val="E3DED1"/>
+                </a:solidFill>
+                <a:effectLst>
+                  <a:outerShdw blurRad="9525" dist="25400" dir="14640000" algn="tl" rotWithShape="0">
+                    <a:prstClr val="black">
+                      <a:alpha val="30000"/>
+                    </a:prstClr>
+                  </a:outerShdw>
+                </a:effectLst>
+              </a:rPr>
+              <a:t>{ ... }</a:t>
+            </a:r>
+          </a:p>
+          <a:p>
+            <a:pPr marL="0" lvl="0" indent="0">
+              <a:spcBef>
+                <a:spcPts val="0"/>
+              </a:spcBef>
+              <a:spcAft>
+                <a:spcPts val="0"/>
+              </a:spcAft>
+              <a:buClr>
+                <a:srgbClr val="E3DED1"/>
+              </a:buClr>
+              <a:buNone/>
+            </a:pPr>
+            <a:r>
+              <a:rPr lang="en-US" dirty="0">
+                <a:ln>
+                  <a:solidFill>
+                    <a:prstClr val="black">
+                      <a:lumMod val="75000"/>
+                      <a:lumOff val="25000"/>
+                      <a:alpha val="10000"/>
+                    </a:prstClr>
+                  </a:solidFill>
+                </a:ln>
+                <a:solidFill>
+                  <a:srgbClr val="E3DED1"/>
+                </a:solidFill>
+                <a:effectLst>
+                  <a:outerShdw blurRad="9525" dist="25400" dir="14640000" algn="tl" rotWithShape="0">
+                    <a:prstClr val="black">
+                      <a:alpha val="30000"/>
+                    </a:prstClr>
+                  </a:outerShdw>
+                </a:effectLst>
+              </a:rPr>
+              <a:t>}/*end namespace </a:t>
+            </a:r>
+            <a:r>
+              <a:rPr lang="en-US" dirty="0" err="1">
+                <a:ln>
+                  <a:solidFill>
+                    <a:prstClr val="black">
+                      <a:lumMod val="75000"/>
+                      <a:lumOff val="25000"/>
+                      <a:alpha val="10000"/>
+                    </a:prstClr>
+                  </a:solidFill>
+                </a:ln>
+                <a:solidFill>
+                  <a:srgbClr val="E3DED1"/>
+                </a:solidFill>
+                <a:effectLst>
+                  <a:outerShdw blurRad="9525" dist="25400" dir="14640000" algn="tl" rotWithShape="0">
+                    <a:prstClr val="black">
+                      <a:alpha val="30000"/>
+                    </a:prstClr>
+                  </a:outerShdw>
+                </a:effectLst>
+              </a:rPr>
+              <a:t>our_stuff</a:t>
+            </a:r>
+            <a:r>
+              <a:rPr lang="en-US" dirty="0">
+                <a:ln>
+                  <a:solidFill>
+                    <a:prstClr val="black">
+                      <a:lumMod val="75000"/>
+                      <a:lumOff val="25000"/>
+                      <a:alpha val="10000"/>
+                    </a:prstClr>
+                  </a:solidFill>
+                </a:ln>
+                <a:solidFill>
+                  <a:srgbClr val="E3DED1"/>
+                </a:solidFill>
+                <a:effectLst>
+                  <a:outerShdw blurRad="9525" dist="25400" dir="14640000" algn="tl" rotWithShape="0">
+                    <a:prstClr val="black">
+                      <a:alpha val="30000"/>
+                    </a:prstClr>
+                  </a:outerShdw>
+                </a:effectLst>
+              </a:rPr>
+              <a:t>*/</a:t>
+            </a:r>
+          </a:p>
+          <a:p>
+            <a:pPr marL="0" lvl="0" indent="0">
+              <a:spcBef>
+                <a:spcPts val="0"/>
+              </a:spcBef>
+              <a:spcAft>
+                <a:spcPts val="0"/>
+              </a:spcAft>
+              <a:buClr>
+                <a:srgbClr val="E3DED1"/>
+              </a:buClr>
+              <a:buNone/>
+            </a:pPr>
+            <a:endParaRPr lang="en-US" dirty="0">
+              <a:ln>
+                <a:solidFill>
+                  <a:prstClr val="black">
+                    <a:lumMod val="75000"/>
+                    <a:lumOff val="25000"/>
+                    <a:alpha val="10000"/>
+                  </a:prstClr>
+                </a:solidFill>
+              </a:ln>
+              <a:solidFill>
+                <a:srgbClr val="E3DED1"/>
+              </a:solidFill>
+              <a:effectLst>
+                <a:outerShdw blurRad="9525" dist="25400" dir="14640000" algn="tl" rotWithShape="0">
+                  <a:prstClr val="black">
+                    <a:alpha val="30000"/>
+                  </a:prstClr>
+                </a:outerShdw>
+              </a:effectLst>
+            </a:endParaRPr>
+          </a:p>
+          <a:p>
+            <a:pPr marL="0" lvl="0" indent="0">
+              <a:spcBef>
+                <a:spcPts val="0"/>
+              </a:spcBef>
+              <a:spcAft>
+                <a:spcPts val="0"/>
+              </a:spcAft>
+              <a:buClr>
+                <a:srgbClr val="E3DED1"/>
+              </a:buClr>
+              <a:buNone/>
+            </a:pPr>
+            <a:endParaRPr lang="en-US" dirty="0">
+              <a:ln>
+                <a:solidFill>
+                  <a:prstClr val="black">
+                    <a:lumMod val="75000"/>
+                    <a:lumOff val="25000"/>
+                    <a:alpha val="10000"/>
+                  </a:prstClr>
+                </a:solidFill>
+              </a:ln>
+              <a:solidFill>
+                <a:srgbClr val="E3DED1"/>
+              </a:solidFill>
+              <a:effectLst>
+                <a:outerShdw blurRad="9525" dist="25400" dir="14640000" algn="tl" rotWithShape="0">
+                  <a:prstClr val="black">
+                    <a:alpha val="30000"/>
+                  </a:prstClr>
+                </a:outerShdw>
+              </a:effectLst>
+            </a:endParaRPr>
+          </a:p>
+          <a:p>
+            <a:pPr marL="0" lvl="0" indent="0">
+              <a:spcBef>
+                <a:spcPts val="0"/>
+              </a:spcBef>
+              <a:spcAft>
+                <a:spcPts val="0"/>
+              </a:spcAft>
+              <a:buClr>
+                <a:srgbClr val="E3DED1"/>
+              </a:buClr>
+              <a:buNone/>
+            </a:pPr>
+            <a:r>
+              <a:rPr lang="en-US" dirty="0">
+                <a:ln>
+                  <a:solidFill>
+                    <a:prstClr val="black">
+                      <a:lumMod val="75000"/>
+                      <a:lumOff val="25000"/>
+                      <a:alpha val="10000"/>
+                    </a:prstClr>
+                  </a:solidFill>
+                </a:ln>
+                <a:solidFill>
+                  <a:srgbClr val="E3DED1"/>
+                </a:solidFill>
+                <a:effectLst>
+                  <a:outerShdw blurRad="9525" dist="25400" dir="14640000" algn="tl" rotWithShape="0">
+                    <a:prstClr val="black">
+                      <a:alpha val="30000"/>
+                    </a:prstClr>
+                  </a:outerShdw>
+                </a:effectLst>
+              </a:rPr>
+              <a:t>//main.cpp</a:t>
+            </a:r>
+          </a:p>
+          <a:p>
+            <a:pPr marL="0" lvl="0" indent="0">
+              <a:spcBef>
+                <a:spcPts val="0"/>
+              </a:spcBef>
+              <a:spcAft>
+                <a:spcPts val="0"/>
+              </a:spcAft>
+              <a:buClr>
+                <a:srgbClr val="E3DED1"/>
+              </a:buClr>
+              <a:buNone/>
+            </a:pPr>
+            <a:r>
+              <a:rPr lang="en-US" dirty="0">
+                <a:ln>
+                  <a:solidFill>
+                    <a:prstClr val="black">
+                      <a:lumMod val="75000"/>
+                      <a:lumOff val="25000"/>
+                      <a:alpha val="10000"/>
+                    </a:prstClr>
+                  </a:solidFill>
+                </a:ln>
+                <a:solidFill>
+                  <a:srgbClr val="E3DED1"/>
+                </a:solidFill>
+                <a:effectLst>
+                  <a:outerShdw blurRad="9525" dist="25400" dir="14640000" algn="tl" rotWithShape="0">
+                    <a:prstClr val="black">
+                      <a:alpha val="30000"/>
+                    </a:prstClr>
+                  </a:outerShdw>
+                </a:effectLst>
+              </a:rPr>
+              <a:t>#include “vehicle-</a:t>
+            </a:r>
+            <a:r>
+              <a:rPr lang="en-US" dirty="0" err="1">
+                <a:ln>
+                  <a:solidFill>
+                    <a:prstClr val="black">
+                      <a:lumMod val="75000"/>
+                      <a:lumOff val="25000"/>
+                      <a:alpha val="10000"/>
+                    </a:prstClr>
+                  </a:solidFill>
+                </a:ln>
+                <a:solidFill>
+                  <a:srgbClr val="E3DED1"/>
+                </a:solidFill>
+                <a:effectLst>
+                  <a:outerShdw blurRad="9525" dist="25400" dir="14640000" algn="tl" rotWithShape="0">
+                    <a:prstClr val="black">
+                      <a:alpha val="30000"/>
+                    </a:prstClr>
+                  </a:outerShdw>
+                </a:effectLst>
+              </a:rPr>
+              <a:t>utilities.h</a:t>
+            </a:r>
+            <a:r>
+              <a:rPr lang="en-US" dirty="0">
+                <a:ln>
+                  <a:solidFill>
+                    <a:prstClr val="black">
+                      <a:lumMod val="75000"/>
+                      <a:lumOff val="25000"/>
+                      <a:alpha val="10000"/>
+                    </a:prstClr>
+                  </a:solidFill>
+                </a:ln>
+                <a:solidFill>
+                  <a:srgbClr val="E3DED1"/>
+                </a:solidFill>
+                <a:effectLst>
+                  <a:outerShdw blurRad="9525" dist="25400" dir="14640000" algn="tl" rotWithShape="0">
+                    <a:prstClr val="black">
+                      <a:alpha val="30000"/>
+                    </a:prstClr>
+                  </a:outerShdw>
+                </a:effectLst>
+              </a:rPr>
+              <a:t>”</a:t>
+            </a:r>
+          </a:p>
+          <a:p>
+            <a:pPr marL="0" lvl="0" indent="0">
+              <a:spcBef>
+                <a:spcPts val="0"/>
+              </a:spcBef>
+              <a:spcAft>
+                <a:spcPts val="0"/>
+              </a:spcAft>
+              <a:buClr>
+                <a:srgbClr val="E3DED1"/>
+              </a:buClr>
+              <a:buNone/>
+            </a:pPr>
+            <a:r>
+              <a:rPr lang="en-US" dirty="0">
+                <a:ln>
+                  <a:solidFill>
+                    <a:prstClr val="black">
+                      <a:lumMod val="75000"/>
+                      <a:lumOff val="25000"/>
+                      <a:alpha val="10000"/>
+                    </a:prstClr>
+                  </a:solidFill>
+                </a:ln>
+                <a:solidFill>
+                  <a:srgbClr val="E3DED1"/>
+                </a:solidFill>
+                <a:effectLst>
+                  <a:outerShdw blurRad="9525" dist="25400" dir="14640000" algn="tl" rotWithShape="0">
+                    <a:prstClr val="black">
+                      <a:alpha val="30000"/>
+                    </a:prstClr>
+                  </a:outerShdw>
+                </a:effectLst>
+              </a:rPr>
+              <a:t>#include “screw-</a:t>
+            </a:r>
+            <a:r>
+              <a:rPr lang="en-US" dirty="0" err="1">
+                <a:ln>
+                  <a:solidFill>
+                    <a:prstClr val="black">
+                      <a:lumMod val="75000"/>
+                      <a:lumOff val="25000"/>
+                      <a:alpha val="10000"/>
+                    </a:prstClr>
+                  </a:solidFill>
+                </a:ln>
+                <a:solidFill>
+                  <a:srgbClr val="E3DED1"/>
+                </a:solidFill>
+                <a:effectLst>
+                  <a:outerShdw blurRad="9525" dist="25400" dir="14640000" algn="tl" rotWithShape="0">
+                    <a:prstClr val="black">
+                      <a:alpha val="30000"/>
+                    </a:prstClr>
+                  </a:outerShdw>
+                </a:effectLst>
+              </a:rPr>
+              <a:t>utilities.h</a:t>
+            </a:r>
+            <a:r>
+              <a:rPr lang="en-US" dirty="0">
+                <a:ln>
+                  <a:solidFill>
+                    <a:prstClr val="black">
+                      <a:lumMod val="75000"/>
+                      <a:lumOff val="25000"/>
+                      <a:alpha val="10000"/>
+                    </a:prstClr>
+                  </a:solidFill>
+                </a:ln>
+                <a:solidFill>
+                  <a:srgbClr val="E3DED1"/>
+                </a:solidFill>
+                <a:effectLst>
+                  <a:outerShdw blurRad="9525" dist="25400" dir="14640000" algn="tl" rotWithShape="0">
+                    <a:prstClr val="black">
+                      <a:alpha val="30000"/>
+                    </a:prstClr>
+                  </a:outerShdw>
+                </a:effectLst>
+              </a:rPr>
+              <a:t>”</a:t>
+            </a:r>
+          </a:p>
+          <a:p>
+            <a:pPr marL="0" lvl="0" indent="0">
+              <a:spcBef>
+                <a:spcPts val="0"/>
+              </a:spcBef>
+              <a:spcAft>
+                <a:spcPts val="0"/>
+              </a:spcAft>
+              <a:buClr>
+                <a:srgbClr val="E3DED1"/>
+              </a:buClr>
+              <a:buNone/>
+            </a:pPr>
+            <a:r>
+              <a:rPr lang="en-US" dirty="0">
+                <a:ln>
+                  <a:solidFill>
+                    <a:prstClr val="black">
+                      <a:lumMod val="75000"/>
+                      <a:lumOff val="25000"/>
+                      <a:alpha val="10000"/>
+                    </a:prstClr>
+                  </a:solidFill>
+                </a:ln>
+                <a:solidFill>
+                  <a:srgbClr val="E3DED1"/>
+                </a:solidFill>
+                <a:effectLst>
+                  <a:outerShdw blurRad="9525" dist="25400" dir="14640000" algn="tl" rotWithShape="0">
+                    <a:prstClr val="black">
+                      <a:alpha val="30000"/>
+                    </a:prstClr>
+                  </a:outerShdw>
+                </a:effectLst>
+              </a:rPr>
+              <a:t>// ^ compilation error!</a:t>
+            </a:r>
+          </a:p>
+        </p:txBody>
+      </p:sp>
+      <p:sp>
+        <p:nvSpPr>
+          <p:cNvPr id="4" name="Content Placeholder 3">
+            <a:extLst>
+              <a:ext uri="{FF2B5EF4-FFF2-40B4-BE49-F238E27FC236}">
+                <a16:creationId xmlns:a16="http://schemas.microsoft.com/office/drawing/2014/main" id="{244D51A3-96A4-4D49-B6E6-E9CA426EB773}"/>
+              </a:ext>
+            </a:extLst>
+          </p:cNvPr>
+          <p:cNvSpPr>
+            <a:spLocks noGrp="1"/>
+          </p:cNvSpPr>
+          <p:nvPr>
+            <p:ph sz="half" idx="2"/>
+          </p:nvPr>
+        </p:nvSpPr>
+        <p:spPr>
+          <a:xfrm>
+            <a:off x="6202892" y="1732449"/>
+            <a:ext cx="5675841" cy="4786884"/>
+          </a:xfrm>
+        </p:spPr>
+        <p:txBody>
+          <a:bodyPr/>
+          <a:lstStyle/>
+          <a:p>
             <a:pPr marL="0" indent="0">
               <a:spcBef>
                 <a:spcPts val="0"/>
@@ -8541,13 +9494,13 @@
             </a:pPr>
             <a:r>
               <a:rPr lang="en-US" dirty="0"/>
-              <a:t>//vehicle-</a:t>
+              <a:t>//screw-</a:t>
             </a:r>
             <a:r>
               <a:rPr lang="en-US" dirty="0" err="1"/>
               <a:t>utilities.h</a:t>
             </a:r>
-            <a:endParaRPr lang="en-US"/>
+            <a:endParaRPr lang="en-US" dirty="0"/>
           </a:p>
           <a:p>
             <a:pPr marL="0" indent="0">
@@ -8560,7 +9513,7 @@
               <a:buNone/>
             </a:pPr>
             <a:r>
-              <a:rPr lang="en-US"/>
+              <a:rPr lang="en-US" dirty="0"/>
               <a:t>namespace </a:t>
             </a:r>
             <a:r>
@@ -8584,7 +9537,7 @@
             </a:pPr>
             <a:r>
               <a:rPr lang="en-US" dirty="0"/>
-              <a:t>template &lt;class Vehicle&gt;</a:t>
+              <a:t>template &lt;class Screw&gt;</a:t>
             </a:r>
           </a:p>
           <a:p>
@@ -8598,16 +9551,20 @@
               <a:buNone/>
             </a:pPr>
             <a:r>
-              <a:rPr lang="en-US" dirty="0"/>
-              <a:t>void drive(Vehicle </a:t>
-            </a:r>
-            <a:r>
-              <a:rPr lang="en-US" dirty="0" err="1"/>
+              <a:rPr lang="en-US" b="1" dirty="0"/>
+              <a:t>void drive(Screw </a:t>
+            </a:r>
+            <a:r>
+              <a:rPr lang="en-US" b="1" dirty="0" err="1"/>
               <a:t>const</a:t>
             </a:r>
             <a:r>
-              <a:rPr lang="en-US" dirty="0"/>
-              <a:t>&amp; v)</a:t>
+              <a:rPr lang="en-US" b="1" dirty="0"/>
+              <a:t>&amp;</a:t>
+            </a:r>
+            <a:r>
+              <a:rPr lang="en-US" dirty="0"/>
+              <a:t> s)</a:t>
             </a:r>
           </a:p>
           <a:p>
@@ -8653,7 +9610,7 @@
     </p:spTree>
     <p:extLst>
       <p:ext uri="{BB962C8B-B14F-4D97-AF65-F5344CB8AC3E}">
-        <p14:creationId xmlns:p14="http://schemas.microsoft.com/office/powerpoint/2010/main" val="185252416"/>
+        <p14:creationId xmlns:p14="http://schemas.microsoft.com/office/powerpoint/2010/main" val="2538226919"/>
       </p:ext>
     </p:extLst>
   </p:cSld>
@@ -8685,7 +9642,7 @@
           <p:cNvPr id="2" name="Title 1">
             <a:extLst>
               <a:ext uri="{FF2B5EF4-FFF2-40B4-BE49-F238E27FC236}">
-                <a16:creationId xmlns:a16="http://schemas.microsoft.com/office/drawing/2014/main" id="{560C5AC7-325E-4C6C-832B-6E869089B727}"/>
+                <a16:creationId xmlns:a16="http://schemas.microsoft.com/office/drawing/2014/main" id="{F37A83E0-F7FA-4650-91A3-DDC3CCA6176C}"/>
               </a:ext>
             </a:extLst>
           </p:cNvPr>
@@ -8729,7 +9686,7 @@
           <p:cNvPr id="3" name="Content Placeholder 2">
             <a:extLst>
               <a:ext uri="{FF2B5EF4-FFF2-40B4-BE49-F238E27FC236}">
-                <a16:creationId xmlns:a16="http://schemas.microsoft.com/office/drawing/2014/main" id="{5D065A81-9E6D-4C15-9E6B-62E02CCAC109}"/>
+                <a16:creationId xmlns:a16="http://schemas.microsoft.com/office/drawing/2014/main" id="{1624EFAE-829F-416A-AA35-7FDD946477BD}"/>
               </a:ext>
             </a:extLst>
           </p:cNvPr>
@@ -8737,280 +9694,912 @@
             <a:spLocks noGrp="1"/>
           </p:cNvSpPr>
           <p:nvPr>
-            <p:ph idx="1"/>
+            <p:ph sz="half" idx="1"/>
           </p:nvPr>
         </p:nvSpPr>
         <p:spPr>
           <a:xfrm>
-            <a:off x="385011" y="1732449"/>
-            <a:ext cx="11466094" cy="4800698"/>
+            <a:off x="381001" y="1732449"/>
+            <a:ext cx="5593292" cy="4786884"/>
           </a:xfrm>
         </p:spPr>
         <p:txBody>
           <a:bodyPr>
-            <a:normAutofit/>
+            <a:normAutofit fontScale="85000" lnSpcReduction="10000"/>
           </a:bodyPr>
           <a:lstStyle/>
           <a:p>
             <a:pPr marL="0" indent="0">
-              <a:spcBef>
-                <a:spcPts val="0"/>
-              </a:spcBef>
-              <a:spcAft>
-                <a:spcPts val="0"/>
-              </a:spcAft>
-              <a:buNone/>
-            </a:pPr>
-            <a:r>
-              <a:rPr lang="en-US" dirty="0"/>
+              <a:lnSpc>
+                <a:spcPct val="120000"/>
+              </a:lnSpc>
+              <a:spcBef>
+                <a:spcPts val="0"/>
+              </a:spcBef>
+              <a:spcAft>
+                <a:spcPts val="0"/>
+              </a:spcAft>
+              <a:buNone/>
+            </a:pPr>
+            <a:r>
+              <a:rPr lang="en-US" dirty="0">
+                <a:effectLst/>
+              </a:rPr>
               <a:t>//vehicle-</a:t>
             </a:r>
             <a:r>
-              <a:rPr lang="en-US" dirty="0" err="1"/>
-              <a:t>utilities.h</a:t>
-            </a:r>
-            <a:endParaRPr lang="en-US" dirty="0"/>
+              <a:rPr lang="en-US" dirty="0" err="1">
+                <a:effectLst/>
+              </a:rPr>
+              <a:t>concept.h</a:t>
+            </a:r>
+            <a:endParaRPr lang="en-US" dirty="0">
+              <a:effectLst/>
+            </a:endParaRPr>
           </a:p>
           <a:p>
             <a:pPr marL="0" indent="0">
-              <a:spcBef>
-                <a:spcPts val="0"/>
-              </a:spcBef>
-              <a:spcAft>
-                <a:spcPts val="0"/>
-              </a:spcAft>
-              <a:buNone/>
-            </a:pPr>
-            <a:r>
-              <a:rPr lang="en-US" dirty="0"/>
-              <a:t>namespace </a:t>
-            </a:r>
-            <a:r>
-              <a:rPr lang="en-US" dirty="0" err="1"/>
-              <a:t>our_stuff</a:t>
-            </a:r>
-            <a:r>
-              <a:rPr lang="en-US" dirty="0"/>
-              <a:t> {</a:t>
+              <a:lnSpc>
+                <a:spcPct val="120000"/>
+              </a:lnSpc>
+              <a:spcBef>
+                <a:spcPts val="0"/>
+              </a:spcBef>
+              <a:spcAft>
+                <a:spcPts val="0"/>
+              </a:spcAft>
+              <a:buNone/>
+            </a:pPr>
+            <a:r>
+              <a:rPr lang="en-US" b="1" dirty="0">
+                <a:effectLst/>
+              </a:rPr>
+              <a:t>template &lt;class Derived&gt;</a:t>
             </a:r>
           </a:p>
           <a:p>
             <a:pPr marL="0" indent="0">
-              <a:spcBef>
-                <a:spcPts val="0"/>
-              </a:spcBef>
-              <a:spcAft>
-                <a:spcPts val="0"/>
-              </a:spcAft>
-              <a:buNone/>
-            </a:pPr>
-            <a:r>
-              <a:rPr lang="en-US" dirty="0"/>
+              <a:lnSpc>
+                <a:spcPct val="120000"/>
+              </a:lnSpc>
+              <a:spcBef>
+                <a:spcPts val="0"/>
+              </a:spcBef>
+              <a:spcAft>
+                <a:spcPts val="0"/>
+              </a:spcAft>
+              <a:buNone/>
+            </a:pPr>
+            <a:r>
+              <a:rPr lang="en-US" b="1" dirty="0">
+                <a:effectLst/>
+              </a:rPr>
+              <a:t>struct vehicle {};</a:t>
+            </a:r>
+            <a:br>
+              <a:rPr lang="en-US" dirty="0">
+                <a:effectLst/>
+              </a:rPr>
+            </a:br>
+            <a:r>
+              <a:rPr lang="en-US" dirty="0">
+                <a:effectLst/>
+              </a:rPr>
+              <a:t>struct car : </a:t>
+            </a:r>
+            <a:r>
+              <a:rPr lang="en-US" b="1" dirty="0">
+                <a:effectLst/>
+              </a:rPr>
+              <a:t>vehicle&lt;car&gt;</a:t>
+            </a:r>
+          </a:p>
+          <a:p>
+            <a:pPr marL="0" indent="0">
+              <a:lnSpc>
+                <a:spcPct val="120000"/>
+              </a:lnSpc>
+              <a:spcBef>
+                <a:spcPts val="0"/>
+              </a:spcBef>
+              <a:spcAft>
+                <a:spcPts val="0"/>
+              </a:spcAft>
+              <a:buNone/>
+            </a:pPr>
+            <a:r>
+              <a:rPr lang="en-US" dirty="0">
+                <a:effectLst/>
+              </a:rPr>
+              <a:t>{</a:t>
+            </a:r>
+          </a:p>
+          <a:p>
+            <a:pPr marL="0" indent="0">
+              <a:lnSpc>
+                <a:spcPct val="120000"/>
+              </a:lnSpc>
+              <a:spcBef>
+                <a:spcPts val="0"/>
+              </a:spcBef>
+              <a:spcAft>
+                <a:spcPts val="0"/>
+              </a:spcAft>
+              <a:buNone/>
+            </a:pPr>
+            <a:r>
+              <a:rPr lang="en-US" dirty="0">
+                <a:effectLst/>
+              </a:rPr>
+              <a:t>	auto name() </a:t>
+            </a:r>
+            <a:r>
+              <a:rPr lang="en-US" dirty="0" err="1">
+                <a:effectLst/>
+              </a:rPr>
+              <a:t>const</a:t>
+            </a:r>
+            <a:r>
+              <a:rPr lang="en-US" dirty="0">
+                <a:effectLst/>
+              </a:rPr>
+              <a:t> -&gt; </a:t>
+            </a:r>
+            <a:r>
+              <a:rPr lang="en-US" dirty="0" err="1">
+                <a:effectLst/>
+              </a:rPr>
+              <a:t>std</a:t>
+            </a:r>
+            <a:r>
+              <a:rPr lang="en-US" dirty="0">
+                <a:effectLst/>
+              </a:rPr>
+              <a:t>::string {</a:t>
+            </a:r>
+          </a:p>
+          <a:p>
+            <a:pPr marL="0" indent="0">
+              <a:lnSpc>
+                <a:spcPct val="120000"/>
+              </a:lnSpc>
+              <a:spcBef>
+                <a:spcPts val="0"/>
+              </a:spcBef>
+              <a:spcAft>
+                <a:spcPts val="0"/>
+              </a:spcAft>
+              <a:buNone/>
+            </a:pPr>
+            <a:r>
+              <a:rPr lang="en-US" dirty="0">
+                <a:effectLst/>
+              </a:rPr>
+              <a:t>		return "car";</a:t>
+            </a:r>
+          </a:p>
+          <a:p>
+            <a:pPr marL="0" indent="0">
+              <a:lnSpc>
+                <a:spcPct val="120000"/>
+              </a:lnSpc>
+              <a:spcBef>
+                <a:spcPts val="0"/>
+              </a:spcBef>
+              <a:spcAft>
+                <a:spcPts val="0"/>
+              </a:spcAft>
+              <a:buNone/>
+            </a:pPr>
+            <a:r>
+              <a:rPr lang="en-US" dirty="0">
+                <a:effectLst/>
+              </a:rPr>
+              <a:t>	}</a:t>
+            </a:r>
+          </a:p>
+          <a:p>
+            <a:pPr marL="0" indent="0">
+              <a:lnSpc>
+                <a:spcPct val="120000"/>
+              </a:lnSpc>
+              <a:spcBef>
+                <a:spcPts val="0"/>
+              </a:spcBef>
+              <a:spcAft>
+                <a:spcPts val="0"/>
+              </a:spcAft>
+              <a:buNone/>
+            </a:pPr>
+            <a:r>
+              <a:rPr lang="en-US" dirty="0">
+                <a:effectLst/>
+              </a:rPr>
+              <a:t>};</a:t>
+            </a:r>
+            <a:br>
+              <a:rPr lang="en-US" dirty="0">
+                <a:effectLst/>
+              </a:rPr>
+            </a:br>
+            <a:r>
+              <a:rPr lang="en-US" dirty="0">
+                <a:effectLst/>
+              </a:rPr>
               <a:t>template &lt;class Vehicle&gt;</a:t>
             </a:r>
           </a:p>
           <a:p>
             <a:pPr marL="0" indent="0">
-              <a:spcBef>
-                <a:spcPts val="0"/>
-              </a:spcBef>
-              <a:spcAft>
-                <a:spcPts val="0"/>
-              </a:spcAft>
-              <a:buNone/>
-            </a:pPr>
-            <a:r>
-              <a:rPr lang="en-US" dirty="0"/>
-              <a:t>void drive(Vehicle </a:t>
-            </a:r>
-            <a:r>
-              <a:rPr lang="en-US" dirty="0" err="1"/>
+              <a:lnSpc>
+                <a:spcPct val="120000"/>
+              </a:lnSpc>
+              <a:spcBef>
+                <a:spcPts val="0"/>
+              </a:spcBef>
+              <a:spcAft>
+                <a:spcPts val="0"/>
+              </a:spcAft>
+              <a:buNone/>
+            </a:pPr>
+            <a:r>
+              <a:rPr lang="en-US" dirty="0">
+                <a:effectLst/>
+              </a:rPr>
+              <a:t>void drive(vehicle&lt;Vehicle&gt; </a:t>
+            </a:r>
+            <a:r>
+              <a:rPr lang="en-US" dirty="0" err="1">
+                <a:effectLst/>
+              </a:rPr>
               <a:t>const</a:t>
             </a:r>
             <a:r>
-              <a:rPr lang="en-US" dirty="0"/>
+              <a:rPr lang="en-US" dirty="0">
+                <a:effectLst/>
+              </a:rPr>
               <a:t>&amp; v)</a:t>
             </a:r>
           </a:p>
           <a:p>
             <a:pPr marL="0" indent="0">
-              <a:spcBef>
-                <a:spcPts val="0"/>
-              </a:spcBef>
-              <a:spcAft>
-                <a:spcPts val="0"/>
-              </a:spcAft>
-              <a:buNone/>
-            </a:pPr>
-            <a:r>
-              <a:rPr lang="en-US" dirty="0"/>
-              <a:t>{ ... }</a:t>
+              <a:lnSpc>
+                <a:spcPct val="120000"/>
+              </a:lnSpc>
+              <a:spcBef>
+                <a:spcPts val="0"/>
+              </a:spcBef>
+              <a:spcAft>
+                <a:spcPts val="0"/>
+              </a:spcAft>
+              <a:buNone/>
+            </a:pPr>
+            <a:r>
+              <a:rPr lang="en-US" dirty="0">
+                <a:effectLst/>
+              </a:rPr>
+              <a:t>{</a:t>
             </a:r>
           </a:p>
           <a:p>
             <a:pPr marL="0" indent="0">
-              <a:spcBef>
-                <a:spcPts val="0"/>
-              </a:spcBef>
-              <a:spcAft>
-                <a:spcPts val="0"/>
-              </a:spcAft>
-              <a:buNone/>
-            </a:pPr>
-            <a:r>
-              <a:rPr lang="en-US" dirty="0"/>
-              <a:t>}/*end namespace </a:t>
-            </a:r>
-            <a:r>
-              <a:rPr lang="en-US" dirty="0" err="1"/>
-              <a:t>our_stuff</a:t>
-            </a:r>
-            <a:r>
-              <a:rPr lang="en-US" dirty="0"/>
-              <a:t>*/</a:t>
+              <a:lnSpc>
+                <a:spcPct val="120000"/>
+              </a:lnSpc>
+              <a:spcBef>
+                <a:spcPts val="0"/>
+              </a:spcBef>
+              <a:spcAft>
+                <a:spcPts val="0"/>
+              </a:spcAft>
+              <a:buNone/>
+            </a:pPr>
+            <a:r>
+              <a:rPr lang="en-US" dirty="0">
+                <a:effectLst/>
+              </a:rPr>
+              <a:t>	Vehicle </a:t>
+            </a:r>
+            <a:r>
+              <a:rPr lang="en-US" dirty="0" err="1">
+                <a:effectLst/>
+              </a:rPr>
+              <a:t>const</a:t>
+            </a:r>
+            <a:r>
+              <a:rPr lang="en-US" dirty="0">
+                <a:effectLst/>
+              </a:rPr>
+              <a:t>&amp; v_ = </a:t>
             </a:r>
           </a:p>
           <a:p>
             <a:pPr marL="0" indent="0">
-              <a:spcBef>
-                <a:spcPts val="0"/>
-              </a:spcBef>
-              <a:spcAft>
-                <a:spcPts val="0"/>
-              </a:spcAft>
-              <a:buNone/>
-            </a:pPr>
-            <a:endParaRPr lang="en-US" dirty="0"/>
+              <a:lnSpc>
+                <a:spcPct val="120000"/>
+              </a:lnSpc>
+              <a:spcBef>
+                <a:spcPts val="0"/>
+              </a:spcBef>
+              <a:spcAft>
+                <a:spcPts val="0"/>
+              </a:spcAft>
+              <a:buNone/>
+            </a:pPr>
+            <a:r>
+              <a:rPr lang="en-US" dirty="0">
+                <a:effectLst/>
+              </a:rPr>
+              <a:t>		</a:t>
+            </a:r>
+            <a:r>
+              <a:rPr lang="en-US" dirty="0" err="1">
+                <a:effectLst/>
+              </a:rPr>
+              <a:t>static_cast</a:t>
+            </a:r>
+            <a:r>
+              <a:rPr lang="en-US" dirty="0">
+                <a:effectLst/>
+              </a:rPr>
+              <a:t>&lt;Vehicle </a:t>
+            </a:r>
+            <a:r>
+              <a:rPr lang="en-US" dirty="0" err="1">
+                <a:effectLst/>
+              </a:rPr>
+              <a:t>const</a:t>
+            </a:r>
+            <a:r>
+              <a:rPr lang="en-US" dirty="0">
+                <a:effectLst/>
+              </a:rPr>
+              <a:t>&amp;&gt;(v);</a:t>
+            </a:r>
           </a:p>
           <a:p>
             <a:pPr marL="0" indent="0">
-              <a:spcBef>
-                <a:spcPts val="0"/>
-              </a:spcBef>
-              <a:spcAft>
-                <a:spcPts val="0"/>
-              </a:spcAft>
-              <a:buNone/>
-            </a:pPr>
-            <a:endParaRPr lang="en-US" dirty="0"/>
+              <a:lnSpc>
+                <a:spcPct val="120000"/>
+              </a:lnSpc>
+              <a:spcBef>
+                <a:spcPts val="0"/>
+              </a:spcBef>
+              <a:spcAft>
+                <a:spcPts val="0"/>
+              </a:spcAft>
+              <a:buNone/>
+            </a:pPr>
+            <a:r>
+              <a:rPr lang="en-US" dirty="0">
+                <a:effectLst/>
+              </a:rPr>
+              <a:t>	</a:t>
+            </a:r>
+            <a:r>
+              <a:rPr lang="en-US" dirty="0" err="1">
+                <a:effectLst/>
+              </a:rPr>
+              <a:t>printf</a:t>
+            </a:r>
+            <a:r>
+              <a:rPr lang="en-US" dirty="0">
+                <a:effectLst/>
+              </a:rPr>
+              <a:t>("%s\n", v_.name().</a:t>
+            </a:r>
+            <a:r>
+              <a:rPr lang="en-US" dirty="0" err="1">
+                <a:effectLst/>
+              </a:rPr>
+              <a:t>c_str</a:t>
+            </a:r>
+            <a:r>
+              <a:rPr lang="en-US" dirty="0">
+                <a:effectLst/>
+              </a:rPr>
+              <a:t>());</a:t>
+            </a:r>
           </a:p>
           <a:p>
             <a:pPr marL="0" indent="0">
-              <a:spcBef>
-                <a:spcPts val="0"/>
-              </a:spcBef>
-              <a:spcAft>
-                <a:spcPts val="0"/>
-              </a:spcAft>
-              <a:buNone/>
-            </a:pPr>
-            <a:r>
-              <a:rPr lang="en-US" dirty="0"/>
+              <a:lnSpc>
+                <a:spcPct val="120000"/>
+              </a:lnSpc>
+              <a:spcBef>
+                <a:spcPts val="0"/>
+              </a:spcBef>
+              <a:spcAft>
+                <a:spcPts val="0"/>
+              </a:spcAft>
+              <a:buNone/>
+            </a:pPr>
+            <a:r>
+              <a:rPr lang="en-US" dirty="0">
+                <a:effectLst/>
+              </a:rPr>
+              <a:t>}</a:t>
+            </a:r>
+          </a:p>
+        </p:txBody>
+      </p:sp>
+      <p:sp>
+        <p:nvSpPr>
+          <p:cNvPr id="4" name="Content Placeholder 3">
+            <a:extLst>
+              <a:ext uri="{FF2B5EF4-FFF2-40B4-BE49-F238E27FC236}">
+                <a16:creationId xmlns:a16="http://schemas.microsoft.com/office/drawing/2014/main" id="{244D51A3-96A4-4D49-B6E6-E9CA426EB773}"/>
+              </a:ext>
+            </a:extLst>
+          </p:cNvPr>
+          <p:cNvSpPr>
+            <a:spLocks noGrp="1"/>
+          </p:cNvSpPr>
+          <p:nvPr>
+            <p:ph sz="half" idx="2"/>
+          </p:nvPr>
+        </p:nvSpPr>
+        <p:spPr>
+          <a:xfrm>
+            <a:off x="6202892" y="1732449"/>
+            <a:ext cx="5675841" cy="4786884"/>
+          </a:xfrm>
+        </p:spPr>
+        <p:txBody>
+          <a:bodyPr>
+            <a:normAutofit fontScale="85000" lnSpcReduction="10000"/>
+          </a:bodyPr>
+          <a:lstStyle/>
+          <a:p>
+            <a:pPr marL="0" indent="0">
+              <a:lnSpc>
+                <a:spcPct val="120000"/>
+              </a:lnSpc>
+              <a:spcBef>
+                <a:spcPts val="0"/>
+              </a:spcBef>
+              <a:spcAft>
+                <a:spcPts val="0"/>
+              </a:spcAft>
+              <a:buNone/>
+            </a:pPr>
+            <a:r>
+              <a:rPr lang="en-US" dirty="0">
+                <a:effectLst/>
+              </a:rPr>
               <a:t>//screw-</a:t>
             </a:r>
             <a:r>
-              <a:rPr lang="en-US" dirty="0" err="1"/>
-              <a:t>utilities.h</a:t>
-            </a:r>
-            <a:endParaRPr lang="en-US" dirty="0"/>
+              <a:rPr lang="en-US" dirty="0" err="1">
+                <a:effectLst/>
+              </a:rPr>
+              <a:t>concept.h</a:t>
+            </a:r>
+            <a:endParaRPr lang="en-US" dirty="0">
+              <a:effectLst/>
+            </a:endParaRPr>
           </a:p>
           <a:p>
             <a:pPr marL="0" indent="0">
-              <a:spcBef>
-                <a:spcPts val="0"/>
-              </a:spcBef>
-              <a:spcAft>
-                <a:spcPts val="0"/>
-              </a:spcAft>
-              <a:buNone/>
-            </a:pPr>
-            <a:r>
-              <a:rPr lang="en-US" dirty="0"/>
-              <a:t>namespace </a:t>
-            </a:r>
-            <a:r>
-              <a:rPr lang="en-US" dirty="0" err="1"/>
-              <a:t>our_stuff</a:t>
-            </a:r>
-            <a:r>
-              <a:rPr lang="en-US" dirty="0"/>
-              <a:t> {</a:t>
+              <a:lnSpc>
+                <a:spcPct val="120000"/>
+              </a:lnSpc>
+              <a:spcBef>
+                <a:spcPts val="0"/>
+              </a:spcBef>
+              <a:spcAft>
+                <a:spcPts val="0"/>
+              </a:spcAft>
+              <a:buNone/>
+            </a:pPr>
+            <a:r>
+              <a:rPr lang="en-US" b="1" dirty="0">
+                <a:effectLst/>
+              </a:rPr>
+              <a:t>template &lt;class Derived&gt;</a:t>
+            </a:r>
+            <a:br>
+              <a:rPr lang="en-US" b="1" dirty="0">
+                <a:effectLst/>
+              </a:rPr>
+            </a:br>
+            <a:r>
+              <a:rPr lang="en-US" b="1" dirty="0">
+                <a:effectLst/>
+              </a:rPr>
+              <a:t>struct screw {};</a:t>
+            </a:r>
+            <a:br>
+              <a:rPr lang="en-US" dirty="0">
+                <a:effectLst/>
+              </a:rPr>
+            </a:br>
+            <a:r>
+              <a:rPr lang="en-US" dirty="0">
+                <a:effectLst/>
+              </a:rPr>
+              <a:t>struct </a:t>
+            </a:r>
+            <a:r>
+              <a:rPr lang="en-US" dirty="0" err="1">
+                <a:effectLst/>
+              </a:rPr>
+              <a:t>phillips</a:t>
+            </a:r>
+            <a:r>
+              <a:rPr lang="en-US" dirty="0">
+                <a:effectLst/>
+              </a:rPr>
+              <a:t> : </a:t>
+            </a:r>
+            <a:r>
+              <a:rPr lang="en-US" b="1" dirty="0">
+                <a:effectLst/>
+              </a:rPr>
+              <a:t>screw&lt;</a:t>
+            </a:r>
+            <a:r>
+              <a:rPr lang="en-US" b="1" dirty="0" err="1">
+                <a:effectLst/>
+              </a:rPr>
+              <a:t>phillips</a:t>
+            </a:r>
+            <a:r>
+              <a:rPr lang="en-US" b="1" dirty="0">
+                <a:effectLst/>
+              </a:rPr>
+              <a:t>&gt;</a:t>
             </a:r>
           </a:p>
           <a:p>
             <a:pPr marL="0" indent="0">
-              <a:spcBef>
-                <a:spcPts val="0"/>
-              </a:spcBef>
-              <a:spcAft>
-                <a:spcPts val="0"/>
-              </a:spcAft>
-              <a:buNone/>
-            </a:pPr>
-            <a:r>
-              <a:rPr lang="en-US" dirty="0"/>
+              <a:lnSpc>
+                <a:spcPct val="120000"/>
+              </a:lnSpc>
+              <a:spcBef>
+                <a:spcPts val="0"/>
+              </a:spcBef>
+              <a:spcAft>
+                <a:spcPts val="0"/>
+              </a:spcAft>
+              <a:buNone/>
+            </a:pPr>
+            <a:r>
+              <a:rPr lang="en-US" dirty="0">
+                <a:effectLst/>
+              </a:rPr>
+              <a:t>{</a:t>
+            </a:r>
+          </a:p>
+          <a:p>
+            <a:pPr marL="0" indent="0">
+              <a:lnSpc>
+                <a:spcPct val="120000"/>
+              </a:lnSpc>
+              <a:spcBef>
+                <a:spcPts val="0"/>
+              </a:spcBef>
+              <a:spcAft>
+                <a:spcPts val="0"/>
+              </a:spcAft>
+              <a:buNone/>
+            </a:pPr>
+            <a:r>
+              <a:rPr lang="en-US" dirty="0">
+                <a:effectLst/>
+              </a:rPr>
+              <a:t>	auto status() </a:t>
+            </a:r>
+            <a:r>
+              <a:rPr lang="en-US" dirty="0" err="1">
+                <a:effectLst/>
+              </a:rPr>
+              <a:t>const</a:t>
+            </a:r>
+            <a:r>
+              <a:rPr lang="en-US" dirty="0">
+                <a:effectLst/>
+              </a:rPr>
+              <a:t> -&gt; </a:t>
+            </a:r>
+            <a:r>
+              <a:rPr lang="en-US" dirty="0" err="1">
+                <a:effectLst/>
+              </a:rPr>
+              <a:t>std</a:t>
+            </a:r>
+            <a:r>
+              <a:rPr lang="en-US" dirty="0">
+                <a:effectLst/>
+              </a:rPr>
+              <a:t>::string {</a:t>
+            </a:r>
+          </a:p>
+          <a:p>
+            <a:pPr marL="0" indent="0">
+              <a:lnSpc>
+                <a:spcPct val="120000"/>
+              </a:lnSpc>
+              <a:spcBef>
+                <a:spcPts val="0"/>
+              </a:spcBef>
+              <a:spcAft>
+                <a:spcPts val="0"/>
+              </a:spcAft>
+              <a:buNone/>
+            </a:pPr>
+            <a:r>
+              <a:rPr lang="en-US" dirty="0">
+                <a:effectLst/>
+              </a:rPr>
+              <a:t>		return "</a:t>
+            </a:r>
+            <a:r>
+              <a:rPr lang="en-US" dirty="0" err="1">
+                <a:effectLst/>
+              </a:rPr>
+              <a:t>phillips</a:t>
+            </a:r>
+            <a:r>
+              <a:rPr lang="en-US" dirty="0">
+                <a:effectLst/>
+              </a:rPr>
+              <a:t>";</a:t>
+            </a:r>
+          </a:p>
+          <a:p>
+            <a:pPr marL="0" indent="0">
+              <a:lnSpc>
+                <a:spcPct val="120000"/>
+              </a:lnSpc>
+              <a:spcBef>
+                <a:spcPts val="0"/>
+              </a:spcBef>
+              <a:spcAft>
+                <a:spcPts val="0"/>
+              </a:spcAft>
+              <a:buNone/>
+            </a:pPr>
+            <a:r>
+              <a:rPr lang="en-US" dirty="0">
+                <a:effectLst/>
+              </a:rPr>
+              <a:t>	}</a:t>
+            </a:r>
+          </a:p>
+          <a:p>
+            <a:pPr marL="0" indent="0">
+              <a:lnSpc>
+                <a:spcPct val="120000"/>
+              </a:lnSpc>
+              <a:spcBef>
+                <a:spcPts val="0"/>
+              </a:spcBef>
+              <a:spcAft>
+                <a:spcPts val="0"/>
+              </a:spcAft>
+              <a:buNone/>
+            </a:pPr>
+            <a:r>
+              <a:rPr lang="en-US" dirty="0">
+                <a:effectLst/>
+              </a:rPr>
+              <a:t>};</a:t>
+            </a:r>
+            <a:br>
+              <a:rPr lang="en-US" dirty="0">
+                <a:effectLst/>
+              </a:rPr>
+            </a:br>
+            <a:r>
+              <a:rPr lang="en-US" dirty="0">
+                <a:effectLst/>
+              </a:rPr>
               <a:t>template &lt;class Screw&gt;</a:t>
             </a:r>
           </a:p>
           <a:p>
             <a:pPr marL="0" indent="0">
-              <a:spcBef>
-                <a:spcPts val="0"/>
-              </a:spcBef>
-              <a:spcAft>
-                <a:spcPts val="0"/>
-              </a:spcAft>
-              <a:buNone/>
-            </a:pPr>
-            <a:r>
-              <a:rPr lang="en-US" dirty="0"/>
-              <a:t>void drive(Screw </a:t>
-            </a:r>
-            <a:r>
-              <a:rPr lang="en-US" dirty="0" err="1"/>
+              <a:lnSpc>
+                <a:spcPct val="120000"/>
+              </a:lnSpc>
+              <a:spcBef>
+                <a:spcPts val="0"/>
+              </a:spcBef>
+              <a:spcAft>
+                <a:spcPts val="0"/>
+              </a:spcAft>
+              <a:buNone/>
+            </a:pPr>
+            <a:r>
+              <a:rPr lang="en-US" dirty="0">
+                <a:effectLst/>
+              </a:rPr>
+              <a:t>void drive(screw&lt;Screw&gt; </a:t>
+            </a:r>
+            <a:r>
+              <a:rPr lang="en-US" dirty="0" err="1">
+                <a:effectLst/>
+              </a:rPr>
               <a:t>const</a:t>
             </a:r>
             <a:r>
-              <a:rPr lang="en-US" dirty="0"/>
+              <a:rPr lang="en-US" dirty="0">
+                <a:effectLst/>
+              </a:rPr>
               <a:t>&amp; s)</a:t>
             </a:r>
           </a:p>
           <a:p>
             <a:pPr marL="0" indent="0">
-              <a:spcBef>
-                <a:spcPts val="0"/>
-              </a:spcBef>
-              <a:spcAft>
-                <a:spcPts val="0"/>
-              </a:spcAft>
-              <a:buNone/>
-            </a:pPr>
-            <a:r>
-              <a:rPr lang="en-US" dirty="0"/>
-              <a:t>{ ... }</a:t>
+              <a:lnSpc>
+                <a:spcPct val="120000"/>
+              </a:lnSpc>
+              <a:spcBef>
+                <a:spcPts val="0"/>
+              </a:spcBef>
+              <a:spcAft>
+                <a:spcPts val="0"/>
+              </a:spcAft>
+              <a:buNone/>
+            </a:pPr>
+            <a:r>
+              <a:rPr lang="en-US" dirty="0">
+                <a:effectLst/>
+              </a:rPr>
+              <a:t>{</a:t>
             </a:r>
           </a:p>
           <a:p>
             <a:pPr marL="0" indent="0">
-              <a:spcBef>
-                <a:spcPts val="0"/>
-              </a:spcBef>
-              <a:spcAft>
-                <a:spcPts val="0"/>
-              </a:spcAft>
-              <a:buNone/>
-            </a:pPr>
-            <a:r>
-              <a:rPr lang="en-US" dirty="0"/>
-              <a:t>}/*end namespace </a:t>
-            </a:r>
-            <a:r>
-              <a:rPr lang="en-US" dirty="0" err="1"/>
-              <a:t>our_stuff</a:t>
-            </a:r>
-            <a:r>
-              <a:rPr lang="en-US" dirty="0"/>
-              <a:t>*/</a:t>
+              <a:lnSpc>
+                <a:spcPct val="120000"/>
+              </a:lnSpc>
+              <a:spcBef>
+                <a:spcPts val="0"/>
+              </a:spcBef>
+              <a:spcAft>
+                <a:spcPts val="0"/>
+              </a:spcAft>
+              <a:buNone/>
+            </a:pPr>
+            <a:r>
+              <a:rPr lang="en-US" dirty="0">
+                <a:effectLst/>
+              </a:rPr>
+              <a:t>	Screw </a:t>
+            </a:r>
+            <a:r>
+              <a:rPr lang="en-US" dirty="0" err="1">
+                <a:effectLst/>
+              </a:rPr>
+              <a:t>const</a:t>
+            </a:r>
+            <a:r>
+              <a:rPr lang="en-US" dirty="0">
+                <a:effectLst/>
+              </a:rPr>
+              <a:t>&amp; s_ = </a:t>
+            </a:r>
+          </a:p>
+          <a:p>
+            <a:pPr marL="0" indent="0">
+              <a:lnSpc>
+                <a:spcPct val="120000"/>
+              </a:lnSpc>
+              <a:spcBef>
+                <a:spcPts val="0"/>
+              </a:spcBef>
+              <a:spcAft>
+                <a:spcPts val="0"/>
+              </a:spcAft>
+              <a:buNone/>
+            </a:pPr>
+            <a:r>
+              <a:rPr lang="en-US" dirty="0">
+                <a:effectLst/>
+              </a:rPr>
+              <a:t>		</a:t>
+            </a:r>
+            <a:r>
+              <a:rPr lang="en-US" dirty="0" err="1">
+                <a:effectLst/>
+              </a:rPr>
+              <a:t>static_cast</a:t>
+            </a:r>
+            <a:r>
+              <a:rPr lang="en-US" dirty="0">
+                <a:effectLst/>
+              </a:rPr>
+              <a:t>&lt;Screw </a:t>
+            </a:r>
+            <a:r>
+              <a:rPr lang="en-US" dirty="0" err="1">
+                <a:effectLst/>
+              </a:rPr>
+              <a:t>const</a:t>
+            </a:r>
+            <a:r>
+              <a:rPr lang="en-US" dirty="0">
+                <a:effectLst/>
+              </a:rPr>
+              <a:t>&amp;&gt;(s);</a:t>
+            </a:r>
+          </a:p>
+          <a:p>
+            <a:pPr marL="0" indent="0">
+              <a:lnSpc>
+                <a:spcPct val="120000"/>
+              </a:lnSpc>
+              <a:spcBef>
+                <a:spcPts val="0"/>
+              </a:spcBef>
+              <a:spcAft>
+                <a:spcPts val="0"/>
+              </a:spcAft>
+              <a:buNone/>
+            </a:pPr>
+            <a:r>
+              <a:rPr lang="en-US" dirty="0">
+                <a:effectLst/>
+              </a:rPr>
+              <a:t>	</a:t>
+            </a:r>
+            <a:r>
+              <a:rPr lang="en-US" dirty="0" err="1">
+                <a:effectLst/>
+              </a:rPr>
+              <a:t>printf</a:t>
+            </a:r>
+            <a:r>
+              <a:rPr lang="en-US" dirty="0">
+                <a:effectLst/>
+              </a:rPr>
+              <a:t>("%s\n", </a:t>
+            </a:r>
+            <a:r>
+              <a:rPr lang="en-US" dirty="0" err="1">
+                <a:effectLst/>
+              </a:rPr>
+              <a:t>s_.status</a:t>
+            </a:r>
+            <a:r>
+              <a:rPr lang="en-US" dirty="0">
+                <a:effectLst/>
+              </a:rPr>
+              <a:t>().</a:t>
+            </a:r>
+            <a:r>
+              <a:rPr lang="en-US" dirty="0" err="1">
+                <a:effectLst/>
+              </a:rPr>
+              <a:t>c_str</a:t>
+            </a:r>
+            <a:r>
+              <a:rPr lang="en-US" dirty="0">
+                <a:effectLst/>
+              </a:rPr>
+              <a:t>());</a:t>
+            </a:r>
+          </a:p>
+          <a:p>
+            <a:pPr marL="0" indent="0">
+              <a:lnSpc>
+                <a:spcPct val="120000"/>
+              </a:lnSpc>
+              <a:spcBef>
+                <a:spcPts val="0"/>
+              </a:spcBef>
+              <a:spcAft>
+                <a:spcPts val="0"/>
+              </a:spcAft>
+              <a:buNone/>
+            </a:pPr>
+            <a:r>
+              <a:rPr lang="en-US" dirty="0">
+                <a:effectLst/>
+              </a:rPr>
+              <a:t>}</a:t>
             </a:r>
           </a:p>
         </p:txBody>
@@ -9018,7 +10607,7 @@
     </p:spTree>
     <p:extLst>
       <p:ext uri="{BB962C8B-B14F-4D97-AF65-F5344CB8AC3E}">
-        <p14:creationId xmlns:p14="http://schemas.microsoft.com/office/powerpoint/2010/main" val="1995730996"/>
+        <p14:creationId xmlns:p14="http://schemas.microsoft.com/office/powerpoint/2010/main" val="2722796992"/>
       </p:ext>
     </p:extLst>
   </p:cSld>
@@ -9050,6 +10639,1027 @@
           <p:cNvPr id="2" name="Title 1">
             <a:extLst>
               <a:ext uri="{FF2B5EF4-FFF2-40B4-BE49-F238E27FC236}">
+                <a16:creationId xmlns:a16="http://schemas.microsoft.com/office/drawing/2014/main" id="{F37A83E0-F7FA-4650-91A3-DDC3CCA6176C}"/>
+              </a:ext>
+            </a:extLst>
+          </p:cNvPr>
+          <p:cNvSpPr>
+            <a:spLocks noGrp="1"/>
+          </p:cNvSpPr>
+          <p:nvPr>
+            <p:ph type="title"/>
+          </p:nvPr>
+        </p:nvSpPr>
+        <p:spPr/>
+        <p:txBody>
+          <a:bodyPr>
+            <a:normAutofit fontScale="90000"/>
+          </a:bodyPr>
+          <a:lstStyle/>
+          <a:p>
+            <a:r>
+              <a:rPr lang="en-US" dirty="0">
+                <a:effectLst/>
+              </a:rPr>
+              <a:t>CRTP – Why use it?</a:t>
+            </a:r>
+            <a:br>
+              <a:rPr lang="en-US" dirty="0">
+                <a:effectLst/>
+              </a:rPr>
+            </a:br>
+            <a:r>
+              <a:rPr lang="en-US" dirty="0">
+                <a:effectLst/>
+              </a:rPr>
+              <a:t>To enforce concepts… maybe not</a:t>
+            </a:r>
+            <a:endParaRPr lang="en-US" dirty="0"/>
+          </a:p>
+        </p:txBody>
+      </p:sp>
+      <p:sp>
+        <p:nvSpPr>
+          <p:cNvPr id="3" name="Content Placeholder 2">
+            <a:extLst>
+              <a:ext uri="{FF2B5EF4-FFF2-40B4-BE49-F238E27FC236}">
+                <a16:creationId xmlns:a16="http://schemas.microsoft.com/office/drawing/2014/main" id="{1624EFAE-829F-416A-AA35-7FDD946477BD}"/>
+              </a:ext>
+            </a:extLst>
+          </p:cNvPr>
+          <p:cNvSpPr>
+            <a:spLocks noGrp="1"/>
+          </p:cNvSpPr>
+          <p:nvPr>
+            <p:ph sz="half" idx="1"/>
+          </p:nvPr>
+        </p:nvSpPr>
+        <p:spPr>
+          <a:xfrm>
+            <a:off x="381001" y="1732449"/>
+            <a:ext cx="5593292" cy="4786884"/>
+          </a:xfrm>
+        </p:spPr>
+        <p:txBody>
+          <a:bodyPr>
+            <a:normAutofit fontScale="85000" lnSpcReduction="10000"/>
+          </a:bodyPr>
+          <a:lstStyle/>
+          <a:p>
+            <a:pPr marL="0" indent="0">
+              <a:lnSpc>
+                <a:spcPct val="120000"/>
+              </a:lnSpc>
+              <a:spcBef>
+                <a:spcPts val="0"/>
+              </a:spcBef>
+              <a:spcAft>
+                <a:spcPts val="0"/>
+              </a:spcAft>
+              <a:buNone/>
+            </a:pPr>
+            <a:r>
+              <a:rPr lang="en-US" dirty="0">
+                <a:effectLst/>
+              </a:rPr>
+              <a:t>//vehicle-</a:t>
+            </a:r>
+            <a:r>
+              <a:rPr lang="en-US" dirty="0" err="1">
+                <a:effectLst/>
+              </a:rPr>
+              <a:t>concept.h</a:t>
+            </a:r>
+            <a:endParaRPr lang="en-US" dirty="0">
+              <a:effectLst/>
+            </a:endParaRPr>
+          </a:p>
+          <a:p>
+            <a:pPr marL="0" indent="0">
+              <a:lnSpc>
+                <a:spcPct val="120000"/>
+              </a:lnSpc>
+              <a:spcBef>
+                <a:spcPts val="0"/>
+              </a:spcBef>
+              <a:spcAft>
+                <a:spcPts val="0"/>
+              </a:spcAft>
+              <a:buNone/>
+            </a:pPr>
+            <a:r>
+              <a:rPr lang="en-US" dirty="0">
+                <a:effectLst/>
+              </a:rPr>
+              <a:t>template &lt;class Derived&gt;</a:t>
+            </a:r>
+          </a:p>
+          <a:p>
+            <a:pPr marL="0" indent="0">
+              <a:lnSpc>
+                <a:spcPct val="120000"/>
+              </a:lnSpc>
+              <a:spcBef>
+                <a:spcPts val="0"/>
+              </a:spcBef>
+              <a:spcAft>
+                <a:spcPts val="0"/>
+              </a:spcAft>
+              <a:buNone/>
+            </a:pPr>
+            <a:r>
+              <a:rPr lang="en-US" dirty="0">
+                <a:effectLst/>
+              </a:rPr>
+              <a:t>struct vehicle {};</a:t>
+            </a:r>
+            <a:br>
+              <a:rPr lang="en-US" dirty="0">
+                <a:effectLst/>
+              </a:rPr>
+            </a:br>
+            <a:r>
+              <a:rPr lang="en-US" dirty="0">
+                <a:effectLst/>
+              </a:rPr>
+              <a:t>struct car : vehicle&lt;car&gt;</a:t>
+            </a:r>
+          </a:p>
+          <a:p>
+            <a:pPr marL="0" indent="0">
+              <a:lnSpc>
+                <a:spcPct val="120000"/>
+              </a:lnSpc>
+              <a:spcBef>
+                <a:spcPts val="0"/>
+              </a:spcBef>
+              <a:spcAft>
+                <a:spcPts val="0"/>
+              </a:spcAft>
+              <a:buNone/>
+            </a:pPr>
+            <a:r>
+              <a:rPr lang="en-US" dirty="0">
+                <a:effectLst/>
+              </a:rPr>
+              <a:t>{</a:t>
+            </a:r>
+          </a:p>
+          <a:p>
+            <a:pPr marL="0" indent="0">
+              <a:lnSpc>
+                <a:spcPct val="120000"/>
+              </a:lnSpc>
+              <a:spcBef>
+                <a:spcPts val="0"/>
+              </a:spcBef>
+              <a:spcAft>
+                <a:spcPts val="0"/>
+              </a:spcAft>
+              <a:buNone/>
+            </a:pPr>
+            <a:r>
+              <a:rPr lang="en-US" dirty="0">
+                <a:effectLst/>
+              </a:rPr>
+              <a:t>	auto name() </a:t>
+            </a:r>
+            <a:r>
+              <a:rPr lang="en-US" dirty="0" err="1">
+                <a:effectLst/>
+              </a:rPr>
+              <a:t>const</a:t>
+            </a:r>
+            <a:r>
+              <a:rPr lang="en-US" dirty="0">
+                <a:effectLst/>
+              </a:rPr>
+              <a:t> -&gt; </a:t>
+            </a:r>
+            <a:r>
+              <a:rPr lang="en-US" dirty="0" err="1">
+                <a:effectLst/>
+              </a:rPr>
+              <a:t>std</a:t>
+            </a:r>
+            <a:r>
+              <a:rPr lang="en-US" dirty="0">
+                <a:effectLst/>
+              </a:rPr>
+              <a:t>::string {</a:t>
+            </a:r>
+          </a:p>
+          <a:p>
+            <a:pPr marL="0" indent="0">
+              <a:lnSpc>
+                <a:spcPct val="120000"/>
+              </a:lnSpc>
+              <a:spcBef>
+                <a:spcPts val="0"/>
+              </a:spcBef>
+              <a:spcAft>
+                <a:spcPts val="0"/>
+              </a:spcAft>
+              <a:buNone/>
+            </a:pPr>
+            <a:r>
+              <a:rPr lang="en-US" dirty="0">
+                <a:effectLst/>
+              </a:rPr>
+              <a:t>		return "car";</a:t>
+            </a:r>
+          </a:p>
+          <a:p>
+            <a:pPr marL="0" indent="0">
+              <a:lnSpc>
+                <a:spcPct val="120000"/>
+              </a:lnSpc>
+              <a:spcBef>
+                <a:spcPts val="0"/>
+              </a:spcBef>
+              <a:spcAft>
+                <a:spcPts val="0"/>
+              </a:spcAft>
+              <a:buNone/>
+            </a:pPr>
+            <a:r>
+              <a:rPr lang="en-US" dirty="0">
+                <a:effectLst/>
+              </a:rPr>
+              <a:t>	}</a:t>
+            </a:r>
+          </a:p>
+          <a:p>
+            <a:pPr marL="0" indent="0">
+              <a:lnSpc>
+                <a:spcPct val="120000"/>
+              </a:lnSpc>
+              <a:spcBef>
+                <a:spcPts val="0"/>
+              </a:spcBef>
+              <a:spcAft>
+                <a:spcPts val="0"/>
+              </a:spcAft>
+              <a:buNone/>
+            </a:pPr>
+            <a:r>
+              <a:rPr lang="en-US" dirty="0">
+                <a:effectLst/>
+              </a:rPr>
+              <a:t>};</a:t>
+            </a:r>
+            <a:br>
+              <a:rPr lang="en-US" dirty="0">
+                <a:effectLst/>
+              </a:rPr>
+            </a:br>
+            <a:r>
+              <a:rPr lang="en-US" dirty="0">
+                <a:effectLst/>
+              </a:rPr>
+              <a:t>template &lt;class Vehicle&gt;</a:t>
+            </a:r>
+          </a:p>
+          <a:p>
+            <a:pPr marL="0" indent="0">
+              <a:lnSpc>
+                <a:spcPct val="120000"/>
+              </a:lnSpc>
+              <a:spcBef>
+                <a:spcPts val="0"/>
+              </a:spcBef>
+              <a:spcAft>
+                <a:spcPts val="0"/>
+              </a:spcAft>
+              <a:buNone/>
+            </a:pPr>
+            <a:r>
+              <a:rPr lang="en-US" dirty="0">
+                <a:effectLst/>
+              </a:rPr>
+              <a:t>void drive(</a:t>
+            </a:r>
+            <a:r>
+              <a:rPr lang="en-US" b="1" dirty="0">
+                <a:effectLst/>
+              </a:rPr>
+              <a:t>vehicle&lt;Vehicle&gt; </a:t>
+            </a:r>
+            <a:r>
+              <a:rPr lang="en-US" b="1" dirty="0" err="1">
+                <a:effectLst/>
+              </a:rPr>
+              <a:t>const</a:t>
+            </a:r>
+            <a:r>
+              <a:rPr lang="en-US" b="1" dirty="0">
+                <a:effectLst/>
+              </a:rPr>
+              <a:t>&amp;</a:t>
+            </a:r>
+            <a:r>
+              <a:rPr lang="en-US" dirty="0">
+                <a:effectLst/>
+              </a:rPr>
+              <a:t> v)</a:t>
+            </a:r>
+          </a:p>
+          <a:p>
+            <a:pPr marL="0" indent="0">
+              <a:lnSpc>
+                <a:spcPct val="120000"/>
+              </a:lnSpc>
+              <a:spcBef>
+                <a:spcPts val="0"/>
+              </a:spcBef>
+              <a:spcAft>
+                <a:spcPts val="0"/>
+              </a:spcAft>
+              <a:buNone/>
+            </a:pPr>
+            <a:r>
+              <a:rPr lang="en-US" dirty="0">
+                <a:effectLst/>
+              </a:rPr>
+              <a:t>{</a:t>
+            </a:r>
+          </a:p>
+          <a:p>
+            <a:pPr marL="0" indent="0">
+              <a:lnSpc>
+                <a:spcPct val="120000"/>
+              </a:lnSpc>
+              <a:spcBef>
+                <a:spcPts val="0"/>
+              </a:spcBef>
+              <a:spcAft>
+                <a:spcPts val="0"/>
+              </a:spcAft>
+              <a:buNone/>
+            </a:pPr>
+            <a:r>
+              <a:rPr lang="en-US" dirty="0">
+                <a:effectLst/>
+              </a:rPr>
+              <a:t>	</a:t>
+            </a:r>
+            <a:r>
+              <a:rPr lang="en-US" b="1" dirty="0">
+                <a:effectLst/>
+              </a:rPr>
+              <a:t>Vehicle </a:t>
+            </a:r>
+            <a:r>
+              <a:rPr lang="en-US" b="1" dirty="0" err="1">
+                <a:effectLst/>
+              </a:rPr>
+              <a:t>const</a:t>
+            </a:r>
+            <a:r>
+              <a:rPr lang="en-US" b="1" dirty="0">
+                <a:effectLst/>
+              </a:rPr>
+              <a:t>&amp; v_ =</a:t>
+            </a:r>
+          </a:p>
+          <a:p>
+            <a:pPr marL="0" indent="0">
+              <a:lnSpc>
+                <a:spcPct val="120000"/>
+              </a:lnSpc>
+              <a:spcBef>
+                <a:spcPts val="0"/>
+              </a:spcBef>
+              <a:spcAft>
+                <a:spcPts val="0"/>
+              </a:spcAft>
+              <a:buNone/>
+            </a:pPr>
+            <a:r>
+              <a:rPr lang="en-US" b="1" dirty="0">
+                <a:effectLst/>
+              </a:rPr>
+              <a:t>		</a:t>
+            </a:r>
+            <a:r>
+              <a:rPr lang="en-US" b="1" dirty="0" err="1">
+                <a:effectLst/>
+              </a:rPr>
+              <a:t>static_cast</a:t>
+            </a:r>
+            <a:r>
+              <a:rPr lang="en-US" b="1" dirty="0">
+                <a:effectLst/>
+              </a:rPr>
+              <a:t>&lt;Vehicle </a:t>
+            </a:r>
+            <a:r>
+              <a:rPr lang="en-US" b="1" dirty="0" err="1">
+                <a:effectLst/>
+              </a:rPr>
+              <a:t>const</a:t>
+            </a:r>
+            <a:r>
+              <a:rPr lang="en-US" b="1" dirty="0">
+                <a:effectLst/>
+              </a:rPr>
+              <a:t>&amp;&gt;(v);</a:t>
+            </a:r>
+          </a:p>
+          <a:p>
+            <a:pPr marL="0" indent="0">
+              <a:lnSpc>
+                <a:spcPct val="120000"/>
+              </a:lnSpc>
+              <a:spcBef>
+                <a:spcPts val="0"/>
+              </a:spcBef>
+              <a:spcAft>
+                <a:spcPts val="0"/>
+              </a:spcAft>
+              <a:buNone/>
+            </a:pPr>
+            <a:r>
+              <a:rPr lang="en-US" dirty="0">
+                <a:effectLst/>
+              </a:rPr>
+              <a:t>	</a:t>
+            </a:r>
+            <a:r>
+              <a:rPr lang="en-US" dirty="0" err="1">
+                <a:effectLst/>
+              </a:rPr>
+              <a:t>printf</a:t>
+            </a:r>
+            <a:r>
+              <a:rPr lang="en-US" dirty="0">
+                <a:effectLst/>
+              </a:rPr>
+              <a:t>("%s\n", v_.name().</a:t>
+            </a:r>
+            <a:r>
+              <a:rPr lang="en-US" dirty="0" err="1">
+                <a:effectLst/>
+              </a:rPr>
+              <a:t>c_str</a:t>
+            </a:r>
+            <a:r>
+              <a:rPr lang="en-US" dirty="0">
+                <a:effectLst/>
+              </a:rPr>
+              <a:t>());</a:t>
+            </a:r>
+          </a:p>
+          <a:p>
+            <a:pPr marL="0" indent="0">
+              <a:lnSpc>
+                <a:spcPct val="120000"/>
+              </a:lnSpc>
+              <a:spcBef>
+                <a:spcPts val="0"/>
+              </a:spcBef>
+              <a:spcAft>
+                <a:spcPts val="0"/>
+              </a:spcAft>
+              <a:buNone/>
+            </a:pPr>
+            <a:r>
+              <a:rPr lang="en-US" dirty="0">
+                <a:effectLst/>
+              </a:rPr>
+              <a:t>}</a:t>
+            </a:r>
+          </a:p>
+        </p:txBody>
+      </p:sp>
+      <p:sp>
+        <p:nvSpPr>
+          <p:cNvPr id="4" name="Content Placeholder 3">
+            <a:extLst>
+              <a:ext uri="{FF2B5EF4-FFF2-40B4-BE49-F238E27FC236}">
+                <a16:creationId xmlns:a16="http://schemas.microsoft.com/office/drawing/2014/main" id="{244D51A3-96A4-4D49-B6E6-E9CA426EB773}"/>
+              </a:ext>
+            </a:extLst>
+          </p:cNvPr>
+          <p:cNvSpPr>
+            <a:spLocks noGrp="1"/>
+          </p:cNvSpPr>
+          <p:nvPr>
+            <p:ph sz="half" idx="2"/>
+          </p:nvPr>
+        </p:nvSpPr>
+        <p:spPr>
+          <a:xfrm>
+            <a:off x="6202892" y="1732449"/>
+            <a:ext cx="5675841" cy="4786884"/>
+          </a:xfrm>
+        </p:spPr>
+        <p:txBody>
+          <a:bodyPr>
+            <a:normAutofit fontScale="85000" lnSpcReduction="10000"/>
+          </a:bodyPr>
+          <a:lstStyle/>
+          <a:p>
+            <a:pPr marL="0" indent="0">
+              <a:lnSpc>
+                <a:spcPct val="120000"/>
+              </a:lnSpc>
+              <a:spcBef>
+                <a:spcPts val="0"/>
+              </a:spcBef>
+              <a:spcAft>
+                <a:spcPts val="0"/>
+              </a:spcAft>
+              <a:buNone/>
+            </a:pPr>
+            <a:r>
+              <a:rPr lang="en-US" dirty="0">
+                <a:effectLst/>
+              </a:rPr>
+              <a:t>//screw-</a:t>
+            </a:r>
+            <a:r>
+              <a:rPr lang="en-US" dirty="0" err="1">
+                <a:effectLst/>
+              </a:rPr>
+              <a:t>concept.h</a:t>
+            </a:r>
+            <a:endParaRPr lang="en-US" dirty="0">
+              <a:effectLst/>
+            </a:endParaRPr>
+          </a:p>
+          <a:p>
+            <a:pPr marL="0" indent="0">
+              <a:lnSpc>
+                <a:spcPct val="120000"/>
+              </a:lnSpc>
+              <a:spcBef>
+                <a:spcPts val="0"/>
+              </a:spcBef>
+              <a:spcAft>
+                <a:spcPts val="0"/>
+              </a:spcAft>
+              <a:buNone/>
+            </a:pPr>
+            <a:r>
+              <a:rPr lang="en-US" dirty="0">
+                <a:effectLst/>
+              </a:rPr>
+              <a:t>template &lt;class Derived&gt;</a:t>
+            </a:r>
+            <a:br>
+              <a:rPr lang="en-US" dirty="0">
+                <a:effectLst/>
+              </a:rPr>
+            </a:br>
+            <a:r>
+              <a:rPr lang="en-US" dirty="0">
+                <a:effectLst/>
+              </a:rPr>
+              <a:t>struct screw {};</a:t>
+            </a:r>
+            <a:br>
+              <a:rPr lang="en-US" dirty="0">
+                <a:effectLst/>
+              </a:rPr>
+            </a:br>
+            <a:r>
+              <a:rPr lang="en-US" dirty="0">
+                <a:effectLst/>
+              </a:rPr>
+              <a:t>struct </a:t>
+            </a:r>
+            <a:r>
+              <a:rPr lang="en-US" dirty="0" err="1">
+                <a:effectLst/>
+              </a:rPr>
+              <a:t>phillips</a:t>
+            </a:r>
+            <a:r>
+              <a:rPr lang="en-US" dirty="0">
+                <a:effectLst/>
+              </a:rPr>
+              <a:t> : screw&lt;</a:t>
+            </a:r>
+            <a:r>
+              <a:rPr lang="en-US" dirty="0" err="1">
+                <a:effectLst/>
+              </a:rPr>
+              <a:t>phillips</a:t>
+            </a:r>
+            <a:r>
+              <a:rPr lang="en-US" dirty="0">
+                <a:effectLst/>
+              </a:rPr>
+              <a:t>&gt;</a:t>
+            </a:r>
+          </a:p>
+          <a:p>
+            <a:pPr marL="0" indent="0">
+              <a:lnSpc>
+                <a:spcPct val="120000"/>
+              </a:lnSpc>
+              <a:spcBef>
+                <a:spcPts val="0"/>
+              </a:spcBef>
+              <a:spcAft>
+                <a:spcPts val="0"/>
+              </a:spcAft>
+              <a:buNone/>
+            </a:pPr>
+            <a:r>
+              <a:rPr lang="en-US" dirty="0">
+                <a:effectLst/>
+              </a:rPr>
+              <a:t>{</a:t>
+            </a:r>
+          </a:p>
+          <a:p>
+            <a:pPr marL="0" indent="0">
+              <a:lnSpc>
+                <a:spcPct val="120000"/>
+              </a:lnSpc>
+              <a:spcBef>
+                <a:spcPts val="0"/>
+              </a:spcBef>
+              <a:spcAft>
+                <a:spcPts val="0"/>
+              </a:spcAft>
+              <a:buNone/>
+            </a:pPr>
+            <a:r>
+              <a:rPr lang="en-US" dirty="0">
+                <a:effectLst/>
+              </a:rPr>
+              <a:t>	auto status() </a:t>
+            </a:r>
+            <a:r>
+              <a:rPr lang="en-US" dirty="0" err="1">
+                <a:effectLst/>
+              </a:rPr>
+              <a:t>const</a:t>
+            </a:r>
+            <a:r>
+              <a:rPr lang="en-US" dirty="0">
+                <a:effectLst/>
+              </a:rPr>
+              <a:t> -&gt; </a:t>
+            </a:r>
+            <a:r>
+              <a:rPr lang="en-US" dirty="0" err="1">
+                <a:effectLst/>
+              </a:rPr>
+              <a:t>std</a:t>
+            </a:r>
+            <a:r>
+              <a:rPr lang="en-US" dirty="0">
+                <a:effectLst/>
+              </a:rPr>
+              <a:t>::string {</a:t>
+            </a:r>
+          </a:p>
+          <a:p>
+            <a:pPr marL="0" indent="0">
+              <a:lnSpc>
+                <a:spcPct val="120000"/>
+              </a:lnSpc>
+              <a:spcBef>
+                <a:spcPts val="0"/>
+              </a:spcBef>
+              <a:spcAft>
+                <a:spcPts val="0"/>
+              </a:spcAft>
+              <a:buNone/>
+            </a:pPr>
+            <a:r>
+              <a:rPr lang="en-US" dirty="0">
+                <a:effectLst/>
+              </a:rPr>
+              <a:t>		return "</a:t>
+            </a:r>
+            <a:r>
+              <a:rPr lang="en-US" dirty="0" err="1">
+                <a:effectLst/>
+              </a:rPr>
+              <a:t>phillips</a:t>
+            </a:r>
+            <a:r>
+              <a:rPr lang="en-US" dirty="0">
+                <a:effectLst/>
+              </a:rPr>
+              <a:t>";</a:t>
+            </a:r>
+          </a:p>
+          <a:p>
+            <a:pPr marL="0" indent="0">
+              <a:lnSpc>
+                <a:spcPct val="120000"/>
+              </a:lnSpc>
+              <a:spcBef>
+                <a:spcPts val="0"/>
+              </a:spcBef>
+              <a:spcAft>
+                <a:spcPts val="0"/>
+              </a:spcAft>
+              <a:buNone/>
+            </a:pPr>
+            <a:r>
+              <a:rPr lang="en-US" dirty="0">
+                <a:effectLst/>
+              </a:rPr>
+              <a:t>	}</a:t>
+            </a:r>
+          </a:p>
+          <a:p>
+            <a:pPr marL="0" indent="0">
+              <a:lnSpc>
+                <a:spcPct val="120000"/>
+              </a:lnSpc>
+              <a:spcBef>
+                <a:spcPts val="0"/>
+              </a:spcBef>
+              <a:spcAft>
+                <a:spcPts val="0"/>
+              </a:spcAft>
+              <a:buNone/>
+            </a:pPr>
+            <a:r>
+              <a:rPr lang="en-US" dirty="0">
+                <a:effectLst/>
+              </a:rPr>
+              <a:t>};</a:t>
+            </a:r>
+            <a:br>
+              <a:rPr lang="en-US" dirty="0">
+                <a:effectLst/>
+              </a:rPr>
+            </a:br>
+            <a:r>
+              <a:rPr lang="en-US" dirty="0">
+                <a:effectLst/>
+              </a:rPr>
+              <a:t>template &lt;class Screw&gt;</a:t>
+            </a:r>
+          </a:p>
+          <a:p>
+            <a:pPr marL="0" indent="0">
+              <a:lnSpc>
+                <a:spcPct val="120000"/>
+              </a:lnSpc>
+              <a:spcBef>
+                <a:spcPts val="0"/>
+              </a:spcBef>
+              <a:spcAft>
+                <a:spcPts val="0"/>
+              </a:spcAft>
+              <a:buNone/>
+            </a:pPr>
+            <a:r>
+              <a:rPr lang="en-US" dirty="0">
+                <a:effectLst/>
+              </a:rPr>
+              <a:t>void drive(</a:t>
+            </a:r>
+            <a:r>
+              <a:rPr lang="en-US" b="1" dirty="0">
+                <a:effectLst/>
+              </a:rPr>
+              <a:t>screw&lt;Screw&gt; </a:t>
+            </a:r>
+            <a:r>
+              <a:rPr lang="en-US" b="1" dirty="0" err="1">
+                <a:effectLst/>
+              </a:rPr>
+              <a:t>const</a:t>
+            </a:r>
+            <a:r>
+              <a:rPr lang="en-US" b="1" dirty="0">
+                <a:effectLst/>
+              </a:rPr>
+              <a:t>&amp;</a:t>
+            </a:r>
+            <a:r>
+              <a:rPr lang="en-US" dirty="0">
+                <a:effectLst/>
+              </a:rPr>
+              <a:t> s)</a:t>
+            </a:r>
+          </a:p>
+          <a:p>
+            <a:pPr marL="0" indent="0">
+              <a:lnSpc>
+                <a:spcPct val="120000"/>
+              </a:lnSpc>
+              <a:spcBef>
+                <a:spcPts val="0"/>
+              </a:spcBef>
+              <a:spcAft>
+                <a:spcPts val="0"/>
+              </a:spcAft>
+              <a:buNone/>
+            </a:pPr>
+            <a:r>
+              <a:rPr lang="en-US" dirty="0">
+                <a:effectLst/>
+              </a:rPr>
+              <a:t>{</a:t>
+            </a:r>
+          </a:p>
+          <a:p>
+            <a:pPr marL="0" indent="0">
+              <a:lnSpc>
+                <a:spcPct val="120000"/>
+              </a:lnSpc>
+              <a:spcBef>
+                <a:spcPts val="0"/>
+              </a:spcBef>
+              <a:spcAft>
+                <a:spcPts val="0"/>
+              </a:spcAft>
+              <a:buNone/>
+            </a:pPr>
+            <a:r>
+              <a:rPr lang="en-US" b="1" dirty="0">
+                <a:effectLst/>
+              </a:rPr>
+              <a:t>	Screw </a:t>
+            </a:r>
+            <a:r>
+              <a:rPr lang="en-US" b="1" dirty="0" err="1">
+                <a:effectLst/>
+              </a:rPr>
+              <a:t>const</a:t>
+            </a:r>
+            <a:r>
+              <a:rPr lang="en-US" b="1" dirty="0">
+                <a:effectLst/>
+              </a:rPr>
+              <a:t>&amp; s_ =</a:t>
+            </a:r>
+          </a:p>
+          <a:p>
+            <a:pPr marL="0" indent="0">
+              <a:lnSpc>
+                <a:spcPct val="120000"/>
+              </a:lnSpc>
+              <a:spcBef>
+                <a:spcPts val="0"/>
+              </a:spcBef>
+              <a:spcAft>
+                <a:spcPts val="0"/>
+              </a:spcAft>
+              <a:buNone/>
+            </a:pPr>
+            <a:r>
+              <a:rPr lang="en-US" b="1" dirty="0">
+                <a:effectLst/>
+              </a:rPr>
+              <a:t>		</a:t>
+            </a:r>
+            <a:r>
+              <a:rPr lang="en-US" b="1" dirty="0" err="1">
+                <a:effectLst/>
+              </a:rPr>
+              <a:t>static_cast</a:t>
+            </a:r>
+            <a:r>
+              <a:rPr lang="en-US" b="1" dirty="0">
+                <a:effectLst/>
+              </a:rPr>
+              <a:t>&lt;Screw </a:t>
+            </a:r>
+            <a:r>
+              <a:rPr lang="en-US" b="1" dirty="0" err="1">
+                <a:effectLst/>
+              </a:rPr>
+              <a:t>const</a:t>
+            </a:r>
+            <a:r>
+              <a:rPr lang="en-US" b="1" dirty="0">
+                <a:effectLst/>
+              </a:rPr>
+              <a:t>&amp;&gt;(s)</a:t>
+            </a:r>
+            <a:r>
+              <a:rPr lang="en-US" dirty="0">
+                <a:effectLst/>
+              </a:rPr>
+              <a:t>;</a:t>
+            </a:r>
+          </a:p>
+          <a:p>
+            <a:pPr marL="0" indent="0">
+              <a:lnSpc>
+                <a:spcPct val="120000"/>
+              </a:lnSpc>
+              <a:spcBef>
+                <a:spcPts val="0"/>
+              </a:spcBef>
+              <a:spcAft>
+                <a:spcPts val="0"/>
+              </a:spcAft>
+              <a:buNone/>
+            </a:pPr>
+            <a:r>
+              <a:rPr lang="en-US" dirty="0">
+                <a:effectLst/>
+              </a:rPr>
+              <a:t>	</a:t>
+            </a:r>
+            <a:r>
+              <a:rPr lang="en-US" dirty="0" err="1">
+                <a:effectLst/>
+              </a:rPr>
+              <a:t>printf</a:t>
+            </a:r>
+            <a:r>
+              <a:rPr lang="en-US" dirty="0">
+                <a:effectLst/>
+              </a:rPr>
+              <a:t>("%s\n", </a:t>
+            </a:r>
+            <a:r>
+              <a:rPr lang="en-US" dirty="0" err="1">
+                <a:effectLst/>
+              </a:rPr>
+              <a:t>s_.status</a:t>
+            </a:r>
+            <a:r>
+              <a:rPr lang="en-US" dirty="0">
+                <a:effectLst/>
+              </a:rPr>
+              <a:t>().</a:t>
+            </a:r>
+            <a:r>
+              <a:rPr lang="en-US" dirty="0" err="1">
+                <a:effectLst/>
+              </a:rPr>
+              <a:t>c_str</a:t>
+            </a:r>
+            <a:r>
+              <a:rPr lang="en-US" dirty="0">
+                <a:effectLst/>
+              </a:rPr>
+              <a:t>());</a:t>
+            </a:r>
+          </a:p>
+          <a:p>
+            <a:pPr marL="0" indent="0">
+              <a:lnSpc>
+                <a:spcPct val="120000"/>
+              </a:lnSpc>
+              <a:spcBef>
+                <a:spcPts val="0"/>
+              </a:spcBef>
+              <a:spcAft>
+                <a:spcPts val="0"/>
+              </a:spcAft>
+              <a:buNone/>
+            </a:pPr>
+            <a:r>
+              <a:rPr lang="en-US" dirty="0">
+                <a:effectLst/>
+              </a:rPr>
+              <a:t>}</a:t>
+            </a:r>
+          </a:p>
+        </p:txBody>
+      </p:sp>
+    </p:spTree>
+    <p:extLst>
+      <p:ext uri="{BB962C8B-B14F-4D97-AF65-F5344CB8AC3E}">
+        <p14:creationId xmlns:p14="http://schemas.microsoft.com/office/powerpoint/2010/main" val="1413997221"/>
+      </p:ext>
+    </p:extLst>
+  </p:cSld>
+  <p:clrMapOvr>
+    <a:masterClrMapping/>
+  </p:clrMapOvr>
+</p:sld>
+</file>
+
+<file path=ppt/slides/slide15.xml><?xml version="1.0" encoding="utf-8"?>
+<p:sld xmlns:a="http://schemas.openxmlformats.org/drawingml/2006/main" xmlns:r="http://schemas.openxmlformats.org/officeDocument/2006/relationships" xmlns:p="http://schemas.openxmlformats.org/presentationml/2006/main">
+  <p:cSld>
+    <p:spTree>
+      <p:nvGrpSpPr>
+        <p:cNvPr id="1" name=""/>
+        <p:cNvGrpSpPr/>
+        <p:nvPr/>
+      </p:nvGrpSpPr>
+      <p:grpSpPr>
+        <a:xfrm>
+          <a:off x="0" y="0"/>
+          <a:ext cx="0" cy="0"/>
+          <a:chOff x="0" y="0"/>
+          <a:chExt cx="0" cy="0"/>
+        </a:xfrm>
+      </p:grpSpPr>
+      <p:sp>
+        <p:nvSpPr>
+          <p:cNvPr id="2" name="Title 1">
+            <a:extLst>
+              <a:ext uri="{FF2B5EF4-FFF2-40B4-BE49-F238E27FC236}">
                 <a16:creationId xmlns:a16="http://schemas.microsoft.com/office/drawing/2014/main" id="{560C5AC7-325E-4C6C-832B-6E869089B727}"/>
               </a:ext>
             </a:extLst>
@@ -9134,7 +11744,7 @@
               <a:rPr lang="en-US" dirty="0">
                 <a:effectLst/>
               </a:rPr>
-              <a:t>Value semantics + slicing or reference semantics; pick one</a:t>
+              <a:t>Maybe not… Value semantics + slicing or reference semantics; pick one</a:t>
             </a:r>
             <a:br>
               <a:rPr lang="en-US" dirty="0">
@@ -9145,6 +11755,98 @@
               <a:effectLst/>
             </a:endParaRPr>
           </a:p>
+        </p:txBody>
+      </p:sp>
+    </p:spTree>
+    <p:extLst>
+      <p:ext uri="{BB962C8B-B14F-4D97-AF65-F5344CB8AC3E}">
+        <p14:creationId xmlns:p14="http://schemas.microsoft.com/office/powerpoint/2010/main" val="2750327114"/>
+      </p:ext>
+    </p:extLst>
+  </p:cSld>
+  <p:clrMapOvr>
+    <a:masterClrMapping/>
+  </p:clrMapOvr>
+</p:sld>
+</file>
+
+<file path=ppt/slides/slide16.xml><?xml version="1.0" encoding="utf-8"?>
+<p:sld xmlns:a="http://schemas.openxmlformats.org/drawingml/2006/main" xmlns:r="http://schemas.openxmlformats.org/officeDocument/2006/relationships" xmlns:p="http://schemas.openxmlformats.org/presentationml/2006/main">
+  <p:cSld>
+    <p:spTree>
+      <p:nvGrpSpPr>
+        <p:cNvPr id="1" name=""/>
+        <p:cNvGrpSpPr/>
+        <p:nvPr/>
+      </p:nvGrpSpPr>
+      <p:grpSpPr>
+        <a:xfrm>
+          <a:off x="0" y="0"/>
+          <a:ext cx="0" cy="0"/>
+          <a:chOff x="0" y="0"/>
+          <a:chExt cx="0" cy="0"/>
+        </a:xfrm>
+      </p:grpSpPr>
+      <p:sp>
+        <p:nvSpPr>
+          <p:cNvPr id="2" name="Title 1">
+            <a:extLst>
+              <a:ext uri="{FF2B5EF4-FFF2-40B4-BE49-F238E27FC236}">
+                <a16:creationId xmlns:a16="http://schemas.microsoft.com/office/drawing/2014/main" id="{560C5AC7-325E-4C6C-832B-6E869089B727}"/>
+              </a:ext>
+            </a:extLst>
+          </p:cNvPr>
+          <p:cNvSpPr>
+            <a:spLocks noGrp="1"/>
+          </p:cNvSpPr>
+          <p:nvPr>
+            <p:ph type="title"/>
+          </p:nvPr>
+        </p:nvSpPr>
+        <p:spPr/>
+        <p:txBody>
+          <a:bodyPr>
+            <a:normAutofit/>
+          </a:bodyPr>
+          <a:lstStyle/>
+          <a:p>
+            <a:r>
+              <a:rPr lang="en-US" dirty="0">
+                <a:effectLst/>
+              </a:rPr>
+              <a:t>CRTP – Why use it?</a:t>
+            </a:r>
+            <a:endParaRPr lang="en-US" dirty="0"/>
+          </a:p>
+        </p:txBody>
+      </p:sp>
+      <p:sp>
+        <p:nvSpPr>
+          <p:cNvPr id="3" name="Content Placeholder 2">
+            <a:extLst>
+              <a:ext uri="{FF2B5EF4-FFF2-40B4-BE49-F238E27FC236}">
+                <a16:creationId xmlns:a16="http://schemas.microsoft.com/office/drawing/2014/main" id="{5D065A81-9E6D-4C15-9E6B-62E02CCAC109}"/>
+              </a:ext>
+            </a:extLst>
+          </p:cNvPr>
+          <p:cNvSpPr>
+            <a:spLocks noGrp="1"/>
+          </p:cNvSpPr>
+          <p:nvPr>
+            <p:ph idx="1"/>
+          </p:nvPr>
+        </p:nvSpPr>
+        <p:spPr>
+          <a:xfrm>
+            <a:off x="385011" y="1732449"/>
+            <a:ext cx="11466094" cy="4800698"/>
+          </a:xfrm>
+        </p:spPr>
+        <p:txBody>
+          <a:bodyPr>
+            <a:normAutofit/>
+          </a:bodyPr>
+          <a:lstStyle/>
           <a:p>
             <a:pPr indent="-342900">
               <a:spcBef>
@@ -9155,10 +11857,10 @@
               </a:spcAft>
             </a:pPr>
             <a:r>
-              <a:rPr lang="en-US" b="1" dirty="0">
-                <a:effectLst/>
-              </a:rPr>
-              <a:t>Class extension or code re-use</a:t>
+              <a:rPr lang="en-US" dirty="0">
+                <a:effectLst/>
+              </a:rPr>
+              <a:t>To enforce concepts?</a:t>
             </a:r>
           </a:p>
           <a:p>
@@ -9174,31 +11876,7 @@
               <a:rPr lang="en-US" dirty="0">
                 <a:effectLst/>
               </a:rPr>
-              <a:t>Scaffolding for </a:t>
-            </a:r>
-            <a:r>
-              <a:rPr lang="en-US" dirty="0" err="1">
-                <a:effectLst/>
-              </a:rPr>
-              <a:t>honerous</a:t>
-            </a:r>
-            <a:r>
-              <a:rPr lang="en-US" dirty="0">
-                <a:effectLst/>
-              </a:rPr>
-              <a:t> boilerplate (see boost::</a:t>
-            </a:r>
-            <a:r>
-              <a:rPr lang="en-US" dirty="0" err="1">
-                <a:effectLst/>
-              </a:rPr>
-              <a:t>iterator_facade</a:t>
-            </a:r>
-            <a:r>
-              <a:rPr lang="en-US" dirty="0">
-                <a:effectLst/>
-              </a:rPr>
-              <a:t>)</a:t>
+              <a:t>Maybe not… Value semantics + slicing or reference semantics; pick one</a:t>
             </a:r>
             <a:br>
               <a:rPr lang="en-US" dirty="0">
@@ -9219,6 +11897,58 @@
               </a:spcAft>
             </a:pPr>
             <a:r>
+              <a:rPr lang="en-US" b="1" dirty="0">
+                <a:effectLst/>
+              </a:rPr>
+              <a:t>Class extension or code re-use</a:t>
+            </a:r>
+          </a:p>
+          <a:p>
+            <a:pPr lvl="1" indent="-342900">
+              <a:spcBef>
+                <a:spcPts val="0"/>
+              </a:spcBef>
+              <a:spcAft>
+                <a:spcPts val="0"/>
+              </a:spcAft>
+            </a:pPr>
+            <a:r>
+              <a:rPr lang="en-US" dirty="0">
+                <a:effectLst/>
+              </a:rPr>
+              <a:t>Scaffolding for onerous boilerplate (see boost::</a:t>
+            </a:r>
+            <a:r>
+              <a:rPr lang="en-US" dirty="0" err="1">
+                <a:effectLst/>
+              </a:rPr>
+              <a:t>iterator_facade</a:t>
+            </a:r>
+            <a:r>
+              <a:rPr lang="en-US" dirty="0">
+                <a:effectLst/>
+              </a:rPr>
+              <a:t>)</a:t>
+            </a:r>
+            <a:br>
+              <a:rPr lang="en-US" dirty="0">
+                <a:effectLst/>
+              </a:rPr>
+            </a:br>
+            <a:endParaRPr lang="en-US" dirty="0">
+              <a:effectLst/>
+            </a:endParaRPr>
+          </a:p>
+          <a:p>
+            <a:pPr indent="-342900">
+              <a:spcBef>
+                <a:spcPts val="0"/>
+              </a:spcBef>
+              <a:spcAft>
+                <a:spcPts val="0"/>
+              </a:spcAft>
+            </a:pPr>
+            <a:r>
               <a:rPr lang="en-US" dirty="0">
                 <a:effectLst/>
               </a:rPr>
@@ -9246,7 +11976,7 @@
     </p:spTree>
     <p:extLst>
       <p:ext uri="{BB962C8B-B14F-4D97-AF65-F5344CB8AC3E}">
-        <p14:creationId xmlns:p14="http://schemas.microsoft.com/office/powerpoint/2010/main" val="2750327114"/>
+        <p14:creationId xmlns:p14="http://schemas.microsoft.com/office/powerpoint/2010/main" val="4073963925"/>
       </p:ext>
     </p:extLst>
   </p:cSld>

--- a/CRTP.pptx
+++ b/CRTP.pptx
@@ -5,7 +5,7 @@
     <p:sldMasterId id="2147483804" r:id="rId1"/>
   </p:sldMasterIdLst>
   <p:notesMasterIdLst>
-    <p:notesMasterId r:id="rId18"/>
+    <p:notesMasterId r:id="rId20"/>
   </p:notesMasterIdLst>
   <p:sldIdLst>
     <p:sldId id="256" r:id="rId2"/>
@@ -23,7 +23,9 @@
     <p:sldId id="279" r:id="rId14"/>
     <p:sldId id="280" r:id="rId15"/>
     <p:sldId id="271" r:id="rId16"/>
-    <p:sldId id="278" r:id="rId17"/>
+    <p:sldId id="281" r:id="rId17"/>
+    <p:sldId id="282" r:id="rId18"/>
+    <p:sldId id="278" r:id="rId19"/>
   </p:sldIdLst>
   <p:sldSz cx="12192000" cy="6858000"/>
   <p:notesSz cx="6858000" cy="9144000"/>
@@ -1081,6 +1083,194 @@
             <a:fld id="{07CFD0BC-341E-4884-8712-9D9DE84DAC90}" type="slidenum">
               <a:rPr lang="en-US" smtClean="0"/>
               <a:t>16</a:t>
+            </a:fld>
+            <a:endParaRPr lang="en-US"/>
+          </a:p>
+        </p:txBody>
+      </p:sp>
+    </p:spTree>
+    <p:extLst>
+      <p:ext uri="{BB962C8B-B14F-4D97-AF65-F5344CB8AC3E}">
+        <p14:creationId xmlns:p14="http://schemas.microsoft.com/office/powerpoint/2010/main" val="2276481020"/>
+      </p:ext>
+    </p:extLst>
+  </p:cSld>
+  <p:clrMapOvr>
+    <a:masterClrMapping/>
+  </p:clrMapOvr>
+</p:notes>
+</file>
+
+<file path=ppt/notesSlides/notesSlide16.xml><?xml version="1.0" encoding="utf-8"?>
+<p:notes xmlns:a="http://schemas.openxmlformats.org/drawingml/2006/main" xmlns:r="http://schemas.openxmlformats.org/officeDocument/2006/relationships" xmlns:p="http://schemas.openxmlformats.org/presentationml/2006/main">
+  <p:cSld>
+    <p:spTree>
+      <p:nvGrpSpPr>
+        <p:cNvPr id="1" name=""/>
+        <p:cNvGrpSpPr/>
+        <p:nvPr/>
+      </p:nvGrpSpPr>
+      <p:grpSpPr>
+        <a:xfrm>
+          <a:off x="0" y="0"/>
+          <a:ext cx="0" cy="0"/>
+          <a:chOff x="0" y="0"/>
+          <a:chExt cx="0" cy="0"/>
+        </a:xfrm>
+      </p:grpSpPr>
+      <p:sp>
+        <p:nvSpPr>
+          <p:cNvPr id="2" name="Slide Image Placeholder 1"/>
+          <p:cNvSpPr>
+            <a:spLocks noGrp="1" noRot="1" noChangeAspect="1"/>
+          </p:cNvSpPr>
+          <p:nvPr>
+            <p:ph type="sldImg"/>
+          </p:nvPr>
+        </p:nvSpPr>
+        <p:spPr/>
+      </p:sp>
+      <p:sp>
+        <p:nvSpPr>
+          <p:cNvPr id="3" name="Notes Placeholder 2"/>
+          <p:cNvSpPr>
+            <a:spLocks noGrp="1"/>
+          </p:cNvSpPr>
+          <p:nvPr>
+            <p:ph type="body" idx="1"/>
+          </p:nvPr>
+        </p:nvSpPr>
+        <p:spPr/>
+        <p:txBody>
+          <a:bodyPr/>
+          <a:lstStyle/>
+          <a:p>
+            <a:pPr marL="0" marR="0" lvl="0" indent="0" algn="l" defTabSz="914400" rtl="0" eaLnBrk="1" fontAlgn="auto" latinLnBrk="0" hangingPunct="1">
+              <a:lnSpc>
+                <a:spcPct val="100000"/>
+              </a:lnSpc>
+              <a:spcBef>
+                <a:spcPts val="0"/>
+              </a:spcBef>
+              <a:spcAft>
+                <a:spcPts val="0"/>
+              </a:spcAft>
+              <a:buClrTx/>
+              <a:buSzTx/>
+              <a:buFontTx/>
+              <a:buNone/>
+              <a:tabLst/>
+              <a:defRPr/>
+            </a:pPr>
+            <a:endParaRPr lang="en-US" dirty="0"/>
+          </a:p>
+        </p:txBody>
+      </p:sp>
+      <p:sp>
+        <p:nvSpPr>
+          <p:cNvPr id="4" name="Slide Number Placeholder 3"/>
+          <p:cNvSpPr>
+            <a:spLocks noGrp="1"/>
+          </p:cNvSpPr>
+          <p:nvPr>
+            <p:ph type="sldNum" sz="quarter" idx="10"/>
+          </p:nvPr>
+        </p:nvSpPr>
+        <p:spPr/>
+        <p:txBody>
+          <a:bodyPr/>
+          <a:lstStyle/>
+          <a:p>
+            <a:fld id="{07CFD0BC-341E-4884-8712-9D9DE84DAC90}" type="slidenum">
+              <a:rPr lang="en-US" smtClean="0"/>
+              <a:t>17</a:t>
+            </a:fld>
+            <a:endParaRPr lang="en-US"/>
+          </a:p>
+        </p:txBody>
+      </p:sp>
+    </p:spTree>
+    <p:extLst>
+      <p:ext uri="{BB962C8B-B14F-4D97-AF65-F5344CB8AC3E}">
+        <p14:creationId xmlns:p14="http://schemas.microsoft.com/office/powerpoint/2010/main" val="2734553923"/>
+      </p:ext>
+    </p:extLst>
+  </p:cSld>
+  <p:clrMapOvr>
+    <a:masterClrMapping/>
+  </p:clrMapOvr>
+</p:notes>
+</file>
+
+<file path=ppt/notesSlides/notesSlide17.xml><?xml version="1.0" encoding="utf-8"?>
+<p:notes xmlns:a="http://schemas.openxmlformats.org/drawingml/2006/main" xmlns:r="http://schemas.openxmlformats.org/officeDocument/2006/relationships" xmlns:p="http://schemas.openxmlformats.org/presentationml/2006/main">
+  <p:cSld>
+    <p:spTree>
+      <p:nvGrpSpPr>
+        <p:cNvPr id="1" name=""/>
+        <p:cNvGrpSpPr/>
+        <p:nvPr/>
+      </p:nvGrpSpPr>
+      <p:grpSpPr>
+        <a:xfrm>
+          <a:off x="0" y="0"/>
+          <a:ext cx="0" cy="0"/>
+          <a:chOff x="0" y="0"/>
+          <a:chExt cx="0" cy="0"/>
+        </a:xfrm>
+      </p:grpSpPr>
+      <p:sp>
+        <p:nvSpPr>
+          <p:cNvPr id="2" name="Slide Image Placeholder 1"/>
+          <p:cNvSpPr>
+            <a:spLocks noGrp="1" noRot="1" noChangeAspect="1"/>
+          </p:cNvSpPr>
+          <p:nvPr>
+            <p:ph type="sldImg"/>
+          </p:nvPr>
+        </p:nvSpPr>
+        <p:spPr/>
+      </p:sp>
+      <p:sp>
+        <p:nvSpPr>
+          <p:cNvPr id="3" name="Notes Placeholder 2"/>
+          <p:cNvSpPr>
+            <a:spLocks noGrp="1"/>
+          </p:cNvSpPr>
+          <p:nvPr>
+            <p:ph type="body" idx="1"/>
+          </p:nvPr>
+        </p:nvSpPr>
+        <p:spPr/>
+        <p:txBody>
+          <a:bodyPr/>
+          <a:lstStyle/>
+          <a:p>
+            <a:pPr rtl="0"/>
+            <a:endParaRPr lang="en-US" dirty="0">
+              <a:effectLst/>
+            </a:endParaRPr>
+          </a:p>
+        </p:txBody>
+      </p:sp>
+      <p:sp>
+        <p:nvSpPr>
+          <p:cNvPr id="4" name="Slide Number Placeholder 3"/>
+          <p:cNvSpPr>
+            <a:spLocks noGrp="1"/>
+          </p:cNvSpPr>
+          <p:nvPr>
+            <p:ph type="sldNum" sz="quarter" idx="10"/>
+          </p:nvPr>
+        </p:nvSpPr>
+        <p:spPr/>
+        <p:txBody>
+          <a:bodyPr/>
+          <a:lstStyle/>
+          <a:p>
+            <a:fld id="{07CFD0BC-341E-4884-8712-9D9DE84DAC90}" type="slidenum">
+              <a:rPr lang="en-US" smtClean="0"/>
+              <a:t>18</a:t>
             </a:fld>
             <a:endParaRPr lang="en-US"/>
           </a:p>
@@ -8574,7 +8764,7 @@
             </a:pPr>
             <a:r>
               <a:rPr lang="en-US" dirty="0"/>
-              <a:t>Class extension or code re-use</a:t>
+              <a:t>Class extension</a:t>
             </a:r>
             <a:br>
               <a:rPr lang="en-US" dirty="0"/>
@@ -11878,6 +12068,674 @@
               </a:rPr>
               <a:t>Maybe not… Value semantics + slicing or reference semantics; pick one</a:t>
             </a:r>
+            <a:endParaRPr lang="en-US" dirty="0"/>
+          </a:p>
+          <a:p>
+            <a:pPr indent="-342900">
+              <a:spcBef>
+                <a:spcPts val="0"/>
+              </a:spcBef>
+              <a:spcAft>
+                <a:spcPts val="0"/>
+              </a:spcAft>
+            </a:pPr>
+            <a:r>
+              <a:rPr lang="en-US" dirty="0"/>
+              <a:t>Class extension or code re-use</a:t>
+            </a:r>
+            <a:endParaRPr lang="en-US" dirty="0">
+              <a:effectLst/>
+            </a:endParaRPr>
+          </a:p>
+        </p:txBody>
+      </p:sp>
+    </p:spTree>
+    <p:extLst>
+      <p:ext uri="{BB962C8B-B14F-4D97-AF65-F5344CB8AC3E}">
+        <p14:creationId xmlns:p14="http://schemas.microsoft.com/office/powerpoint/2010/main" val="114254548"/>
+      </p:ext>
+    </p:extLst>
+  </p:cSld>
+  <p:clrMapOvr>
+    <a:masterClrMapping/>
+  </p:clrMapOvr>
+</p:sld>
+</file>
+
+<file path=ppt/slides/slide17.xml><?xml version="1.0" encoding="utf-8"?>
+<p:sld xmlns:a="http://schemas.openxmlformats.org/drawingml/2006/main" xmlns:r="http://schemas.openxmlformats.org/officeDocument/2006/relationships" xmlns:p="http://schemas.openxmlformats.org/presentationml/2006/main">
+  <p:cSld>
+    <p:spTree>
+      <p:nvGrpSpPr>
+        <p:cNvPr id="1" name=""/>
+        <p:cNvGrpSpPr/>
+        <p:nvPr/>
+      </p:nvGrpSpPr>
+      <p:grpSpPr>
+        <a:xfrm>
+          <a:off x="0" y="0"/>
+          <a:ext cx="0" cy="0"/>
+          <a:chOff x="0" y="0"/>
+          <a:chExt cx="0" cy="0"/>
+        </a:xfrm>
+      </p:grpSpPr>
+      <p:sp>
+        <p:nvSpPr>
+          <p:cNvPr id="2" name="Title 1">
+            <a:extLst>
+              <a:ext uri="{FF2B5EF4-FFF2-40B4-BE49-F238E27FC236}">
+                <a16:creationId xmlns:a16="http://schemas.microsoft.com/office/drawing/2014/main" id="{560C5AC7-325E-4C6C-832B-6E869089B727}"/>
+              </a:ext>
+            </a:extLst>
+          </p:cNvPr>
+          <p:cNvSpPr>
+            <a:spLocks noGrp="1"/>
+          </p:cNvSpPr>
+          <p:nvPr>
+            <p:ph type="title"/>
+          </p:nvPr>
+        </p:nvSpPr>
+        <p:spPr/>
+        <p:txBody>
+          <a:bodyPr>
+            <a:normAutofit fontScale="90000"/>
+          </a:bodyPr>
+          <a:lstStyle/>
+          <a:p>
+            <a:r>
+              <a:rPr lang="en-US" dirty="0">
+                <a:effectLst/>
+              </a:rPr>
+              <a:t>CRTP – Why use it?</a:t>
+            </a:r>
+            <a:br>
+              <a:rPr lang="en-US" dirty="0">
+                <a:effectLst/>
+              </a:rPr>
+            </a:br>
+            <a:r>
+              <a:rPr lang="en-US" dirty="0"/>
+              <a:t>Class extension: singleton</a:t>
+            </a:r>
+          </a:p>
+        </p:txBody>
+      </p:sp>
+      <p:sp>
+        <p:nvSpPr>
+          <p:cNvPr id="3" name="Content Placeholder 2">
+            <a:extLst>
+              <a:ext uri="{FF2B5EF4-FFF2-40B4-BE49-F238E27FC236}">
+                <a16:creationId xmlns:a16="http://schemas.microsoft.com/office/drawing/2014/main" id="{5D065A81-9E6D-4C15-9E6B-62E02CCAC109}"/>
+              </a:ext>
+            </a:extLst>
+          </p:cNvPr>
+          <p:cNvSpPr>
+            <a:spLocks noGrp="1"/>
+          </p:cNvSpPr>
+          <p:nvPr>
+            <p:ph idx="1"/>
+          </p:nvPr>
+        </p:nvSpPr>
+        <p:spPr>
+          <a:xfrm>
+            <a:off x="385011" y="1732449"/>
+            <a:ext cx="11466094" cy="4800698"/>
+          </a:xfrm>
+        </p:spPr>
+        <p:txBody>
+          <a:bodyPr>
+            <a:normAutofit fontScale="92500" lnSpcReduction="10000"/>
+          </a:bodyPr>
+          <a:lstStyle/>
+          <a:p>
+            <a:pPr marL="0" indent="0">
+              <a:spcBef>
+                <a:spcPts val="0"/>
+              </a:spcBef>
+              <a:spcAft>
+                <a:spcPts val="0"/>
+              </a:spcAft>
+              <a:buNone/>
+            </a:pPr>
+            <a:r>
+              <a:rPr lang="en-US" dirty="0"/>
+              <a:t>template&lt;</a:t>
+            </a:r>
+            <a:r>
+              <a:rPr lang="en-US" b="1" dirty="0" err="1"/>
+              <a:t>typename</a:t>
+            </a:r>
+            <a:r>
+              <a:rPr lang="en-US" b="1" dirty="0"/>
+              <a:t> derived</a:t>
+            </a:r>
+            <a:r>
+              <a:rPr lang="en-US" dirty="0"/>
+              <a:t>&gt;</a:t>
+            </a:r>
+          </a:p>
+          <a:p>
+            <a:pPr marL="0" indent="0">
+              <a:spcBef>
+                <a:spcPts val="0"/>
+              </a:spcBef>
+              <a:spcAft>
+                <a:spcPts val="0"/>
+              </a:spcAft>
+              <a:buNone/>
+            </a:pPr>
+            <a:r>
+              <a:rPr lang="en-US" dirty="0"/>
+              <a:t>class singleton</a:t>
+            </a:r>
+          </a:p>
+          <a:p>
+            <a:pPr marL="0" indent="0">
+              <a:spcBef>
+                <a:spcPts val="0"/>
+              </a:spcBef>
+              <a:spcAft>
+                <a:spcPts val="0"/>
+              </a:spcAft>
+              <a:buNone/>
+            </a:pPr>
+            <a:r>
+              <a:rPr lang="en-US" dirty="0"/>
+              <a:t>{</a:t>
+            </a:r>
+          </a:p>
+          <a:p>
+            <a:pPr marL="0" indent="0">
+              <a:spcBef>
+                <a:spcPts val="0"/>
+              </a:spcBef>
+              <a:spcAft>
+                <a:spcPts val="0"/>
+              </a:spcAft>
+              <a:buNone/>
+            </a:pPr>
+            <a:r>
+              <a:rPr lang="en-US" dirty="0"/>
+              <a:t>  singleton(</a:t>
+            </a:r>
+            <a:r>
+              <a:rPr lang="en-US" dirty="0" err="1"/>
+              <a:t>const</a:t>
+            </a:r>
+            <a:r>
+              <a:rPr lang="en-US" dirty="0"/>
+              <a:t> singleton&amp;) </a:t>
+            </a:r>
+            <a:r>
+              <a:rPr lang="en-US" b="1" dirty="0"/>
+              <a:t>= delete</a:t>
+            </a:r>
+            <a:r>
+              <a:rPr lang="en-US" dirty="0"/>
+              <a:t>;</a:t>
+            </a:r>
+          </a:p>
+          <a:p>
+            <a:pPr marL="0" indent="0">
+              <a:spcBef>
+                <a:spcPts val="0"/>
+              </a:spcBef>
+              <a:spcAft>
+                <a:spcPts val="0"/>
+              </a:spcAft>
+              <a:buNone/>
+            </a:pPr>
+            <a:r>
+              <a:rPr lang="en-US" dirty="0"/>
+              <a:t>  auto operator=(</a:t>
+            </a:r>
+            <a:r>
+              <a:rPr lang="en-US" dirty="0" err="1"/>
+              <a:t>const</a:t>
+            </a:r>
+            <a:r>
+              <a:rPr lang="en-US" dirty="0"/>
+              <a:t> singleton&amp;) -&gt; singleton&amp; </a:t>
+            </a:r>
+            <a:r>
+              <a:rPr lang="en-US" b="1" dirty="0"/>
+              <a:t>= delete</a:t>
+            </a:r>
+            <a:r>
+              <a:rPr lang="en-US" dirty="0"/>
+              <a:t>;</a:t>
+            </a:r>
+          </a:p>
+          <a:p>
+            <a:pPr marL="0" indent="0">
+              <a:spcBef>
+                <a:spcPts val="0"/>
+              </a:spcBef>
+              <a:spcAft>
+                <a:spcPts val="0"/>
+              </a:spcAft>
+              <a:buNone/>
+            </a:pPr>
+            <a:r>
+              <a:rPr lang="en-US" dirty="0"/>
+              <a:t>protected:</a:t>
+            </a:r>
+          </a:p>
+          <a:p>
+            <a:pPr marL="0" indent="0">
+              <a:spcBef>
+                <a:spcPts val="0"/>
+              </a:spcBef>
+              <a:spcAft>
+                <a:spcPts val="0"/>
+              </a:spcAft>
+              <a:buNone/>
+            </a:pPr>
+            <a:r>
+              <a:rPr lang="en-US" dirty="0"/>
+              <a:t>  </a:t>
+            </a:r>
+            <a:r>
+              <a:rPr lang="en-US" b="1" dirty="0"/>
+              <a:t>static </a:t>
+            </a:r>
+            <a:r>
+              <a:rPr lang="en-US" b="1" dirty="0" err="1"/>
+              <a:t>std</a:t>
+            </a:r>
+            <a:r>
+              <a:rPr lang="en-US" b="1" dirty="0"/>
+              <a:t>::</a:t>
+            </a:r>
+            <a:r>
+              <a:rPr lang="en-US" b="1" dirty="0" err="1"/>
+              <a:t>unique_ptr</a:t>
+            </a:r>
+            <a:r>
+              <a:rPr lang="en-US" b="1" dirty="0"/>
+              <a:t>&lt;derived&gt; </a:t>
+            </a:r>
+            <a:r>
+              <a:rPr lang="en-US" b="1" dirty="0" err="1"/>
+              <a:t>obj</a:t>
+            </a:r>
+            <a:r>
+              <a:rPr lang="en-US" dirty="0"/>
+              <a:t>;</a:t>
+            </a:r>
+          </a:p>
+          <a:p>
+            <a:pPr marL="0" indent="0">
+              <a:spcBef>
+                <a:spcPts val="0"/>
+              </a:spcBef>
+              <a:spcAft>
+                <a:spcPts val="0"/>
+              </a:spcAft>
+              <a:buNone/>
+            </a:pPr>
+            <a:r>
+              <a:rPr lang="en-US" dirty="0"/>
+              <a:t>  singleton() = default;</a:t>
+            </a:r>
+          </a:p>
+          <a:p>
+            <a:pPr marL="0" indent="0">
+              <a:spcBef>
+                <a:spcPts val="0"/>
+              </a:spcBef>
+              <a:spcAft>
+                <a:spcPts val="0"/>
+              </a:spcAft>
+              <a:buNone/>
+            </a:pPr>
+            <a:r>
+              <a:rPr lang="en-US" dirty="0"/>
+              <a:t>public:</a:t>
+            </a:r>
+          </a:p>
+          <a:p>
+            <a:pPr marL="0" indent="0">
+              <a:spcBef>
+                <a:spcPts val="0"/>
+              </a:spcBef>
+              <a:spcAft>
+                <a:spcPts val="0"/>
+              </a:spcAft>
+              <a:buNone/>
+            </a:pPr>
+            <a:r>
+              <a:rPr lang="en-US" dirty="0"/>
+              <a:t>  </a:t>
+            </a:r>
+            <a:r>
+              <a:rPr lang="en-US" b="1" dirty="0"/>
+              <a:t>static auto get() -&gt; derived&amp; </a:t>
+            </a:r>
+            <a:r>
+              <a:rPr lang="en-US" dirty="0"/>
+              <a:t>{</a:t>
+            </a:r>
+          </a:p>
+          <a:p>
+            <a:pPr marL="0" indent="0">
+              <a:spcBef>
+                <a:spcPts val="0"/>
+              </a:spcBef>
+              <a:spcAft>
+                <a:spcPts val="0"/>
+              </a:spcAft>
+              <a:buNone/>
+            </a:pPr>
+            <a:r>
+              <a:rPr lang="en-US" dirty="0"/>
+              <a:t>    if(!</a:t>
+            </a:r>
+            <a:r>
+              <a:rPr lang="en-US" dirty="0" err="1"/>
+              <a:t>obj</a:t>
+            </a:r>
+            <a:r>
+              <a:rPr lang="en-US" dirty="0"/>
+              <a:t>) {</a:t>
+            </a:r>
+          </a:p>
+          <a:p>
+            <a:pPr marL="0" indent="0">
+              <a:spcBef>
+                <a:spcPts val="0"/>
+              </a:spcBef>
+              <a:spcAft>
+                <a:spcPts val="0"/>
+              </a:spcAft>
+              <a:buNone/>
+            </a:pPr>
+            <a:r>
+              <a:rPr lang="en-US" dirty="0"/>
+              <a:t>      </a:t>
+            </a:r>
+            <a:r>
+              <a:rPr lang="en-US" b="1" dirty="0" err="1"/>
+              <a:t>obj</a:t>
+            </a:r>
+            <a:r>
+              <a:rPr lang="en-US" b="1" dirty="0"/>
+              <a:t> = </a:t>
+            </a:r>
+            <a:r>
+              <a:rPr lang="en-US" b="1" dirty="0" err="1"/>
+              <a:t>std</a:t>
+            </a:r>
+            <a:r>
+              <a:rPr lang="en-US" b="1" dirty="0"/>
+              <a:t>::</a:t>
+            </a:r>
+            <a:r>
+              <a:rPr lang="en-US" b="1" dirty="0" err="1"/>
+              <a:t>unique_ptr</a:t>
+            </a:r>
+            <a:r>
+              <a:rPr lang="en-US" b="1" dirty="0"/>
+              <a:t>&lt;derived&gt;(new derived{});</a:t>
+            </a:r>
+          </a:p>
+          <a:p>
+            <a:pPr marL="0" indent="0">
+              <a:spcBef>
+                <a:spcPts val="0"/>
+              </a:spcBef>
+              <a:spcAft>
+                <a:spcPts val="0"/>
+              </a:spcAft>
+              <a:buNone/>
+            </a:pPr>
+            <a:r>
+              <a:rPr lang="en-US" dirty="0"/>
+              <a:t>    }</a:t>
+            </a:r>
+          </a:p>
+          <a:p>
+            <a:pPr marL="0" indent="0">
+              <a:spcBef>
+                <a:spcPts val="0"/>
+              </a:spcBef>
+              <a:spcAft>
+                <a:spcPts val="0"/>
+              </a:spcAft>
+              <a:buNone/>
+            </a:pPr>
+            <a:r>
+              <a:rPr lang="en-US" dirty="0"/>
+              <a:t>    return *</a:t>
+            </a:r>
+            <a:r>
+              <a:rPr lang="en-US" dirty="0" err="1"/>
+              <a:t>obj</a:t>
+            </a:r>
+            <a:r>
+              <a:rPr lang="en-US" dirty="0"/>
+              <a:t>;</a:t>
+            </a:r>
+          </a:p>
+          <a:p>
+            <a:pPr marL="0" indent="0">
+              <a:spcBef>
+                <a:spcPts val="0"/>
+              </a:spcBef>
+              <a:spcAft>
+                <a:spcPts val="0"/>
+              </a:spcAft>
+              <a:buNone/>
+            </a:pPr>
+            <a:r>
+              <a:rPr lang="en-US" dirty="0"/>
+              <a:t>  }</a:t>
+            </a:r>
+          </a:p>
+          <a:p>
+            <a:pPr marL="0" indent="0">
+              <a:spcBef>
+                <a:spcPts val="0"/>
+              </a:spcBef>
+              <a:spcAft>
+                <a:spcPts val="0"/>
+              </a:spcAft>
+              <a:buNone/>
+            </a:pPr>
+            <a:r>
+              <a:rPr lang="en-US" dirty="0"/>
+              <a:t>};</a:t>
+            </a:r>
+          </a:p>
+          <a:p>
+            <a:pPr marL="0" indent="0">
+              <a:spcBef>
+                <a:spcPts val="0"/>
+              </a:spcBef>
+              <a:spcAft>
+                <a:spcPts val="0"/>
+              </a:spcAft>
+              <a:buNone/>
+            </a:pPr>
+            <a:r>
+              <a:rPr lang="en-US" dirty="0"/>
+              <a:t>template&lt;</a:t>
+            </a:r>
+            <a:r>
+              <a:rPr lang="en-US" dirty="0" err="1"/>
+              <a:t>typename</a:t>
+            </a:r>
+            <a:r>
+              <a:rPr lang="en-US" dirty="0"/>
+              <a:t> derived&gt;</a:t>
+            </a:r>
+          </a:p>
+          <a:p>
+            <a:pPr marL="0" indent="0">
+              <a:spcBef>
+                <a:spcPts val="0"/>
+              </a:spcBef>
+              <a:spcAft>
+                <a:spcPts val="0"/>
+              </a:spcAft>
+              <a:buNone/>
+            </a:pPr>
+            <a:r>
+              <a:rPr lang="en-US" dirty="0" err="1"/>
+              <a:t>std</a:t>
+            </a:r>
+            <a:r>
+              <a:rPr lang="en-US" dirty="0"/>
+              <a:t>::</a:t>
+            </a:r>
+            <a:r>
+              <a:rPr lang="en-US" dirty="0" err="1"/>
+              <a:t>unique_ptr</a:t>
+            </a:r>
+            <a:r>
+              <a:rPr lang="en-US" dirty="0"/>
+              <a:t>&lt;derived&gt; singleton&lt;derived&gt;::</a:t>
+            </a:r>
+            <a:r>
+              <a:rPr lang="en-US" dirty="0" err="1"/>
+              <a:t>obj</a:t>
+            </a:r>
+            <a:r>
+              <a:rPr lang="en-US" dirty="0"/>
+              <a:t> = </a:t>
+            </a:r>
+            <a:r>
+              <a:rPr lang="en-US" dirty="0" err="1"/>
+              <a:t>nullptr</a:t>
+            </a:r>
+            <a:r>
+              <a:rPr lang="en-US" dirty="0"/>
+              <a:t>;</a:t>
+            </a:r>
+          </a:p>
+        </p:txBody>
+      </p:sp>
+    </p:spTree>
+    <p:extLst>
+      <p:ext uri="{BB962C8B-B14F-4D97-AF65-F5344CB8AC3E}">
+        <p14:creationId xmlns:p14="http://schemas.microsoft.com/office/powerpoint/2010/main" val="4043842048"/>
+      </p:ext>
+    </p:extLst>
+  </p:cSld>
+  <p:clrMapOvr>
+    <a:masterClrMapping/>
+  </p:clrMapOvr>
+</p:sld>
+</file>
+
+<file path=ppt/slides/slide18.xml><?xml version="1.0" encoding="utf-8"?>
+<p:sld xmlns:a="http://schemas.openxmlformats.org/drawingml/2006/main" xmlns:r="http://schemas.openxmlformats.org/officeDocument/2006/relationships" xmlns:p="http://schemas.openxmlformats.org/presentationml/2006/main">
+  <p:cSld>
+    <p:spTree>
+      <p:nvGrpSpPr>
+        <p:cNvPr id="1" name=""/>
+        <p:cNvGrpSpPr/>
+        <p:nvPr/>
+      </p:nvGrpSpPr>
+      <p:grpSpPr>
+        <a:xfrm>
+          <a:off x="0" y="0"/>
+          <a:ext cx="0" cy="0"/>
+          <a:chOff x="0" y="0"/>
+          <a:chExt cx="0" cy="0"/>
+        </a:xfrm>
+      </p:grpSpPr>
+      <p:sp>
+        <p:nvSpPr>
+          <p:cNvPr id="2" name="Title 1">
+            <a:extLst>
+              <a:ext uri="{FF2B5EF4-FFF2-40B4-BE49-F238E27FC236}">
+                <a16:creationId xmlns:a16="http://schemas.microsoft.com/office/drawing/2014/main" id="{560C5AC7-325E-4C6C-832B-6E869089B727}"/>
+              </a:ext>
+            </a:extLst>
+          </p:cNvPr>
+          <p:cNvSpPr>
+            <a:spLocks noGrp="1"/>
+          </p:cNvSpPr>
+          <p:nvPr>
+            <p:ph type="title"/>
+          </p:nvPr>
+        </p:nvSpPr>
+        <p:spPr/>
+        <p:txBody>
+          <a:bodyPr>
+            <a:normAutofit/>
+          </a:bodyPr>
+          <a:lstStyle/>
+          <a:p>
+            <a:r>
+              <a:rPr lang="en-US" dirty="0">
+                <a:effectLst/>
+              </a:rPr>
+              <a:t>CRTP – Why use it?</a:t>
+            </a:r>
+            <a:endParaRPr lang="en-US" dirty="0"/>
+          </a:p>
+        </p:txBody>
+      </p:sp>
+      <p:sp>
+        <p:nvSpPr>
+          <p:cNvPr id="3" name="Content Placeholder 2">
+            <a:extLst>
+              <a:ext uri="{FF2B5EF4-FFF2-40B4-BE49-F238E27FC236}">
+                <a16:creationId xmlns:a16="http://schemas.microsoft.com/office/drawing/2014/main" id="{5D065A81-9E6D-4C15-9E6B-62E02CCAC109}"/>
+              </a:ext>
+            </a:extLst>
+          </p:cNvPr>
+          <p:cNvSpPr>
+            <a:spLocks noGrp="1"/>
+          </p:cNvSpPr>
+          <p:nvPr>
+            <p:ph idx="1"/>
+          </p:nvPr>
+        </p:nvSpPr>
+        <p:spPr>
+          <a:xfrm>
+            <a:off x="385011" y="1732449"/>
+            <a:ext cx="11466094" cy="4800698"/>
+          </a:xfrm>
+        </p:spPr>
+        <p:txBody>
+          <a:bodyPr>
+            <a:normAutofit/>
+          </a:bodyPr>
+          <a:lstStyle/>
+          <a:p>
+            <a:pPr indent="-342900">
+              <a:spcBef>
+                <a:spcPts val="0"/>
+              </a:spcBef>
+              <a:spcAft>
+                <a:spcPts val="0"/>
+              </a:spcAft>
+            </a:pPr>
+            <a:r>
+              <a:rPr lang="en-US" dirty="0">
+                <a:effectLst/>
+              </a:rPr>
+              <a:t>To enforce concepts?</a:t>
+            </a:r>
+          </a:p>
+          <a:p>
+            <a:pPr lvl="1" indent="-342900">
+              <a:spcBef>
+                <a:spcPts val="0"/>
+              </a:spcBef>
+              <a:spcAft>
+                <a:spcPts val="0"/>
+              </a:spcAft>
+            </a:pPr>
+            <a:r>
+              <a:rPr lang="en-US" dirty="0">
+                <a:effectLst/>
+              </a:rPr>
+              <a:t>Maybe not… Value semantics + slicing or reference semantics; pick one</a:t>
+            </a:r>
             <a:br>
               <a:rPr lang="en-US" dirty="0">
                 <a:effectLst/>
@@ -11897,10 +12755,10 @@
               </a:spcAft>
             </a:pPr>
             <a:r>
-              <a:rPr lang="en-US" b="1" dirty="0">
-                <a:effectLst/>
-              </a:rPr>
-              <a:t>Class extension or code re-use</a:t>
+              <a:rPr lang="en-US" dirty="0">
+                <a:effectLst/>
+              </a:rPr>
+              <a:t>Class extension</a:t>
             </a:r>
           </a:p>
           <a:p>

--- a/CRTP.pptx
+++ b/CRTP.pptx
@@ -5,7 +5,7 @@
     <p:sldMasterId id="2147483804" r:id="rId1"/>
   </p:sldMasterIdLst>
   <p:notesMasterIdLst>
-    <p:notesMasterId r:id="rId20"/>
+    <p:notesMasterId r:id="rId26"/>
   </p:notesMasterIdLst>
   <p:sldIdLst>
     <p:sldId id="256" r:id="rId2"/>
@@ -25,7 +25,13 @@
     <p:sldId id="271" r:id="rId16"/>
     <p:sldId id="281" r:id="rId17"/>
     <p:sldId id="282" r:id="rId18"/>
-    <p:sldId id="278" r:id="rId19"/>
+    <p:sldId id="283" r:id="rId19"/>
+    <p:sldId id="284" r:id="rId20"/>
+    <p:sldId id="285" r:id="rId21"/>
+    <p:sldId id="286" r:id="rId22"/>
+    <p:sldId id="287" r:id="rId23"/>
+    <p:sldId id="288" r:id="rId24"/>
+    <p:sldId id="278" r:id="rId25"/>
   </p:sldIdLst>
   <p:sldSz cx="12192000" cy="6858000"/>
   <p:notesSz cx="6858000" cy="9144000"/>
@@ -1246,10 +1252,24 @@
           <a:bodyPr/>
           <a:lstStyle/>
           <a:p>
-            <a:pPr rtl="0"/>
-            <a:endParaRPr lang="en-US" dirty="0">
-              <a:effectLst/>
-            </a:endParaRPr>
+            <a:pPr marL="0" marR="0" lvl="0" indent="0" algn="l" defTabSz="914400" rtl="0" eaLnBrk="1" fontAlgn="auto" latinLnBrk="0" hangingPunct="1">
+              <a:lnSpc>
+                <a:spcPct val="100000"/>
+              </a:lnSpc>
+              <a:spcBef>
+                <a:spcPts val="0"/>
+              </a:spcBef>
+              <a:spcAft>
+                <a:spcPts val="0"/>
+              </a:spcAft>
+              <a:buClrTx/>
+              <a:buSzTx/>
+              <a:buFontTx/>
+              <a:buNone/>
+              <a:tabLst/>
+              <a:defRPr/>
+            </a:pPr>
+            <a:endParaRPr lang="en-US" dirty="0"/>
           </a:p>
         </p:txBody>
       </p:sp>
@@ -1279,7 +1299,209 @@
     </p:spTree>
     <p:extLst>
       <p:ext uri="{BB962C8B-B14F-4D97-AF65-F5344CB8AC3E}">
-        <p14:creationId xmlns:p14="http://schemas.microsoft.com/office/powerpoint/2010/main" val="3764199272"/>
+        <p14:creationId xmlns:p14="http://schemas.microsoft.com/office/powerpoint/2010/main" val="2297913279"/>
+      </p:ext>
+    </p:extLst>
+  </p:cSld>
+  <p:clrMapOvr>
+    <a:masterClrMapping/>
+  </p:clrMapOvr>
+</p:notes>
+</file>
+
+<file path=ppt/notesSlides/notesSlide18.xml><?xml version="1.0" encoding="utf-8"?>
+<p:notes xmlns:a="http://schemas.openxmlformats.org/drawingml/2006/main" xmlns:r="http://schemas.openxmlformats.org/officeDocument/2006/relationships" xmlns:p="http://schemas.openxmlformats.org/presentationml/2006/main">
+  <p:cSld>
+    <p:spTree>
+      <p:nvGrpSpPr>
+        <p:cNvPr id="1" name=""/>
+        <p:cNvGrpSpPr/>
+        <p:nvPr/>
+      </p:nvGrpSpPr>
+      <p:grpSpPr>
+        <a:xfrm>
+          <a:off x="0" y="0"/>
+          <a:ext cx="0" cy="0"/>
+          <a:chOff x="0" y="0"/>
+          <a:chExt cx="0" cy="0"/>
+        </a:xfrm>
+      </p:grpSpPr>
+      <p:sp>
+        <p:nvSpPr>
+          <p:cNvPr id="2" name="Slide Image Placeholder 1"/>
+          <p:cNvSpPr>
+            <a:spLocks noGrp="1" noRot="1" noChangeAspect="1"/>
+          </p:cNvSpPr>
+          <p:nvPr>
+            <p:ph type="sldImg"/>
+          </p:nvPr>
+        </p:nvSpPr>
+        <p:spPr/>
+      </p:sp>
+      <p:sp>
+        <p:nvSpPr>
+          <p:cNvPr id="3" name="Notes Placeholder 2"/>
+          <p:cNvSpPr>
+            <a:spLocks noGrp="1"/>
+          </p:cNvSpPr>
+          <p:nvPr>
+            <p:ph type="body" idx="1"/>
+          </p:nvPr>
+        </p:nvSpPr>
+        <p:spPr/>
+        <p:txBody>
+          <a:bodyPr/>
+          <a:lstStyle/>
+          <a:p>
+            <a:pPr marL="0" marR="0" lvl="0" indent="0" algn="l" defTabSz="914400" rtl="0" eaLnBrk="1" fontAlgn="auto" latinLnBrk="0" hangingPunct="1">
+              <a:lnSpc>
+                <a:spcPct val="100000"/>
+              </a:lnSpc>
+              <a:spcBef>
+                <a:spcPts val="0"/>
+              </a:spcBef>
+              <a:spcAft>
+                <a:spcPts val="0"/>
+              </a:spcAft>
+              <a:buClrTx/>
+              <a:buSzTx/>
+              <a:buFontTx/>
+              <a:buNone/>
+              <a:tabLst/>
+              <a:defRPr/>
+            </a:pPr>
+            <a:endParaRPr lang="en-US" dirty="0"/>
+          </a:p>
+        </p:txBody>
+      </p:sp>
+      <p:sp>
+        <p:nvSpPr>
+          <p:cNvPr id="4" name="Slide Number Placeholder 3"/>
+          <p:cNvSpPr>
+            <a:spLocks noGrp="1"/>
+          </p:cNvSpPr>
+          <p:nvPr>
+            <p:ph type="sldNum" sz="quarter" idx="10"/>
+          </p:nvPr>
+        </p:nvSpPr>
+        <p:spPr/>
+        <p:txBody>
+          <a:bodyPr/>
+          <a:lstStyle/>
+          <a:p>
+            <a:fld id="{07CFD0BC-341E-4884-8712-9D9DE84DAC90}" type="slidenum">
+              <a:rPr lang="en-US" smtClean="0"/>
+              <a:t>19</a:t>
+            </a:fld>
+            <a:endParaRPr lang="en-US"/>
+          </a:p>
+        </p:txBody>
+      </p:sp>
+    </p:spTree>
+    <p:extLst>
+      <p:ext uri="{BB962C8B-B14F-4D97-AF65-F5344CB8AC3E}">
+        <p14:creationId xmlns:p14="http://schemas.microsoft.com/office/powerpoint/2010/main" val="2031186303"/>
+      </p:ext>
+    </p:extLst>
+  </p:cSld>
+  <p:clrMapOvr>
+    <a:masterClrMapping/>
+  </p:clrMapOvr>
+</p:notes>
+</file>
+
+<file path=ppt/notesSlides/notesSlide19.xml><?xml version="1.0" encoding="utf-8"?>
+<p:notes xmlns:a="http://schemas.openxmlformats.org/drawingml/2006/main" xmlns:r="http://schemas.openxmlformats.org/officeDocument/2006/relationships" xmlns:p="http://schemas.openxmlformats.org/presentationml/2006/main">
+  <p:cSld>
+    <p:spTree>
+      <p:nvGrpSpPr>
+        <p:cNvPr id="1" name=""/>
+        <p:cNvGrpSpPr/>
+        <p:nvPr/>
+      </p:nvGrpSpPr>
+      <p:grpSpPr>
+        <a:xfrm>
+          <a:off x="0" y="0"/>
+          <a:ext cx="0" cy="0"/>
+          <a:chOff x="0" y="0"/>
+          <a:chExt cx="0" cy="0"/>
+        </a:xfrm>
+      </p:grpSpPr>
+      <p:sp>
+        <p:nvSpPr>
+          <p:cNvPr id="2" name="Slide Image Placeholder 1"/>
+          <p:cNvSpPr>
+            <a:spLocks noGrp="1" noRot="1" noChangeAspect="1"/>
+          </p:cNvSpPr>
+          <p:nvPr>
+            <p:ph type="sldImg"/>
+          </p:nvPr>
+        </p:nvSpPr>
+        <p:spPr/>
+      </p:sp>
+      <p:sp>
+        <p:nvSpPr>
+          <p:cNvPr id="3" name="Notes Placeholder 2"/>
+          <p:cNvSpPr>
+            <a:spLocks noGrp="1"/>
+          </p:cNvSpPr>
+          <p:nvPr>
+            <p:ph type="body" idx="1"/>
+          </p:nvPr>
+        </p:nvSpPr>
+        <p:spPr/>
+        <p:txBody>
+          <a:bodyPr/>
+          <a:lstStyle/>
+          <a:p>
+            <a:pPr marL="0" marR="0" lvl="0" indent="0" algn="l" defTabSz="914400" rtl="0" eaLnBrk="1" fontAlgn="auto" latinLnBrk="0" hangingPunct="1">
+              <a:lnSpc>
+                <a:spcPct val="100000"/>
+              </a:lnSpc>
+              <a:spcBef>
+                <a:spcPts val="0"/>
+              </a:spcBef>
+              <a:spcAft>
+                <a:spcPts val="0"/>
+              </a:spcAft>
+              <a:buClrTx/>
+              <a:buSzTx/>
+              <a:buFontTx/>
+              <a:buNone/>
+              <a:tabLst/>
+              <a:defRPr/>
+            </a:pPr>
+            <a:endParaRPr lang="en-US" dirty="0"/>
+          </a:p>
+        </p:txBody>
+      </p:sp>
+      <p:sp>
+        <p:nvSpPr>
+          <p:cNvPr id="4" name="Slide Number Placeholder 3"/>
+          <p:cNvSpPr>
+            <a:spLocks noGrp="1"/>
+          </p:cNvSpPr>
+          <p:nvPr>
+            <p:ph type="sldNum" sz="quarter" idx="10"/>
+          </p:nvPr>
+        </p:nvSpPr>
+        <p:spPr/>
+        <p:txBody>
+          <a:bodyPr/>
+          <a:lstStyle/>
+          <a:p>
+            <a:fld id="{07CFD0BC-341E-4884-8712-9D9DE84DAC90}" type="slidenum">
+              <a:rPr lang="en-US" smtClean="0"/>
+              <a:t>20</a:t>
+            </a:fld>
+            <a:endParaRPr lang="en-US"/>
+          </a:p>
+        </p:txBody>
+      </p:sp>
+    </p:spTree>
+    <p:extLst>
+      <p:ext uri="{BB962C8B-B14F-4D97-AF65-F5344CB8AC3E}">
+        <p14:creationId xmlns:p14="http://schemas.microsoft.com/office/powerpoint/2010/main" val="2797002821"/>
       </p:ext>
     </p:extLst>
   </p:cSld>
@@ -1473,6 +1695,396 @@
     <p:extLst>
       <p:ext uri="{BB962C8B-B14F-4D97-AF65-F5344CB8AC3E}">
         <p14:creationId xmlns:p14="http://schemas.microsoft.com/office/powerpoint/2010/main" val="3217492899"/>
+      </p:ext>
+    </p:extLst>
+  </p:cSld>
+  <p:clrMapOvr>
+    <a:masterClrMapping/>
+  </p:clrMapOvr>
+</p:notes>
+</file>
+
+<file path=ppt/notesSlides/notesSlide20.xml><?xml version="1.0" encoding="utf-8"?>
+<p:notes xmlns:a="http://schemas.openxmlformats.org/drawingml/2006/main" xmlns:r="http://schemas.openxmlformats.org/officeDocument/2006/relationships" xmlns:p="http://schemas.openxmlformats.org/presentationml/2006/main">
+  <p:cSld>
+    <p:spTree>
+      <p:nvGrpSpPr>
+        <p:cNvPr id="1" name=""/>
+        <p:cNvGrpSpPr/>
+        <p:nvPr/>
+      </p:nvGrpSpPr>
+      <p:grpSpPr>
+        <a:xfrm>
+          <a:off x="0" y="0"/>
+          <a:ext cx="0" cy="0"/>
+          <a:chOff x="0" y="0"/>
+          <a:chExt cx="0" cy="0"/>
+        </a:xfrm>
+      </p:grpSpPr>
+      <p:sp>
+        <p:nvSpPr>
+          <p:cNvPr id="2" name="Slide Image Placeholder 1"/>
+          <p:cNvSpPr>
+            <a:spLocks noGrp="1" noRot="1" noChangeAspect="1"/>
+          </p:cNvSpPr>
+          <p:nvPr>
+            <p:ph type="sldImg"/>
+          </p:nvPr>
+        </p:nvSpPr>
+        <p:spPr/>
+      </p:sp>
+      <p:sp>
+        <p:nvSpPr>
+          <p:cNvPr id="3" name="Notes Placeholder 2"/>
+          <p:cNvSpPr>
+            <a:spLocks noGrp="1"/>
+          </p:cNvSpPr>
+          <p:nvPr>
+            <p:ph type="body" idx="1"/>
+          </p:nvPr>
+        </p:nvSpPr>
+        <p:spPr/>
+        <p:txBody>
+          <a:bodyPr/>
+          <a:lstStyle/>
+          <a:p>
+            <a:pPr marL="0" marR="0" lvl="0" indent="0" algn="l" defTabSz="914400" rtl="0" eaLnBrk="1" fontAlgn="auto" latinLnBrk="0" hangingPunct="1">
+              <a:lnSpc>
+                <a:spcPct val="100000"/>
+              </a:lnSpc>
+              <a:spcBef>
+                <a:spcPts val="0"/>
+              </a:spcBef>
+              <a:spcAft>
+                <a:spcPts val="0"/>
+              </a:spcAft>
+              <a:buClrTx/>
+              <a:buSzTx/>
+              <a:buFontTx/>
+              <a:buNone/>
+              <a:tabLst/>
+              <a:defRPr/>
+            </a:pPr>
+            <a:endParaRPr lang="en-US" dirty="0"/>
+          </a:p>
+        </p:txBody>
+      </p:sp>
+      <p:sp>
+        <p:nvSpPr>
+          <p:cNvPr id="4" name="Slide Number Placeholder 3"/>
+          <p:cNvSpPr>
+            <a:spLocks noGrp="1"/>
+          </p:cNvSpPr>
+          <p:nvPr>
+            <p:ph type="sldNum" sz="quarter" idx="10"/>
+          </p:nvPr>
+        </p:nvSpPr>
+        <p:spPr/>
+        <p:txBody>
+          <a:bodyPr/>
+          <a:lstStyle/>
+          <a:p>
+            <a:fld id="{07CFD0BC-341E-4884-8712-9D9DE84DAC90}" type="slidenum">
+              <a:rPr lang="en-US" smtClean="0"/>
+              <a:t>21</a:t>
+            </a:fld>
+            <a:endParaRPr lang="en-US"/>
+          </a:p>
+        </p:txBody>
+      </p:sp>
+    </p:spTree>
+    <p:extLst>
+      <p:ext uri="{BB962C8B-B14F-4D97-AF65-F5344CB8AC3E}">
+        <p14:creationId xmlns:p14="http://schemas.microsoft.com/office/powerpoint/2010/main" val="3883558563"/>
+      </p:ext>
+    </p:extLst>
+  </p:cSld>
+  <p:clrMapOvr>
+    <a:masterClrMapping/>
+  </p:clrMapOvr>
+</p:notes>
+</file>
+
+<file path=ppt/notesSlides/notesSlide21.xml><?xml version="1.0" encoding="utf-8"?>
+<p:notes xmlns:a="http://schemas.openxmlformats.org/drawingml/2006/main" xmlns:r="http://schemas.openxmlformats.org/officeDocument/2006/relationships" xmlns:p="http://schemas.openxmlformats.org/presentationml/2006/main">
+  <p:cSld>
+    <p:spTree>
+      <p:nvGrpSpPr>
+        <p:cNvPr id="1" name=""/>
+        <p:cNvGrpSpPr/>
+        <p:nvPr/>
+      </p:nvGrpSpPr>
+      <p:grpSpPr>
+        <a:xfrm>
+          <a:off x="0" y="0"/>
+          <a:ext cx="0" cy="0"/>
+          <a:chOff x="0" y="0"/>
+          <a:chExt cx="0" cy="0"/>
+        </a:xfrm>
+      </p:grpSpPr>
+      <p:sp>
+        <p:nvSpPr>
+          <p:cNvPr id="2" name="Slide Image Placeholder 1"/>
+          <p:cNvSpPr>
+            <a:spLocks noGrp="1" noRot="1" noChangeAspect="1"/>
+          </p:cNvSpPr>
+          <p:nvPr>
+            <p:ph type="sldImg"/>
+          </p:nvPr>
+        </p:nvSpPr>
+        <p:spPr/>
+      </p:sp>
+      <p:sp>
+        <p:nvSpPr>
+          <p:cNvPr id="3" name="Notes Placeholder 2"/>
+          <p:cNvSpPr>
+            <a:spLocks noGrp="1"/>
+          </p:cNvSpPr>
+          <p:nvPr>
+            <p:ph type="body" idx="1"/>
+          </p:nvPr>
+        </p:nvSpPr>
+        <p:spPr/>
+        <p:txBody>
+          <a:bodyPr/>
+          <a:lstStyle/>
+          <a:p>
+            <a:pPr marL="0" marR="0" lvl="0" indent="0" algn="l" defTabSz="914400" rtl="0" eaLnBrk="1" fontAlgn="auto" latinLnBrk="0" hangingPunct="1">
+              <a:lnSpc>
+                <a:spcPct val="100000"/>
+              </a:lnSpc>
+              <a:spcBef>
+                <a:spcPts val="0"/>
+              </a:spcBef>
+              <a:spcAft>
+                <a:spcPts val="0"/>
+              </a:spcAft>
+              <a:buClrTx/>
+              <a:buSzTx/>
+              <a:buFontTx/>
+              <a:buNone/>
+              <a:tabLst/>
+              <a:defRPr/>
+            </a:pPr>
+            <a:endParaRPr lang="en-US" dirty="0"/>
+          </a:p>
+        </p:txBody>
+      </p:sp>
+      <p:sp>
+        <p:nvSpPr>
+          <p:cNvPr id="4" name="Slide Number Placeholder 3"/>
+          <p:cNvSpPr>
+            <a:spLocks noGrp="1"/>
+          </p:cNvSpPr>
+          <p:nvPr>
+            <p:ph type="sldNum" sz="quarter" idx="10"/>
+          </p:nvPr>
+        </p:nvSpPr>
+        <p:spPr/>
+        <p:txBody>
+          <a:bodyPr/>
+          <a:lstStyle/>
+          <a:p>
+            <a:fld id="{07CFD0BC-341E-4884-8712-9D9DE84DAC90}" type="slidenum">
+              <a:rPr lang="en-US" smtClean="0"/>
+              <a:t>22</a:t>
+            </a:fld>
+            <a:endParaRPr lang="en-US"/>
+          </a:p>
+        </p:txBody>
+      </p:sp>
+    </p:spTree>
+    <p:extLst>
+      <p:ext uri="{BB962C8B-B14F-4D97-AF65-F5344CB8AC3E}">
+        <p14:creationId xmlns:p14="http://schemas.microsoft.com/office/powerpoint/2010/main" val="2297492939"/>
+      </p:ext>
+    </p:extLst>
+  </p:cSld>
+  <p:clrMapOvr>
+    <a:masterClrMapping/>
+  </p:clrMapOvr>
+</p:notes>
+</file>
+
+<file path=ppt/notesSlides/notesSlide22.xml><?xml version="1.0" encoding="utf-8"?>
+<p:notes xmlns:a="http://schemas.openxmlformats.org/drawingml/2006/main" xmlns:r="http://schemas.openxmlformats.org/officeDocument/2006/relationships" xmlns:p="http://schemas.openxmlformats.org/presentationml/2006/main">
+  <p:cSld>
+    <p:spTree>
+      <p:nvGrpSpPr>
+        <p:cNvPr id="1" name=""/>
+        <p:cNvGrpSpPr/>
+        <p:nvPr/>
+      </p:nvGrpSpPr>
+      <p:grpSpPr>
+        <a:xfrm>
+          <a:off x="0" y="0"/>
+          <a:ext cx="0" cy="0"/>
+          <a:chOff x="0" y="0"/>
+          <a:chExt cx="0" cy="0"/>
+        </a:xfrm>
+      </p:grpSpPr>
+      <p:sp>
+        <p:nvSpPr>
+          <p:cNvPr id="2" name="Slide Image Placeholder 1"/>
+          <p:cNvSpPr>
+            <a:spLocks noGrp="1" noRot="1" noChangeAspect="1"/>
+          </p:cNvSpPr>
+          <p:nvPr>
+            <p:ph type="sldImg"/>
+          </p:nvPr>
+        </p:nvSpPr>
+        <p:spPr/>
+      </p:sp>
+      <p:sp>
+        <p:nvSpPr>
+          <p:cNvPr id="3" name="Notes Placeholder 2"/>
+          <p:cNvSpPr>
+            <a:spLocks noGrp="1"/>
+          </p:cNvSpPr>
+          <p:nvPr>
+            <p:ph type="body" idx="1"/>
+          </p:nvPr>
+        </p:nvSpPr>
+        <p:spPr/>
+        <p:txBody>
+          <a:bodyPr/>
+          <a:lstStyle/>
+          <a:p>
+            <a:pPr marL="0" marR="0" lvl="0" indent="0" algn="l" defTabSz="914400" rtl="0" eaLnBrk="1" fontAlgn="auto" latinLnBrk="0" hangingPunct="1">
+              <a:lnSpc>
+                <a:spcPct val="100000"/>
+              </a:lnSpc>
+              <a:spcBef>
+                <a:spcPts val="0"/>
+              </a:spcBef>
+              <a:spcAft>
+                <a:spcPts val="0"/>
+              </a:spcAft>
+              <a:buClrTx/>
+              <a:buSzTx/>
+              <a:buFontTx/>
+              <a:buNone/>
+              <a:tabLst/>
+              <a:defRPr/>
+            </a:pPr>
+            <a:endParaRPr lang="en-US" dirty="0"/>
+          </a:p>
+        </p:txBody>
+      </p:sp>
+      <p:sp>
+        <p:nvSpPr>
+          <p:cNvPr id="4" name="Slide Number Placeholder 3"/>
+          <p:cNvSpPr>
+            <a:spLocks noGrp="1"/>
+          </p:cNvSpPr>
+          <p:nvPr>
+            <p:ph type="sldNum" sz="quarter" idx="10"/>
+          </p:nvPr>
+        </p:nvSpPr>
+        <p:spPr/>
+        <p:txBody>
+          <a:bodyPr/>
+          <a:lstStyle/>
+          <a:p>
+            <a:fld id="{07CFD0BC-341E-4884-8712-9D9DE84DAC90}" type="slidenum">
+              <a:rPr lang="en-US" smtClean="0"/>
+              <a:t>23</a:t>
+            </a:fld>
+            <a:endParaRPr lang="en-US"/>
+          </a:p>
+        </p:txBody>
+      </p:sp>
+    </p:spTree>
+    <p:extLst>
+      <p:ext uri="{BB962C8B-B14F-4D97-AF65-F5344CB8AC3E}">
+        <p14:creationId xmlns:p14="http://schemas.microsoft.com/office/powerpoint/2010/main" val="1336341713"/>
+      </p:ext>
+    </p:extLst>
+  </p:cSld>
+  <p:clrMapOvr>
+    <a:masterClrMapping/>
+  </p:clrMapOvr>
+</p:notes>
+</file>
+
+<file path=ppt/notesSlides/notesSlide23.xml><?xml version="1.0" encoding="utf-8"?>
+<p:notes xmlns:a="http://schemas.openxmlformats.org/drawingml/2006/main" xmlns:r="http://schemas.openxmlformats.org/officeDocument/2006/relationships" xmlns:p="http://schemas.openxmlformats.org/presentationml/2006/main">
+  <p:cSld>
+    <p:spTree>
+      <p:nvGrpSpPr>
+        <p:cNvPr id="1" name=""/>
+        <p:cNvGrpSpPr/>
+        <p:nvPr/>
+      </p:nvGrpSpPr>
+      <p:grpSpPr>
+        <a:xfrm>
+          <a:off x="0" y="0"/>
+          <a:ext cx="0" cy="0"/>
+          <a:chOff x="0" y="0"/>
+          <a:chExt cx="0" cy="0"/>
+        </a:xfrm>
+      </p:grpSpPr>
+      <p:sp>
+        <p:nvSpPr>
+          <p:cNvPr id="2" name="Slide Image Placeholder 1"/>
+          <p:cNvSpPr>
+            <a:spLocks noGrp="1" noRot="1" noChangeAspect="1"/>
+          </p:cNvSpPr>
+          <p:nvPr>
+            <p:ph type="sldImg"/>
+          </p:nvPr>
+        </p:nvSpPr>
+        <p:spPr/>
+      </p:sp>
+      <p:sp>
+        <p:nvSpPr>
+          <p:cNvPr id="3" name="Notes Placeholder 2"/>
+          <p:cNvSpPr>
+            <a:spLocks noGrp="1"/>
+          </p:cNvSpPr>
+          <p:nvPr>
+            <p:ph type="body" idx="1"/>
+          </p:nvPr>
+        </p:nvSpPr>
+        <p:spPr/>
+        <p:txBody>
+          <a:bodyPr/>
+          <a:lstStyle/>
+          <a:p>
+            <a:pPr rtl="0"/>
+            <a:endParaRPr lang="en-US" dirty="0">
+              <a:effectLst/>
+            </a:endParaRPr>
+          </a:p>
+        </p:txBody>
+      </p:sp>
+      <p:sp>
+        <p:nvSpPr>
+          <p:cNvPr id="4" name="Slide Number Placeholder 3"/>
+          <p:cNvSpPr>
+            <a:spLocks noGrp="1"/>
+          </p:cNvSpPr>
+          <p:nvPr>
+            <p:ph type="sldNum" sz="quarter" idx="10"/>
+          </p:nvPr>
+        </p:nvSpPr>
+        <p:spPr/>
+        <p:txBody>
+          <a:bodyPr/>
+          <a:lstStyle/>
+          <a:p>
+            <a:fld id="{07CFD0BC-341E-4884-8712-9D9DE84DAC90}" type="slidenum">
+              <a:rPr lang="en-US" smtClean="0"/>
+              <a:t>24</a:t>
+            </a:fld>
+            <a:endParaRPr lang="en-US"/>
+          </a:p>
+        </p:txBody>
+      </p:sp>
+    </p:spTree>
+    <p:extLst>
+      <p:ext uri="{BB962C8B-B14F-4D97-AF65-F5344CB8AC3E}">
+        <p14:creationId xmlns:p14="http://schemas.microsoft.com/office/powerpoint/2010/main" val="3764199272"/>
       </p:ext>
     </p:extLst>
   </p:cSld>
@@ -12664,7 +13276,7 @@
         <p:spPr/>
         <p:txBody>
           <a:bodyPr>
-            <a:normAutofit/>
+            <a:normAutofit fontScale="90000"/>
           </a:bodyPr>
           <a:lstStyle/>
           <a:p>
@@ -12674,7 +13286,15 @@
               </a:rPr>
               <a:t>CRTP – Why use it?</a:t>
             </a:r>
-            <a:endParaRPr lang="en-US" dirty="0"/>
+            <a:br>
+              <a:rPr lang="en-US" dirty="0">
+                <a:effectLst/>
+              </a:rPr>
+            </a:br>
+            <a:r>
+              <a:rPr lang="en-US" dirty="0"/>
+              <a:t>Class extension: singleton</a:t>
+            </a:r>
           </a:p>
         </p:txBody>
       </p:sp>
@@ -12706,127 +13326,359 @@
           </a:bodyPr>
           <a:lstStyle/>
           <a:p>
-            <a:pPr indent="-342900">
-              <a:spcBef>
-                <a:spcPts val="0"/>
-              </a:spcBef>
-              <a:spcAft>
-                <a:spcPts val="0"/>
-              </a:spcAft>
-            </a:pPr>
-            <a:r>
-              <a:rPr lang="en-US" dirty="0">
-                <a:effectLst/>
-              </a:rPr>
-              <a:t>To enforce concepts?</a:t>
-            </a:r>
-          </a:p>
-          <a:p>
-            <a:pPr lvl="1" indent="-342900">
-              <a:spcBef>
-                <a:spcPts val="0"/>
-              </a:spcBef>
-              <a:spcAft>
-                <a:spcPts val="0"/>
-              </a:spcAft>
-            </a:pPr>
-            <a:r>
-              <a:rPr lang="en-US" dirty="0">
-                <a:effectLst/>
-              </a:rPr>
-              <a:t>Maybe not… Value semantics + slicing or reference semantics; pick one</a:t>
-            </a:r>
-            <a:br>
-              <a:rPr lang="en-US" dirty="0">
-                <a:effectLst/>
-              </a:rPr>
-            </a:br>
-            <a:endParaRPr lang="en-US" dirty="0">
-              <a:effectLst/>
-            </a:endParaRPr>
-          </a:p>
-          <a:p>
-            <a:pPr indent="-342900">
-              <a:spcBef>
-                <a:spcPts val="0"/>
-              </a:spcBef>
-              <a:spcAft>
-                <a:spcPts val="0"/>
-              </a:spcAft>
-            </a:pPr>
-            <a:r>
-              <a:rPr lang="en-US" dirty="0">
-                <a:effectLst/>
-              </a:rPr>
-              <a:t>Class extension</a:t>
-            </a:r>
-          </a:p>
-          <a:p>
-            <a:pPr lvl="1" indent="-342900">
-              <a:spcBef>
-                <a:spcPts val="0"/>
-              </a:spcBef>
-              <a:spcAft>
-                <a:spcPts val="0"/>
-              </a:spcAft>
-            </a:pPr>
-            <a:r>
-              <a:rPr lang="en-US" dirty="0">
-                <a:effectLst/>
-              </a:rPr>
-              <a:t>Scaffolding for onerous boilerplate (see boost::</a:t>
-            </a:r>
-            <a:r>
-              <a:rPr lang="en-US" dirty="0" err="1">
-                <a:effectLst/>
-              </a:rPr>
-              <a:t>iterator_facade</a:t>
-            </a:r>
-            <a:r>
-              <a:rPr lang="en-US" dirty="0">
-                <a:effectLst/>
-              </a:rPr>
-              <a:t>)</a:t>
-            </a:r>
-            <a:br>
-              <a:rPr lang="en-US" dirty="0">
-                <a:effectLst/>
-              </a:rPr>
-            </a:br>
-            <a:endParaRPr lang="en-US" dirty="0">
-              <a:effectLst/>
-            </a:endParaRPr>
-          </a:p>
-          <a:p>
-            <a:pPr indent="-342900">
-              <a:spcBef>
-                <a:spcPts val="0"/>
-              </a:spcBef>
-              <a:spcAft>
-                <a:spcPts val="0"/>
-              </a:spcAft>
-            </a:pPr>
-            <a:r>
-              <a:rPr lang="en-US" dirty="0">
-                <a:effectLst/>
-              </a:rPr>
-              <a:t>Performance improvement over virtual methods</a:t>
-            </a:r>
-          </a:p>
-          <a:p>
-            <a:pPr lvl="1" indent="-342900">
-              <a:spcBef>
-                <a:spcPts val="0"/>
-              </a:spcBef>
-              <a:spcAft>
-                <a:spcPts val="0"/>
-              </a:spcAft>
-            </a:pPr>
-            <a:r>
-              <a:rPr lang="en-US" dirty="0">
-                <a:effectLst/>
-              </a:rPr>
-              <a:t>Maybe… profile it</a:t>
+            <a:pPr marL="0" indent="0">
+              <a:spcBef>
+                <a:spcPts val="0"/>
+              </a:spcBef>
+              <a:spcAft>
+                <a:spcPts val="0"/>
+              </a:spcAft>
+              <a:buNone/>
+            </a:pPr>
+            <a:r>
+              <a:rPr lang="en-US" dirty="0"/>
+              <a:t>#include "</a:t>
+            </a:r>
+            <a:r>
+              <a:rPr lang="en-US" dirty="0" err="1"/>
+              <a:t>singleton.h</a:t>
+            </a:r>
+            <a:r>
+              <a:rPr lang="en-US" dirty="0"/>
+              <a:t>"</a:t>
+            </a:r>
+          </a:p>
+          <a:p>
+            <a:pPr marL="0" indent="0">
+              <a:spcBef>
+                <a:spcPts val="0"/>
+              </a:spcBef>
+              <a:spcAft>
+                <a:spcPts val="0"/>
+              </a:spcAft>
+              <a:buNone/>
+            </a:pPr>
+            <a:r>
+              <a:rPr lang="en-US" dirty="0"/>
+              <a:t>class </a:t>
+            </a:r>
+            <a:r>
+              <a:rPr lang="en-US" b="1" dirty="0" err="1"/>
+              <a:t>only_one</a:t>
+            </a:r>
+            <a:r>
+              <a:rPr lang="en-US" b="1" dirty="0"/>
+              <a:t> </a:t>
+            </a:r>
+            <a:r>
+              <a:rPr lang="en-US" dirty="0"/>
+              <a:t>: public </a:t>
+            </a:r>
+            <a:r>
+              <a:rPr lang="en-US" b="1" dirty="0"/>
+              <a:t>singleton&lt;</a:t>
+            </a:r>
+            <a:r>
+              <a:rPr lang="en-US" b="1" dirty="0" err="1"/>
+              <a:t>only_one</a:t>
+            </a:r>
+            <a:r>
+              <a:rPr lang="en-US" b="1" dirty="0"/>
+              <a:t>&gt;</a:t>
+            </a:r>
+          </a:p>
+          <a:p>
+            <a:pPr marL="0" indent="0">
+              <a:spcBef>
+                <a:spcPts val="0"/>
+              </a:spcBef>
+              <a:spcAft>
+                <a:spcPts val="0"/>
+              </a:spcAft>
+              <a:buNone/>
+            </a:pPr>
+            <a:r>
+              <a:rPr lang="en-US" dirty="0"/>
+              <a:t>{</a:t>
+            </a:r>
+          </a:p>
+          <a:p>
+            <a:pPr marL="0" indent="0">
+              <a:spcBef>
+                <a:spcPts val="0"/>
+              </a:spcBef>
+              <a:spcAft>
+                <a:spcPts val="0"/>
+              </a:spcAft>
+              <a:buNone/>
+            </a:pPr>
+            <a:r>
+              <a:rPr lang="en-US" dirty="0"/>
+              <a:t>  </a:t>
+            </a:r>
+            <a:r>
+              <a:rPr lang="en-US" b="1" dirty="0"/>
+              <a:t>friend class singleton&lt;</a:t>
+            </a:r>
+            <a:r>
+              <a:rPr lang="en-US" b="1" dirty="0" err="1"/>
+              <a:t>only_one</a:t>
+            </a:r>
+            <a:r>
+              <a:rPr lang="en-US" b="1" dirty="0"/>
+              <a:t>&gt;;</a:t>
+            </a:r>
+          </a:p>
+          <a:p>
+            <a:pPr marL="0" indent="0">
+              <a:spcBef>
+                <a:spcPts val="0"/>
+              </a:spcBef>
+              <a:spcAft>
+                <a:spcPts val="0"/>
+              </a:spcAft>
+              <a:buNone/>
+            </a:pPr>
+            <a:r>
+              <a:rPr lang="en-US" b="1" dirty="0"/>
+              <a:t>  </a:t>
+            </a:r>
+            <a:r>
+              <a:rPr lang="en-US" b="1" dirty="0" err="1"/>
+              <a:t>only_one</a:t>
+            </a:r>
+            <a:r>
+              <a:rPr lang="en-US" b="1" dirty="0"/>
+              <a:t>() {}</a:t>
+            </a:r>
+          </a:p>
+          <a:p>
+            <a:pPr marL="0" indent="0">
+              <a:spcBef>
+                <a:spcPts val="0"/>
+              </a:spcBef>
+              <a:spcAft>
+                <a:spcPts val="0"/>
+              </a:spcAft>
+              <a:buNone/>
+            </a:pPr>
+            <a:r>
+              <a:rPr lang="en-US" dirty="0"/>
+              <a:t>};</a:t>
+            </a:r>
+          </a:p>
+          <a:p>
+            <a:pPr marL="0" indent="0">
+              <a:spcBef>
+                <a:spcPts val="0"/>
+              </a:spcBef>
+              <a:spcAft>
+                <a:spcPts val="0"/>
+              </a:spcAft>
+              <a:buNone/>
+            </a:pPr>
+            <a:r>
+              <a:rPr lang="en-US" dirty="0"/>
+              <a:t>auto main(</a:t>
+            </a:r>
+            <a:r>
+              <a:rPr lang="en-US" dirty="0" err="1"/>
+              <a:t>const</a:t>
+            </a:r>
+            <a:r>
+              <a:rPr lang="en-US" dirty="0"/>
+              <a:t> </a:t>
+            </a:r>
+            <a:r>
+              <a:rPr lang="en-US" dirty="0" err="1"/>
+              <a:t>int</a:t>
+            </a:r>
+            <a:r>
+              <a:rPr lang="en-US" dirty="0"/>
+              <a:t> /*</a:t>
+            </a:r>
+            <a:r>
+              <a:rPr lang="en-US" dirty="0" err="1"/>
+              <a:t>argc</a:t>
+            </a:r>
+            <a:r>
+              <a:rPr lang="en-US" dirty="0"/>
+              <a:t>*/, </a:t>
+            </a:r>
+            <a:r>
+              <a:rPr lang="en-US" dirty="0" err="1"/>
+              <a:t>const</a:t>
+            </a:r>
+            <a:r>
+              <a:rPr lang="en-US" dirty="0"/>
+              <a:t> char *</a:t>
+            </a:r>
+            <a:r>
+              <a:rPr lang="en-US" dirty="0" err="1"/>
+              <a:t>const</a:t>
+            </a:r>
+            <a:r>
+              <a:rPr lang="en-US" dirty="0"/>
+              <a:t> []/*</a:t>
+            </a:r>
+            <a:r>
+              <a:rPr lang="en-US" dirty="0" err="1"/>
+              <a:t>argv</a:t>
+            </a:r>
+            <a:r>
+              <a:rPr lang="en-US" dirty="0"/>
+              <a:t>*/) -&gt; </a:t>
+            </a:r>
+            <a:r>
+              <a:rPr lang="en-US" dirty="0" err="1"/>
+              <a:t>int</a:t>
+            </a:r>
+            <a:endParaRPr lang="en-US" dirty="0"/>
+          </a:p>
+          <a:p>
+            <a:pPr marL="0" indent="0">
+              <a:spcBef>
+                <a:spcPts val="0"/>
+              </a:spcBef>
+              <a:spcAft>
+                <a:spcPts val="0"/>
+              </a:spcAft>
+              <a:buNone/>
+            </a:pPr>
+            <a:r>
+              <a:rPr lang="en-US" dirty="0"/>
+              <a:t>{</a:t>
+            </a:r>
+          </a:p>
+          <a:p>
+            <a:pPr marL="0" indent="0">
+              <a:spcBef>
+                <a:spcPts val="0"/>
+              </a:spcBef>
+              <a:spcAft>
+                <a:spcPts val="0"/>
+              </a:spcAft>
+              <a:buNone/>
+            </a:pPr>
+            <a:r>
+              <a:rPr lang="en-US" dirty="0"/>
+              <a:t>  </a:t>
+            </a:r>
+            <a:r>
+              <a:rPr lang="en-US" b="1" dirty="0"/>
+              <a:t>auto&amp; one = </a:t>
+            </a:r>
+            <a:r>
+              <a:rPr lang="en-US" b="1" dirty="0" err="1"/>
+              <a:t>only_one</a:t>
+            </a:r>
+            <a:r>
+              <a:rPr lang="en-US" b="1" dirty="0"/>
+              <a:t>::get();</a:t>
+            </a:r>
+          </a:p>
+          <a:p>
+            <a:pPr marL="0" indent="0">
+              <a:spcBef>
+                <a:spcPts val="0"/>
+              </a:spcBef>
+              <a:spcAft>
+                <a:spcPts val="0"/>
+              </a:spcAft>
+              <a:buNone/>
+            </a:pPr>
+            <a:r>
+              <a:rPr lang="en-US" dirty="0"/>
+              <a:t>  //</a:t>
+            </a:r>
+            <a:r>
+              <a:rPr lang="en-US" b="1" dirty="0" err="1"/>
+              <a:t>only_one</a:t>
+            </a:r>
+            <a:r>
+              <a:rPr lang="en-US" b="1" dirty="0"/>
+              <a:t> two{}; </a:t>
+            </a:r>
+            <a:r>
+              <a:rPr lang="en-US" dirty="0"/>
+              <a:t>//won't compile; </a:t>
+            </a:r>
+            <a:r>
+              <a:rPr lang="en-US" dirty="0" err="1"/>
+              <a:t>only_one</a:t>
+            </a:r>
+            <a:r>
+              <a:rPr lang="en-US" dirty="0"/>
+              <a:t> constructor is private</a:t>
+            </a:r>
+          </a:p>
+          <a:p>
+            <a:pPr marL="0" indent="0">
+              <a:spcBef>
+                <a:spcPts val="0"/>
+              </a:spcBef>
+              <a:spcAft>
+                <a:spcPts val="0"/>
+              </a:spcAft>
+              <a:buNone/>
+            </a:pPr>
+            <a:r>
+              <a:rPr lang="en-US" dirty="0"/>
+              <a:t>  //</a:t>
+            </a:r>
+            <a:r>
+              <a:rPr lang="en-US" b="1" dirty="0"/>
+              <a:t>auto three = </a:t>
+            </a:r>
+            <a:r>
+              <a:rPr lang="en-US" b="1" dirty="0" err="1"/>
+              <a:t>only_one</a:t>
+            </a:r>
+            <a:r>
+              <a:rPr lang="en-US" b="1" dirty="0"/>
+              <a:t>::get(); </a:t>
+            </a:r>
+            <a:r>
+              <a:rPr lang="en-US" dirty="0"/>
+              <a:t>//won't compile, </a:t>
+            </a:r>
+            <a:r>
+              <a:rPr lang="en-US" dirty="0" err="1"/>
+              <a:t>singletong</a:t>
+            </a:r>
+            <a:r>
+              <a:rPr lang="en-US" dirty="0"/>
+              <a:t>&lt;derived&gt; copy operations are deleted</a:t>
+            </a:r>
+          </a:p>
+          <a:p>
+            <a:pPr marL="0" indent="0">
+              <a:spcBef>
+                <a:spcPts val="0"/>
+              </a:spcBef>
+              <a:spcAft>
+                <a:spcPts val="0"/>
+              </a:spcAft>
+              <a:buNone/>
+            </a:pPr>
+            <a:r>
+              <a:rPr lang="en-US" dirty="0"/>
+              <a:t>  return 0;</a:t>
+            </a:r>
+          </a:p>
+          <a:p>
+            <a:pPr marL="0" indent="0">
+              <a:spcBef>
+                <a:spcPts val="0"/>
+              </a:spcBef>
+              <a:spcAft>
+                <a:spcPts val="0"/>
+              </a:spcAft>
+              <a:buNone/>
+            </a:pPr>
+            <a:r>
+              <a:rPr lang="en-US" dirty="0"/>
+              <a:t>}</a:t>
             </a:r>
           </a:p>
         </p:txBody>
@@ -12834,7 +13686,467 @@
     </p:spTree>
     <p:extLst>
       <p:ext uri="{BB962C8B-B14F-4D97-AF65-F5344CB8AC3E}">
-        <p14:creationId xmlns:p14="http://schemas.microsoft.com/office/powerpoint/2010/main" val="4073963925"/>
+        <p14:creationId xmlns:p14="http://schemas.microsoft.com/office/powerpoint/2010/main" val="2839163812"/>
+      </p:ext>
+    </p:extLst>
+  </p:cSld>
+  <p:clrMapOvr>
+    <a:masterClrMapping/>
+  </p:clrMapOvr>
+</p:sld>
+</file>
+
+<file path=ppt/slides/slide19.xml><?xml version="1.0" encoding="utf-8"?>
+<p:sld xmlns:a="http://schemas.openxmlformats.org/drawingml/2006/main" xmlns:r="http://schemas.openxmlformats.org/officeDocument/2006/relationships" xmlns:p="http://schemas.openxmlformats.org/presentationml/2006/main">
+  <p:cSld>
+    <p:spTree>
+      <p:nvGrpSpPr>
+        <p:cNvPr id="1" name=""/>
+        <p:cNvGrpSpPr/>
+        <p:nvPr/>
+      </p:nvGrpSpPr>
+      <p:grpSpPr>
+        <a:xfrm>
+          <a:off x="0" y="0"/>
+          <a:ext cx="0" cy="0"/>
+          <a:chOff x="0" y="0"/>
+          <a:chExt cx="0" cy="0"/>
+        </a:xfrm>
+      </p:grpSpPr>
+      <p:sp>
+        <p:nvSpPr>
+          <p:cNvPr id="2" name="Title 1">
+            <a:extLst>
+              <a:ext uri="{FF2B5EF4-FFF2-40B4-BE49-F238E27FC236}">
+                <a16:creationId xmlns:a16="http://schemas.microsoft.com/office/drawing/2014/main" id="{560C5AC7-325E-4C6C-832B-6E869089B727}"/>
+              </a:ext>
+            </a:extLst>
+          </p:cNvPr>
+          <p:cNvSpPr>
+            <a:spLocks noGrp="1"/>
+          </p:cNvSpPr>
+          <p:nvPr>
+            <p:ph type="title"/>
+          </p:nvPr>
+        </p:nvSpPr>
+        <p:spPr/>
+        <p:txBody>
+          <a:bodyPr>
+            <a:normAutofit fontScale="90000"/>
+          </a:bodyPr>
+          <a:lstStyle/>
+          <a:p>
+            <a:r>
+              <a:rPr lang="en-US" dirty="0">
+                <a:effectLst/>
+              </a:rPr>
+              <a:t>CRTP – Why use it?</a:t>
+            </a:r>
+            <a:br>
+              <a:rPr lang="en-US" dirty="0">
+                <a:effectLst/>
+              </a:rPr>
+            </a:br>
+            <a:r>
+              <a:rPr lang="en-US" dirty="0"/>
+              <a:t>Class extension: node-visiting</a:t>
+            </a:r>
+          </a:p>
+        </p:txBody>
+      </p:sp>
+      <p:sp>
+        <p:nvSpPr>
+          <p:cNvPr id="3" name="Content Placeholder 2">
+            <a:extLst>
+              <a:ext uri="{FF2B5EF4-FFF2-40B4-BE49-F238E27FC236}">
+                <a16:creationId xmlns:a16="http://schemas.microsoft.com/office/drawing/2014/main" id="{5D065A81-9E6D-4C15-9E6B-62E02CCAC109}"/>
+              </a:ext>
+            </a:extLst>
+          </p:cNvPr>
+          <p:cNvSpPr>
+            <a:spLocks noGrp="1"/>
+          </p:cNvSpPr>
+          <p:nvPr>
+            <p:ph idx="1"/>
+          </p:nvPr>
+        </p:nvSpPr>
+        <p:spPr>
+          <a:xfrm>
+            <a:off x="385011" y="1732449"/>
+            <a:ext cx="11466094" cy="4800698"/>
+          </a:xfrm>
+        </p:spPr>
+        <p:txBody>
+          <a:bodyPr>
+            <a:normAutofit/>
+          </a:bodyPr>
+          <a:lstStyle/>
+          <a:p>
+            <a:pPr marL="0" indent="0">
+              <a:lnSpc>
+                <a:spcPct val="120000"/>
+              </a:lnSpc>
+              <a:spcBef>
+                <a:spcPts val="0"/>
+              </a:spcBef>
+              <a:spcAft>
+                <a:spcPts val="0"/>
+              </a:spcAft>
+              <a:buNone/>
+            </a:pPr>
+            <a:r>
+              <a:rPr lang="en-US" dirty="0">
+                <a:effectLst/>
+              </a:rPr>
+              <a:t>template&lt;</a:t>
+            </a:r>
+            <a:r>
+              <a:rPr lang="en-US" dirty="0" err="1">
+                <a:effectLst/>
+              </a:rPr>
+              <a:t>typename</a:t>
+            </a:r>
+            <a:r>
+              <a:rPr lang="en-US" dirty="0">
+                <a:effectLst/>
+              </a:rPr>
+              <a:t> type&gt;</a:t>
+            </a:r>
+          </a:p>
+          <a:p>
+            <a:pPr marL="0" indent="0">
+              <a:lnSpc>
+                <a:spcPct val="120000"/>
+              </a:lnSpc>
+              <a:spcBef>
+                <a:spcPts val="0"/>
+              </a:spcBef>
+              <a:spcAft>
+                <a:spcPts val="0"/>
+              </a:spcAft>
+              <a:buNone/>
+            </a:pPr>
+            <a:r>
+              <a:rPr lang="en-US" dirty="0">
+                <a:effectLst/>
+              </a:rPr>
+              <a:t>class tree {</a:t>
+            </a:r>
+          </a:p>
+          <a:p>
+            <a:pPr marL="0" indent="0">
+              <a:lnSpc>
+                <a:spcPct val="120000"/>
+              </a:lnSpc>
+              <a:spcBef>
+                <a:spcPts val="0"/>
+              </a:spcBef>
+              <a:spcAft>
+                <a:spcPts val="0"/>
+              </a:spcAft>
+              <a:buNone/>
+            </a:pPr>
+            <a:r>
+              <a:rPr lang="en-US" dirty="0">
+                <a:effectLst/>
+              </a:rPr>
+              <a:t>public:</a:t>
+            </a:r>
+          </a:p>
+          <a:p>
+            <a:pPr marL="0" indent="0">
+              <a:lnSpc>
+                <a:spcPct val="120000"/>
+              </a:lnSpc>
+              <a:spcBef>
+                <a:spcPts val="0"/>
+              </a:spcBef>
+              <a:spcAft>
+                <a:spcPts val="0"/>
+              </a:spcAft>
+              <a:buNone/>
+            </a:pPr>
+            <a:r>
+              <a:rPr lang="en-US" dirty="0">
+                <a:effectLst/>
+              </a:rPr>
+              <a:t>  class node {</a:t>
+            </a:r>
+          </a:p>
+          <a:p>
+            <a:pPr marL="0" indent="0">
+              <a:lnSpc>
+                <a:spcPct val="120000"/>
+              </a:lnSpc>
+              <a:spcBef>
+                <a:spcPts val="0"/>
+              </a:spcBef>
+              <a:spcAft>
+                <a:spcPts val="0"/>
+              </a:spcAft>
+              <a:buNone/>
+            </a:pPr>
+            <a:r>
+              <a:rPr lang="en-US" dirty="0">
+                <a:effectLst/>
+              </a:rPr>
+              <a:t>    </a:t>
+            </a:r>
+            <a:r>
+              <a:rPr lang="en-US" dirty="0" err="1">
+                <a:effectLst/>
+              </a:rPr>
+              <a:t>std</a:t>
+            </a:r>
+            <a:r>
+              <a:rPr lang="en-US" dirty="0">
+                <a:effectLst/>
+              </a:rPr>
+              <a:t>::</a:t>
+            </a:r>
+            <a:r>
+              <a:rPr lang="en-US" dirty="0" err="1">
+                <a:effectLst/>
+              </a:rPr>
+              <a:t>unique_ptr</a:t>
+            </a:r>
+            <a:r>
+              <a:rPr lang="en-US" dirty="0">
+                <a:effectLst/>
+              </a:rPr>
+              <a:t>&lt;type&gt; </a:t>
+            </a:r>
+            <a:r>
+              <a:rPr lang="en-US" dirty="0" err="1">
+                <a:effectLst/>
+              </a:rPr>
+              <a:t>m_value</a:t>
+            </a:r>
+            <a:r>
+              <a:rPr lang="en-US" dirty="0">
+                <a:effectLst/>
+              </a:rPr>
+              <a:t>;</a:t>
+            </a:r>
+          </a:p>
+          <a:p>
+            <a:pPr marL="0" indent="0">
+              <a:lnSpc>
+                <a:spcPct val="120000"/>
+              </a:lnSpc>
+              <a:spcBef>
+                <a:spcPts val="0"/>
+              </a:spcBef>
+              <a:spcAft>
+                <a:spcPts val="0"/>
+              </a:spcAft>
+              <a:buNone/>
+            </a:pPr>
+            <a:r>
+              <a:rPr lang="en-US" dirty="0">
+                <a:effectLst/>
+              </a:rPr>
+              <a:t>    </a:t>
+            </a:r>
+            <a:r>
+              <a:rPr lang="en-US" dirty="0" err="1">
+                <a:effectLst/>
+              </a:rPr>
+              <a:t>std</a:t>
+            </a:r>
+            <a:r>
+              <a:rPr lang="en-US" dirty="0">
+                <a:effectLst/>
+              </a:rPr>
+              <a:t>::</a:t>
+            </a:r>
+            <a:r>
+              <a:rPr lang="en-US" dirty="0" err="1">
+                <a:effectLst/>
+              </a:rPr>
+              <a:t>unique_ptr</a:t>
+            </a:r>
+            <a:r>
+              <a:rPr lang="en-US" dirty="0">
+                <a:effectLst/>
+              </a:rPr>
+              <a:t>&lt;node&gt; </a:t>
+            </a:r>
+            <a:r>
+              <a:rPr lang="en-US" dirty="0" err="1">
+                <a:effectLst/>
+              </a:rPr>
+              <a:t>m_left</a:t>
+            </a:r>
+            <a:r>
+              <a:rPr lang="en-US" dirty="0">
+                <a:effectLst/>
+              </a:rPr>
+              <a:t>;</a:t>
+            </a:r>
+          </a:p>
+          <a:p>
+            <a:pPr marL="0" indent="0">
+              <a:lnSpc>
+                <a:spcPct val="120000"/>
+              </a:lnSpc>
+              <a:spcBef>
+                <a:spcPts val="0"/>
+              </a:spcBef>
+              <a:spcAft>
+                <a:spcPts val="0"/>
+              </a:spcAft>
+              <a:buNone/>
+            </a:pPr>
+            <a:r>
+              <a:rPr lang="en-US" dirty="0">
+                <a:effectLst/>
+              </a:rPr>
+              <a:t>    </a:t>
+            </a:r>
+            <a:r>
+              <a:rPr lang="en-US" dirty="0" err="1">
+                <a:effectLst/>
+              </a:rPr>
+              <a:t>std</a:t>
+            </a:r>
+            <a:r>
+              <a:rPr lang="en-US" dirty="0">
+                <a:effectLst/>
+              </a:rPr>
+              <a:t>::</a:t>
+            </a:r>
+            <a:r>
+              <a:rPr lang="en-US" dirty="0" err="1">
+                <a:effectLst/>
+              </a:rPr>
+              <a:t>unique_ptr</a:t>
+            </a:r>
+            <a:r>
+              <a:rPr lang="en-US" dirty="0">
+                <a:effectLst/>
+              </a:rPr>
+              <a:t>&lt;node&gt; </a:t>
+            </a:r>
+            <a:r>
+              <a:rPr lang="en-US" dirty="0" err="1">
+                <a:effectLst/>
+              </a:rPr>
+              <a:t>m_right</a:t>
+            </a:r>
+            <a:r>
+              <a:rPr lang="en-US" dirty="0">
+                <a:effectLst/>
+              </a:rPr>
+              <a:t>;</a:t>
+            </a:r>
+          </a:p>
+          <a:p>
+            <a:pPr marL="0" indent="0">
+              <a:lnSpc>
+                <a:spcPct val="120000"/>
+              </a:lnSpc>
+              <a:spcBef>
+                <a:spcPts val="0"/>
+              </a:spcBef>
+              <a:spcAft>
+                <a:spcPts val="0"/>
+              </a:spcAft>
+              <a:buNone/>
+            </a:pPr>
+            <a:r>
+              <a:rPr lang="en-US" dirty="0">
+                <a:effectLst/>
+              </a:rPr>
+              <a:t>  public:</a:t>
+            </a:r>
+          </a:p>
+          <a:p>
+            <a:pPr marL="0" indent="0">
+              <a:lnSpc>
+                <a:spcPct val="120000"/>
+              </a:lnSpc>
+              <a:spcBef>
+                <a:spcPts val="0"/>
+              </a:spcBef>
+              <a:spcAft>
+                <a:spcPts val="0"/>
+              </a:spcAft>
+              <a:buNone/>
+            </a:pPr>
+            <a:r>
+              <a:rPr lang="en-US" dirty="0">
+                <a:effectLst/>
+              </a:rPr>
+              <a:t>    //getters and other member for manipulating the node</a:t>
+            </a:r>
+          </a:p>
+          <a:p>
+            <a:pPr marL="0" indent="0">
+              <a:lnSpc>
+                <a:spcPct val="120000"/>
+              </a:lnSpc>
+              <a:spcBef>
+                <a:spcPts val="0"/>
+              </a:spcBef>
+              <a:spcAft>
+                <a:spcPts val="0"/>
+              </a:spcAft>
+              <a:buNone/>
+            </a:pPr>
+            <a:r>
+              <a:rPr lang="en-US" dirty="0">
+                <a:effectLst/>
+              </a:rPr>
+              <a:t>  };</a:t>
+            </a:r>
+          </a:p>
+          <a:p>
+            <a:pPr marL="0" indent="0">
+              <a:lnSpc>
+                <a:spcPct val="120000"/>
+              </a:lnSpc>
+              <a:spcBef>
+                <a:spcPts val="0"/>
+              </a:spcBef>
+              <a:spcAft>
+                <a:spcPts val="0"/>
+              </a:spcAft>
+              <a:buNone/>
+            </a:pPr>
+            <a:r>
+              <a:rPr lang="en-US" dirty="0">
+                <a:effectLst/>
+              </a:rPr>
+              <a:t>  //constructor and getter for the root node</a:t>
+            </a:r>
+          </a:p>
+          <a:p>
+            <a:pPr marL="0" indent="0">
+              <a:lnSpc>
+                <a:spcPct val="120000"/>
+              </a:lnSpc>
+              <a:spcBef>
+                <a:spcPts val="0"/>
+              </a:spcBef>
+              <a:spcAft>
+                <a:spcPts val="0"/>
+              </a:spcAft>
+              <a:buNone/>
+            </a:pPr>
+            <a:r>
+              <a:rPr lang="en-US" dirty="0">
+                <a:effectLst/>
+              </a:rPr>
+              <a:t>};</a:t>
+            </a:r>
+          </a:p>
+        </p:txBody>
+      </p:sp>
+    </p:spTree>
+    <p:extLst>
+      <p:ext uri="{BB962C8B-B14F-4D97-AF65-F5344CB8AC3E}">
+        <p14:creationId xmlns:p14="http://schemas.microsoft.com/office/powerpoint/2010/main" val="3060561584"/>
       </p:ext>
     </p:extLst>
   </p:cSld>
@@ -12977,6 +14289,2818 @@
     <p:extLst>
       <p:ext uri="{BB962C8B-B14F-4D97-AF65-F5344CB8AC3E}">
         <p14:creationId xmlns:p14="http://schemas.microsoft.com/office/powerpoint/2010/main" val="56825808"/>
+      </p:ext>
+    </p:extLst>
+  </p:cSld>
+  <p:clrMapOvr>
+    <a:masterClrMapping/>
+  </p:clrMapOvr>
+</p:sld>
+</file>
+
+<file path=ppt/slides/slide20.xml><?xml version="1.0" encoding="utf-8"?>
+<p:sld xmlns:a="http://schemas.openxmlformats.org/drawingml/2006/main" xmlns:r="http://schemas.openxmlformats.org/officeDocument/2006/relationships" xmlns:p="http://schemas.openxmlformats.org/presentationml/2006/main">
+  <p:cSld>
+    <p:spTree>
+      <p:nvGrpSpPr>
+        <p:cNvPr id="1" name=""/>
+        <p:cNvGrpSpPr/>
+        <p:nvPr/>
+      </p:nvGrpSpPr>
+      <p:grpSpPr>
+        <a:xfrm>
+          <a:off x="0" y="0"/>
+          <a:ext cx="0" cy="0"/>
+          <a:chOff x="0" y="0"/>
+          <a:chExt cx="0" cy="0"/>
+        </a:xfrm>
+      </p:grpSpPr>
+      <p:sp>
+        <p:nvSpPr>
+          <p:cNvPr id="2" name="Title 1">
+            <a:extLst>
+              <a:ext uri="{FF2B5EF4-FFF2-40B4-BE49-F238E27FC236}">
+                <a16:creationId xmlns:a16="http://schemas.microsoft.com/office/drawing/2014/main" id="{560C5AC7-325E-4C6C-832B-6E869089B727}"/>
+              </a:ext>
+            </a:extLst>
+          </p:cNvPr>
+          <p:cNvSpPr>
+            <a:spLocks noGrp="1"/>
+          </p:cNvSpPr>
+          <p:nvPr>
+            <p:ph type="title"/>
+          </p:nvPr>
+        </p:nvSpPr>
+        <p:spPr/>
+        <p:txBody>
+          <a:bodyPr>
+            <a:normAutofit fontScale="90000"/>
+          </a:bodyPr>
+          <a:lstStyle/>
+          <a:p>
+            <a:r>
+              <a:rPr lang="en-US" dirty="0">
+                <a:effectLst/>
+              </a:rPr>
+              <a:t>CRTP – Why use it?</a:t>
+            </a:r>
+            <a:br>
+              <a:rPr lang="en-US" dirty="0">
+                <a:effectLst/>
+              </a:rPr>
+            </a:br>
+            <a:r>
+              <a:rPr lang="en-US" dirty="0"/>
+              <a:t>Class extension: node-visiting</a:t>
+            </a:r>
+          </a:p>
+        </p:txBody>
+      </p:sp>
+      <p:sp>
+        <p:nvSpPr>
+          <p:cNvPr id="3" name="Content Placeholder 2">
+            <a:extLst>
+              <a:ext uri="{FF2B5EF4-FFF2-40B4-BE49-F238E27FC236}">
+                <a16:creationId xmlns:a16="http://schemas.microsoft.com/office/drawing/2014/main" id="{5D065A81-9E6D-4C15-9E6B-62E02CCAC109}"/>
+              </a:ext>
+            </a:extLst>
+          </p:cNvPr>
+          <p:cNvSpPr>
+            <a:spLocks noGrp="1"/>
+          </p:cNvSpPr>
+          <p:nvPr>
+            <p:ph idx="1"/>
+          </p:nvPr>
+        </p:nvSpPr>
+        <p:spPr>
+          <a:xfrm>
+            <a:off x="385011" y="1732449"/>
+            <a:ext cx="11466094" cy="4800698"/>
+          </a:xfrm>
+        </p:spPr>
+        <p:txBody>
+          <a:bodyPr>
+            <a:normAutofit/>
+          </a:bodyPr>
+          <a:lstStyle/>
+          <a:p>
+            <a:pPr marL="0" indent="0">
+              <a:lnSpc>
+                <a:spcPct val="120000"/>
+              </a:lnSpc>
+              <a:spcBef>
+                <a:spcPts val="0"/>
+              </a:spcBef>
+              <a:spcAft>
+                <a:spcPts val="0"/>
+              </a:spcAft>
+              <a:buNone/>
+            </a:pPr>
+            <a:r>
+              <a:rPr lang="en-US" dirty="0">
+                <a:effectLst/>
+              </a:rPr>
+              <a:t>template&lt;</a:t>
+            </a:r>
+            <a:r>
+              <a:rPr lang="en-US" dirty="0" err="1">
+                <a:effectLst/>
+              </a:rPr>
+              <a:t>typename</a:t>
+            </a:r>
+            <a:r>
+              <a:rPr lang="en-US" dirty="0">
+                <a:effectLst/>
+              </a:rPr>
+              <a:t> </a:t>
+            </a:r>
+            <a:r>
+              <a:rPr lang="en-US" b="1" dirty="0" err="1">
+                <a:effectLst/>
+              </a:rPr>
+              <a:t>derived_visitor</a:t>
+            </a:r>
+            <a:r>
+              <a:rPr lang="en-US" dirty="0">
+                <a:effectLst/>
+              </a:rPr>
+              <a:t>&gt;</a:t>
+            </a:r>
+          </a:p>
+          <a:p>
+            <a:pPr marL="0" indent="0">
+              <a:lnSpc>
+                <a:spcPct val="120000"/>
+              </a:lnSpc>
+              <a:spcBef>
+                <a:spcPts val="0"/>
+              </a:spcBef>
+              <a:spcAft>
+                <a:spcPts val="0"/>
+              </a:spcAft>
+              <a:buNone/>
+            </a:pPr>
+            <a:r>
+              <a:rPr lang="en-US" dirty="0">
+                <a:effectLst/>
+              </a:rPr>
+              <a:t>class </a:t>
+            </a:r>
+            <a:r>
+              <a:rPr lang="en-US" dirty="0" err="1">
+                <a:effectLst/>
+              </a:rPr>
+              <a:t>generic_visitor</a:t>
+            </a:r>
+            <a:r>
+              <a:rPr lang="en-US" dirty="0">
+                <a:effectLst/>
+              </a:rPr>
+              <a:t> {</a:t>
+            </a:r>
+          </a:p>
+          <a:p>
+            <a:pPr marL="0" indent="0">
+              <a:lnSpc>
+                <a:spcPct val="120000"/>
+              </a:lnSpc>
+              <a:spcBef>
+                <a:spcPts val="0"/>
+              </a:spcBef>
+              <a:spcAft>
+                <a:spcPts val="0"/>
+              </a:spcAft>
+              <a:buNone/>
+            </a:pPr>
+            <a:r>
+              <a:rPr lang="en-US" dirty="0">
+                <a:effectLst/>
+              </a:rPr>
+              <a:t>private:</a:t>
+            </a:r>
+          </a:p>
+          <a:p>
+            <a:pPr marL="0" indent="0">
+              <a:lnSpc>
+                <a:spcPct val="120000"/>
+              </a:lnSpc>
+              <a:spcBef>
+                <a:spcPts val="0"/>
+              </a:spcBef>
+              <a:spcAft>
+                <a:spcPts val="0"/>
+              </a:spcAft>
+              <a:buNone/>
+            </a:pPr>
+            <a:r>
+              <a:rPr lang="en-US" dirty="0">
+                <a:effectLst/>
+              </a:rPr>
+              <a:t>  template&lt;</a:t>
+            </a:r>
+            <a:r>
+              <a:rPr lang="en-US" dirty="0" err="1">
+                <a:effectLst/>
+              </a:rPr>
+              <a:t>typename</a:t>
+            </a:r>
+            <a:r>
+              <a:rPr lang="en-US" dirty="0">
+                <a:effectLst/>
+              </a:rPr>
+              <a:t> type&gt;</a:t>
+            </a:r>
+          </a:p>
+          <a:p>
+            <a:pPr marL="0" indent="0">
+              <a:lnSpc>
+                <a:spcPct val="120000"/>
+              </a:lnSpc>
+              <a:spcBef>
+                <a:spcPts val="0"/>
+              </a:spcBef>
+              <a:spcAft>
+                <a:spcPts val="0"/>
+              </a:spcAft>
+              <a:buNone/>
+            </a:pPr>
+            <a:r>
+              <a:rPr lang="en-US" dirty="0">
+                <a:effectLst/>
+              </a:rPr>
+              <a:t>  auto </a:t>
+            </a:r>
+            <a:r>
+              <a:rPr lang="en-US" dirty="0" err="1">
+                <a:effectLst/>
+              </a:rPr>
+              <a:t>do_visit</a:t>
+            </a:r>
+            <a:r>
+              <a:rPr lang="en-US" dirty="0">
+                <a:effectLst/>
+              </a:rPr>
+              <a:t>(type* value) -&gt; void {</a:t>
+            </a:r>
+          </a:p>
+          <a:p>
+            <a:pPr marL="0" indent="0">
+              <a:lnSpc>
+                <a:spcPct val="120000"/>
+              </a:lnSpc>
+              <a:spcBef>
+                <a:spcPts val="0"/>
+              </a:spcBef>
+              <a:spcAft>
+                <a:spcPts val="0"/>
+              </a:spcAft>
+              <a:buNone/>
+            </a:pPr>
+            <a:r>
+              <a:rPr lang="en-US" dirty="0">
+                <a:effectLst/>
+              </a:rPr>
+              <a:t>    </a:t>
+            </a:r>
+            <a:r>
+              <a:rPr lang="en-US" b="1" dirty="0" err="1">
+                <a:effectLst/>
+              </a:rPr>
+              <a:t>static_cast</a:t>
+            </a:r>
+            <a:r>
+              <a:rPr lang="en-US" b="1" dirty="0">
+                <a:effectLst/>
+              </a:rPr>
+              <a:t>&lt;</a:t>
+            </a:r>
+            <a:r>
+              <a:rPr lang="en-US" b="1" dirty="0" err="1">
+                <a:effectLst/>
+              </a:rPr>
+              <a:t>derived_visitor</a:t>
+            </a:r>
+            <a:r>
+              <a:rPr lang="en-US" b="1" dirty="0">
+                <a:effectLst/>
+              </a:rPr>
+              <a:t>*&gt;(this)</a:t>
+            </a:r>
+            <a:r>
+              <a:rPr lang="en-US" dirty="0">
+                <a:effectLst/>
+              </a:rPr>
+              <a:t>-&gt;visit(value);</a:t>
+            </a:r>
+          </a:p>
+          <a:p>
+            <a:pPr marL="0" indent="0">
+              <a:lnSpc>
+                <a:spcPct val="120000"/>
+              </a:lnSpc>
+              <a:spcBef>
+                <a:spcPts val="0"/>
+              </a:spcBef>
+              <a:spcAft>
+                <a:spcPts val="0"/>
+              </a:spcAft>
+              <a:buNone/>
+            </a:pPr>
+            <a:r>
+              <a:rPr lang="en-US" dirty="0">
+                <a:effectLst/>
+              </a:rPr>
+              <a:t>  }</a:t>
+            </a:r>
+          </a:p>
+          <a:p>
+            <a:pPr marL="0" indent="0">
+              <a:lnSpc>
+                <a:spcPct val="120000"/>
+              </a:lnSpc>
+              <a:spcBef>
+                <a:spcPts val="0"/>
+              </a:spcBef>
+              <a:spcAft>
+                <a:spcPts val="0"/>
+              </a:spcAft>
+              <a:buNone/>
+            </a:pPr>
+            <a:r>
+              <a:rPr lang="en-US" dirty="0">
+                <a:effectLst/>
+              </a:rPr>
+              <a:t>  template&lt;</a:t>
+            </a:r>
+            <a:r>
+              <a:rPr lang="en-US" dirty="0" err="1">
+                <a:effectLst/>
+              </a:rPr>
+              <a:t>typename</a:t>
+            </a:r>
+            <a:r>
+              <a:rPr lang="en-US" dirty="0">
+                <a:effectLst/>
+              </a:rPr>
+              <a:t> type&gt;</a:t>
+            </a:r>
+          </a:p>
+          <a:p>
+            <a:pPr marL="0" indent="0">
+              <a:lnSpc>
+                <a:spcPct val="120000"/>
+              </a:lnSpc>
+              <a:spcBef>
+                <a:spcPts val="0"/>
+              </a:spcBef>
+              <a:spcAft>
+                <a:spcPts val="0"/>
+              </a:spcAft>
+              <a:buNone/>
+            </a:pPr>
+            <a:r>
+              <a:rPr lang="en-US" dirty="0">
+                <a:effectLst/>
+              </a:rPr>
+              <a:t>  auto </a:t>
+            </a:r>
+            <a:r>
+              <a:rPr lang="en-US" dirty="0" err="1">
+                <a:effectLst/>
+              </a:rPr>
+              <a:t>do_visit</a:t>
+            </a:r>
+            <a:r>
+              <a:rPr lang="en-US" dirty="0">
+                <a:effectLst/>
+              </a:rPr>
+              <a:t>(type* value) </a:t>
+            </a:r>
+            <a:r>
+              <a:rPr lang="en-US" dirty="0" err="1">
+                <a:effectLst/>
+              </a:rPr>
+              <a:t>const</a:t>
+            </a:r>
+            <a:r>
+              <a:rPr lang="en-US" dirty="0">
+                <a:effectLst/>
+              </a:rPr>
+              <a:t> -&gt; void {</a:t>
+            </a:r>
+          </a:p>
+          <a:p>
+            <a:pPr marL="0" indent="0">
+              <a:lnSpc>
+                <a:spcPct val="120000"/>
+              </a:lnSpc>
+              <a:spcBef>
+                <a:spcPts val="0"/>
+              </a:spcBef>
+              <a:spcAft>
+                <a:spcPts val="0"/>
+              </a:spcAft>
+              <a:buNone/>
+            </a:pPr>
+            <a:r>
+              <a:rPr lang="en-US" dirty="0">
+                <a:effectLst/>
+              </a:rPr>
+              <a:t>    </a:t>
+            </a:r>
+            <a:r>
+              <a:rPr lang="en-US" b="1" dirty="0" err="1">
+                <a:effectLst/>
+              </a:rPr>
+              <a:t>static_cast</a:t>
+            </a:r>
+            <a:r>
+              <a:rPr lang="en-US" b="1" dirty="0">
+                <a:effectLst/>
+              </a:rPr>
+              <a:t>&lt;</a:t>
+            </a:r>
+            <a:r>
+              <a:rPr lang="en-US" b="1" dirty="0" err="1">
+                <a:effectLst/>
+              </a:rPr>
+              <a:t>const</a:t>
+            </a:r>
+            <a:r>
+              <a:rPr lang="en-US" b="1" dirty="0">
+                <a:effectLst/>
+              </a:rPr>
+              <a:t> </a:t>
+            </a:r>
+            <a:r>
+              <a:rPr lang="en-US" b="1" dirty="0" err="1">
+                <a:effectLst/>
+              </a:rPr>
+              <a:t>derived_visitor</a:t>
+            </a:r>
+            <a:r>
+              <a:rPr lang="en-US" b="1" dirty="0">
+                <a:effectLst/>
+              </a:rPr>
+              <a:t>* </a:t>
+            </a:r>
+            <a:r>
+              <a:rPr lang="en-US" b="1" dirty="0" err="1">
+                <a:effectLst/>
+              </a:rPr>
+              <a:t>const</a:t>
+            </a:r>
+            <a:r>
+              <a:rPr lang="en-US" b="1" dirty="0">
+                <a:effectLst/>
+              </a:rPr>
+              <a:t>&gt;(this)-&gt;</a:t>
+            </a:r>
+            <a:r>
+              <a:rPr lang="en-US" dirty="0">
+                <a:effectLst/>
+              </a:rPr>
+              <a:t>visit(value);</a:t>
+            </a:r>
+          </a:p>
+          <a:p>
+            <a:pPr marL="0" indent="0">
+              <a:lnSpc>
+                <a:spcPct val="120000"/>
+              </a:lnSpc>
+              <a:spcBef>
+                <a:spcPts val="0"/>
+              </a:spcBef>
+              <a:spcAft>
+                <a:spcPts val="0"/>
+              </a:spcAft>
+              <a:buNone/>
+            </a:pPr>
+            <a:r>
+              <a:rPr lang="en-US" dirty="0">
+                <a:effectLst/>
+              </a:rPr>
+              <a:t>  }</a:t>
+            </a:r>
+          </a:p>
+          <a:p>
+            <a:pPr marL="0" indent="0">
+              <a:lnSpc>
+                <a:spcPct val="120000"/>
+              </a:lnSpc>
+              <a:spcBef>
+                <a:spcPts val="0"/>
+              </a:spcBef>
+              <a:spcAft>
+                <a:spcPts val="0"/>
+              </a:spcAft>
+              <a:buNone/>
+            </a:pPr>
+            <a:r>
+              <a:rPr lang="en-US" dirty="0">
+                <a:effectLst/>
+              </a:rPr>
+              <a:t>};</a:t>
+            </a:r>
+          </a:p>
+        </p:txBody>
+      </p:sp>
+    </p:spTree>
+    <p:extLst>
+      <p:ext uri="{BB962C8B-B14F-4D97-AF65-F5344CB8AC3E}">
+        <p14:creationId xmlns:p14="http://schemas.microsoft.com/office/powerpoint/2010/main" val="1566390342"/>
+      </p:ext>
+    </p:extLst>
+  </p:cSld>
+  <p:clrMapOvr>
+    <a:masterClrMapping/>
+  </p:clrMapOvr>
+</p:sld>
+</file>
+
+<file path=ppt/slides/slide21.xml><?xml version="1.0" encoding="utf-8"?>
+<p:sld xmlns:a="http://schemas.openxmlformats.org/drawingml/2006/main" xmlns:r="http://schemas.openxmlformats.org/officeDocument/2006/relationships" xmlns:p="http://schemas.openxmlformats.org/presentationml/2006/main">
+  <p:cSld>
+    <p:spTree>
+      <p:nvGrpSpPr>
+        <p:cNvPr id="1" name=""/>
+        <p:cNvGrpSpPr/>
+        <p:nvPr/>
+      </p:nvGrpSpPr>
+      <p:grpSpPr>
+        <a:xfrm>
+          <a:off x="0" y="0"/>
+          <a:ext cx="0" cy="0"/>
+          <a:chOff x="0" y="0"/>
+          <a:chExt cx="0" cy="0"/>
+        </a:xfrm>
+      </p:grpSpPr>
+      <p:sp>
+        <p:nvSpPr>
+          <p:cNvPr id="2" name="Title 1">
+            <a:extLst>
+              <a:ext uri="{FF2B5EF4-FFF2-40B4-BE49-F238E27FC236}">
+                <a16:creationId xmlns:a16="http://schemas.microsoft.com/office/drawing/2014/main" id="{560C5AC7-325E-4C6C-832B-6E869089B727}"/>
+              </a:ext>
+            </a:extLst>
+          </p:cNvPr>
+          <p:cNvSpPr>
+            <a:spLocks noGrp="1"/>
+          </p:cNvSpPr>
+          <p:nvPr>
+            <p:ph type="title"/>
+          </p:nvPr>
+        </p:nvSpPr>
+        <p:spPr/>
+        <p:txBody>
+          <a:bodyPr>
+            <a:normAutofit fontScale="90000"/>
+          </a:bodyPr>
+          <a:lstStyle/>
+          <a:p>
+            <a:r>
+              <a:rPr lang="en-US" dirty="0">
+                <a:effectLst/>
+              </a:rPr>
+              <a:t>CRTP – Why use it?</a:t>
+            </a:r>
+            <a:br>
+              <a:rPr lang="en-US" dirty="0">
+                <a:effectLst/>
+              </a:rPr>
+            </a:br>
+            <a:r>
+              <a:rPr lang="en-US" dirty="0"/>
+              <a:t>Class extension: node-visiting</a:t>
+            </a:r>
+          </a:p>
+        </p:txBody>
+      </p:sp>
+      <p:sp>
+        <p:nvSpPr>
+          <p:cNvPr id="3" name="Content Placeholder 2">
+            <a:extLst>
+              <a:ext uri="{FF2B5EF4-FFF2-40B4-BE49-F238E27FC236}">
+                <a16:creationId xmlns:a16="http://schemas.microsoft.com/office/drawing/2014/main" id="{5D065A81-9E6D-4C15-9E6B-62E02CCAC109}"/>
+              </a:ext>
+            </a:extLst>
+          </p:cNvPr>
+          <p:cNvSpPr>
+            <a:spLocks noGrp="1"/>
+          </p:cNvSpPr>
+          <p:nvPr>
+            <p:ph idx="1"/>
+          </p:nvPr>
+        </p:nvSpPr>
+        <p:spPr>
+          <a:xfrm>
+            <a:off x="385011" y="1732449"/>
+            <a:ext cx="11466094" cy="4800698"/>
+          </a:xfrm>
+        </p:spPr>
+        <p:txBody>
+          <a:bodyPr>
+            <a:normAutofit fontScale="70000" lnSpcReduction="20000"/>
+          </a:bodyPr>
+          <a:lstStyle/>
+          <a:p>
+            <a:pPr marL="0" indent="0">
+              <a:lnSpc>
+                <a:spcPct val="120000"/>
+              </a:lnSpc>
+              <a:spcBef>
+                <a:spcPts val="0"/>
+              </a:spcBef>
+              <a:spcAft>
+                <a:spcPts val="0"/>
+              </a:spcAft>
+              <a:buNone/>
+            </a:pPr>
+            <a:r>
+              <a:rPr lang="en-US" dirty="0">
+                <a:effectLst/>
+              </a:rPr>
+              <a:t>template&lt;</a:t>
+            </a:r>
+            <a:r>
+              <a:rPr lang="en-US" dirty="0" err="1">
+                <a:effectLst/>
+              </a:rPr>
+              <a:t>typename</a:t>
+            </a:r>
+            <a:r>
+              <a:rPr lang="en-US" dirty="0">
+                <a:effectLst/>
+              </a:rPr>
+              <a:t> </a:t>
+            </a:r>
+            <a:r>
+              <a:rPr lang="en-US" dirty="0" err="1">
+                <a:effectLst/>
+              </a:rPr>
+              <a:t>derived_visitor</a:t>
+            </a:r>
+            <a:r>
+              <a:rPr lang="en-US" dirty="0">
+                <a:effectLst/>
+              </a:rPr>
+              <a:t>&gt;</a:t>
+            </a:r>
+          </a:p>
+          <a:p>
+            <a:pPr marL="0" indent="0">
+              <a:lnSpc>
+                <a:spcPct val="120000"/>
+              </a:lnSpc>
+              <a:spcBef>
+                <a:spcPts val="0"/>
+              </a:spcBef>
+              <a:spcAft>
+                <a:spcPts val="0"/>
+              </a:spcAft>
+              <a:buNone/>
+            </a:pPr>
+            <a:r>
+              <a:rPr lang="en-US" dirty="0">
+                <a:effectLst/>
+              </a:rPr>
+              <a:t>class </a:t>
+            </a:r>
+            <a:r>
+              <a:rPr lang="en-US" dirty="0" err="1">
+                <a:effectLst/>
+              </a:rPr>
+              <a:t>generic_visitor</a:t>
+            </a:r>
+            <a:r>
+              <a:rPr lang="en-US" dirty="0">
+                <a:effectLst/>
+              </a:rPr>
+              <a:t> {</a:t>
+            </a:r>
+          </a:p>
+          <a:p>
+            <a:pPr marL="0" indent="0">
+              <a:lnSpc>
+                <a:spcPct val="120000"/>
+              </a:lnSpc>
+              <a:spcBef>
+                <a:spcPts val="0"/>
+              </a:spcBef>
+              <a:spcAft>
+                <a:spcPts val="0"/>
+              </a:spcAft>
+              <a:buNone/>
+            </a:pPr>
+            <a:r>
+              <a:rPr lang="en-US" dirty="0">
+                <a:effectLst/>
+              </a:rPr>
+              <a:t>public:</a:t>
+            </a:r>
+          </a:p>
+          <a:p>
+            <a:pPr marL="0" indent="0">
+              <a:lnSpc>
+                <a:spcPct val="120000"/>
+              </a:lnSpc>
+              <a:spcBef>
+                <a:spcPts val="0"/>
+              </a:spcBef>
+              <a:spcAft>
+                <a:spcPts val="0"/>
+              </a:spcAft>
+              <a:buNone/>
+            </a:pPr>
+            <a:r>
+              <a:rPr lang="en-US" dirty="0">
+                <a:effectLst/>
+              </a:rPr>
+              <a:t>  template&lt;</a:t>
+            </a:r>
+            <a:r>
+              <a:rPr lang="en-US" dirty="0" err="1">
+                <a:effectLst/>
+              </a:rPr>
+              <a:t>typename</a:t>
+            </a:r>
+            <a:r>
+              <a:rPr lang="en-US" dirty="0">
+                <a:effectLst/>
+              </a:rPr>
+              <a:t> type&gt; auto </a:t>
+            </a:r>
+            <a:r>
+              <a:rPr lang="en-US" dirty="0" err="1">
+                <a:effectLst/>
+              </a:rPr>
+              <a:t>prefix_visit</a:t>
+            </a:r>
+            <a:r>
+              <a:rPr lang="en-US" dirty="0">
+                <a:effectLst/>
+              </a:rPr>
+              <a:t>(</a:t>
+            </a:r>
+            <a:r>
+              <a:rPr lang="en-US" dirty="0" err="1">
+                <a:effectLst/>
+              </a:rPr>
+              <a:t>typename</a:t>
+            </a:r>
+            <a:r>
+              <a:rPr lang="en-US" dirty="0">
+                <a:effectLst/>
+              </a:rPr>
+              <a:t> tree&lt;type&gt;::node *n) -&gt; void {</a:t>
+            </a:r>
+          </a:p>
+          <a:p>
+            <a:pPr marL="0" indent="0">
+              <a:lnSpc>
+                <a:spcPct val="120000"/>
+              </a:lnSpc>
+              <a:spcBef>
+                <a:spcPts val="0"/>
+              </a:spcBef>
+              <a:spcAft>
+                <a:spcPts val="0"/>
+              </a:spcAft>
+              <a:buNone/>
+            </a:pPr>
+            <a:r>
+              <a:rPr lang="en-US" dirty="0">
+                <a:effectLst/>
+              </a:rPr>
+              <a:t>    if(!n) return;</a:t>
+            </a:r>
+          </a:p>
+          <a:p>
+            <a:pPr marL="0" indent="0">
+              <a:lnSpc>
+                <a:spcPct val="120000"/>
+              </a:lnSpc>
+              <a:spcBef>
+                <a:spcPts val="0"/>
+              </a:spcBef>
+              <a:spcAft>
+                <a:spcPts val="0"/>
+              </a:spcAft>
+              <a:buNone/>
+            </a:pPr>
+            <a:r>
+              <a:rPr lang="en-US" dirty="0">
+                <a:effectLst/>
+              </a:rPr>
+              <a:t>    </a:t>
+            </a:r>
+            <a:r>
+              <a:rPr lang="en-US" b="1" dirty="0" err="1">
+                <a:effectLst/>
+              </a:rPr>
+              <a:t>do_visit</a:t>
+            </a:r>
+            <a:r>
+              <a:rPr lang="en-US" dirty="0">
+                <a:effectLst/>
+              </a:rPr>
+              <a:t>(n-&gt;value());</a:t>
+            </a:r>
+          </a:p>
+          <a:p>
+            <a:pPr marL="0" indent="0">
+              <a:lnSpc>
+                <a:spcPct val="120000"/>
+              </a:lnSpc>
+              <a:spcBef>
+                <a:spcPts val="0"/>
+              </a:spcBef>
+              <a:spcAft>
+                <a:spcPts val="0"/>
+              </a:spcAft>
+              <a:buNone/>
+            </a:pPr>
+            <a:r>
+              <a:rPr lang="en-US" dirty="0">
+                <a:effectLst/>
+              </a:rPr>
+              <a:t>    </a:t>
+            </a:r>
+            <a:r>
+              <a:rPr lang="en-US" dirty="0" err="1">
+                <a:effectLst/>
+              </a:rPr>
+              <a:t>prefix_visit</a:t>
+            </a:r>
+            <a:r>
+              <a:rPr lang="en-US" dirty="0">
+                <a:effectLst/>
+              </a:rPr>
+              <a:t>&lt;type&gt;(n-&gt;left());</a:t>
+            </a:r>
+          </a:p>
+          <a:p>
+            <a:pPr marL="0" indent="0">
+              <a:lnSpc>
+                <a:spcPct val="120000"/>
+              </a:lnSpc>
+              <a:spcBef>
+                <a:spcPts val="0"/>
+              </a:spcBef>
+              <a:spcAft>
+                <a:spcPts val="0"/>
+              </a:spcAft>
+              <a:buNone/>
+            </a:pPr>
+            <a:r>
+              <a:rPr lang="en-US" dirty="0">
+                <a:effectLst/>
+              </a:rPr>
+              <a:t>    </a:t>
+            </a:r>
+            <a:r>
+              <a:rPr lang="en-US" dirty="0" err="1">
+                <a:effectLst/>
+              </a:rPr>
+              <a:t>prefix_visit</a:t>
+            </a:r>
+            <a:r>
+              <a:rPr lang="en-US" dirty="0">
+                <a:effectLst/>
+              </a:rPr>
+              <a:t>&lt;type&gt;(n-&gt;right());</a:t>
+            </a:r>
+          </a:p>
+          <a:p>
+            <a:pPr marL="0" indent="0">
+              <a:lnSpc>
+                <a:spcPct val="120000"/>
+              </a:lnSpc>
+              <a:spcBef>
+                <a:spcPts val="0"/>
+              </a:spcBef>
+              <a:spcAft>
+                <a:spcPts val="0"/>
+              </a:spcAft>
+              <a:buNone/>
+            </a:pPr>
+            <a:r>
+              <a:rPr lang="en-US" dirty="0">
+                <a:effectLst/>
+              </a:rPr>
+              <a:t>  }</a:t>
+            </a:r>
+          </a:p>
+          <a:p>
+            <a:pPr marL="0" indent="0">
+              <a:lnSpc>
+                <a:spcPct val="120000"/>
+              </a:lnSpc>
+              <a:spcBef>
+                <a:spcPts val="0"/>
+              </a:spcBef>
+              <a:spcAft>
+                <a:spcPts val="0"/>
+              </a:spcAft>
+              <a:buNone/>
+            </a:pPr>
+            <a:r>
+              <a:rPr lang="en-US" dirty="0">
+                <a:effectLst/>
+              </a:rPr>
+              <a:t>  template&lt;</a:t>
+            </a:r>
+            <a:r>
+              <a:rPr lang="en-US" dirty="0" err="1">
+                <a:effectLst/>
+              </a:rPr>
+              <a:t>typename</a:t>
+            </a:r>
+            <a:r>
+              <a:rPr lang="en-US" dirty="0">
+                <a:effectLst/>
+              </a:rPr>
+              <a:t> type&gt; auto </a:t>
+            </a:r>
+            <a:r>
+              <a:rPr lang="en-US" dirty="0" err="1">
+                <a:effectLst/>
+              </a:rPr>
+              <a:t>infix_visit</a:t>
+            </a:r>
+            <a:r>
+              <a:rPr lang="en-US" dirty="0">
+                <a:effectLst/>
+              </a:rPr>
+              <a:t>(</a:t>
+            </a:r>
+            <a:r>
+              <a:rPr lang="en-US" dirty="0" err="1">
+                <a:effectLst/>
+              </a:rPr>
+              <a:t>typename</a:t>
+            </a:r>
+            <a:r>
+              <a:rPr lang="en-US" dirty="0">
+                <a:effectLst/>
+              </a:rPr>
+              <a:t> tree&lt;type&gt;::node *n) -&gt; void {</a:t>
+            </a:r>
+          </a:p>
+          <a:p>
+            <a:pPr marL="0" indent="0">
+              <a:lnSpc>
+                <a:spcPct val="120000"/>
+              </a:lnSpc>
+              <a:spcBef>
+                <a:spcPts val="0"/>
+              </a:spcBef>
+              <a:spcAft>
+                <a:spcPts val="0"/>
+              </a:spcAft>
+              <a:buNone/>
+            </a:pPr>
+            <a:r>
+              <a:rPr lang="en-US" dirty="0">
+                <a:effectLst/>
+              </a:rPr>
+              <a:t>    if(!n) return;</a:t>
+            </a:r>
+          </a:p>
+          <a:p>
+            <a:pPr marL="0" indent="0">
+              <a:lnSpc>
+                <a:spcPct val="120000"/>
+              </a:lnSpc>
+              <a:spcBef>
+                <a:spcPts val="0"/>
+              </a:spcBef>
+              <a:spcAft>
+                <a:spcPts val="0"/>
+              </a:spcAft>
+              <a:buNone/>
+            </a:pPr>
+            <a:r>
+              <a:rPr lang="en-US" dirty="0">
+                <a:effectLst/>
+              </a:rPr>
+              <a:t>    </a:t>
+            </a:r>
+            <a:r>
+              <a:rPr lang="en-US" dirty="0" err="1">
+                <a:effectLst/>
+              </a:rPr>
+              <a:t>infix_visit</a:t>
+            </a:r>
+            <a:r>
+              <a:rPr lang="en-US" dirty="0">
+                <a:effectLst/>
+              </a:rPr>
+              <a:t>&lt;type&gt;(n-&gt;left());</a:t>
+            </a:r>
+          </a:p>
+          <a:p>
+            <a:pPr marL="0" indent="0">
+              <a:lnSpc>
+                <a:spcPct val="120000"/>
+              </a:lnSpc>
+              <a:spcBef>
+                <a:spcPts val="0"/>
+              </a:spcBef>
+              <a:spcAft>
+                <a:spcPts val="0"/>
+              </a:spcAft>
+              <a:buNone/>
+            </a:pPr>
+            <a:r>
+              <a:rPr lang="en-US" dirty="0">
+                <a:effectLst/>
+              </a:rPr>
+              <a:t>    </a:t>
+            </a:r>
+            <a:r>
+              <a:rPr lang="en-US" b="1" dirty="0" err="1">
+                <a:effectLst/>
+              </a:rPr>
+              <a:t>do_visit</a:t>
+            </a:r>
+            <a:r>
+              <a:rPr lang="en-US" dirty="0">
+                <a:effectLst/>
+              </a:rPr>
+              <a:t>(n-&gt;value());</a:t>
+            </a:r>
+          </a:p>
+          <a:p>
+            <a:pPr marL="0" indent="0">
+              <a:lnSpc>
+                <a:spcPct val="120000"/>
+              </a:lnSpc>
+              <a:spcBef>
+                <a:spcPts val="0"/>
+              </a:spcBef>
+              <a:spcAft>
+                <a:spcPts val="0"/>
+              </a:spcAft>
+              <a:buNone/>
+            </a:pPr>
+            <a:r>
+              <a:rPr lang="en-US" dirty="0">
+                <a:effectLst/>
+              </a:rPr>
+              <a:t>    </a:t>
+            </a:r>
+            <a:r>
+              <a:rPr lang="en-US" dirty="0" err="1">
+                <a:effectLst/>
+              </a:rPr>
+              <a:t>infix_visit</a:t>
+            </a:r>
+            <a:r>
+              <a:rPr lang="en-US" dirty="0">
+                <a:effectLst/>
+              </a:rPr>
+              <a:t>&lt;type&gt;(n-&gt;right());</a:t>
+            </a:r>
+          </a:p>
+          <a:p>
+            <a:pPr marL="0" indent="0">
+              <a:lnSpc>
+                <a:spcPct val="120000"/>
+              </a:lnSpc>
+              <a:spcBef>
+                <a:spcPts val="0"/>
+              </a:spcBef>
+              <a:spcAft>
+                <a:spcPts val="0"/>
+              </a:spcAft>
+              <a:buNone/>
+            </a:pPr>
+            <a:r>
+              <a:rPr lang="en-US" dirty="0">
+                <a:effectLst/>
+              </a:rPr>
+              <a:t>  }</a:t>
+            </a:r>
+          </a:p>
+          <a:p>
+            <a:pPr marL="0" indent="0">
+              <a:lnSpc>
+                <a:spcPct val="120000"/>
+              </a:lnSpc>
+              <a:spcBef>
+                <a:spcPts val="0"/>
+              </a:spcBef>
+              <a:spcAft>
+                <a:spcPts val="0"/>
+              </a:spcAft>
+              <a:buNone/>
+            </a:pPr>
+            <a:r>
+              <a:rPr lang="en-US" dirty="0">
+                <a:effectLst/>
+              </a:rPr>
+              <a:t>  template&lt;</a:t>
+            </a:r>
+            <a:r>
+              <a:rPr lang="en-US" dirty="0" err="1">
+                <a:effectLst/>
+              </a:rPr>
+              <a:t>typename</a:t>
+            </a:r>
+            <a:r>
+              <a:rPr lang="en-US" dirty="0">
+                <a:effectLst/>
+              </a:rPr>
+              <a:t> type&gt; auto </a:t>
+            </a:r>
+            <a:r>
+              <a:rPr lang="en-US" dirty="0" err="1">
+                <a:effectLst/>
+              </a:rPr>
+              <a:t>postfix_visit</a:t>
+            </a:r>
+            <a:r>
+              <a:rPr lang="en-US" dirty="0">
+                <a:effectLst/>
+              </a:rPr>
+              <a:t>(</a:t>
+            </a:r>
+            <a:r>
+              <a:rPr lang="en-US" dirty="0" err="1">
+                <a:effectLst/>
+              </a:rPr>
+              <a:t>typename</a:t>
+            </a:r>
+            <a:r>
+              <a:rPr lang="en-US" dirty="0">
+                <a:effectLst/>
+              </a:rPr>
+              <a:t> tree&lt;type&gt;::node *n) -&gt; void {</a:t>
+            </a:r>
+          </a:p>
+          <a:p>
+            <a:pPr marL="0" indent="0">
+              <a:lnSpc>
+                <a:spcPct val="120000"/>
+              </a:lnSpc>
+              <a:spcBef>
+                <a:spcPts val="0"/>
+              </a:spcBef>
+              <a:spcAft>
+                <a:spcPts val="0"/>
+              </a:spcAft>
+              <a:buNone/>
+            </a:pPr>
+            <a:r>
+              <a:rPr lang="en-US" dirty="0">
+                <a:effectLst/>
+              </a:rPr>
+              <a:t>    if(!n) return;</a:t>
+            </a:r>
+          </a:p>
+          <a:p>
+            <a:pPr marL="0" indent="0">
+              <a:lnSpc>
+                <a:spcPct val="120000"/>
+              </a:lnSpc>
+              <a:spcBef>
+                <a:spcPts val="0"/>
+              </a:spcBef>
+              <a:spcAft>
+                <a:spcPts val="0"/>
+              </a:spcAft>
+              <a:buNone/>
+            </a:pPr>
+            <a:r>
+              <a:rPr lang="en-US" dirty="0">
+                <a:effectLst/>
+              </a:rPr>
+              <a:t>    </a:t>
+            </a:r>
+            <a:r>
+              <a:rPr lang="en-US" dirty="0" err="1">
+                <a:effectLst/>
+              </a:rPr>
+              <a:t>postfix_visit</a:t>
+            </a:r>
+            <a:r>
+              <a:rPr lang="en-US" dirty="0">
+                <a:effectLst/>
+              </a:rPr>
+              <a:t>&lt;type&gt;(n-&gt;left());</a:t>
+            </a:r>
+          </a:p>
+          <a:p>
+            <a:pPr marL="0" indent="0">
+              <a:lnSpc>
+                <a:spcPct val="120000"/>
+              </a:lnSpc>
+              <a:spcBef>
+                <a:spcPts val="0"/>
+              </a:spcBef>
+              <a:spcAft>
+                <a:spcPts val="0"/>
+              </a:spcAft>
+              <a:buNone/>
+            </a:pPr>
+            <a:r>
+              <a:rPr lang="en-US" dirty="0">
+                <a:effectLst/>
+              </a:rPr>
+              <a:t>    </a:t>
+            </a:r>
+            <a:r>
+              <a:rPr lang="en-US" dirty="0" err="1">
+                <a:effectLst/>
+              </a:rPr>
+              <a:t>postfix_visit</a:t>
+            </a:r>
+            <a:r>
+              <a:rPr lang="en-US" dirty="0">
+                <a:effectLst/>
+              </a:rPr>
+              <a:t>&lt;type&gt;(n-&gt;right());</a:t>
+            </a:r>
+          </a:p>
+          <a:p>
+            <a:pPr marL="0" indent="0">
+              <a:lnSpc>
+                <a:spcPct val="120000"/>
+              </a:lnSpc>
+              <a:spcBef>
+                <a:spcPts val="0"/>
+              </a:spcBef>
+              <a:spcAft>
+                <a:spcPts val="0"/>
+              </a:spcAft>
+              <a:buNone/>
+            </a:pPr>
+            <a:r>
+              <a:rPr lang="en-US" dirty="0">
+                <a:effectLst/>
+              </a:rPr>
+              <a:t>    </a:t>
+            </a:r>
+            <a:r>
+              <a:rPr lang="en-US" b="1" dirty="0" err="1">
+                <a:effectLst/>
+              </a:rPr>
+              <a:t>do_visit</a:t>
+            </a:r>
+            <a:r>
+              <a:rPr lang="en-US" dirty="0">
+                <a:effectLst/>
+              </a:rPr>
+              <a:t>(n-&gt;value());</a:t>
+            </a:r>
+          </a:p>
+          <a:p>
+            <a:pPr marL="0" indent="0">
+              <a:lnSpc>
+                <a:spcPct val="120000"/>
+              </a:lnSpc>
+              <a:spcBef>
+                <a:spcPts val="0"/>
+              </a:spcBef>
+              <a:spcAft>
+                <a:spcPts val="0"/>
+              </a:spcAft>
+              <a:buNone/>
+            </a:pPr>
+            <a:r>
+              <a:rPr lang="en-US" dirty="0">
+                <a:effectLst/>
+              </a:rPr>
+              <a:t>  }</a:t>
+            </a:r>
+          </a:p>
+          <a:p>
+            <a:pPr marL="0" indent="0">
+              <a:lnSpc>
+                <a:spcPct val="120000"/>
+              </a:lnSpc>
+              <a:spcBef>
+                <a:spcPts val="0"/>
+              </a:spcBef>
+              <a:spcAft>
+                <a:spcPts val="0"/>
+              </a:spcAft>
+              <a:buNone/>
+            </a:pPr>
+            <a:r>
+              <a:rPr lang="en-US" dirty="0">
+                <a:effectLst/>
+              </a:rPr>
+              <a:t>};</a:t>
+            </a:r>
+          </a:p>
+        </p:txBody>
+      </p:sp>
+    </p:spTree>
+    <p:extLst>
+      <p:ext uri="{BB962C8B-B14F-4D97-AF65-F5344CB8AC3E}">
+        <p14:creationId xmlns:p14="http://schemas.microsoft.com/office/powerpoint/2010/main" val="3797717448"/>
+      </p:ext>
+    </p:extLst>
+  </p:cSld>
+  <p:clrMapOvr>
+    <a:masterClrMapping/>
+  </p:clrMapOvr>
+</p:sld>
+</file>
+
+<file path=ppt/slides/slide22.xml><?xml version="1.0" encoding="utf-8"?>
+<p:sld xmlns:a="http://schemas.openxmlformats.org/drawingml/2006/main" xmlns:r="http://schemas.openxmlformats.org/officeDocument/2006/relationships" xmlns:p="http://schemas.openxmlformats.org/presentationml/2006/main">
+  <p:cSld>
+    <p:spTree>
+      <p:nvGrpSpPr>
+        <p:cNvPr id="1" name=""/>
+        <p:cNvGrpSpPr/>
+        <p:nvPr/>
+      </p:nvGrpSpPr>
+      <p:grpSpPr>
+        <a:xfrm>
+          <a:off x="0" y="0"/>
+          <a:ext cx="0" cy="0"/>
+          <a:chOff x="0" y="0"/>
+          <a:chExt cx="0" cy="0"/>
+        </a:xfrm>
+      </p:grpSpPr>
+      <p:sp>
+        <p:nvSpPr>
+          <p:cNvPr id="2" name="Title 1">
+            <a:extLst>
+              <a:ext uri="{FF2B5EF4-FFF2-40B4-BE49-F238E27FC236}">
+                <a16:creationId xmlns:a16="http://schemas.microsoft.com/office/drawing/2014/main" id="{560C5AC7-325E-4C6C-832B-6E869089B727}"/>
+              </a:ext>
+            </a:extLst>
+          </p:cNvPr>
+          <p:cNvSpPr>
+            <a:spLocks noGrp="1"/>
+          </p:cNvSpPr>
+          <p:nvPr>
+            <p:ph type="title"/>
+          </p:nvPr>
+        </p:nvSpPr>
+        <p:spPr/>
+        <p:txBody>
+          <a:bodyPr>
+            <a:normAutofit fontScale="90000"/>
+          </a:bodyPr>
+          <a:lstStyle/>
+          <a:p>
+            <a:r>
+              <a:rPr lang="en-US" dirty="0">
+                <a:effectLst/>
+              </a:rPr>
+              <a:t>CRTP – Why use it?</a:t>
+            </a:r>
+            <a:br>
+              <a:rPr lang="en-US" dirty="0">
+                <a:effectLst/>
+              </a:rPr>
+            </a:br>
+            <a:r>
+              <a:rPr lang="en-US" dirty="0"/>
+              <a:t>Class extension: node-visiting</a:t>
+            </a:r>
+          </a:p>
+        </p:txBody>
+      </p:sp>
+      <p:sp>
+        <p:nvSpPr>
+          <p:cNvPr id="3" name="Content Placeholder 2">
+            <a:extLst>
+              <a:ext uri="{FF2B5EF4-FFF2-40B4-BE49-F238E27FC236}">
+                <a16:creationId xmlns:a16="http://schemas.microsoft.com/office/drawing/2014/main" id="{5D065A81-9E6D-4C15-9E6B-62E02CCAC109}"/>
+              </a:ext>
+            </a:extLst>
+          </p:cNvPr>
+          <p:cNvSpPr>
+            <a:spLocks noGrp="1"/>
+          </p:cNvSpPr>
+          <p:nvPr>
+            <p:ph idx="1"/>
+          </p:nvPr>
+        </p:nvSpPr>
+        <p:spPr>
+          <a:xfrm>
+            <a:off x="385011" y="1732449"/>
+            <a:ext cx="11466094" cy="4800698"/>
+          </a:xfrm>
+        </p:spPr>
+        <p:txBody>
+          <a:bodyPr>
+            <a:normAutofit/>
+          </a:bodyPr>
+          <a:lstStyle/>
+          <a:p>
+            <a:pPr marL="0" indent="0">
+              <a:lnSpc>
+                <a:spcPct val="120000"/>
+              </a:lnSpc>
+              <a:spcBef>
+                <a:spcPts val="0"/>
+              </a:spcBef>
+              <a:spcAft>
+                <a:spcPts val="0"/>
+              </a:spcAft>
+              <a:buNone/>
+            </a:pPr>
+            <a:r>
+              <a:rPr lang="en-US" dirty="0">
+                <a:effectLst/>
+              </a:rPr>
+              <a:t>auto main(</a:t>
+            </a:r>
+            <a:r>
+              <a:rPr lang="en-US" dirty="0" err="1">
+                <a:effectLst/>
+              </a:rPr>
+              <a:t>const</a:t>
+            </a:r>
+            <a:r>
+              <a:rPr lang="en-US" dirty="0">
+                <a:effectLst/>
+              </a:rPr>
+              <a:t> </a:t>
+            </a:r>
+            <a:r>
+              <a:rPr lang="en-US" dirty="0" err="1">
+                <a:effectLst/>
+              </a:rPr>
+              <a:t>int</a:t>
+            </a:r>
+            <a:r>
+              <a:rPr lang="en-US" dirty="0">
+                <a:effectLst/>
+              </a:rPr>
+              <a:t> /*</a:t>
+            </a:r>
+            <a:r>
+              <a:rPr lang="en-US" dirty="0" err="1">
+                <a:effectLst/>
+              </a:rPr>
+              <a:t>argc</a:t>
+            </a:r>
+            <a:r>
+              <a:rPr lang="en-US" dirty="0">
+                <a:effectLst/>
+              </a:rPr>
+              <a:t>*/, </a:t>
+            </a:r>
+            <a:r>
+              <a:rPr lang="en-US" dirty="0" err="1">
+                <a:effectLst/>
+              </a:rPr>
+              <a:t>const</a:t>
+            </a:r>
+            <a:r>
+              <a:rPr lang="en-US" dirty="0">
+                <a:effectLst/>
+              </a:rPr>
+              <a:t> char *</a:t>
+            </a:r>
+            <a:r>
+              <a:rPr lang="en-US" dirty="0" err="1">
+                <a:effectLst/>
+              </a:rPr>
+              <a:t>const</a:t>
+            </a:r>
+            <a:r>
+              <a:rPr lang="en-US" dirty="0">
+                <a:effectLst/>
+              </a:rPr>
+              <a:t> []/*</a:t>
+            </a:r>
+            <a:r>
+              <a:rPr lang="en-US" dirty="0" err="1">
+                <a:effectLst/>
+              </a:rPr>
+              <a:t>argv</a:t>
+            </a:r>
+            <a:r>
+              <a:rPr lang="en-US" dirty="0">
+                <a:effectLst/>
+              </a:rPr>
+              <a:t>*/) -&gt; </a:t>
+            </a:r>
+            <a:r>
+              <a:rPr lang="en-US" dirty="0" err="1">
+                <a:effectLst/>
+              </a:rPr>
+              <a:t>int</a:t>
+            </a:r>
+            <a:r>
+              <a:rPr lang="en-US" dirty="0">
+                <a:effectLst/>
+              </a:rPr>
+              <a:t> {</a:t>
+            </a:r>
+          </a:p>
+          <a:p>
+            <a:pPr marL="0" indent="0">
+              <a:lnSpc>
+                <a:spcPct val="120000"/>
+              </a:lnSpc>
+              <a:spcBef>
+                <a:spcPts val="0"/>
+              </a:spcBef>
+              <a:spcAft>
+                <a:spcPts val="0"/>
+              </a:spcAft>
+              <a:buNone/>
+            </a:pPr>
+            <a:r>
+              <a:rPr lang="en-US" dirty="0">
+                <a:effectLst/>
+              </a:rPr>
+              <a:t>  auto </a:t>
+            </a:r>
+            <a:r>
+              <a:rPr lang="en-US" dirty="0" err="1">
+                <a:effectLst/>
+              </a:rPr>
+              <a:t>tr</a:t>
+            </a:r>
+            <a:r>
+              <a:rPr lang="en-US" dirty="0">
+                <a:effectLst/>
+              </a:rPr>
+              <a:t>{tree&lt;</a:t>
+            </a:r>
+            <a:r>
+              <a:rPr lang="en-US" dirty="0" err="1">
+                <a:effectLst/>
+              </a:rPr>
+              <a:t>int</a:t>
+            </a:r>
+            <a:r>
+              <a:rPr lang="en-US" dirty="0">
+                <a:effectLst/>
+              </a:rPr>
+              <a:t>&gt;{0}};</a:t>
+            </a:r>
+          </a:p>
+          <a:p>
+            <a:pPr marL="0" indent="0">
+              <a:lnSpc>
+                <a:spcPct val="120000"/>
+              </a:lnSpc>
+              <a:spcBef>
+                <a:spcPts val="0"/>
+              </a:spcBef>
+              <a:spcAft>
+                <a:spcPts val="0"/>
+              </a:spcAft>
+              <a:buNone/>
+            </a:pPr>
+            <a:r>
+              <a:rPr lang="en-US" dirty="0">
+                <a:effectLst/>
+              </a:rPr>
+              <a:t>  </a:t>
+            </a:r>
+            <a:r>
+              <a:rPr lang="en-US" dirty="0" err="1">
+                <a:effectLst/>
+              </a:rPr>
+              <a:t>tr.get_root_node</a:t>
+            </a:r>
+            <a:r>
+              <a:rPr lang="en-US" dirty="0">
+                <a:effectLst/>
+              </a:rPr>
+              <a:t>()-&gt;</a:t>
+            </a:r>
+            <a:r>
+              <a:rPr lang="en-US" dirty="0" err="1">
+                <a:effectLst/>
+              </a:rPr>
+              <a:t>add_left_child</a:t>
+            </a:r>
+            <a:r>
+              <a:rPr lang="en-US" dirty="0">
+                <a:effectLst/>
+              </a:rPr>
+              <a:t>(1);</a:t>
+            </a:r>
+          </a:p>
+          <a:p>
+            <a:pPr marL="0" indent="0">
+              <a:lnSpc>
+                <a:spcPct val="120000"/>
+              </a:lnSpc>
+              <a:spcBef>
+                <a:spcPts val="0"/>
+              </a:spcBef>
+              <a:spcAft>
+                <a:spcPts val="0"/>
+              </a:spcAft>
+              <a:buNone/>
+            </a:pPr>
+            <a:r>
+              <a:rPr lang="en-US" dirty="0">
+                <a:effectLst/>
+              </a:rPr>
+              <a:t>  </a:t>
+            </a:r>
+            <a:r>
+              <a:rPr lang="en-US" dirty="0" err="1">
+                <a:effectLst/>
+              </a:rPr>
+              <a:t>tr.get_root_node</a:t>
+            </a:r>
+            <a:r>
+              <a:rPr lang="en-US" dirty="0">
+                <a:effectLst/>
+              </a:rPr>
+              <a:t>()-&gt;</a:t>
+            </a:r>
+            <a:r>
+              <a:rPr lang="en-US" dirty="0" err="1">
+                <a:effectLst/>
+              </a:rPr>
+              <a:t>add_right_child</a:t>
+            </a:r>
+            <a:r>
+              <a:rPr lang="en-US" dirty="0">
+                <a:effectLst/>
+              </a:rPr>
+              <a:t>(2);</a:t>
+            </a:r>
+          </a:p>
+          <a:p>
+            <a:pPr marL="0" indent="0">
+              <a:lnSpc>
+                <a:spcPct val="120000"/>
+              </a:lnSpc>
+              <a:spcBef>
+                <a:spcPts val="0"/>
+              </a:spcBef>
+              <a:spcAft>
+                <a:spcPts val="0"/>
+              </a:spcAft>
+              <a:buNone/>
+            </a:pPr>
+            <a:endParaRPr lang="en-US" dirty="0">
+              <a:effectLst/>
+            </a:endParaRPr>
+          </a:p>
+          <a:p>
+            <a:pPr marL="0" indent="0">
+              <a:lnSpc>
+                <a:spcPct val="120000"/>
+              </a:lnSpc>
+              <a:spcBef>
+                <a:spcPts val="0"/>
+              </a:spcBef>
+              <a:spcAft>
+                <a:spcPts val="0"/>
+              </a:spcAft>
+              <a:buNone/>
+            </a:pPr>
+            <a:r>
+              <a:rPr lang="en-US" dirty="0">
+                <a:effectLst/>
+              </a:rPr>
+              <a:t>  auto printer{</a:t>
+            </a:r>
+            <a:r>
+              <a:rPr lang="en-US" dirty="0" err="1">
+                <a:effectLst/>
+              </a:rPr>
+              <a:t>print_visitor</a:t>
+            </a:r>
+            <a:r>
+              <a:rPr lang="en-US" dirty="0">
+                <a:effectLst/>
+              </a:rPr>
+              <a:t>{“ “}};</a:t>
+            </a:r>
+          </a:p>
+          <a:p>
+            <a:pPr marL="0" indent="0">
+              <a:lnSpc>
+                <a:spcPct val="120000"/>
+              </a:lnSpc>
+              <a:spcBef>
+                <a:spcPts val="0"/>
+              </a:spcBef>
+              <a:spcAft>
+                <a:spcPts val="0"/>
+              </a:spcAft>
+              <a:buNone/>
+            </a:pPr>
+            <a:r>
+              <a:rPr lang="en-US" dirty="0">
+                <a:effectLst/>
+              </a:rPr>
+              <a:t>  </a:t>
+            </a:r>
+            <a:r>
+              <a:rPr lang="en-US" dirty="0" err="1">
+                <a:effectLst/>
+              </a:rPr>
+              <a:t>printer.prefix_visit</a:t>
+            </a:r>
+            <a:r>
+              <a:rPr lang="en-US" dirty="0">
+                <a:effectLst/>
+              </a:rPr>
+              <a:t>&lt;</a:t>
+            </a:r>
+            <a:r>
+              <a:rPr lang="en-US" dirty="0" err="1">
+                <a:effectLst/>
+              </a:rPr>
+              <a:t>int</a:t>
+            </a:r>
+            <a:r>
+              <a:rPr lang="en-US" dirty="0">
+                <a:effectLst/>
+              </a:rPr>
+              <a:t>&gt;(</a:t>
+            </a:r>
+            <a:r>
+              <a:rPr lang="en-US" dirty="0" err="1">
+                <a:effectLst/>
+              </a:rPr>
+              <a:t>tr.get_root_node</a:t>
+            </a:r>
+            <a:r>
+              <a:rPr lang="en-US" dirty="0">
+                <a:effectLst/>
+              </a:rPr>
+              <a:t>());	//prints 0 1 2</a:t>
+            </a:r>
+          </a:p>
+          <a:p>
+            <a:pPr marL="0" indent="0">
+              <a:lnSpc>
+                <a:spcPct val="120000"/>
+              </a:lnSpc>
+              <a:spcBef>
+                <a:spcPts val="0"/>
+              </a:spcBef>
+              <a:spcAft>
+                <a:spcPts val="0"/>
+              </a:spcAft>
+              <a:buNone/>
+            </a:pPr>
+            <a:r>
+              <a:rPr lang="en-US" dirty="0">
+                <a:effectLst/>
+              </a:rPr>
+              <a:t>  </a:t>
+            </a:r>
+            <a:r>
+              <a:rPr lang="en-US" dirty="0" err="1">
+                <a:effectLst/>
+              </a:rPr>
+              <a:t>printer.infix_visit</a:t>
+            </a:r>
+            <a:r>
+              <a:rPr lang="en-US" dirty="0">
+                <a:effectLst/>
+              </a:rPr>
+              <a:t>&lt;</a:t>
+            </a:r>
+            <a:r>
+              <a:rPr lang="en-US" dirty="0" err="1">
+                <a:effectLst/>
+              </a:rPr>
+              <a:t>int</a:t>
+            </a:r>
+            <a:r>
+              <a:rPr lang="en-US" dirty="0">
+                <a:effectLst/>
+              </a:rPr>
+              <a:t>&gt;(</a:t>
+            </a:r>
+            <a:r>
+              <a:rPr lang="en-US" dirty="0" err="1">
+                <a:effectLst/>
+              </a:rPr>
+              <a:t>tr.get_root_node</a:t>
+            </a:r>
+            <a:r>
+              <a:rPr lang="en-US" dirty="0">
+                <a:effectLst/>
+              </a:rPr>
+              <a:t>()); 	//prints 1 0 2</a:t>
+            </a:r>
+          </a:p>
+          <a:p>
+            <a:pPr marL="0" indent="0">
+              <a:lnSpc>
+                <a:spcPct val="120000"/>
+              </a:lnSpc>
+              <a:spcBef>
+                <a:spcPts val="0"/>
+              </a:spcBef>
+              <a:spcAft>
+                <a:spcPts val="0"/>
+              </a:spcAft>
+              <a:buNone/>
+            </a:pPr>
+            <a:r>
+              <a:rPr lang="en-US" dirty="0">
+                <a:effectLst/>
+              </a:rPr>
+              <a:t>  </a:t>
+            </a:r>
+            <a:r>
+              <a:rPr lang="en-US" dirty="0" err="1">
+                <a:effectLst/>
+              </a:rPr>
+              <a:t>printer.postfix_visit</a:t>
+            </a:r>
+            <a:r>
+              <a:rPr lang="en-US" dirty="0">
+                <a:effectLst/>
+              </a:rPr>
+              <a:t>&lt;</a:t>
+            </a:r>
+            <a:r>
+              <a:rPr lang="en-US" dirty="0" err="1">
+                <a:effectLst/>
+              </a:rPr>
+              <a:t>int</a:t>
+            </a:r>
+            <a:r>
+              <a:rPr lang="en-US" dirty="0">
+                <a:effectLst/>
+              </a:rPr>
+              <a:t>&gt;(</a:t>
+            </a:r>
+            <a:r>
+              <a:rPr lang="en-US" dirty="0" err="1">
+                <a:effectLst/>
+              </a:rPr>
+              <a:t>tr.get_root_node</a:t>
+            </a:r>
+            <a:r>
+              <a:rPr lang="en-US" dirty="0">
+                <a:effectLst/>
+              </a:rPr>
+              <a:t>()); 	//prints 1 2 0</a:t>
+            </a:r>
+          </a:p>
+          <a:p>
+            <a:pPr marL="0" indent="0">
+              <a:lnSpc>
+                <a:spcPct val="120000"/>
+              </a:lnSpc>
+              <a:spcBef>
+                <a:spcPts val="0"/>
+              </a:spcBef>
+              <a:spcAft>
+                <a:spcPts val="0"/>
+              </a:spcAft>
+              <a:buNone/>
+            </a:pPr>
+            <a:r>
+              <a:rPr lang="en-US" dirty="0">
+                <a:effectLst/>
+              </a:rPr>
+              <a:t>  return 0;</a:t>
+            </a:r>
+          </a:p>
+          <a:p>
+            <a:pPr marL="0" indent="0">
+              <a:lnSpc>
+                <a:spcPct val="120000"/>
+              </a:lnSpc>
+              <a:spcBef>
+                <a:spcPts val="0"/>
+              </a:spcBef>
+              <a:spcAft>
+                <a:spcPts val="0"/>
+              </a:spcAft>
+              <a:buNone/>
+            </a:pPr>
+            <a:r>
+              <a:rPr lang="en-US" dirty="0">
+                <a:effectLst/>
+              </a:rPr>
+              <a:t>}</a:t>
+            </a:r>
+          </a:p>
+        </p:txBody>
+      </p:sp>
+    </p:spTree>
+    <p:extLst>
+      <p:ext uri="{BB962C8B-B14F-4D97-AF65-F5344CB8AC3E}">
+        <p14:creationId xmlns:p14="http://schemas.microsoft.com/office/powerpoint/2010/main" val="3337933178"/>
+      </p:ext>
+    </p:extLst>
+  </p:cSld>
+  <p:clrMapOvr>
+    <a:masterClrMapping/>
+  </p:clrMapOvr>
+</p:sld>
+</file>
+
+<file path=ppt/slides/slide23.xml><?xml version="1.0" encoding="utf-8"?>
+<p:sld xmlns:a="http://schemas.openxmlformats.org/drawingml/2006/main" xmlns:r="http://schemas.openxmlformats.org/officeDocument/2006/relationships" xmlns:p="http://schemas.openxmlformats.org/presentationml/2006/main">
+  <p:cSld>
+    <p:spTree>
+      <p:nvGrpSpPr>
+        <p:cNvPr id="1" name=""/>
+        <p:cNvGrpSpPr/>
+        <p:nvPr/>
+      </p:nvGrpSpPr>
+      <p:grpSpPr>
+        <a:xfrm>
+          <a:off x="0" y="0"/>
+          <a:ext cx="0" cy="0"/>
+          <a:chOff x="0" y="0"/>
+          <a:chExt cx="0" cy="0"/>
+        </a:xfrm>
+      </p:grpSpPr>
+      <p:sp>
+        <p:nvSpPr>
+          <p:cNvPr id="2" name="Title 1">
+            <a:extLst>
+              <a:ext uri="{FF2B5EF4-FFF2-40B4-BE49-F238E27FC236}">
+                <a16:creationId xmlns:a16="http://schemas.microsoft.com/office/drawing/2014/main" id="{560C5AC7-325E-4C6C-832B-6E869089B727}"/>
+              </a:ext>
+            </a:extLst>
+          </p:cNvPr>
+          <p:cNvSpPr>
+            <a:spLocks noGrp="1"/>
+          </p:cNvSpPr>
+          <p:nvPr>
+            <p:ph type="title"/>
+          </p:nvPr>
+        </p:nvSpPr>
+        <p:spPr/>
+        <p:txBody>
+          <a:bodyPr>
+            <a:normAutofit fontScale="90000"/>
+          </a:bodyPr>
+          <a:lstStyle/>
+          <a:p>
+            <a:r>
+              <a:rPr lang="en-US" dirty="0">
+                <a:effectLst/>
+              </a:rPr>
+              <a:t>CRTP – Why use it?</a:t>
+            </a:r>
+            <a:br>
+              <a:rPr lang="en-US" dirty="0">
+                <a:effectLst/>
+              </a:rPr>
+            </a:br>
+            <a:r>
+              <a:rPr lang="en-US" dirty="0"/>
+              <a:t>Class extension: node-visiting</a:t>
+            </a:r>
+          </a:p>
+        </p:txBody>
+      </p:sp>
+      <p:sp>
+        <p:nvSpPr>
+          <p:cNvPr id="3" name="Content Placeholder 2">
+            <a:extLst>
+              <a:ext uri="{FF2B5EF4-FFF2-40B4-BE49-F238E27FC236}">
+                <a16:creationId xmlns:a16="http://schemas.microsoft.com/office/drawing/2014/main" id="{5D065A81-9E6D-4C15-9E6B-62E02CCAC109}"/>
+              </a:ext>
+            </a:extLst>
+          </p:cNvPr>
+          <p:cNvSpPr>
+            <a:spLocks noGrp="1"/>
+          </p:cNvSpPr>
+          <p:nvPr>
+            <p:ph idx="1"/>
+          </p:nvPr>
+        </p:nvSpPr>
+        <p:spPr>
+          <a:xfrm>
+            <a:off x="385011" y="1732449"/>
+            <a:ext cx="11466094" cy="4800698"/>
+          </a:xfrm>
+        </p:spPr>
+        <p:txBody>
+          <a:bodyPr>
+            <a:normAutofit/>
+          </a:bodyPr>
+          <a:lstStyle/>
+          <a:p>
+            <a:pPr marL="0" indent="0">
+              <a:lnSpc>
+                <a:spcPct val="120000"/>
+              </a:lnSpc>
+              <a:spcBef>
+                <a:spcPts val="0"/>
+              </a:spcBef>
+              <a:spcAft>
+                <a:spcPts val="0"/>
+              </a:spcAft>
+              <a:buNone/>
+            </a:pPr>
+            <a:r>
+              <a:rPr lang="en-US" dirty="0">
+                <a:effectLst/>
+              </a:rPr>
+              <a:t>auto main(</a:t>
+            </a:r>
+            <a:r>
+              <a:rPr lang="en-US" dirty="0" err="1">
+                <a:effectLst/>
+              </a:rPr>
+              <a:t>const</a:t>
+            </a:r>
+            <a:r>
+              <a:rPr lang="en-US" dirty="0">
+                <a:effectLst/>
+              </a:rPr>
+              <a:t> </a:t>
+            </a:r>
+            <a:r>
+              <a:rPr lang="en-US" dirty="0" err="1">
+                <a:effectLst/>
+              </a:rPr>
+              <a:t>int</a:t>
+            </a:r>
+            <a:r>
+              <a:rPr lang="en-US" dirty="0">
+                <a:effectLst/>
+              </a:rPr>
+              <a:t> /*</a:t>
+            </a:r>
+            <a:r>
+              <a:rPr lang="en-US" dirty="0" err="1">
+                <a:effectLst/>
+              </a:rPr>
+              <a:t>argc</a:t>
+            </a:r>
+            <a:r>
+              <a:rPr lang="en-US" dirty="0">
+                <a:effectLst/>
+              </a:rPr>
+              <a:t>*/, </a:t>
+            </a:r>
+            <a:r>
+              <a:rPr lang="en-US" dirty="0" err="1">
+                <a:effectLst/>
+              </a:rPr>
+              <a:t>const</a:t>
+            </a:r>
+            <a:r>
+              <a:rPr lang="en-US" dirty="0">
+                <a:effectLst/>
+              </a:rPr>
+              <a:t> char *</a:t>
+            </a:r>
+            <a:r>
+              <a:rPr lang="en-US" dirty="0" err="1">
+                <a:effectLst/>
+              </a:rPr>
+              <a:t>const</a:t>
+            </a:r>
+            <a:r>
+              <a:rPr lang="en-US" dirty="0">
+                <a:effectLst/>
+              </a:rPr>
+              <a:t> []/*</a:t>
+            </a:r>
+            <a:r>
+              <a:rPr lang="en-US" dirty="0" err="1">
+                <a:effectLst/>
+              </a:rPr>
+              <a:t>argv</a:t>
+            </a:r>
+            <a:r>
+              <a:rPr lang="en-US" dirty="0">
+                <a:effectLst/>
+              </a:rPr>
+              <a:t>*/) -&gt; </a:t>
+            </a:r>
+            <a:r>
+              <a:rPr lang="en-US" dirty="0" err="1">
+                <a:effectLst/>
+              </a:rPr>
+              <a:t>int</a:t>
+            </a:r>
+            <a:r>
+              <a:rPr lang="en-US" dirty="0">
+                <a:effectLst/>
+              </a:rPr>
+              <a:t> {</a:t>
+            </a:r>
+          </a:p>
+          <a:p>
+            <a:pPr marL="0" indent="0">
+              <a:lnSpc>
+                <a:spcPct val="120000"/>
+              </a:lnSpc>
+              <a:spcBef>
+                <a:spcPts val="0"/>
+              </a:spcBef>
+              <a:spcAft>
+                <a:spcPts val="0"/>
+              </a:spcAft>
+              <a:buNone/>
+            </a:pPr>
+            <a:r>
+              <a:rPr lang="en-US" dirty="0">
+                <a:effectLst/>
+              </a:rPr>
+              <a:t>  auto </a:t>
+            </a:r>
+            <a:r>
+              <a:rPr lang="en-US" dirty="0" err="1">
+                <a:effectLst/>
+              </a:rPr>
+              <a:t>str_tr</a:t>
+            </a:r>
+            <a:r>
+              <a:rPr lang="en-US" dirty="0">
+                <a:effectLst/>
+              </a:rPr>
+              <a:t>{tree&lt;</a:t>
+            </a:r>
+            <a:r>
+              <a:rPr lang="en-US" dirty="0" err="1">
+                <a:effectLst/>
+              </a:rPr>
+              <a:t>std</a:t>
+            </a:r>
+            <a:r>
+              <a:rPr lang="en-US" dirty="0">
+                <a:effectLst/>
+              </a:rPr>
+              <a:t>::string&gt;{"-"}};</a:t>
+            </a:r>
+          </a:p>
+          <a:p>
+            <a:pPr marL="0" indent="0">
+              <a:lnSpc>
+                <a:spcPct val="120000"/>
+              </a:lnSpc>
+              <a:spcBef>
+                <a:spcPts val="0"/>
+              </a:spcBef>
+              <a:spcAft>
+                <a:spcPts val="0"/>
+              </a:spcAft>
+              <a:buNone/>
+            </a:pPr>
+            <a:r>
+              <a:rPr lang="en-US" dirty="0">
+                <a:effectLst/>
+              </a:rPr>
+              <a:t>  </a:t>
+            </a:r>
+            <a:r>
+              <a:rPr lang="en-US" dirty="0" err="1">
+                <a:effectLst/>
+              </a:rPr>
+              <a:t>str_tr.get_root_node</a:t>
+            </a:r>
+            <a:r>
+              <a:rPr lang="en-US" dirty="0">
+                <a:effectLst/>
+              </a:rPr>
+              <a:t>()-&gt;</a:t>
+            </a:r>
+            <a:r>
+              <a:rPr lang="en-US" dirty="0" err="1">
+                <a:effectLst/>
+              </a:rPr>
+              <a:t>add_left_child</a:t>
+            </a:r>
+            <a:r>
+              <a:rPr lang="en-US" dirty="0">
+                <a:effectLst/>
+              </a:rPr>
+              <a:t>("1");</a:t>
+            </a:r>
+          </a:p>
+          <a:p>
+            <a:pPr marL="0" indent="0">
+              <a:lnSpc>
+                <a:spcPct val="120000"/>
+              </a:lnSpc>
+              <a:spcBef>
+                <a:spcPts val="0"/>
+              </a:spcBef>
+              <a:spcAft>
+                <a:spcPts val="0"/>
+              </a:spcAft>
+              <a:buNone/>
+            </a:pPr>
+            <a:r>
+              <a:rPr lang="en-US" dirty="0">
+                <a:effectLst/>
+              </a:rPr>
+              <a:t>  </a:t>
+            </a:r>
+            <a:r>
+              <a:rPr lang="en-US" dirty="0" err="1">
+                <a:effectLst/>
+              </a:rPr>
+              <a:t>str_tr.get_root_node</a:t>
+            </a:r>
+            <a:r>
+              <a:rPr lang="en-US" dirty="0">
+                <a:effectLst/>
+              </a:rPr>
+              <a:t>()-&gt;</a:t>
+            </a:r>
+            <a:r>
+              <a:rPr lang="en-US" dirty="0" err="1">
+                <a:effectLst/>
+              </a:rPr>
+              <a:t>add_right_child</a:t>
+            </a:r>
+            <a:r>
+              <a:rPr lang="en-US" dirty="0">
+                <a:effectLst/>
+              </a:rPr>
+              <a:t>("2");</a:t>
+            </a:r>
+          </a:p>
+          <a:p>
+            <a:pPr marL="0" indent="0">
+              <a:lnSpc>
+                <a:spcPct val="120000"/>
+              </a:lnSpc>
+              <a:spcBef>
+                <a:spcPts val="0"/>
+              </a:spcBef>
+              <a:spcAft>
+                <a:spcPts val="0"/>
+              </a:spcAft>
+              <a:buNone/>
+            </a:pPr>
+            <a:r>
+              <a:rPr lang="en-US" dirty="0">
+                <a:effectLst/>
+              </a:rPr>
+              <a:t>  </a:t>
+            </a:r>
+            <a:r>
+              <a:rPr lang="en-US" dirty="0" err="1">
+                <a:effectLst/>
+              </a:rPr>
+              <a:t>str_tr.get_root_node</a:t>
+            </a:r>
+            <a:r>
+              <a:rPr lang="en-US" dirty="0">
+                <a:effectLst/>
+              </a:rPr>
+              <a:t>()-&gt;left()-&gt;</a:t>
+            </a:r>
+            <a:r>
+              <a:rPr lang="en-US" dirty="0" err="1">
+                <a:effectLst/>
+              </a:rPr>
+              <a:t>add_left_child</a:t>
+            </a:r>
+            <a:r>
+              <a:rPr lang="en-US" dirty="0">
+                <a:effectLst/>
+              </a:rPr>
+              <a:t>("a");</a:t>
+            </a:r>
+          </a:p>
+          <a:p>
+            <a:pPr marL="0" indent="0">
+              <a:lnSpc>
+                <a:spcPct val="120000"/>
+              </a:lnSpc>
+              <a:spcBef>
+                <a:spcPts val="0"/>
+              </a:spcBef>
+              <a:spcAft>
+                <a:spcPts val="0"/>
+              </a:spcAft>
+              <a:buNone/>
+            </a:pPr>
+            <a:r>
+              <a:rPr lang="en-US" dirty="0">
+                <a:effectLst/>
+              </a:rPr>
+              <a:t>  </a:t>
+            </a:r>
+            <a:r>
+              <a:rPr lang="en-US" dirty="0" err="1">
+                <a:effectLst/>
+              </a:rPr>
+              <a:t>str_tr.get_root_node</a:t>
+            </a:r>
+            <a:r>
+              <a:rPr lang="en-US" dirty="0">
+                <a:effectLst/>
+              </a:rPr>
+              <a:t>()-&gt;left()-&gt;</a:t>
+            </a:r>
+            <a:r>
+              <a:rPr lang="en-US" dirty="0" err="1">
+                <a:effectLst/>
+              </a:rPr>
+              <a:t>add_right_child</a:t>
+            </a:r>
+            <a:r>
+              <a:rPr lang="en-US" dirty="0">
+                <a:effectLst/>
+              </a:rPr>
+              <a:t>("b");</a:t>
+            </a:r>
+          </a:p>
+          <a:p>
+            <a:pPr marL="0" indent="0">
+              <a:lnSpc>
+                <a:spcPct val="120000"/>
+              </a:lnSpc>
+              <a:spcBef>
+                <a:spcPts val="0"/>
+              </a:spcBef>
+              <a:spcAft>
+                <a:spcPts val="0"/>
+              </a:spcAft>
+              <a:buNone/>
+            </a:pPr>
+            <a:r>
+              <a:rPr lang="en-US" dirty="0">
+                <a:effectLst/>
+              </a:rPr>
+              <a:t>  </a:t>
+            </a:r>
+            <a:r>
+              <a:rPr lang="en-US" dirty="0" err="1">
+                <a:effectLst/>
+              </a:rPr>
+              <a:t>str_tr.get_root_node</a:t>
+            </a:r>
+            <a:r>
+              <a:rPr lang="en-US" dirty="0">
+                <a:effectLst/>
+              </a:rPr>
+              <a:t>()-&gt;right()-&gt;</a:t>
+            </a:r>
+            <a:r>
+              <a:rPr lang="en-US" dirty="0" err="1">
+                <a:effectLst/>
+              </a:rPr>
+              <a:t>add_left_child</a:t>
+            </a:r>
+            <a:r>
+              <a:rPr lang="en-US" dirty="0">
+                <a:effectLst/>
+              </a:rPr>
+              <a:t>("c");</a:t>
+            </a:r>
+          </a:p>
+          <a:p>
+            <a:pPr marL="0" indent="0">
+              <a:lnSpc>
+                <a:spcPct val="120000"/>
+              </a:lnSpc>
+              <a:spcBef>
+                <a:spcPts val="0"/>
+              </a:spcBef>
+              <a:spcAft>
+                <a:spcPts val="0"/>
+              </a:spcAft>
+              <a:buNone/>
+            </a:pPr>
+            <a:r>
+              <a:rPr lang="en-US" dirty="0">
+                <a:effectLst/>
+              </a:rPr>
+              <a:t>  </a:t>
+            </a:r>
+            <a:r>
+              <a:rPr lang="en-US" dirty="0" err="1">
+                <a:effectLst/>
+              </a:rPr>
+              <a:t>str_tr.get_root_node</a:t>
+            </a:r>
+            <a:r>
+              <a:rPr lang="en-US" dirty="0">
+                <a:effectLst/>
+              </a:rPr>
+              <a:t>()-&gt;right()-&gt;</a:t>
+            </a:r>
+            <a:r>
+              <a:rPr lang="en-US" dirty="0" err="1">
+                <a:effectLst/>
+              </a:rPr>
+              <a:t>add_right_child</a:t>
+            </a:r>
+            <a:r>
+              <a:rPr lang="en-US" dirty="0">
+                <a:effectLst/>
+              </a:rPr>
+              <a:t>("d");</a:t>
+            </a:r>
+          </a:p>
+          <a:p>
+            <a:pPr marL="0" indent="0">
+              <a:lnSpc>
+                <a:spcPct val="120000"/>
+              </a:lnSpc>
+              <a:spcBef>
+                <a:spcPts val="0"/>
+              </a:spcBef>
+              <a:spcAft>
+                <a:spcPts val="0"/>
+              </a:spcAft>
+              <a:buNone/>
+            </a:pPr>
+            <a:r>
+              <a:rPr lang="en-US" dirty="0">
+                <a:effectLst/>
+              </a:rPr>
+              <a:t>  auto printer{</a:t>
+            </a:r>
+            <a:r>
+              <a:rPr lang="en-US" dirty="0" err="1">
+                <a:effectLst/>
+              </a:rPr>
+              <a:t>accumulate_visitor</a:t>
+            </a:r>
+            <a:r>
+              <a:rPr lang="en-US" dirty="0">
+                <a:effectLst/>
+              </a:rPr>
+              <a:t>{" "}};</a:t>
+            </a:r>
+          </a:p>
+          <a:p>
+            <a:pPr marL="0" indent="0">
+              <a:lnSpc>
+                <a:spcPct val="120000"/>
+              </a:lnSpc>
+              <a:spcBef>
+                <a:spcPts val="0"/>
+              </a:spcBef>
+              <a:spcAft>
+                <a:spcPts val="0"/>
+              </a:spcAft>
+              <a:buNone/>
+            </a:pPr>
+            <a:r>
+              <a:rPr lang="en-US" dirty="0">
+                <a:effectLst/>
+              </a:rPr>
+              <a:t>  </a:t>
+            </a:r>
+            <a:r>
+              <a:rPr lang="en-US" b="1" dirty="0" err="1">
+                <a:effectLst/>
+              </a:rPr>
+              <a:t>printer.infix_visit</a:t>
+            </a:r>
+            <a:r>
+              <a:rPr lang="en-US" b="1" dirty="0">
+                <a:effectLst/>
+              </a:rPr>
+              <a:t>&lt;</a:t>
+            </a:r>
+            <a:r>
+              <a:rPr lang="en-US" b="1" dirty="0" err="1">
+                <a:effectLst/>
+              </a:rPr>
+              <a:t>std</a:t>
+            </a:r>
+            <a:r>
+              <a:rPr lang="en-US" b="1" dirty="0">
+                <a:effectLst/>
+              </a:rPr>
+              <a:t>::string&gt;(</a:t>
+            </a:r>
+            <a:r>
+              <a:rPr lang="en-US" b="1" dirty="0" err="1">
+                <a:effectLst/>
+              </a:rPr>
+              <a:t>str_tr.get_root_node</a:t>
+            </a:r>
+            <a:r>
+              <a:rPr lang="en-US" b="1" dirty="0">
+                <a:effectLst/>
+              </a:rPr>
+              <a:t>())</a:t>
+            </a:r>
+            <a:r>
+              <a:rPr lang="en-US" dirty="0">
+                <a:effectLst/>
+              </a:rPr>
+              <a:t>;</a:t>
+            </a:r>
+          </a:p>
+          <a:p>
+            <a:pPr marL="0" indent="0">
+              <a:lnSpc>
+                <a:spcPct val="120000"/>
+              </a:lnSpc>
+              <a:spcBef>
+                <a:spcPts val="0"/>
+              </a:spcBef>
+              <a:spcAft>
+                <a:spcPts val="0"/>
+              </a:spcAft>
+              <a:buNone/>
+            </a:pPr>
+            <a:r>
+              <a:rPr lang="en-US" dirty="0">
+                <a:effectLst/>
+              </a:rPr>
+              <a:t>  </a:t>
+            </a:r>
+            <a:r>
+              <a:rPr lang="en-US" dirty="0" err="1">
+                <a:effectLst/>
+              </a:rPr>
+              <a:t>std</a:t>
+            </a:r>
+            <a:r>
+              <a:rPr lang="en-US" dirty="0">
+                <a:effectLst/>
+              </a:rPr>
+              <a:t>::</a:t>
+            </a:r>
+            <a:r>
+              <a:rPr lang="en-US" dirty="0" err="1">
+                <a:effectLst/>
+              </a:rPr>
+              <a:t>cout</a:t>
+            </a:r>
+            <a:r>
+              <a:rPr lang="en-US" dirty="0">
+                <a:effectLst/>
+              </a:rPr>
+              <a:t> &lt;&lt; </a:t>
+            </a:r>
+            <a:r>
+              <a:rPr lang="en-US" dirty="0" err="1">
+                <a:effectLst/>
+              </a:rPr>
+              <a:t>printer.get_value</a:t>
+            </a:r>
+            <a:r>
+              <a:rPr lang="en-US" dirty="0">
+                <a:effectLst/>
+              </a:rPr>
+              <a:t>() &lt;&lt; '\n’;	//prints </a:t>
+            </a:r>
+            <a:r>
+              <a:rPr lang="pt-BR" dirty="0">
+                <a:effectLst/>
+              </a:rPr>
+              <a:t>a 1 b - c 2 d</a:t>
+            </a:r>
+            <a:endParaRPr lang="en-US" dirty="0">
+              <a:effectLst/>
+            </a:endParaRPr>
+          </a:p>
+          <a:p>
+            <a:pPr marL="0" indent="0">
+              <a:lnSpc>
+                <a:spcPct val="120000"/>
+              </a:lnSpc>
+              <a:spcBef>
+                <a:spcPts val="0"/>
+              </a:spcBef>
+              <a:spcAft>
+                <a:spcPts val="0"/>
+              </a:spcAft>
+              <a:buNone/>
+            </a:pPr>
+            <a:r>
+              <a:rPr lang="en-US" dirty="0">
+                <a:effectLst/>
+              </a:rPr>
+              <a:t>}</a:t>
+            </a:r>
+          </a:p>
+        </p:txBody>
+      </p:sp>
+    </p:spTree>
+    <p:extLst>
+      <p:ext uri="{BB962C8B-B14F-4D97-AF65-F5344CB8AC3E}">
+        <p14:creationId xmlns:p14="http://schemas.microsoft.com/office/powerpoint/2010/main" val="2972842217"/>
+      </p:ext>
+    </p:extLst>
+  </p:cSld>
+  <p:clrMapOvr>
+    <a:masterClrMapping/>
+  </p:clrMapOvr>
+</p:sld>
+</file>
+
+<file path=ppt/slides/slide24.xml><?xml version="1.0" encoding="utf-8"?>
+<p:sld xmlns:a="http://schemas.openxmlformats.org/drawingml/2006/main" xmlns:r="http://schemas.openxmlformats.org/officeDocument/2006/relationships" xmlns:p="http://schemas.openxmlformats.org/presentationml/2006/main">
+  <p:cSld>
+    <p:spTree>
+      <p:nvGrpSpPr>
+        <p:cNvPr id="1" name=""/>
+        <p:cNvGrpSpPr/>
+        <p:nvPr/>
+      </p:nvGrpSpPr>
+      <p:grpSpPr>
+        <a:xfrm>
+          <a:off x="0" y="0"/>
+          <a:ext cx="0" cy="0"/>
+          <a:chOff x="0" y="0"/>
+          <a:chExt cx="0" cy="0"/>
+        </a:xfrm>
+      </p:grpSpPr>
+      <p:sp>
+        <p:nvSpPr>
+          <p:cNvPr id="2" name="Title 1">
+            <a:extLst>
+              <a:ext uri="{FF2B5EF4-FFF2-40B4-BE49-F238E27FC236}">
+                <a16:creationId xmlns:a16="http://schemas.microsoft.com/office/drawing/2014/main" id="{560C5AC7-325E-4C6C-832B-6E869089B727}"/>
+              </a:ext>
+            </a:extLst>
+          </p:cNvPr>
+          <p:cNvSpPr>
+            <a:spLocks noGrp="1"/>
+          </p:cNvSpPr>
+          <p:nvPr>
+            <p:ph type="title"/>
+          </p:nvPr>
+        </p:nvSpPr>
+        <p:spPr/>
+        <p:txBody>
+          <a:bodyPr>
+            <a:normAutofit/>
+          </a:bodyPr>
+          <a:lstStyle/>
+          <a:p>
+            <a:r>
+              <a:rPr lang="en-US" dirty="0">
+                <a:effectLst/>
+              </a:rPr>
+              <a:t>CRTP – Why use it?</a:t>
+            </a:r>
+            <a:endParaRPr lang="en-US" dirty="0"/>
+          </a:p>
+        </p:txBody>
+      </p:sp>
+      <p:sp>
+        <p:nvSpPr>
+          <p:cNvPr id="3" name="Content Placeholder 2">
+            <a:extLst>
+              <a:ext uri="{FF2B5EF4-FFF2-40B4-BE49-F238E27FC236}">
+                <a16:creationId xmlns:a16="http://schemas.microsoft.com/office/drawing/2014/main" id="{5D065A81-9E6D-4C15-9E6B-62E02CCAC109}"/>
+              </a:ext>
+            </a:extLst>
+          </p:cNvPr>
+          <p:cNvSpPr>
+            <a:spLocks noGrp="1"/>
+          </p:cNvSpPr>
+          <p:nvPr>
+            <p:ph idx="1"/>
+          </p:nvPr>
+        </p:nvSpPr>
+        <p:spPr>
+          <a:xfrm>
+            <a:off x="385011" y="1732449"/>
+            <a:ext cx="11466094" cy="4800698"/>
+          </a:xfrm>
+        </p:spPr>
+        <p:txBody>
+          <a:bodyPr>
+            <a:normAutofit/>
+          </a:bodyPr>
+          <a:lstStyle/>
+          <a:p>
+            <a:pPr indent="-342900">
+              <a:spcBef>
+                <a:spcPts val="0"/>
+              </a:spcBef>
+              <a:spcAft>
+                <a:spcPts val="0"/>
+              </a:spcAft>
+            </a:pPr>
+            <a:r>
+              <a:rPr lang="en-US" dirty="0">
+                <a:effectLst/>
+              </a:rPr>
+              <a:t>To enforce concepts?</a:t>
+            </a:r>
+          </a:p>
+          <a:p>
+            <a:pPr lvl="1" indent="-342900">
+              <a:spcBef>
+                <a:spcPts val="0"/>
+              </a:spcBef>
+              <a:spcAft>
+                <a:spcPts val="0"/>
+              </a:spcAft>
+            </a:pPr>
+            <a:r>
+              <a:rPr lang="en-US" dirty="0">
+                <a:effectLst/>
+              </a:rPr>
+              <a:t>Maybe not… Value semantics + slicing or reference semantics; pick one</a:t>
+            </a:r>
+            <a:br>
+              <a:rPr lang="en-US" dirty="0">
+                <a:effectLst/>
+              </a:rPr>
+            </a:br>
+            <a:endParaRPr lang="en-US" dirty="0">
+              <a:effectLst/>
+            </a:endParaRPr>
+          </a:p>
+          <a:p>
+            <a:pPr indent="-342900">
+              <a:spcBef>
+                <a:spcPts val="0"/>
+              </a:spcBef>
+              <a:spcAft>
+                <a:spcPts val="0"/>
+              </a:spcAft>
+            </a:pPr>
+            <a:r>
+              <a:rPr lang="en-US" dirty="0">
+                <a:effectLst/>
+              </a:rPr>
+              <a:t>Class extension</a:t>
+            </a:r>
+          </a:p>
+          <a:p>
+            <a:pPr lvl="1" indent="-342900">
+              <a:spcBef>
+                <a:spcPts val="0"/>
+              </a:spcBef>
+              <a:spcAft>
+                <a:spcPts val="0"/>
+              </a:spcAft>
+            </a:pPr>
+            <a:r>
+              <a:rPr lang="en-US" dirty="0">
+                <a:effectLst/>
+              </a:rPr>
+              <a:t>Scaffolding for onerous boilerplate (see boost::</a:t>
+            </a:r>
+            <a:r>
+              <a:rPr lang="en-US" dirty="0" err="1">
+                <a:effectLst/>
+              </a:rPr>
+              <a:t>iterator_facade</a:t>
+            </a:r>
+            <a:r>
+              <a:rPr lang="en-US" dirty="0">
+                <a:effectLst/>
+              </a:rPr>
+              <a:t>)</a:t>
+            </a:r>
+            <a:br>
+              <a:rPr lang="en-US" dirty="0">
+                <a:effectLst/>
+              </a:rPr>
+            </a:br>
+            <a:endParaRPr lang="en-US" dirty="0">
+              <a:effectLst/>
+            </a:endParaRPr>
+          </a:p>
+          <a:p>
+            <a:pPr indent="-342900">
+              <a:spcBef>
+                <a:spcPts val="0"/>
+              </a:spcBef>
+              <a:spcAft>
+                <a:spcPts val="0"/>
+              </a:spcAft>
+            </a:pPr>
+            <a:r>
+              <a:rPr lang="en-US" dirty="0">
+                <a:effectLst/>
+              </a:rPr>
+              <a:t>Performance improvement over virtual methods</a:t>
+            </a:r>
+          </a:p>
+          <a:p>
+            <a:pPr lvl="1" indent="-342900">
+              <a:spcBef>
+                <a:spcPts val="0"/>
+              </a:spcBef>
+              <a:spcAft>
+                <a:spcPts val="0"/>
+              </a:spcAft>
+            </a:pPr>
+            <a:r>
+              <a:rPr lang="en-US" dirty="0">
+                <a:effectLst/>
+              </a:rPr>
+              <a:t>Maybe… profile it</a:t>
+            </a:r>
+          </a:p>
+        </p:txBody>
+      </p:sp>
+    </p:spTree>
+    <p:extLst>
+      <p:ext uri="{BB962C8B-B14F-4D97-AF65-F5344CB8AC3E}">
+        <p14:creationId xmlns:p14="http://schemas.microsoft.com/office/powerpoint/2010/main" val="4073963925"/>
       </p:ext>
     </p:extLst>
   </p:cSld>

--- a/CRTP.pptx
+++ b/CRTP.pptx
@@ -5,7 +5,7 @@
     <p:sldMasterId id="2147483804" r:id="rId1"/>
   </p:sldMasterIdLst>
   <p:notesMasterIdLst>
-    <p:notesMasterId r:id="rId30"/>
+    <p:notesMasterId r:id="rId35"/>
   </p:notesMasterIdLst>
   <p:sldIdLst>
     <p:sldId id="256" r:id="rId2"/>
@@ -35,7 +35,12 @@
     <p:sldId id="291" r:id="rId26"/>
     <p:sldId id="292" r:id="rId27"/>
     <p:sldId id="278" r:id="rId28"/>
-    <p:sldId id="289" r:id="rId29"/>
+    <p:sldId id="294" r:id="rId29"/>
+    <p:sldId id="293" r:id="rId30"/>
+    <p:sldId id="295" r:id="rId31"/>
+    <p:sldId id="296" r:id="rId32"/>
+    <p:sldId id="297" r:id="rId33"/>
+    <p:sldId id="298" r:id="rId34"/>
   </p:sldIdLst>
   <p:sldSz cx="12192000" cy="6858000"/>
   <p:notesSz cx="6858000" cy="9144000"/>
@@ -2401,6 +2406,267 @@
 </p:notes>
 </file>
 
+<file path=ppt/notesSlides/notesSlide27.xml><?xml version="1.0" encoding="utf-8"?>
+<p:notes xmlns:a="http://schemas.openxmlformats.org/drawingml/2006/main" xmlns:r="http://schemas.openxmlformats.org/officeDocument/2006/relationships" xmlns:p="http://schemas.openxmlformats.org/presentationml/2006/main">
+  <p:cSld>
+    <p:spTree>
+      <p:nvGrpSpPr>
+        <p:cNvPr id="1" name=""/>
+        <p:cNvGrpSpPr/>
+        <p:nvPr/>
+      </p:nvGrpSpPr>
+      <p:grpSpPr>
+        <a:xfrm>
+          <a:off x="0" y="0"/>
+          <a:ext cx="0" cy="0"/>
+          <a:chOff x="0" y="0"/>
+          <a:chExt cx="0" cy="0"/>
+        </a:xfrm>
+      </p:grpSpPr>
+      <p:sp>
+        <p:nvSpPr>
+          <p:cNvPr id="2" name="Slide Image Placeholder 1"/>
+          <p:cNvSpPr>
+            <a:spLocks noGrp="1" noRot="1" noChangeAspect="1"/>
+          </p:cNvSpPr>
+          <p:nvPr>
+            <p:ph type="sldImg"/>
+          </p:nvPr>
+        </p:nvSpPr>
+        <p:spPr/>
+      </p:sp>
+      <p:sp>
+        <p:nvSpPr>
+          <p:cNvPr id="3" name="Notes Placeholder 2"/>
+          <p:cNvSpPr>
+            <a:spLocks noGrp="1"/>
+          </p:cNvSpPr>
+          <p:nvPr>
+            <p:ph type="body" idx="1"/>
+          </p:nvPr>
+        </p:nvSpPr>
+        <p:spPr/>
+        <p:txBody>
+          <a:bodyPr/>
+          <a:lstStyle/>
+          <a:p>
+            <a:pPr rtl="0"/>
+            <a:endParaRPr lang="en-US" dirty="0">
+              <a:effectLst/>
+            </a:endParaRPr>
+          </a:p>
+        </p:txBody>
+      </p:sp>
+      <p:sp>
+        <p:nvSpPr>
+          <p:cNvPr id="4" name="Slide Number Placeholder 3"/>
+          <p:cNvSpPr>
+            <a:spLocks noGrp="1"/>
+          </p:cNvSpPr>
+          <p:nvPr>
+            <p:ph type="sldNum" sz="quarter" idx="10"/>
+          </p:nvPr>
+        </p:nvSpPr>
+        <p:spPr/>
+        <p:txBody>
+          <a:bodyPr/>
+          <a:lstStyle/>
+          <a:p>
+            <a:fld id="{07CFD0BC-341E-4884-8712-9D9DE84DAC90}" type="slidenum">
+              <a:rPr lang="en-US" smtClean="0"/>
+              <a:t>28</a:t>
+            </a:fld>
+            <a:endParaRPr lang="en-US"/>
+          </a:p>
+        </p:txBody>
+      </p:sp>
+    </p:spTree>
+    <p:extLst>
+      <p:ext uri="{BB962C8B-B14F-4D97-AF65-F5344CB8AC3E}">
+        <p14:creationId xmlns:p14="http://schemas.microsoft.com/office/powerpoint/2010/main" val="1151556090"/>
+      </p:ext>
+    </p:extLst>
+  </p:cSld>
+  <p:clrMapOvr>
+    <a:masterClrMapping/>
+  </p:clrMapOvr>
+</p:notes>
+</file>
+
+<file path=ppt/notesSlides/notesSlide28.xml><?xml version="1.0" encoding="utf-8"?>
+<p:notes xmlns:a="http://schemas.openxmlformats.org/drawingml/2006/main" xmlns:r="http://schemas.openxmlformats.org/officeDocument/2006/relationships" xmlns:p="http://schemas.openxmlformats.org/presentationml/2006/main">
+  <p:cSld>
+    <p:spTree>
+      <p:nvGrpSpPr>
+        <p:cNvPr id="1" name=""/>
+        <p:cNvGrpSpPr/>
+        <p:nvPr/>
+      </p:nvGrpSpPr>
+      <p:grpSpPr>
+        <a:xfrm>
+          <a:off x="0" y="0"/>
+          <a:ext cx="0" cy="0"/>
+          <a:chOff x="0" y="0"/>
+          <a:chExt cx="0" cy="0"/>
+        </a:xfrm>
+      </p:grpSpPr>
+      <p:sp>
+        <p:nvSpPr>
+          <p:cNvPr id="2" name="Slide Image Placeholder 1"/>
+          <p:cNvSpPr>
+            <a:spLocks noGrp="1" noRot="1" noChangeAspect="1"/>
+          </p:cNvSpPr>
+          <p:nvPr>
+            <p:ph type="sldImg"/>
+          </p:nvPr>
+        </p:nvSpPr>
+        <p:spPr/>
+      </p:sp>
+      <p:sp>
+        <p:nvSpPr>
+          <p:cNvPr id="3" name="Notes Placeholder 2"/>
+          <p:cNvSpPr>
+            <a:spLocks noGrp="1"/>
+          </p:cNvSpPr>
+          <p:nvPr>
+            <p:ph type="body" idx="1"/>
+          </p:nvPr>
+        </p:nvSpPr>
+        <p:spPr/>
+        <p:txBody>
+          <a:bodyPr/>
+          <a:lstStyle/>
+          <a:p>
+            <a:pPr rtl="0"/>
+            <a:endParaRPr lang="en-US" dirty="0">
+              <a:effectLst/>
+            </a:endParaRPr>
+          </a:p>
+        </p:txBody>
+      </p:sp>
+      <p:sp>
+        <p:nvSpPr>
+          <p:cNvPr id="4" name="Slide Number Placeholder 3"/>
+          <p:cNvSpPr>
+            <a:spLocks noGrp="1"/>
+          </p:cNvSpPr>
+          <p:nvPr>
+            <p:ph type="sldNum" sz="quarter" idx="10"/>
+          </p:nvPr>
+        </p:nvSpPr>
+        <p:spPr/>
+        <p:txBody>
+          <a:bodyPr/>
+          <a:lstStyle/>
+          <a:p>
+            <a:fld id="{07CFD0BC-341E-4884-8712-9D9DE84DAC90}" type="slidenum">
+              <a:rPr lang="en-US" smtClean="0"/>
+              <a:t>29</a:t>
+            </a:fld>
+            <a:endParaRPr lang="en-US"/>
+          </a:p>
+        </p:txBody>
+      </p:sp>
+    </p:spTree>
+    <p:extLst>
+      <p:ext uri="{BB962C8B-B14F-4D97-AF65-F5344CB8AC3E}">
+        <p14:creationId xmlns:p14="http://schemas.microsoft.com/office/powerpoint/2010/main" val="3674810364"/>
+      </p:ext>
+    </p:extLst>
+  </p:cSld>
+  <p:clrMapOvr>
+    <a:masterClrMapping/>
+  </p:clrMapOvr>
+</p:notes>
+</file>
+
+<file path=ppt/notesSlides/notesSlide29.xml><?xml version="1.0" encoding="utf-8"?>
+<p:notes xmlns:a="http://schemas.openxmlformats.org/drawingml/2006/main" xmlns:r="http://schemas.openxmlformats.org/officeDocument/2006/relationships" xmlns:p="http://schemas.openxmlformats.org/presentationml/2006/main">
+  <p:cSld>
+    <p:spTree>
+      <p:nvGrpSpPr>
+        <p:cNvPr id="1" name=""/>
+        <p:cNvGrpSpPr/>
+        <p:nvPr/>
+      </p:nvGrpSpPr>
+      <p:grpSpPr>
+        <a:xfrm>
+          <a:off x="0" y="0"/>
+          <a:ext cx="0" cy="0"/>
+          <a:chOff x="0" y="0"/>
+          <a:chExt cx="0" cy="0"/>
+        </a:xfrm>
+      </p:grpSpPr>
+      <p:sp>
+        <p:nvSpPr>
+          <p:cNvPr id="2" name="Slide Image Placeholder 1"/>
+          <p:cNvSpPr>
+            <a:spLocks noGrp="1" noRot="1" noChangeAspect="1"/>
+          </p:cNvSpPr>
+          <p:nvPr>
+            <p:ph type="sldImg"/>
+          </p:nvPr>
+        </p:nvSpPr>
+        <p:spPr/>
+      </p:sp>
+      <p:sp>
+        <p:nvSpPr>
+          <p:cNvPr id="3" name="Notes Placeholder 2"/>
+          <p:cNvSpPr>
+            <a:spLocks noGrp="1"/>
+          </p:cNvSpPr>
+          <p:nvPr>
+            <p:ph type="body" idx="1"/>
+          </p:nvPr>
+        </p:nvSpPr>
+        <p:spPr/>
+        <p:txBody>
+          <a:bodyPr/>
+          <a:lstStyle/>
+          <a:p>
+            <a:pPr rtl="0"/>
+            <a:endParaRPr lang="en-US" dirty="0">
+              <a:effectLst/>
+            </a:endParaRPr>
+          </a:p>
+        </p:txBody>
+      </p:sp>
+      <p:sp>
+        <p:nvSpPr>
+          <p:cNvPr id="4" name="Slide Number Placeholder 3"/>
+          <p:cNvSpPr>
+            <a:spLocks noGrp="1"/>
+          </p:cNvSpPr>
+          <p:nvPr>
+            <p:ph type="sldNum" sz="quarter" idx="10"/>
+          </p:nvPr>
+        </p:nvSpPr>
+        <p:spPr/>
+        <p:txBody>
+          <a:bodyPr/>
+          <a:lstStyle/>
+          <a:p>
+            <a:fld id="{07CFD0BC-341E-4884-8712-9D9DE84DAC90}" type="slidenum">
+              <a:rPr lang="en-US" smtClean="0"/>
+              <a:t>30</a:t>
+            </a:fld>
+            <a:endParaRPr lang="en-US"/>
+          </a:p>
+        </p:txBody>
+      </p:sp>
+    </p:spTree>
+    <p:extLst>
+      <p:ext uri="{BB962C8B-B14F-4D97-AF65-F5344CB8AC3E}">
+        <p14:creationId xmlns:p14="http://schemas.microsoft.com/office/powerpoint/2010/main" val="1701643860"/>
+      </p:ext>
+    </p:extLst>
+  </p:cSld>
+  <p:clrMapOvr>
+    <a:masterClrMapping/>
+  </p:clrMapOvr>
+</p:notes>
+</file>
+
 <file path=ppt/notesSlides/notesSlide3.xml><?xml version="1.0" encoding="utf-8"?>
 <p:notes xmlns:a="http://schemas.openxmlformats.org/drawingml/2006/main" xmlns:r="http://schemas.openxmlformats.org/officeDocument/2006/relationships" xmlns:p="http://schemas.openxmlformats.org/presentationml/2006/main">
   <p:cSld>
@@ -2479,6 +2745,186 @@
     <p:extLst>
       <p:ext uri="{BB962C8B-B14F-4D97-AF65-F5344CB8AC3E}">
         <p14:creationId xmlns:p14="http://schemas.microsoft.com/office/powerpoint/2010/main" val="4242879739"/>
+      </p:ext>
+    </p:extLst>
+  </p:cSld>
+  <p:clrMapOvr>
+    <a:masterClrMapping/>
+  </p:clrMapOvr>
+</p:notes>
+</file>
+
+<file path=ppt/notesSlides/notesSlide30.xml><?xml version="1.0" encoding="utf-8"?>
+<p:notes xmlns:a="http://schemas.openxmlformats.org/drawingml/2006/main" xmlns:r="http://schemas.openxmlformats.org/officeDocument/2006/relationships" xmlns:p="http://schemas.openxmlformats.org/presentationml/2006/main">
+  <p:cSld>
+    <p:spTree>
+      <p:nvGrpSpPr>
+        <p:cNvPr id="1" name=""/>
+        <p:cNvGrpSpPr/>
+        <p:nvPr/>
+      </p:nvGrpSpPr>
+      <p:grpSpPr>
+        <a:xfrm>
+          <a:off x="0" y="0"/>
+          <a:ext cx="0" cy="0"/>
+          <a:chOff x="0" y="0"/>
+          <a:chExt cx="0" cy="0"/>
+        </a:xfrm>
+      </p:grpSpPr>
+      <p:sp>
+        <p:nvSpPr>
+          <p:cNvPr id="2" name="Slide Image Placeholder 1"/>
+          <p:cNvSpPr>
+            <a:spLocks noGrp="1" noRot="1" noChangeAspect="1"/>
+          </p:cNvSpPr>
+          <p:nvPr>
+            <p:ph type="sldImg"/>
+          </p:nvPr>
+        </p:nvSpPr>
+        <p:spPr/>
+      </p:sp>
+      <p:sp>
+        <p:nvSpPr>
+          <p:cNvPr id="3" name="Notes Placeholder 2"/>
+          <p:cNvSpPr>
+            <a:spLocks noGrp="1"/>
+          </p:cNvSpPr>
+          <p:nvPr>
+            <p:ph type="body" idx="1"/>
+          </p:nvPr>
+        </p:nvSpPr>
+        <p:spPr/>
+        <p:txBody>
+          <a:bodyPr/>
+          <a:lstStyle/>
+          <a:p>
+            <a:pPr rtl="0"/>
+            <a:r>
+              <a:rPr lang="en-US" dirty="0">
+                <a:effectLst/>
+              </a:rPr>
+              <a:t>All derived classes must be known at compile time, and the parent class must be a template class</a:t>
+            </a:r>
+          </a:p>
+        </p:txBody>
+      </p:sp>
+      <p:sp>
+        <p:nvSpPr>
+          <p:cNvPr id="4" name="Slide Number Placeholder 3"/>
+          <p:cNvSpPr>
+            <a:spLocks noGrp="1"/>
+          </p:cNvSpPr>
+          <p:nvPr>
+            <p:ph type="sldNum" sz="quarter" idx="10"/>
+          </p:nvPr>
+        </p:nvSpPr>
+        <p:spPr/>
+        <p:txBody>
+          <a:bodyPr/>
+          <a:lstStyle/>
+          <a:p>
+            <a:fld id="{07CFD0BC-341E-4884-8712-9D9DE84DAC90}" type="slidenum">
+              <a:rPr lang="en-US" smtClean="0"/>
+              <a:t>31</a:t>
+            </a:fld>
+            <a:endParaRPr lang="en-US"/>
+          </a:p>
+        </p:txBody>
+      </p:sp>
+    </p:spTree>
+    <p:extLst>
+      <p:ext uri="{BB962C8B-B14F-4D97-AF65-F5344CB8AC3E}">
+        <p14:creationId xmlns:p14="http://schemas.microsoft.com/office/powerpoint/2010/main" val="4251963347"/>
+      </p:ext>
+    </p:extLst>
+  </p:cSld>
+  <p:clrMapOvr>
+    <a:masterClrMapping/>
+  </p:clrMapOvr>
+</p:notes>
+</file>
+
+<file path=ppt/notesSlides/notesSlide31.xml><?xml version="1.0" encoding="utf-8"?>
+<p:notes xmlns:a="http://schemas.openxmlformats.org/drawingml/2006/main" xmlns:r="http://schemas.openxmlformats.org/officeDocument/2006/relationships" xmlns:p="http://schemas.openxmlformats.org/presentationml/2006/main">
+  <p:cSld>
+    <p:spTree>
+      <p:nvGrpSpPr>
+        <p:cNvPr id="1" name=""/>
+        <p:cNvGrpSpPr/>
+        <p:nvPr/>
+      </p:nvGrpSpPr>
+      <p:grpSpPr>
+        <a:xfrm>
+          <a:off x="0" y="0"/>
+          <a:ext cx="0" cy="0"/>
+          <a:chOff x="0" y="0"/>
+          <a:chExt cx="0" cy="0"/>
+        </a:xfrm>
+      </p:grpSpPr>
+      <p:sp>
+        <p:nvSpPr>
+          <p:cNvPr id="2" name="Slide Image Placeholder 1"/>
+          <p:cNvSpPr>
+            <a:spLocks noGrp="1" noRot="1" noChangeAspect="1"/>
+          </p:cNvSpPr>
+          <p:nvPr>
+            <p:ph type="sldImg"/>
+          </p:nvPr>
+        </p:nvSpPr>
+        <p:spPr/>
+      </p:sp>
+      <p:sp>
+        <p:nvSpPr>
+          <p:cNvPr id="3" name="Notes Placeholder 2"/>
+          <p:cNvSpPr>
+            <a:spLocks noGrp="1"/>
+          </p:cNvSpPr>
+          <p:nvPr>
+            <p:ph type="body" idx="1"/>
+          </p:nvPr>
+        </p:nvSpPr>
+        <p:spPr/>
+        <p:txBody>
+          <a:bodyPr/>
+          <a:lstStyle/>
+          <a:p>
+            <a:pPr rtl="0"/>
+            <a:r>
+              <a:rPr lang="en-US" dirty="0">
+                <a:effectLst/>
+              </a:rPr>
+              <a:t>Since the parent class has the child class as part of its template signature, child classes are technically unrelated as far as the compiler is concerned, and so cannot be stored in containers together</a:t>
+            </a:r>
+          </a:p>
+        </p:txBody>
+      </p:sp>
+      <p:sp>
+        <p:nvSpPr>
+          <p:cNvPr id="4" name="Slide Number Placeholder 3"/>
+          <p:cNvSpPr>
+            <a:spLocks noGrp="1"/>
+          </p:cNvSpPr>
+          <p:nvPr>
+            <p:ph type="sldNum" sz="quarter" idx="10"/>
+          </p:nvPr>
+        </p:nvSpPr>
+        <p:spPr/>
+        <p:txBody>
+          <a:bodyPr/>
+          <a:lstStyle/>
+          <a:p>
+            <a:fld id="{07CFD0BC-341E-4884-8712-9D9DE84DAC90}" type="slidenum">
+              <a:rPr lang="en-US" smtClean="0"/>
+              <a:t>32</a:t>
+            </a:fld>
+            <a:endParaRPr lang="en-US"/>
+          </a:p>
+        </p:txBody>
+      </p:sp>
+    </p:spTree>
+    <p:extLst>
+      <p:ext uri="{BB962C8B-B14F-4D97-AF65-F5344CB8AC3E}">
+        <p14:creationId xmlns:p14="http://schemas.microsoft.com/office/powerpoint/2010/main" val="3396407219"/>
       </p:ext>
     </p:extLst>
   </p:cSld>
@@ -14626,6 +15072,31 @@
               <a:t>Why use it?</a:t>
             </a:r>
           </a:p>
+          <a:p>
+            <a:pPr indent="-342900">
+              <a:spcBef>
+                <a:spcPts val="0"/>
+              </a:spcBef>
+              <a:spcAft>
+                <a:spcPts val="0"/>
+              </a:spcAft>
+            </a:pPr>
+            <a:endParaRPr lang="en-US" dirty="0"/>
+          </a:p>
+          <a:p>
+            <a:pPr indent="-342900">
+              <a:spcBef>
+                <a:spcPts val="0"/>
+              </a:spcBef>
+              <a:spcAft>
+                <a:spcPts val="0"/>
+              </a:spcAft>
+            </a:pPr>
+            <a:r>
+              <a:rPr lang="en-US" dirty="0"/>
+              <a:t>Drawbacks?</a:t>
+            </a:r>
+          </a:p>
         </p:txBody>
       </p:sp>
     </p:spTree>
@@ -19054,14 +19525,6 @@
               </a:rPr>
               <a:t>Maybe not… Value semantics + slicing or reference semantics; pick one</a:t>
             </a:r>
-            <a:br>
-              <a:rPr lang="en-US" dirty="0">
-                <a:effectLst/>
-              </a:rPr>
-            </a:br>
-            <a:endParaRPr lang="en-US" dirty="0">
-              <a:effectLst/>
-            </a:endParaRPr>
           </a:p>
           <a:p>
             <a:pPr indent="-342900">
@@ -19073,7 +19536,7 @@
               </a:spcAft>
             </a:pPr>
             <a:r>
-              <a:rPr lang="en-US" dirty="0">
+              <a:rPr lang="en-US" b="1" dirty="0">
                 <a:effectLst/>
               </a:rPr>
               <a:t>Class extension</a:t>
@@ -19089,62 +19552,22 @@
               </a:spcAft>
             </a:pPr>
             <a:r>
-              <a:rPr lang="en-US" dirty="0">
+              <a:rPr lang="en-US" b="1" dirty="0">
                 <a:effectLst/>
               </a:rPr>
               <a:t>Scaffolding for onerous boilerplate (see boost::</a:t>
             </a:r>
             <a:r>
-              <a:rPr lang="en-US" dirty="0" err="1">
+              <a:rPr lang="en-US" b="1" dirty="0" err="1">
                 <a:effectLst/>
               </a:rPr>
               <a:t>iterator_facade</a:t>
             </a:r>
             <a:r>
-              <a:rPr lang="en-US" dirty="0">
+              <a:rPr lang="en-US" b="1" dirty="0">
                 <a:effectLst/>
               </a:rPr>
               <a:t>)</a:t>
-            </a:r>
-            <a:br>
-              <a:rPr lang="en-US" dirty="0">
-                <a:effectLst/>
-              </a:rPr>
-            </a:br>
-            <a:endParaRPr lang="en-US" dirty="0">
-              <a:effectLst/>
-            </a:endParaRPr>
-          </a:p>
-          <a:p>
-            <a:pPr indent="-342900">
-              <a:spcBef>
-                <a:spcPts val="0"/>
-              </a:spcBef>
-              <a:spcAft>
-                <a:spcPts val="0"/>
-              </a:spcAft>
-            </a:pPr>
-            <a:r>
-              <a:rPr lang="en-US" dirty="0">
-                <a:effectLst/>
-              </a:rPr>
-              <a:t>Performance improvement over virtual methods</a:t>
-            </a:r>
-          </a:p>
-          <a:p>
-            <a:pPr lvl="1" indent="-342900">
-              <a:spcBef>
-                <a:spcPts val="0"/>
-              </a:spcBef>
-              <a:spcAft>
-                <a:spcPts val="0"/>
-              </a:spcAft>
-            </a:pPr>
-            <a:r>
-              <a:rPr lang="en-US" dirty="0">
-                <a:effectLst/>
-              </a:rPr>
-              <a:t>Maybe… profile it</a:t>
             </a:r>
           </a:p>
         </p:txBody>
@@ -19184,7 +19607,7 @@
           <p:cNvPr id="2" name="Title 1">
             <a:extLst>
               <a:ext uri="{FF2B5EF4-FFF2-40B4-BE49-F238E27FC236}">
-                <a16:creationId xmlns:a16="http://schemas.microsoft.com/office/drawing/2014/main" id="{6A0D372F-663F-43BE-881D-CD60085470A1}"/>
+                <a16:creationId xmlns:a16="http://schemas.microsoft.com/office/drawing/2014/main" id="{560C5AC7-325E-4C6C-832B-6E869089B727}"/>
               </a:ext>
             </a:extLst>
           </p:cNvPr>
@@ -19192,94 +19615,143 @@
             <a:spLocks noGrp="1"/>
           </p:cNvSpPr>
           <p:nvPr>
-            <p:ph type="ctrTitle"/>
+            <p:ph type="title"/>
           </p:nvPr>
         </p:nvSpPr>
         <p:spPr/>
-        <p:txBody>
-          <a:bodyPr/>
-          <a:lstStyle/>
-          <a:p>
-            <a:r>
-              <a:rPr lang="en-US" dirty="0"/>
-              <a:t>Thank You!</a:t>
-            </a:r>
-          </a:p>
-        </p:txBody>
-      </p:sp>
-      <p:sp>
-        <p:nvSpPr>
-          <p:cNvPr id="3" name="Subtitle 2">
-            <a:extLst>
-              <a:ext uri="{FF2B5EF4-FFF2-40B4-BE49-F238E27FC236}">
-                <a16:creationId xmlns:a16="http://schemas.microsoft.com/office/drawing/2014/main" id="{09AAFC83-1EC3-4F57-AA0D-1E3EC06FED57}"/>
-              </a:ext>
-            </a:extLst>
-          </p:cNvPr>
-          <p:cNvSpPr>
-            <a:spLocks noGrp="1"/>
-          </p:cNvSpPr>
-          <p:nvPr>
-            <p:ph type="subTitle" idx="1"/>
-          </p:nvPr>
-        </p:nvSpPr>
-        <p:spPr>
-          <a:xfrm>
-            <a:off x="1370693" y="3598339"/>
-            <a:ext cx="9440034" cy="2777061"/>
-          </a:xfrm>
-        </p:spPr>
         <p:txBody>
           <a:bodyPr>
             <a:normAutofit/>
           </a:bodyPr>
           <a:lstStyle/>
           <a:p>
-            <a:endParaRPr lang="en-US" dirty="0">
-              <a:ln>
-                <a:noFill/>
-              </a:ln>
-              <a:effectLst/>
-            </a:endParaRPr>
-          </a:p>
-          <a:p>
-            <a:r>
-              <a:rPr lang="en-US" dirty="0">
-                <a:ln>
-                  <a:noFill/>
-                </a:ln>
-                <a:effectLst/>
-              </a:rPr>
-              <a:t>github.com/capsocrates/</a:t>
+            <a:r>
+              <a:rPr lang="en-US" dirty="0">
+                <a:effectLst/>
+              </a:rPr>
+              <a:t>CRTP – Why use it?</a:t>
+            </a:r>
+            <a:endParaRPr lang="en-US" dirty="0"/>
+          </a:p>
+        </p:txBody>
+      </p:sp>
+      <p:sp>
+        <p:nvSpPr>
+          <p:cNvPr id="3" name="Content Placeholder 2">
+            <a:extLst>
+              <a:ext uri="{FF2B5EF4-FFF2-40B4-BE49-F238E27FC236}">
+                <a16:creationId xmlns:a16="http://schemas.microsoft.com/office/drawing/2014/main" id="{5D065A81-9E6D-4C15-9E6B-62E02CCAC109}"/>
+              </a:ext>
+            </a:extLst>
+          </p:cNvPr>
+          <p:cNvSpPr>
+            <a:spLocks noGrp="1"/>
+          </p:cNvSpPr>
+          <p:nvPr>
+            <p:ph idx="1"/>
+          </p:nvPr>
+        </p:nvSpPr>
+        <p:spPr>
+          <a:xfrm>
+            <a:off x="385011" y="1732449"/>
+            <a:ext cx="11466094" cy="4800698"/>
+          </a:xfrm>
+        </p:spPr>
+        <p:txBody>
+          <a:bodyPr>
+            <a:normAutofit/>
+          </a:bodyPr>
+          <a:lstStyle/>
+          <a:p>
+            <a:pPr indent="-342900">
+              <a:spcBef>
+                <a:spcPts val="0"/>
+              </a:spcBef>
+              <a:spcAft>
+                <a:spcPts val="0"/>
+              </a:spcAft>
+            </a:pPr>
+            <a:r>
+              <a:rPr lang="en-US" dirty="0">
+                <a:effectLst/>
+              </a:rPr>
+              <a:t>To enforce concepts?</a:t>
+            </a:r>
+          </a:p>
+          <a:p>
+            <a:pPr lvl="1" indent="-342900">
+              <a:spcBef>
+                <a:spcPts val="0"/>
+              </a:spcBef>
+              <a:spcAft>
+                <a:spcPts val="0"/>
+              </a:spcAft>
+            </a:pPr>
+            <a:r>
+              <a:rPr lang="en-US" dirty="0">
+                <a:effectLst/>
+              </a:rPr>
+              <a:t>Maybe not… Value semantics + slicing or reference semantics; pick one</a:t>
+            </a:r>
+          </a:p>
+          <a:p>
+            <a:pPr indent="-342900">
+              <a:spcBef>
+                <a:spcPts val="0"/>
+              </a:spcBef>
+              <a:spcAft>
+                <a:spcPts val="0"/>
+              </a:spcAft>
+            </a:pPr>
+            <a:r>
+              <a:rPr lang="en-US" dirty="0">
+                <a:effectLst/>
+              </a:rPr>
+              <a:t>Class extension</a:t>
+            </a:r>
+          </a:p>
+          <a:p>
+            <a:pPr lvl="1" indent="-342900">
+              <a:spcBef>
+                <a:spcPts val="0"/>
+              </a:spcBef>
+              <a:spcAft>
+                <a:spcPts val="0"/>
+              </a:spcAft>
+            </a:pPr>
+            <a:r>
+              <a:rPr lang="en-US" dirty="0">
+                <a:effectLst/>
+              </a:rPr>
+              <a:t>Scaffolding for onerous boilerplate (see boost::</a:t>
             </a:r>
             <a:r>
               <a:rPr lang="en-US" dirty="0" err="1">
-                <a:ln>
-                  <a:noFill/>
-                </a:ln>
-                <a:effectLst/>
-              </a:rPr>
-              <a:t>crtp</a:t>
-            </a:r>
-            <a:r>
-              <a:rPr lang="en-US" dirty="0">
-                <a:ln>
-                  <a:noFill/>
-                </a:ln>
-                <a:effectLst/>
-              </a:rPr>
-              <a:t>-meetup-talk</a:t>
-            </a:r>
-          </a:p>
-          <a:p>
-            <a:r>
-              <a:rPr lang="en-US" dirty="0">
-                <a:ln>
-                  <a:noFill/>
-                </a:ln>
-                <a:effectLst/>
-              </a:rPr>
-              <a:t>joseph.michael.chadwick@gmail.com</a:t>
+                <a:effectLst/>
+              </a:rPr>
+              <a:t>iterator_facade</a:t>
+            </a:r>
+            <a:r>
+              <a:rPr lang="en-US" dirty="0">
+                <a:effectLst/>
+              </a:rPr>
+              <a:t>)</a:t>
+            </a:r>
+          </a:p>
+          <a:p>
+            <a:pPr indent="-342900">
+              <a:spcBef>
+                <a:spcPts val="0"/>
+              </a:spcBef>
+              <a:spcAft>
+                <a:spcPts val="0"/>
+              </a:spcAft>
+            </a:pPr>
+            <a:r>
+              <a:rPr lang="en-US" b="1" dirty="0">
+                <a:effectLst/>
+              </a:rPr>
+              <a:t>Performance improvement over virtual methods</a:t>
             </a:r>
           </a:p>
         </p:txBody>
@@ -19287,7 +19759,207 @@
     </p:spTree>
     <p:extLst>
       <p:ext uri="{BB962C8B-B14F-4D97-AF65-F5344CB8AC3E}">
-        <p14:creationId xmlns:p14="http://schemas.microsoft.com/office/powerpoint/2010/main" val="1645593459"/>
+        <p14:creationId xmlns:p14="http://schemas.microsoft.com/office/powerpoint/2010/main" val="853966413"/>
+      </p:ext>
+    </p:extLst>
+  </p:cSld>
+  <p:clrMapOvr>
+    <a:masterClrMapping/>
+  </p:clrMapOvr>
+</p:sld>
+</file>
+
+<file path=ppt/slides/slide29.xml><?xml version="1.0" encoding="utf-8"?>
+<p:sld xmlns:a="http://schemas.openxmlformats.org/drawingml/2006/main" xmlns:r="http://schemas.openxmlformats.org/officeDocument/2006/relationships" xmlns:p="http://schemas.openxmlformats.org/presentationml/2006/main">
+  <p:cSld>
+    <p:spTree>
+      <p:nvGrpSpPr>
+        <p:cNvPr id="1" name=""/>
+        <p:cNvGrpSpPr/>
+        <p:nvPr/>
+      </p:nvGrpSpPr>
+      <p:grpSpPr>
+        <a:xfrm>
+          <a:off x="0" y="0"/>
+          <a:ext cx="0" cy="0"/>
+          <a:chOff x="0" y="0"/>
+          <a:chExt cx="0" cy="0"/>
+        </a:xfrm>
+      </p:grpSpPr>
+      <p:sp>
+        <p:nvSpPr>
+          <p:cNvPr id="2" name="Title 1">
+            <a:extLst>
+              <a:ext uri="{FF2B5EF4-FFF2-40B4-BE49-F238E27FC236}">
+                <a16:creationId xmlns:a16="http://schemas.microsoft.com/office/drawing/2014/main" id="{560C5AC7-325E-4C6C-832B-6E869089B727}"/>
+              </a:ext>
+            </a:extLst>
+          </p:cNvPr>
+          <p:cNvSpPr>
+            <a:spLocks noGrp="1"/>
+          </p:cNvSpPr>
+          <p:nvPr>
+            <p:ph type="title"/>
+          </p:nvPr>
+        </p:nvSpPr>
+        <p:spPr/>
+        <p:txBody>
+          <a:bodyPr>
+            <a:normAutofit/>
+          </a:bodyPr>
+          <a:lstStyle/>
+          <a:p>
+            <a:r>
+              <a:rPr lang="en-US" dirty="0">
+                <a:effectLst/>
+              </a:rPr>
+              <a:t>CRTP – Why use it?</a:t>
+            </a:r>
+            <a:endParaRPr lang="en-US" dirty="0"/>
+          </a:p>
+        </p:txBody>
+      </p:sp>
+      <p:sp>
+        <p:nvSpPr>
+          <p:cNvPr id="3" name="Content Placeholder 2">
+            <a:extLst>
+              <a:ext uri="{FF2B5EF4-FFF2-40B4-BE49-F238E27FC236}">
+                <a16:creationId xmlns:a16="http://schemas.microsoft.com/office/drawing/2014/main" id="{5D065A81-9E6D-4C15-9E6B-62E02CCAC109}"/>
+              </a:ext>
+            </a:extLst>
+          </p:cNvPr>
+          <p:cNvSpPr>
+            <a:spLocks noGrp="1"/>
+          </p:cNvSpPr>
+          <p:nvPr>
+            <p:ph idx="1"/>
+          </p:nvPr>
+        </p:nvSpPr>
+        <p:spPr>
+          <a:xfrm>
+            <a:off x="385011" y="1732449"/>
+            <a:ext cx="11466094" cy="4800698"/>
+          </a:xfrm>
+        </p:spPr>
+        <p:txBody>
+          <a:bodyPr>
+            <a:normAutofit/>
+          </a:bodyPr>
+          <a:lstStyle/>
+          <a:p>
+            <a:pPr indent="-342900">
+              <a:spcBef>
+                <a:spcPts val="0"/>
+              </a:spcBef>
+              <a:spcAft>
+                <a:spcPts val="0"/>
+              </a:spcAft>
+            </a:pPr>
+            <a:r>
+              <a:rPr lang="en-US" dirty="0">
+                <a:effectLst/>
+              </a:rPr>
+              <a:t>To enforce concepts?</a:t>
+            </a:r>
+          </a:p>
+          <a:p>
+            <a:pPr lvl="1" indent="-342900">
+              <a:spcBef>
+                <a:spcPts val="0"/>
+              </a:spcBef>
+              <a:spcAft>
+                <a:spcPts val="0"/>
+              </a:spcAft>
+            </a:pPr>
+            <a:r>
+              <a:rPr lang="en-US" dirty="0">
+                <a:effectLst/>
+              </a:rPr>
+              <a:t>Maybe not… Value semantics + slicing or reference semantics; pick one</a:t>
+            </a:r>
+          </a:p>
+          <a:p>
+            <a:pPr indent="-342900">
+              <a:spcBef>
+                <a:spcPts val="0"/>
+              </a:spcBef>
+              <a:spcAft>
+                <a:spcPts val="0"/>
+              </a:spcAft>
+            </a:pPr>
+            <a:r>
+              <a:rPr lang="en-US" dirty="0">
+                <a:effectLst/>
+              </a:rPr>
+              <a:t>Class extension</a:t>
+            </a:r>
+          </a:p>
+          <a:p>
+            <a:pPr lvl="1" indent="-342900">
+              <a:spcBef>
+                <a:spcPts val="0"/>
+              </a:spcBef>
+              <a:spcAft>
+                <a:spcPts val="0"/>
+              </a:spcAft>
+            </a:pPr>
+            <a:r>
+              <a:rPr lang="en-US" dirty="0">
+                <a:effectLst/>
+              </a:rPr>
+              <a:t>Scaffolding for onerous boilerplate (see boost::</a:t>
+            </a:r>
+            <a:r>
+              <a:rPr lang="en-US" dirty="0" err="1">
+                <a:effectLst/>
+              </a:rPr>
+              <a:t>iterator_facade</a:t>
+            </a:r>
+            <a:r>
+              <a:rPr lang="en-US" dirty="0">
+                <a:effectLst/>
+              </a:rPr>
+              <a:t>)</a:t>
+            </a:r>
+          </a:p>
+          <a:p>
+            <a:pPr indent="-342900">
+              <a:spcBef>
+                <a:spcPts val="0"/>
+              </a:spcBef>
+              <a:spcAft>
+                <a:spcPts val="0"/>
+              </a:spcAft>
+            </a:pPr>
+            <a:r>
+              <a:rPr lang="en-US" b="1" dirty="0">
+                <a:effectLst/>
+              </a:rPr>
+              <a:t>Performance improvement over virtual methods</a:t>
+            </a:r>
+          </a:p>
+          <a:p>
+            <a:pPr lvl="1" indent="-342900">
+              <a:spcBef>
+                <a:spcPts val="0"/>
+              </a:spcBef>
+              <a:spcAft>
+                <a:spcPts val="0"/>
+              </a:spcAft>
+            </a:pPr>
+            <a:r>
+              <a:rPr lang="en-US" b="1" dirty="0">
+                <a:effectLst/>
+              </a:rPr>
+              <a:t>Maybe… profile it</a:t>
+            </a:r>
+          </a:p>
+        </p:txBody>
+      </p:sp>
+    </p:spTree>
+    <p:extLst>
+      <p:ext uri="{BB962C8B-B14F-4D97-AF65-F5344CB8AC3E}">
+        <p14:creationId xmlns:p14="http://schemas.microsoft.com/office/powerpoint/2010/main" val="3926288273"/>
       </p:ext>
     </p:extLst>
   </p:cSld>
@@ -19560,6 +20232,849 @@
     <p:extLst>
       <p:ext uri="{BB962C8B-B14F-4D97-AF65-F5344CB8AC3E}">
         <p14:creationId xmlns:p14="http://schemas.microsoft.com/office/powerpoint/2010/main" val="2480819272"/>
+      </p:ext>
+    </p:extLst>
+  </p:cSld>
+  <p:clrMapOvr>
+    <a:masterClrMapping/>
+  </p:clrMapOvr>
+</p:sld>
+</file>
+
+<file path=ppt/slides/slide30.xml><?xml version="1.0" encoding="utf-8"?>
+<p:sld xmlns:a="http://schemas.openxmlformats.org/drawingml/2006/main" xmlns:r="http://schemas.openxmlformats.org/officeDocument/2006/relationships" xmlns:p="http://schemas.openxmlformats.org/presentationml/2006/main">
+  <p:cSld>
+    <p:spTree>
+      <p:nvGrpSpPr>
+        <p:cNvPr id="1" name=""/>
+        <p:cNvGrpSpPr/>
+        <p:nvPr/>
+      </p:nvGrpSpPr>
+      <p:grpSpPr>
+        <a:xfrm>
+          <a:off x="0" y="0"/>
+          <a:ext cx="0" cy="0"/>
+          <a:chOff x="0" y="0"/>
+          <a:chExt cx="0" cy="0"/>
+        </a:xfrm>
+      </p:grpSpPr>
+      <p:sp>
+        <p:nvSpPr>
+          <p:cNvPr id="2" name="Title 1">
+            <a:extLst>
+              <a:ext uri="{FF2B5EF4-FFF2-40B4-BE49-F238E27FC236}">
+                <a16:creationId xmlns:a16="http://schemas.microsoft.com/office/drawing/2014/main" id="{560C5AC7-325E-4C6C-832B-6E869089B727}"/>
+              </a:ext>
+            </a:extLst>
+          </p:cNvPr>
+          <p:cNvSpPr>
+            <a:spLocks noGrp="1"/>
+          </p:cNvSpPr>
+          <p:nvPr>
+            <p:ph type="title"/>
+          </p:nvPr>
+        </p:nvSpPr>
+        <p:spPr/>
+        <p:txBody>
+          <a:bodyPr>
+            <a:normAutofit/>
+          </a:bodyPr>
+          <a:lstStyle/>
+          <a:p>
+            <a:r>
+              <a:rPr lang="en-US" dirty="0">
+                <a:effectLst/>
+              </a:rPr>
+              <a:t>CRTP – Why use it?</a:t>
+            </a:r>
+            <a:endParaRPr lang="en-US" dirty="0"/>
+          </a:p>
+        </p:txBody>
+      </p:sp>
+      <p:sp>
+        <p:nvSpPr>
+          <p:cNvPr id="3" name="Content Placeholder 2">
+            <a:extLst>
+              <a:ext uri="{FF2B5EF4-FFF2-40B4-BE49-F238E27FC236}">
+                <a16:creationId xmlns:a16="http://schemas.microsoft.com/office/drawing/2014/main" id="{5D065A81-9E6D-4C15-9E6B-62E02CCAC109}"/>
+              </a:ext>
+            </a:extLst>
+          </p:cNvPr>
+          <p:cNvSpPr>
+            <a:spLocks noGrp="1"/>
+          </p:cNvSpPr>
+          <p:nvPr>
+            <p:ph idx="1"/>
+          </p:nvPr>
+        </p:nvSpPr>
+        <p:spPr>
+          <a:xfrm>
+            <a:off x="385011" y="1732449"/>
+            <a:ext cx="11466094" cy="4800698"/>
+          </a:xfrm>
+        </p:spPr>
+        <p:txBody>
+          <a:bodyPr>
+            <a:normAutofit/>
+          </a:bodyPr>
+          <a:lstStyle/>
+          <a:p>
+            <a:pPr indent="-342900">
+              <a:spcBef>
+                <a:spcPts val="0"/>
+              </a:spcBef>
+              <a:spcAft>
+                <a:spcPts val="0"/>
+              </a:spcAft>
+            </a:pPr>
+            <a:r>
+              <a:rPr lang="en-US" dirty="0">
+                <a:effectLst/>
+              </a:rPr>
+              <a:t>To enforce concepts?</a:t>
+            </a:r>
+          </a:p>
+          <a:p>
+            <a:pPr lvl="1" indent="-342900">
+              <a:spcBef>
+                <a:spcPts val="0"/>
+              </a:spcBef>
+              <a:spcAft>
+                <a:spcPts val="0"/>
+              </a:spcAft>
+            </a:pPr>
+            <a:r>
+              <a:rPr lang="en-US" dirty="0">
+                <a:effectLst/>
+              </a:rPr>
+              <a:t>Maybe not… Value semantics + slicing or reference semantics; pick one</a:t>
+            </a:r>
+          </a:p>
+          <a:p>
+            <a:pPr indent="-342900">
+              <a:spcBef>
+                <a:spcPts val="0"/>
+              </a:spcBef>
+              <a:spcAft>
+                <a:spcPts val="0"/>
+              </a:spcAft>
+            </a:pPr>
+            <a:r>
+              <a:rPr lang="en-US" dirty="0">
+                <a:effectLst/>
+              </a:rPr>
+              <a:t>Class extension</a:t>
+            </a:r>
+          </a:p>
+          <a:p>
+            <a:pPr lvl="1" indent="-342900">
+              <a:spcBef>
+                <a:spcPts val="0"/>
+              </a:spcBef>
+              <a:spcAft>
+                <a:spcPts val="0"/>
+              </a:spcAft>
+            </a:pPr>
+            <a:r>
+              <a:rPr lang="en-US" dirty="0">
+                <a:effectLst/>
+              </a:rPr>
+              <a:t>Scaffolding for onerous boilerplate (see boost::</a:t>
+            </a:r>
+            <a:r>
+              <a:rPr lang="en-US" dirty="0" err="1">
+                <a:effectLst/>
+              </a:rPr>
+              <a:t>iterator_facade</a:t>
+            </a:r>
+            <a:r>
+              <a:rPr lang="en-US" dirty="0">
+                <a:effectLst/>
+              </a:rPr>
+              <a:t>)</a:t>
+            </a:r>
+          </a:p>
+          <a:p>
+            <a:pPr indent="-342900">
+              <a:spcBef>
+                <a:spcPts val="0"/>
+              </a:spcBef>
+              <a:spcAft>
+                <a:spcPts val="0"/>
+              </a:spcAft>
+            </a:pPr>
+            <a:r>
+              <a:rPr lang="en-US" dirty="0">
+                <a:effectLst/>
+              </a:rPr>
+              <a:t>Performance improvement over virtual methods</a:t>
+            </a:r>
+          </a:p>
+          <a:p>
+            <a:pPr lvl="1" indent="-342900">
+              <a:spcBef>
+                <a:spcPts val="0"/>
+              </a:spcBef>
+              <a:spcAft>
+                <a:spcPts val="0"/>
+              </a:spcAft>
+            </a:pPr>
+            <a:r>
+              <a:rPr lang="en-US" dirty="0">
+                <a:effectLst/>
+              </a:rPr>
+              <a:t>Maybe… profile it</a:t>
+            </a:r>
+          </a:p>
+          <a:p>
+            <a:pPr indent="-342900">
+              <a:spcBef>
+                <a:spcPts val="0"/>
+              </a:spcBef>
+              <a:spcAft>
+                <a:spcPts val="0"/>
+              </a:spcAft>
+            </a:pPr>
+            <a:r>
+              <a:rPr lang="en-US" b="1" dirty="0">
+                <a:effectLst/>
+              </a:rPr>
+              <a:t>Drawbacks?</a:t>
+            </a:r>
+          </a:p>
+        </p:txBody>
+      </p:sp>
+    </p:spTree>
+    <p:extLst>
+      <p:ext uri="{BB962C8B-B14F-4D97-AF65-F5344CB8AC3E}">
+        <p14:creationId xmlns:p14="http://schemas.microsoft.com/office/powerpoint/2010/main" val="1740281473"/>
+      </p:ext>
+    </p:extLst>
+  </p:cSld>
+  <p:clrMapOvr>
+    <a:masterClrMapping/>
+  </p:clrMapOvr>
+</p:sld>
+</file>
+
+<file path=ppt/slides/slide31.xml><?xml version="1.0" encoding="utf-8"?>
+<p:sld xmlns:a="http://schemas.openxmlformats.org/drawingml/2006/main" xmlns:r="http://schemas.openxmlformats.org/officeDocument/2006/relationships" xmlns:p="http://schemas.openxmlformats.org/presentationml/2006/main">
+  <p:cSld>
+    <p:spTree>
+      <p:nvGrpSpPr>
+        <p:cNvPr id="1" name=""/>
+        <p:cNvGrpSpPr/>
+        <p:nvPr/>
+      </p:nvGrpSpPr>
+      <p:grpSpPr>
+        <a:xfrm>
+          <a:off x="0" y="0"/>
+          <a:ext cx="0" cy="0"/>
+          <a:chOff x="0" y="0"/>
+          <a:chExt cx="0" cy="0"/>
+        </a:xfrm>
+      </p:grpSpPr>
+      <p:sp>
+        <p:nvSpPr>
+          <p:cNvPr id="2" name="Title 1">
+            <a:extLst>
+              <a:ext uri="{FF2B5EF4-FFF2-40B4-BE49-F238E27FC236}">
+                <a16:creationId xmlns:a16="http://schemas.microsoft.com/office/drawing/2014/main" id="{560C5AC7-325E-4C6C-832B-6E869089B727}"/>
+              </a:ext>
+            </a:extLst>
+          </p:cNvPr>
+          <p:cNvSpPr>
+            <a:spLocks noGrp="1"/>
+          </p:cNvSpPr>
+          <p:nvPr>
+            <p:ph type="title"/>
+          </p:nvPr>
+        </p:nvSpPr>
+        <p:spPr/>
+        <p:txBody>
+          <a:bodyPr>
+            <a:normAutofit/>
+          </a:bodyPr>
+          <a:lstStyle/>
+          <a:p>
+            <a:r>
+              <a:rPr lang="en-US" dirty="0">
+                <a:effectLst/>
+              </a:rPr>
+              <a:t>CRTP – Why use it?</a:t>
+            </a:r>
+            <a:endParaRPr lang="en-US" dirty="0"/>
+          </a:p>
+        </p:txBody>
+      </p:sp>
+      <p:sp>
+        <p:nvSpPr>
+          <p:cNvPr id="3" name="Content Placeholder 2">
+            <a:extLst>
+              <a:ext uri="{FF2B5EF4-FFF2-40B4-BE49-F238E27FC236}">
+                <a16:creationId xmlns:a16="http://schemas.microsoft.com/office/drawing/2014/main" id="{5D065A81-9E6D-4C15-9E6B-62E02CCAC109}"/>
+              </a:ext>
+            </a:extLst>
+          </p:cNvPr>
+          <p:cNvSpPr>
+            <a:spLocks noGrp="1"/>
+          </p:cNvSpPr>
+          <p:nvPr>
+            <p:ph idx="1"/>
+          </p:nvPr>
+        </p:nvSpPr>
+        <p:spPr>
+          <a:xfrm>
+            <a:off x="385011" y="1732449"/>
+            <a:ext cx="11466094" cy="4800698"/>
+          </a:xfrm>
+        </p:spPr>
+        <p:txBody>
+          <a:bodyPr>
+            <a:normAutofit/>
+          </a:bodyPr>
+          <a:lstStyle/>
+          <a:p>
+            <a:pPr indent="-342900">
+              <a:spcBef>
+                <a:spcPts val="0"/>
+              </a:spcBef>
+              <a:spcAft>
+                <a:spcPts val="0"/>
+              </a:spcAft>
+            </a:pPr>
+            <a:r>
+              <a:rPr lang="en-US" dirty="0">
+                <a:effectLst/>
+              </a:rPr>
+              <a:t>To enforce concepts?</a:t>
+            </a:r>
+          </a:p>
+          <a:p>
+            <a:pPr lvl="1" indent="-342900">
+              <a:spcBef>
+                <a:spcPts val="0"/>
+              </a:spcBef>
+              <a:spcAft>
+                <a:spcPts val="0"/>
+              </a:spcAft>
+            </a:pPr>
+            <a:r>
+              <a:rPr lang="en-US" dirty="0">
+                <a:effectLst/>
+              </a:rPr>
+              <a:t>Maybe not… Value semantics + slicing or reference semantics; pick one</a:t>
+            </a:r>
+          </a:p>
+          <a:p>
+            <a:pPr indent="-342900">
+              <a:spcBef>
+                <a:spcPts val="0"/>
+              </a:spcBef>
+              <a:spcAft>
+                <a:spcPts val="0"/>
+              </a:spcAft>
+            </a:pPr>
+            <a:r>
+              <a:rPr lang="en-US" dirty="0">
+                <a:effectLst/>
+              </a:rPr>
+              <a:t>Class extension</a:t>
+            </a:r>
+          </a:p>
+          <a:p>
+            <a:pPr lvl="1" indent="-342900">
+              <a:spcBef>
+                <a:spcPts val="0"/>
+              </a:spcBef>
+              <a:spcAft>
+                <a:spcPts val="0"/>
+              </a:spcAft>
+            </a:pPr>
+            <a:r>
+              <a:rPr lang="en-US" dirty="0">
+                <a:effectLst/>
+              </a:rPr>
+              <a:t>Scaffolding for onerous boilerplate (see boost::</a:t>
+            </a:r>
+            <a:r>
+              <a:rPr lang="en-US" dirty="0" err="1">
+                <a:effectLst/>
+              </a:rPr>
+              <a:t>iterator_facade</a:t>
+            </a:r>
+            <a:r>
+              <a:rPr lang="en-US" dirty="0">
+                <a:effectLst/>
+              </a:rPr>
+              <a:t>)</a:t>
+            </a:r>
+          </a:p>
+          <a:p>
+            <a:pPr indent="-342900">
+              <a:spcBef>
+                <a:spcPts val="0"/>
+              </a:spcBef>
+              <a:spcAft>
+                <a:spcPts val="0"/>
+              </a:spcAft>
+            </a:pPr>
+            <a:r>
+              <a:rPr lang="en-US" dirty="0">
+                <a:effectLst/>
+              </a:rPr>
+              <a:t>Performance improvement over virtual methods</a:t>
+            </a:r>
+          </a:p>
+          <a:p>
+            <a:pPr lvl="1" indent="-342900">
+              <a:spcBef>
+                <a:spcPts val="0"/>
+              </a:spcBef>
+              <a:spcAft>
+                <a:spcPts val="0"/>
+              </a:spcAft>
+            </a:pPr>
+            <a:r>
+              <a:rPr lang="en-US" dirty="0">
+                <a:effectLst/>
+              </a:rPr>
+              <a:t>Maybe… profile it</a:t>
+            </a:r>
+          </a:p>
+          <a:p>
+            <a:pPr indent="-342900">
+              <a:spcBef>
+                <a:spcPts val="0"/>
+              </a:spcBef>
+              <a:spcAft>
+                <a:spcPts val="0"/>
+              </a:spcAft>
+            </a:pPr>
+            <a:r>
+              <a:rPr lang="en-US" b="1" dirty="0">
+                <a:effectLst/>
+              </a:rPr>
+              <a:t>Drawbacks?</a:t>
+            </a:r>
+          </a:p>
+          <a:p>
+            <a:pPr lvl="1" indent="-342900">
+              <a:spcBef>
+                <a:spcPts val="0"/>
+              </a:spcBef>
+              <a:spcAft>
+                <a:spcPts val="0"/>
+              </a:spcAft>
+            </a:pPr>
+            <a:r>
+              <a:rPr lang="en-US" b="1" dirty="0">
+                <a:effectLst/>
+              </a:rPr>
+              <a:t>Compile-time only</a:t>
+            </a:r>
+          </a:p>
+        </p:txBody>
+      </p:sp>
+    </p:spTree>
+    <p:extLst>
+      <p:ext uri="{BB962C8B-B14F-4D97-AF65-F5344CB8AC3E}">
+        <p14:creationId xmlns:p14="http://schemas.microsoft.com/office/powerpoint/2010/main" val="3855251689"/>
+      </p:ext>
+    </p:extLst>
+  </p:cSld>
+  <p:clrMapOvr>
+    <a:masterClrMapping/>
+  </p:clrMapOvr>
+</p:sld>
+</file>
+
+<file path=ppt/slides/slide32.xml><?xml version="1.0" encoding="utf-8"?>
+<p:sld xmlns:a="http://schemas.openxmlformats.org/drawingml/2006/main" xmlns:r="http://schemas.openxmlformats.org/officeDocument/2006/relationships" xmlns:p="http://schemas.openxmlformats.org/presentationml/2006/main">
+  <p:cSld>
+    <p:spTree>
+      <p:nvGrpSpPr>
+        <p:cNvPr id="1" name=""/>
+        <p:cNvGrpSpPr/>
+        <p:nvPr/>
+      </p:nvGrpSpPr>
+      <p:grpSpPr>
+        <a:xfrm>
+          <a:off x="0" y="0"/>
+          <a:ext cx="0" cy="0"/>
+          <a:chOff x="0" y="0"/>
+          <a:chExt cx="0" cy="0"/>
+        </a:xfrm>
+      </p:grpSpPr>
+      <p:sp>
+        <p:nvSpPr>
+          <p:cNvPr id="2" name="Title 1">
+            <a:extLst>
+              <a:ext uri="{FF2B5EF4-FFF2-40B4-BE49-F238E27FC236}">
+                <a16:creationId xmlns:a16="http://schemas.microsoft.com/office/drawing/2014/main" id="{560C5AC7-325E-4C6C-832B-6E869089B727}"/>
+              </a:ext>
+            </a:extLst>
+          </p:cNvPr>
+          <p:cNvSpPr>
+            <a:spLocks noGrp="1"/>
+          </p:cNvSpPr>
+          <p:nvPr>
+            <p:ph type="title"/>
+          </p:nvPr>
+        </p:nvSpPr>
+        <p:spPr/>
+        <p:txBody>
+          <a:bodyPr>
+            <a:normAutofit/>
+          </a:bodyPr>
+          <a:lstStyle/>
+          <a:p>
+            <a:r>
+              <a:rPr lang="en-US" dirty="0">
+                <a:effectLst/>
+              </a:rPr>
+              <a:t>CRTP – Why use it?</a:t>
+            </a:r>
+            <a:endParaRPr lang="en-US" dirty="0"/>
+          </a:p>
+        </p:txBody>
+      </p:sp>
+      <p:sp>
+        <p:nvSpPr>
+          <p:cNvPr id="3" name="Content Placeholder 2">
+            <a:extLst>
+              <a:ext uri="{FF2B5EF4-FFF2-40B4-BE49-F238E27FC236}">
+                <a16:creationId xmlns:a16="http://schemas.microsoft.com/office/drawing/2014/main" id="{5D065A81-9E6D-4C15-9E6B-62E02CCAC109}"/>
+              </a:ext>
+            </a:extLst>
+          </p:cNvPr>
+          <p:cNvSpPr>
+            <a:spLocks noGrp="1"/>
+          </p:cNvSpPr>
+          <p:nvPr>
+            <p:ph idx="1"/>
+          </p:nvPr>
+        </p:nvSpPr>
+        <p:spPr>
+          <a:xfrm>
+            <a:off x="385011" y="1732449"/>
+            <a:ext cx="11466094" cy="4800698"/>
+          </a:xfrm>
+        </p:spPr>
+        <p:txBody>
+          <a:bodyPr>
+            <a:normAutofit/>
+          </a:bodyPr>
+          <a:lstStyle/>
+          <a:p>
+            <a:pPr indent="-342900">
+              <a:spcBef>
+                <a:spcPts val="0"/>
+              </a:spcBef>
+              <a:spcAft>
+                <a:spcPts val="0"/>
+              </a:spcAft>
+            </a:pPr>
+            <a:r>
+              <a:rPr lang="en-US" dirty="0">
+                <a:effectLst/>
+              </a:rPr>
+              <a:t>To enforce concepts?</a:t>
+            </a:r>
+          </a:p>
+          <a:p>
+            <a:pPr lvl="1" indent="-342900">
+              <a:spcBef>
+                <a:spcPts val="0"/>
+              </a:spcBef>
+              <a:spcAft>
+                <a:spcPts val="0"/>
+              </a:spcAft>
+            </a:pPr>
+            <a:r>
+              <a:rPr lang="en-US" dirty="0">
+                <a:effectLst/>
+              </a:rPr>
+              <a:t>Maybe not… Value semantics + slicing or reference semantics; pick one</a:t>
+            </a:r>
+          </a:p>
+          <a:p>
+            <a:pPr indent="-342900">
+              <a:spcBef>
+                <a:spcPts val="0"/>
+              </a:spcBef>
+              <a:spcAft>
+                <a:spcPts val="0"/>
+              </a:spcAft>
+            </a:pPr>
+            <a:r>
+              <a:rPr lang="en-US" dirty="0">
+                <a:effectLst/>
+              </a:rPr>
+              <a:t>Class extension</a:t>
+            </a:r>
+          </a:p>
+          <a:p>
+            <a:pPr lvl="1" indent="-342900">
+              <a:spcBef>
+                <a:spcPts val="0"/>
+              </a:spcBef>
+              <a:spcAft>
+                <a:spcPts val="0"/>
+              </a:spcAft>
+            </a:pPr>
+            <a:r>
+              <a:rPr lang="en-US" dirty="0">
+                <a:effectLst/>
+              </a:rPr>
+              <a:t>Scaffolding for onerous boilerplate (see boost::</a:t>
+            </a:r>
+            <a:r>
+              <a:rPr lang="en-US" dirty="0" err="1">
+                <a:effectLst/>
+              </a:rPr>
+              <a:t>iterator_facade</a:t>
+            </a:r>
+            <a:r>
+              <a:rPr lang="en-US" dirty="0">
+                <a:effectLst/>
+              </a:rPr>
+              <a:t>)</a:t>
+            </a:r>
+          </a:p>
+          <a:p>
+            <a:pPr indent="-342900">
+              <a:spcBef>
+                <a:spcPts val="0"/>
+              </a:spcBef>
+              <a:spcAft>
+                <a:spcPts val="0"/>
+              </a:spcAft>
+            </a:pPr>
+            <a:r>
+              <a:rPr lang="en-US" dirty="0">
+                <a:effectLst/>
+              </a:rPr>
+              <a:t>Performance improvement over virtual methods</a:t>
+            </a:r>
+          </a:p>
+          <a:p>
+            <a:pPr lvl="1" indent="-342900">
+              <a:spcBef>
+                <a:spcPts val="0"/>
+              </a:spcBef>
+              <a:spcAft>
+                <a:spcPts val="0"/>
+              </a:spcAft>
+            </a:pPr>
+            <a:r>
+              <a:rPr lang="en-US" dirty="0">
+                <a:effectLst/>
+              </a:rPr>
+              <a:t>Maybe… profile it</a:t>
+            </a:r>
+          </a:p>
+          <a:p>
+            <a:pPr indent="-342900">
+              <a:spcBef>
+                <a:spcPts val="0"/>
+              </a:spcBef>
+              <a:spcAft>
+                <a:spcPts val="0"/>
+              </a:spcAft>
+            </a:pPr>
+            <a:r>
+              <a:rPr lang="en-US" b="1" dirty="0">
+                <a:effectLst/>
+              </a:rPr>
+              <a:t>Drawbacks?</a:t>
+            </a:r>
+          </a:p>
+          <a:p>
+            <a:pPr lvl="1" indent="-342900">
+              <a:spcBef>
+                <a:spcPts val="0"/>
+              </a:spcBef>
+              <a:spcAft>
+                <a:spcPts val="0"/>
+              </a:spcAft>
+            </a:pPr>
+            <a:r>
+              <a:rPr lang="en-US" b="1" dirty="0">
+                <a:effectLst/>
+              </a:rPr>
+              <a:t>Compile-time only</a:t>
+            </a:r>
+          </a:p>
+          <a:p>
+            <a:pPr lvl="1" indent="-342900">
+              <a:spcBef>
+                <a:spcPts val="0"/>
+              </a:spcBef>
+              <a:spcAft>
+                <a:spcPts val="0"/>
+              </a:spcAft>
+            </a:pPr>
+            <a:r>
+              <a:rPr lang="en-US" b="1" dirty="0">
+                <a:effectLst/>
+              </a:rPr>
+              <a:t>No support for polymorphic containers (i.e. vector&lt;</a:t>
+            </a:r>
+            <a:r>
+              <a:rPr lang="en-US" b="1" dirty="0" err="1">
+                <a:effectLst/>
+              </a:rPr>
+              <a:t>base_class</a:t>
+            </a:r>
+            <a:r>
+              <a:rPr lang="en-US" b="1" dirty="0">
+                <a:effectLst/>
+              </a:rPr>
+              <a:t>&gt;)</a:t>
+            </a:r>
+          </a:p>
+        </p:txBody>
+      </p:sp>
+    </p:spTree>
+    <p:extLst>
+      <p:ext uri="{BB962C8B-B14F-4D97-AF65-F5344CB8AC3E}">
+        <p14:creationId xmlns:p14="http://schemas.microsoft.com/office/powerpoint/2010/main" val="485680670"/>
+      </p:ext>
+    </p:extLst>
+  </p:cSld>
+  <p:clrMapOvr>
+    <a:masterClrMapping/>
+  </p:clrMapOvr>
+</p:sld>
+</file>
+
+<file path=ppt/slides/slide33.xml><?xml version="1.0" encoding="utf-8"?>
+<p:sld xmlns:a="http://schemas.openxmlformats.org/drawingml/2006/main" xmlns:r="http://schemas.openxmlformats.org/officeDocument/2006/relationships" xmlns:p="http://schemas.openxmlformats.org/presentationml/2006/main">
+  <p:cSld>
+    <p:spTree>
+      <p:nvGrpSpPr>
+        <p:cNvPr id="1" name=""/>
+        <p:cNvGrpSpPr/>
+        <p:nvPr/>
+      </p:nvGrpSpPr>
+      <p:grpSpPr>
+        <a:xfrm>
+          <a:off x="0" y="0"/>
+          <a:ext cx="0" cy="0"/>
+          <a:chOff x="0" y="0"/>
+          <a:chExt cx="0" cy="0"/>
+        </a:xfrm>
+      </p:grpSpPr>
+      <p:sp>
+        <p:nvSpPr>
+          <p:cNvPr id="2" name="Title 1">
+            <a:extLst>
+              <a:ext uri="{FF2B5EF4-FFF2-40B4-BE49-F238E27FC236}">
+                <a16:creationId xmlns:a16="http://schemas.microsoft.com/office/drawing/2014/main" id="{6A0D372F-663F-43BE-881D-CD60085470A1}"/>
+              </a:ext>
+            </a:extLst>
+          </p:cNvPr>
+          <p:cNvSpPr>
+            <a:spLocks noGrp="1"/>
+          </p:cNvSpPr>
+          <p:nvPr>
+            <p:ph type="ctrTitle"/>
+          </p:nvPr>
+        </p:nvSpPr>
+        <p:spPr/>
+        <p:txBody>
+          <a:bodyPr/>
+          <a:lstStyle/>
+          <a:p>
+            <a:r>
+              <a:rPr lang="en-US" dirty="0"/>
+              <a:t>Thank You!</a:t>
+            </a:r>
+          </a:p>
+        </p:txBody>
+      </p:sp>
+      <p:sp>
+        <p:nvSpPr>
+          <p:cNvPr id="3" name="Subtitle 2">
+            <a:extLst>
+              <a:ext uri="{FF2B5EF4-FFF2-40B4-BE49-F238E27FC236}">
+                <a16:creationId xmlns:a16="http://schemas.microsoft.com/office/drawing/2014/main" id="{09AAFC83-1EC3-4F57-AA0D-1E3EC06FED57}"/>
+              </a:ext>
+            </a:extLst>
+          </p:cNvPr>
+          <p:cNvSpPr>
+            <a:spLocks noGrp="1"/>
+          </p:cNvSpPr>
+          <p:nvPr>
+            <p:ph type="subTitle" idx="1"/>
+          </p:nvPr>
+        </p:nvSpPr>
+        <p:spPr>
+          <a:xfrm>
+            <a:off x="1370693" y="3598339"/>
+            <a:ext cx="9440034" cy="2777061"/>
+          </a:xfrm>
+        </p:spPr>
+        <p:txBody>
+          <a:bodyPr>
+            <a:normAutofit/>
+          </a:bodyPr>
+          <a:lstStyle/>
+          <a:p>
+            <a:endParaRPr lang="en-US" dirty="0">
+              <a:ln>
+                <a:noFill/>
+              </a:ln>
+              <a:effectLst/>
+            </a:endParaRPr>
+          </a:p>
+          <a:p>
+            <a:r>
+              <a:rPr lang="en-US" dirty="0">
+                <a:ln>
+                  <a:noFill/>
+                </a:ln>
+                <a:effectLst/>
+              </a:rPr>
+              <a:t>github.com/capsocrates/</a:t>
+            </a:r>
+            <a:r>
+              <a:rPr lang="en-US" dirty="0" err="1">
+                <a:ln>
+                  <a:noFill/>
+                </a:ln>
+                <a:effectLst/>
+              </a:rPr>
+              <a:t>crtp</a:t>
+            </a:r>
+            <a:r>
+              <a:rPr lang="en-US" dirty="0">
+                <a:ln>
+                  <a:noFill/>
+                </a:ln>
+                <a:effectLst/>
+              </a:rPr>
+              <a:t>-meetup-talk</a:t>
+            </a:r>
+          </a:p>
+          <a:p>
+            <a:r>
+              <a:rPr lang="en-US" dirty="0">
+                <a:ln>
+                  <a:noFill/>
+                </a:ln>
+                <a:effectLst/>
+              </a:rPr>
+              <a:t>joseph.michael.chadwick@gmail.com</a:t>
+            </a:r>
+          </a:p>
+        </p:txBody>
+      </p:sp>
+    </p:spTree>
+    <p:extLst>
+      <p:ext uri="{BB962C8B-B14F-4D97-AF65-F5344CB8AC3E}">
+        <p14:creationId xmlns:p14="http://schemas.microsoft.com/office/powerpoint/2010/main" val="2652711350"/>
       </p:ext>
     </p:extLst>
   </p:cSld>
